--- a/marktoberdorf_slides/Marktoberdorf2014_2.pptx
+++ b/marktoberdorf_slides/Marktoberdorf2014_2.pptx
@@ -34,8 +34,8 @@
     <p:sldId id="545" r:id="rId25"/>
     <p:sldId id="555" r:id="rId26"/>
     <p:sldId id="549" r:id="rId27"/>
-    <p:sldId id="373" r:id="rId28"/>
-    <p:sldId id="539" r:id="rId29"/>
+    <p:sldId id="556" r:id="rId28"/>
+    <p:sldId id="373" r:id="rId29"/>
     <p:sldId id="383" r:id="rId30"/>
   </p:sldIdLst>
   <p:sldSz cx="12192000" cy="6858000"/>
@@ -487,15 +487,15 @@
           <inkml:trace contextRef="#ctx0" brushRef="#br0">2803-323 133 0,'0'0'109'0,"-17"9"3"15,17-9-3 1,-10 22-64-16,15 1-16 16,-4 3-5-16,14 21-4 0,-4 14-6 0,12 18-2 15,-2 22 0-15,9 21-3 16,-1 20-4 0,4 13-1-16,-2 10-1 15,-4 1-2-15,-2-3 6 16,-4-7-3-16,-8-20-2 15,-5-16 2-15,-5-27 1 16,-3-21 0-16,-3-21-2 0,1-25 0 0,2-26-7 16,0 0-3-16,2-37-2 31,1-8-2-31,7-5 2 16,-3-7 1-16,2-4-4 15,-5 4 3-15,-3 4 3 0,-4 8 9 16,-7 3 3-16,-4 11 6 15,-9-2-2-15,3 10 2 0,-7-5 7 16,7 3-1-16,-1-11-2 16,8-1-1-16,6-10-1 15,10-1-3-15,7-9 0 16,11-1-4-16,9-2 0 16,7 5-2-1,9 4 0-15,8 11-4 16,3 5 1-16,1 11-2 15,1 8 0-15,-2 7 1 0,-2 7-1 16,-2 7-1-16,-3 4 0 16,-6 7 0-16,-7 5 0 15,-4 9-1 1,-5 9-2-16,-5 7 1 0,-7 12-2 0,-8 7 3 0,-6 8-3 31,-9 2 1-31,-6 2 0 16,-8 1 3-16,-7-2 4 0,-8-1 1 15,-8-5 2 1,-6-7-2-16,-12-8 3 16,-5-9-3-16,-1-13 2 15,-2-14-5-15,1-21-9 0,6-20-6 16,14-16-16 0,6-26-18-16,34-6-78 15,2-22-11-15,25 5-2 16,5-12 0-16</inkml:trace>
           <inkml:trace contextRef="#ctx0" brushRef="#br0" timeOffset="821.3388">4433 887 60 0,'-15'0'105'0,"15"0"3"16,0 0 3-16,-21 4-55 15,21-4-7-15,0 0-8 16,23 14-7 0,-7-23-7-16,15 3-7 15,2-11-4-15,7-3-3 0,3-10-4 16,2-4-4-1,-2-6-2-15,-3-6-4 16,-2 5 1-16,-9 0-2 16,-8 2 2-16,-8 4-1 0,-11 3 0 15,-10 8 0-15,-12 5 1 0,-12 10 2 16,-11 4 0-16,-10 8 1 16,-11 6 0-16,-4 9 1 0,-12 5 1 31,0 9 2-31,2 9 0 15,8 5 0-15,5 9-2 16,12 7 4-16,14 5-3 16,20 6 2-16,17 1-2 15,22 2 2-15,12-7 2 16,16-7-1-16,10-14 2 16,11-14-4-16,6-17-4 0,3-13 0 15,0-17-3-15,-6-13-4 16,-2-8-14-16,-10-12-7 15,4 8-26-15,-24-18-38 16,4 17-47-16,-16-9-1 0,0 10 1 16,-12-2 2-1</inkml:trace>
           <inkml:trace contextRef="#ctx0" brushRef="#br0" timeOffset="1289.4828">4967 553 61 0,'15'-13'104'32,"4"4"9"-32,6 9 0 15,-6 2-48-15,16 19-7 16,-11 3-14-16,10 16-10 16,-8 7-8-16,9 13-6 0,-9 5-9 15,0 5-2-15,-5 0-6 16,-2-1 1-16,-4-9-3 15,-2-2 1-15,-5-16-1 0,-3-7 6 16,-2-13-5-16,-3-22 4 16,4 14-3-16,-4-14-3 15,-2-25 2-15,-1-4 1 16,-2-13-1-16,0-11-6 16,-2-14 6-16,3-4-5 15,0-12 8-15,6-2 0 16,3-8 1-16,10 4 1 15,9-1 0-15,12 11 3 16,6 1-3-16,10 13 1 16,4 10-3-16,4 10-2 0,-1 13 0 15,-2 9-4-15,-8 13-2 16,-5 12-4 0,-5 12-4-16,-10 3-4 15,-3 11-15-15,-16-10-24 16,6 10-80-16,-16-14-3 0,0-14 2 15,0 0-1-15</inkml:trace>
-          <inkml:trace contextRef="#ctx0" brushRef="#br0" timeOffset="2068.768">5870-209 221 0,'-10'-41'134'0,"17"14"1"16,-7-5-1-16,19 16-79 16,-3-6-14-16,23 11-14 15,4 5-10-15,12 5-4 0,9-1-4 16,11 0-3-16,6 1-2 16,2-1-2-1,0 1-3-15,-3-2-2 0,-3-2-6 16,-10-1-8-1,-4 7-23-15,-25-10-54 0,6 12-47 16,-22-9 2 0,0 6-4-16,-22 0 0 0</inkml:trace>
+          <inkml:trace contextRef="#ctx0" brushRef="#br0" timeOffset="2068.7679">5870-209 221 0,'-10'-41'134'0,"17"14"1"16,-7-5-1-16,19 16-79 16,-3-6-14-16,23 11-14 15,4 5-10-15,12 5-4 0,9-1-4 16,11 0-3-16,6 1-2 16,2-1-2-1,0 1-3-15,-3-2-2 0,-3-2-6 16,-10-1-8-1,-4 7-23-15,-25-10-54 0,6 12-47 16,-22-9 2 0,0 6-4-16,-22 0 0 0</inkml:trace>
           <inkml:trace contextRef="#ctx0" brushRef="#br0" timeOffset="1733.6174">6430-917 136 0,'0'0'122'16,"13"44"3"-16,-16-9-1 16,5 20-36-16,-9 2-47 15,12 22-10-15,-7 5-9 16,9 19-8-16,-1 13-3 16,9 13-7-16,-2 13 5 15,7 8-10-15,-1 4 5 0,1-2-4 16,-1-1-1-16,-2-13-1 15,-3-15-1 1,-6-20-5 0,-1-18-10-16,-10-27-16 0,9-9-42 0,-11-28-57 15,5-21-1-15,-14-19-1 16,6-12 2-16</inkml:trace>
           <inkml:trace contextRef="#ctx0" brushRef="#br0" timeOffset="2453.0383">7237-246 222 0,'5'14'134'0,"4"9"-2"15,-5-4 0-15,7 9-85 16,-8-3-23-16,9 8-9 15,-9 1-12-15,-1-2-6 16,4 4-15-16,-11-14-33 16,12 3-79-16,-7-25-3 15,-7 20-3-15,-2-34 0 16</inkml:trace>
           <inkml:trace contextRef="#ctx0" brushRef="#br0" timeOffset="3068.9209">8051-111 162 0,'0'0'120'0,"0"0"1"15,-17-17-1-15,17 17-74 31,-30-20-11-31,16 14-8 0,-9-2-5 16,5 11-3-16,-5 0-3 16,5 11 1-16,0 5 0 15,5 10-1 1,2 3-4-16,9 5-1 0,4 3-5 16,7 2-1-16,8-1-3 15,7-3-1-15,6 1-3 16,4-5 2-16,5 1-1 15,-2-1 3-15,-1-3 2 16,-2-2-4-16,-8 1 4 0,-4-2-4 16,-11-2 5-16,-4-2-5 15,-11-3 4-15,-7-2-5 16,-7 0 2-16,-10-1-1 16,-3 1-1-1,-5-2 1-15,-4 0-2 0,-4-3-2 16,1 2-5-16,3-9-9 15,12 4-26-15,-8-17-94 0,36 6-3 16,-24-36 0 0,27 1-6-16</inkml:trace>
           <inkml:trace contextRef="#ctx0" brushRef="#br0" timeOffset="-2935.2785">30-216 186 0,'-1'-20'123'0,"1"20"0"16,-7-25 0-16,7 25-78 15,0 0-13 1,0 0-7-16,-18 3-8 15,15 20-5-15,0 11-6 16,6 16-1-16,2 18-5 16,5 18 5-16,3 23-1 0,6 21-2 15,6 25-1-15,1 12-1 0,2 8 4 16,-6 4-3-16,1-5 3 16,-3-8-5-16,-6-14 0 15,-4-24 0-15,-5-27-3 16,-5-27-8-16,3-16-18 15,-9-36-24 1,6-22-73-16,5-19-1 16,0-23-1-16,-5-28 2 15</inkml:trace>
           <inkml:trace contextRef="#ctx0" brushRef="#br0" timeOffset="-2531.3072">957-431 162 0,'0'0'117'16,"-11"19"-1"-16,11-19 3 15,-11 37-65-15,4-10-25 16,7 18-7-16,0 11-7 16,7 18 0-16,1 18-6 0,8 23 3 15,2 18-6-15,8 18 0 16,0 14-3-1,2 3-4-15,1 1 2 16,-1-7-6-16,1-9 0 16,-8-22-16-16,4-10-19 0,-15-34-82 15,4-14-2-15,-7-26 0 16,-1-16-4-16</inkml:trace>
           <inkml:trace contextRef="#ctx0" brushRef="#br0" timeOffset="-2158.3496">175 910 111 0,'-13'-17'112'0,"2"-11"2"16,13 0 4-16,-6-12-61 0,22 12-6 16,-5-13-7-16,18 13-6 15,-1-1-7-15,15 10-8 16,6 5-4 0,11 11-8-16,4 6-3 0,9 7-3 15,5 2-3 1,2 3 0-16,1-4-3 0,-3-1-1 15,-5-7-4-15,-9-8-5 16,-2 2-13-16,-17-13-25 0,4 10-81 16,-20-8 0-16,-4 11-5 15,-27 3 1-15</inkml:trace>
-          <inkml:trace contextRef="#ctx0" brushRef="#br0" timeOffset="-1817.1622">1577 753 231 0,'0'0'128'0,"0"20"-2"16,5 1 0-16,-12-1-94 15,14 14-10-15,-3 3-8 16,8 14-2-16,-2 4-5 16,1 13-2-16,0 1 3 15,-1 2-6-15,2 1-3 0,-6-7-10 16,4-2-13-16,-12-22-40 15,9-4-62-15,-9-21-3 0,2-16-5 16,-2-24 2-16</inkml:trace>
-          <inkml:trace contextRef="#ctx0" brushRef="#br0" timeOffset="-1574.504">1539 130 200 0,'-19'-17'127'15,"-7"-3"0"-15,6 9 1 16,-6-9-88-16,11 10-11 0,-3-2-6 16,18 12-8-16,-18-19-2 15,18 19-7-15,0 0-12 0,0 0-33 16,17-3-87-1,-17 3-5-15,29 14-4 16,-14-9-5-16</inkml:trace>
+          <inkml:trace contextRef="#ctx0" brushRef="#br0" timeOffset="-1817.1619">1577 753 231 0,'0'0'128'0,"0"20"-2"16,5 1 0-16,-12-1-94 15,14 14-10-15,-3 3-8 16,8 14-2-16,-2 4-5 16,1 13-2-16,0 1 3 15,-1 2-6-15,2 1-3 0,-6-7-10 16,4-2-13-16,-12-22-40 15,9-4-62-15,-9-21-3 0,2-16-5 16,-2-24 2-16</inkml:trace>
+          <inkml:trace contextRef="#ctx0" brushRef="#br0" timeOffset="-1574.5039">1539 130 200 0,'-19'-17'127'15,"-7"-3"0"-15,6 9 1 16,-6-9-88-16,11 10-11 0,-3-2-6 16,18 12-8-16,-18-19-2 15,18 19-7-15,0 0-12 0,0 0-33 16,17-3-87-1,-17 3-5-15,29 14-4 16,-14-9-5-16</inkml:trace>
           <inkml:trace contextRef="#ctx0" brushRef="#br0" timeOffset="-1118.4297">2064-114 5 0,'-8'-43'97'16,"4"1"4"-16,4 8 2 15,0-2-41-15,7 20-10 32,-9-1-1-32,2 17-10 0,0 0-6 0,15 27-7 0,-17-4-4 15,9 14-3-15,-6 4-4 16,8 15-1-16,-5 4-2 31,8 12 0-31,-2 12-2 16,6 9-3-16,2 11-2 15,0 14-4-15,3 11-1 16,3 4-2-16,-1 3 5 16,0-7-4-16,-2-10-2 15,-3-12-1-15,-2-15-4 16,-7-22-10-16,2-16-22 0,-18-26-88 0,7-14-7 31,0-14 1-31,-16-34-5 0</inkml:trace>
         </inkml:traceGroup>
       </inkml:traceGroup>
@@ -527,7 +527,7 @@
           <inkml:trace contextRef="#ctx0" brushRef="#br0" timeOffset="4247.5893">2975 3185 99 0,'0'0'115'16,"0"0"2"-1,0 0 1-15,0 0-67 16,-4 31-13-16,3-3-7 0,7 17-6 16,-1 9-8-1,10 18-1-15,-1 15-1 0,8 13-4 16,2 15 0-16,7 11-4 15,0 8 0-15,3 1-1 0,-3-4-1 16,0-6-3 0,-2-8-4-16,-4-18 0 0,-2-15-10 15,-9-26-11 1,6-13-30-16,-12-28-71 0,8-17-5 0,-4-17-7 16,2-24 3-16</inkml:trace>
           <inkml:trace contextRef="#ctx0" brushRef="#br0" timeOffset="4867.7492">4905 3094 195 0,'0'0'126'0,"-23"-7"4"16,-1 11-33-16,-17-10-55 15,2 11-7-15,-16-5-10 16,-2 11-5-16,-13 1-6 0,-4 10-2 15,-10 1-4-15,-4 8-3 16,-5 5-1-16,3 6-2 16,4 8-2-16,4 6 1 15,12 9-2-15,13 5 1 16,20 9 2-16,16 8-3 16,21 8 1-16,21 7-2 15,21 4 1-15,20-2-1 16,18-6 2-16,14-10-4 15,14-15-2-15,8-18 1 16,7-23-2-16,0-28-1 16,4-23-3-16,-10-23-4 15,-1-12-1-15,-12-18-4 0,-9-6 5 16,-14-13-1-16,-9 1 0 16,-19-5 6-16,-13 3 3 15,-16 1 7 1,-14-1 4-16,-12 3 4 0,-17 4-3 15,-11 9 1-15,-15 4 3 16,-11 9-3-16,-7 7-1 16,-4 8 0-16,2 7-6 0,3 2-8 15,15 14-46 1,9 5-63-16,15 3-1 0,17 2-5 16,14-6 1-16</inkml:trace>
           <inkml:trace contextRef="#ctx0" brushRef="#br0" timeOffset="5351.0081">6158 2335 162 0,'3'18'123'0,"-3"-18"-1"0,-1 27 1 15,-4-10-77-15,13 17-14 16,-6 3-9-16,9 16-8 15,-1 12-8-15,6 13-9 16,0 9-3-16,4 6-7 16,3 8-15-16,-9-7-14 15,14 2-35-15,-12-15-51 16,-2-13-4-16,-8-15 8 0,-6-21 15 16</inkml:trace>
-          <inkml:trace contextRef="#ctx0" brushRef="#br0" timeOffset="5606.4717">5837 2930 151 0,'0'0'132'0,"-18"1"-3"31,18-1 1-31,10 14-51 16,10 0-44-16,-1-7-14 15,17 3-10-15,5-7-2 16,13 1-6-16,9-6-8 0,4-10-8 16,14 4-23-1,-2-15-40-15,9 4-53 0,-2-6-4 0,0 0 0 16,-8-4-2-16</inkml:trace>
+          <inkml:trace contextRef="#ctx0" brushRef="#br0" timeOffset="5606.4716">5837 2930 151 0,'0'0'132'0,"-18"1"-3"31,18-1 1-31,10 14-51 16,10 0-44-16,-1-7-14 15,17 3-10-15,5-7-2 16,13 1-6-16,9-6-8 0,4-10-8 16,14 4-23-1,-2-15-40-15,9 4-53 0,-2-6-4 0,0 0 0 16,-8-4-2-16</inkml:trace>
           <inkml:trace contextRef="#ctx0" brushRef="#br0" timeOffset="6175.6885">7018 2035 232 0,'0'0'130'15,"-14"26"1"-15,17 12-4 0,-5-1-92 16,14 22-7-16,-4 5-9 16,7 16-6-16,-1 7-2 15,4 2-2-15,-1-2-4 0,2 0 1 16,-1-5-4 0,0-10-2-16,-2-12 1 15,-1-11-1-15,-2-12-1 0,0-11-1 0,-3-7 0 16,-10-19 2-16,18 1-1 15,-18-1 3-15,14-29-2 16,-2 6 1-16,1-5 0 31,3-2 0-31,2-3 0 16,5 1-2-16,3-1 2 16,5 4-2-16,3 2 2 0,3 1-1 0,4 3 0 15,2 1 1-15,-1 6-1 16,0 4 0-16,-3 4 1 15,-4 8 1 1,-6 6 0-16,-5 7 0 16,-6 5-1-16,-5 7 2 0,-1 5 0 15,-2 2 1-15,-1 1-1 16,4 3 2-16,4-5-1 16,4-3 2-16,3-11-3 15,6-8-3-15,5-6-4 16,3-14-13-16,8 2-33 15,-16-17-94-15,18-5 3 16,-8-8-6-16,3 0 2 16</inkml:trace>
         </inkml:traceGroup>
       </inkml:traceGroup>
@@ -559,7 +559,7 @@
           <inkml:trace contextRef="#ctx0" brushRef="#br0" timeOffset="6864.4071">5436 5824 187 0,'23'5'128'16,"-13"13"4"-16,3 18-2 15,-11 9-91-15,17 24-5 16,-4 4-8-16,8 20-8 15,0 9-6-15,4 13-5 0,1 3-3 16,0 0-5 0,-1-3-5-16,-4-9-8 0,3-8-13 0,-11-23-27 31,4-12-76-31,-12-25-2 16,-1-20-3-16,-6-18 0 15</inkml:trace>
           <inkml:trace contextRef="#ctx0" brushRef="#br0" timeOffset="7341.3642">5329 5743 166 0,'-21'17'122'16,"21"-17"6"-16,-15-12-2 15,4-19-85 1,17-5-3-16,-1-20-9 16,15-7-7-16,1-14-3 15,18 1-4-15,8 2-6 0,17 4-1 16,14 11-5-16,16 12-4 16,17 16-2-16,10 19-2 15,9 16 0 1,0 12 0-16,1 9 0 15,-9 10 0-15,-8 11 1 0,-18 5 0 16,-18 8 0-16,-16 5 3 16,-24 5 2-16,-14 6-2 15,-16 4 3-15,-19 1-1 0,-14-3 2 0,-12 1-1 16,-14-7 3-16,-9-5-2 31,-7-10-1-31,-8-8 2 16,-6-8-6-16,-9-9-3 15,2-4-4-15,-3-10-1 16,10-2-9-16,4-9-13 16,22 7-33-16,3-12-64 0,24-4 2 15,28 3 0-15,-12-25 2 16</inkml:trace>
           <inkml:trace contextRef="#ctx0" brushRef="#br0" timeOffset="8342.5143">7396 6239 162 0,'12'48'101'0,"-4"2"0"0,2 1 4 16,1 2-84-16,-4-6-2 15,2-1-2-15,-5-12 3 0,2-3-2 16,-9-12 2-16,3-5-1 0,0-14-4 31,0 0-3-31,-18-22-2 16,12-1 1-16,-3-10-3 15,3-7 1-15,-2-11-2 16,3-10 1-16,2-9-2 0,3-6 2 16,3-11 2-16,8-1-4 15,6-9-1-15,7 1 2 16,9 1-1 0,11 8 0-16,6 8-1 0,10 15 0 15,4 14-6 1,4 15 2-16,-1 19-2 0,-5 12-1 15,-3 14-3-15,-14 7-6 16,-6 18-13-16,-16-12-37 0,-5 13-69 16,-13-7-1-16,-5-2-2 15,-8-9-2-15</inkml:trace>
-          <inkml:trace contextRef="#ctx0" brushRef="#br0" timeOffset="8859.87">8688 5423 155 0,'4'16'115'0,"-9"-2"4"16,5-14-2-16,-26 25-55 15,0-22-33-15,3 6-1 0,-11-4-8 16,-1 7-2-16,-7-1-2 16,0 8-2-16,-7 7 0 15,3 11-4-15,1 5 0 32,7 11-1-32,4 8-1 0,10 6-3 0,10 1 1 31,18 2-1-31,15-6-2 15,15-10-1-15,15-11-2 0,15-16-3 0,16-19-2 0,6-21-3 32,10-16-1-32,-6-21-4 0,3-12 1 0,-9-17 0 31,-7-2 1-31,-12-5 3 0,-16 6 2 0,-15 3 4 31,-16 12 1-31,-11 9 3 16,-15 11-2-16,-12 13 2 15,-9 10 0-15,-9 6-1 16,-7 9-2-16,-6 2 0 16,1 5-3-16,-1 0-10 15,14 6-22-15,-3-7-43 0,21 2-44 16,19-1-3-16,0 0 0 16,19-25-2-16</inkml:trace>
+          <inkml:trace contextRef="#ctx0" brushRef="#br0" timeOffset="8859.8697">8688 5423 155 0,'4'16'115'0,"-9"-2"4"16,5-14-2-16,-26 25-55 15,0-22-33-15,3 6-1 0,-11-4-8 16,-1 7-2-16,-7-1-2 16,0 8-2-16,-7 7 0 15,3 11-4-15,1 5 0 32,7 11-1-32,4 8-1 0,10 6-3 0,10 1 1 31,18 2-1-31,15-6-2 15,15-10-1-15,15-11-2 0,15-16-3 0,16-19-2 0,6-21-3 32,10-16-1-32,-6-21-4 0,3-12 1 0,-9-17 0 31,-7-2 1-31,-12-5 3 0,-16 6 2 0,-15 3 4 31,-16 12 1-31,-11 9 3 16,-15 11-2-16,-12 13 2 15,-9 10 0-15,-9 6-1 16,-7 9-2-16,-6 2 0 16,1 5-3-16,-1 0-10 15,14 6-22-15,-3-7-43 0,21 2-44 16,19-1-3-16,0 0 0 16,19-25-2-16</inkml:trace>
           <inkml:trace contextRef="#ctx0" brushRef="#br0" timeOffset="9525.57">9632 4347 202 0,'0'0'124'0,"26"0"2"16,-15 17-2-1,9 15-86-15,-9 7-11 16,9 19-5-16,-1 12-7 16,4 17-3-16,5 14-4 0,1 15-1 15,4 8-1-15,-2 7-1 16,1 3 1-16,1-2-4 16,-2-10-1-16,-5-8 0 15,-3-19 0-15,-5-19-3 16,-5-19 1-16,-2-18-1 15,-3-20-3-15,-8-19 1 16,8-16 0-16,-8-15-1 0,-1-13 3 16,-4-11 0-1,-2-11 0-15,-1-4 2 16,5-3 1-16,1 0 5 16,2-1 2-16,7 5 4 0,4 6-1 15,10 10 2 1,6 5 0-16,7 15-1 15,2 10-2 1,4 12-5-16,6 14-2 16,0 13-3-16,1 10-2 15,-2 10 2-15,1 9-2 16,-4 3 3-16,-4 6-1 16,-6 1 2-16,-5 2 1 0,-8 2-2 15,-11-1 5-15,-6-1-3 16,-10-1 4-16,-10 0-2 15,-10-3 2-15,-8 0-4 16,-9-8 2-16,-8-5-1 16,-5-6-2-16,-7-7-3 15,-7-10-5-15,-3-14-4 16,5-9-8-16,0-21-10 16,16-2-22-16,0-24-46 15,22-1-41-15,9-15-3 0,21-5 5 16,12-9 1-16</inkml:trace>
           <inkml:trace contextRef="#ctx0" brushRef="#br0" timeOffset="9913.4939">10818 4073 192 0,'2'25'131'31,"4"8"2"-31,-1 6 4 15,6 21-67-15,-6-2-33 16,13 19-6-16,-5 9-5 0,12 18-5 16,-1 8-6-16,2 14-2 15,4 9-5-15,-3 3 1 16,1 5-4-16,-4-6-1 16,-4-12-7-16,-10-13-4 15,-2-15-11-15,-13-34-23 16,7-13-66-16,-14-31-31 15,12-19-1-15,-23-31-1 16</inkml:trace>
           <inkml:trace contextRef="#ctx0" brushRef="#br0" timeOffset="10481.2339">11448 5352 271 0,'22'1'123'0,"4"-1"-3"16,8-3 1-16,-3-4-95 15,11 2-10-15,-1-6-4 0,5-3-5 16,-2-6-1-16,0-2-3 0,-5-6 0 16,-3-3-1-16,-7-6 0 15,-3-1-1 1,-6 0 1-16,-6 2-3 16,-7 2 1-16,-6 0-1 15,-6 6 3-15,-8 3-2 16,-6 6 3-16,-6 7 2 15,-7 4 0-15,-6 9 3 16,-7 7 1-16,-4 12 0 16,-7 8-1-16,1 16 3 0,0 9-1 15,3 13 1-15,1 12-2 16,5 6-1-16,9 11 0 16,9-2-1-16,12-1 0 15,13-7-2-15,9-10 0 16,15-13-4-16,14-14 1 0,10-15-1 15,9-19-1 1,6-13-3-16,4-12-3 0,-1-12-7 16,3-5-11-16,-13-17-26 0,6 3-84 31,-15-9-4-31,-2 4 0 16,-9-4 1-16</inkml:trace>
@@ -648,13 +648,13 @@
           <inkml:trace contextRef="#ctx0" brushRef="#br0">927 4 156 0,'0'0'112'15,"0"0"0"-15,0 0 2 16,-45 3-74-16,45-3-8 16,-45 0-3-16,20 6 0 15,-20-6-7-15,6 17-6 16,-20 5-2-16,0 20-3 16,-20 9-4-16,1 16 0 15,-7 9-4-15,1 9 2 0,0 5-3 16,8 2-1-16,17-10-1 15,14-12 0 1,25-11-1-16,23-17-1 16,31-19 1-16,19-15 0 0,23-8 0 15,14-11 1-15,19-6 0 16,12 3-1-16,6 6 0 16,-4 10 0-16,-2 18 2 15,-6 14-5-15,-11 8 5 0,-12 8-6 16,-19 7 5-16,-16 4-3 15,-15-2 4-15,-17-2-4 16,-14-10 2-16,-14-4 1 16,-8-7 0-16,-17-5 1 15,-8-3 0-15,-15-3 1 16,-11 1 1-16,-13-4-1 16,-15-5 0-16,-11 3 0 0,-12-6-1 15,4-6-1-15,5-2-5 16,11-15-6-16,26-2-10 15,14-31-21-15,55 8-83 16,10-30 0-16,47 5-5 16,11-31 1-16</inkml:trace>
           <inkml:trace contextRef="#ctx0" brushRef="#br0" timeOffset="493.0299">2106 617 151 0,'0'0'117'15,"-14"37"6"-15,14-37-2 0,-39 45-58 16,0-31-24-16,13 19-4 16,-19-13-12-16,6 14-11 15,-9-3 3-15,6 14-7 16,-5 2 3-16,7 12-6 16,7 6 6-16,13 8-8 15,11 0 6-15,18 3-4 16,11-11-2-16,16-9-1 15,17-17-1-15,6-19-1 16,9-23 0-16,2-17 0 16,0-19-1-16,-3-14 0 15,-5-6 1-15,-14-6-1 16,-14 6 1-16,-15 3-1 0,-16 8-4 16,-11 9 2-16,-15 8-6 15,-16 5 1-15,-9 12-7 16,-5 0 2-16,11 14-9 15,-9-8-10-15,23 19-21 16,-11-16-74-16,39 5 2 16,0 0-1-16,0 0 4 15</inkml:trace>
           <inkml:trace contextRef="#ctx0" brushRef="#br0" timeOffset="967.2209">2637-77 211 0,'0'0'123'0,"-3"34"3"16,-5-6-1-16,22 31-76 15,-20-3-18 1,23 31-4-16,-6 9-9 16,14 27-1-16,4 12-6 0,10 11-5 15,0 3 1-15,6-3-5 16,-3-8 1-16,0-11-6 16,0-18 0-16,-11-36-15 15,6-19-6-15,-37-54-26 16,56 2-82-16,-50-41 1 15,13-11-4-15,-19-32 0 16</inkml:trace>
-          <inkml:trace contextRef="#ctx0" brushRef="#br0" timeOffset="1508.6737">3294 727 190 0,'0'0'121'0,"0"0"-1"15,20 25 4-15,-20-25-80 16,0 0-10-16,-6 37-6 16,17 5-6-16,-5 0-1 0,8 17-8 15,3 0 2-15,5 5-8 16,3-5 2-1,6-8-6-15,3-9 2 16,3-14-4-16,5-11 0 0,3-20-1 16,-1-16-5-16,-1-15 1 15,4-14-6-15,-7-19 2 16,2-6-4-16,-14-9 5 16,-3 6-6-16,-11 0 7 15,-11 9-2-15,-11 8 6 16,-7 11 3-16,-4 20-1 15,19 28 3-15,-42-20 0 16,42 20 1-16,-31 23 1 16,28 2 0-1,14 6 1-15,6 14-1 16,11 8 0-16,6 4 3 16,8 10-5-16,6 3 3 0,2 3-4 15,1 3 3-15,-3-3-6 16,-6-11 4-1,0-6-7-15,-6-13-5 0,-10-29-12 16,7 0-29-16,-24-45-79 16,16-9-5-16,-22-38 0 15,11-12-3-15</inkml:trace>
+          <inkml:trace contextRef="#ctx0" brushRef="#br0" timeOffset="1508.6734">3294 727 190 0,'0'0'121'0,"0"0"-1"15,20 25 4-15,-20-25-80 16,0 0-10-16,-6 37-6 16,17 5-6-16,-5 0-1 0,8 17-8 15,3 0 2-15,5 5-8 16,3-5 2-1,6-8-6-15,3-9 2 16,3-14-4-16,5-11 0 0,3-20-1 16,-1-16-5-16,-1-15 1 15,4-14-6-15,-7-19 2 16,2-6-4-16,-14-9 5 16,-3 6-6-16,-11 0 7 15,-11 9-2-15,-11 8 6 16,-7 11 3-16,-4 20-1 15,19 28 3-15,-42-20 0 16,42 20 1-16,-31 23 1 16,28 2 0-1,14 6 1-15,6 14-1 16,11 8 0-16,6 4 3 16,8 10-5-16,6 3 3 0,2 3-4 15,1 3 3-15,-3-3-6 16,-6-11 4-1,0-6-7-15,-6-13-5 0,-10-29-12 16,7 0-29-16,-24-45-79 16,16-9-5-16,-22-38 0 15,11-12-3-15</inkml:trace>
           <inkml:trace contextRef="#ctx0" brushRef="#br0" timeOffset="1796.0413">4293-282 138 0,'0'0'118'0,"0"0"6"15,31 53-1-15,-25-25-39 16,14 29-47 0,-12-10-6-16,23 29-5 0,-6 0-6 15,15 20-2-15,-4-1-5 16,15 18 0-16,-1 5-6 15,6 8-3-15,-2-2 1 16,-1-1-4-16,-3-7-2 16,-2-12-9-16,-6-12-4 15,-16-24-21-15,7-4-30 16,-33-64-69-16,23 37-3 0,-23-37 2 16,-17-51-3-16</inkml:trace>
           <inkml:trace contextRef="#ctx0" brushRef="#br0" timeOffset="2030.4753">4184 437 282 0,'0'0'139'15,"67"26"0"-15,-30-29-5 16,22 8-107-16,-3-10-10 0,20 5-3 15,8-6-9-15,3 0-6 16,3 1-11-16,-6-9-11 16,6 14-25-16,-31-20-73 15,14 15-12-15,-34-18-4 16,6 17 2-16</inkml:trace>
           <inkml:trace contextRef="#ctx0" brushRef="#br0" timeOffset="2346.895">5476 448 165 0,'0'0'126'15,"5"34"5"-15,-5-34-2 16,-3 48-48-16,-5-23-45 16,22 23-6-16,-6 3-8 15,12 19-8-15,-3 3-1 16,11 11-7-16,3 1 0 16,0-4-6-1,0-5-3-15,-6-11-17 16,6-4-22-16,-31-61-92 15,25 37-2-15,-25-65-3 16,3-9-2-16</inkml:trace>
           <inkml:trace contextRef="#ctx0" brushRef="#br0" timeOffset="2528.8579">5178 238 333 0,'-28'25'141'0,"14"26"-4"16,14-51-6-16,-31 45-129 16,39-20-25-16,-8-25-42 15,48 8-68-15,-14-22-4 16,28 6-2-16,-4-26-2 16</inkml:trace>
           <inkml:trace contextRef="#ctx0" brushRef="#br0" timeOffset="3367.6894">6921 659 206 0,'45'65'127'15,"-14"-9"2"-15,6 20-4 16,-23-20-78-16,17 14-23 15,-14-16-1-15,5-4-12 16,-5-19 3-16,-17-31-5 16,34 31-2-16,-34-31 1 15,0 0-2-15,25-48 0 16,-25 3-4-16,-3-8 6 0,-3-9-7 16,1-2 3-16,2-9-5 15,6 2 4 1,8 1-5-16,6 3 5 15,11 13-2-15,8 12-1 0,12 14 1 16,11 11 0-16,3 17-1 16,8 14 1-16,3 20-1 15,6 11 1-15,2 11 0 16,1 11 0-16,-7 9 2 16,1 6-6-16,-8-6 7 31,-7-3-8-31,-10-6 1 15,-9-11-13-15,-5 1-17 0,-37-57-64 16,19 42-44-16,-19-42 0 16,-25-20-5-16,-14-22-1 15</inkml:trace>
-          <inkml:trace contextRef="#ctx0" brushRef="#br0" timeOffset="4260.4034">8822 626 214 0,'31'14'125'15,"-31"-14"-3"-15,0 0 2 16,0 0-87-16,0 0-11 15,0 0-12-15,11-26-10 0,-11 26-9 16,0 0-13-16,26 6-30 16,-26-6-75-16,0 0 2 15,14 25-6-15,-14-25 0 16</inkml:trace>
+          <inkml:trace contextRef="#ctx0" brushRef="#br0" timeOffset="4260.4032">8822 626 214 0,'31'14'125'15,"-31"-14"-3"-15,0 0 2 16,0 0-87-16,0 0-11 15,0 0-12-15,11-26-10 0,-11 26-9 16,0 0-13-16,26 6-30 16,-26-6-75-16,0 0 2 15,14 25-6-15,-14-25 0 16</inkml:trace>
           <inkml:trace contextRef="#ctx0" brushRef="#br0" timeOffset="4496.2146">8999 1235 194 0,'6'34'125'16,"-6"-34"3"-16,0 0-2 16,0 0-80-16,36-42-14 15,-16 5-10-15,11 6-9 16,-6-2-8-16,3 7-12 15,0 18-19-15,-28 8-54 16,0 0-50-16,0 0 0 0,0 0-6 16,0 0-1-16</inkml:trace>
         </inkml:traceGroup>
         <inkml:traceGroup>
@@ -958,7 +958,7 @@
           <inkml:trace contextRef="#ctx0" brushRef="#br0" timeOffset="8343.5707">22878 3335 1 0,'-14'-36'50'16,"14"36"43"-16,8-28 8 16,-8 28-48-16,0 0-4 15,-3-25 6 1,3 25 2-16,0 0-11 0,9 50-5 16,-15-25-8-16,23 18-5 15,-6-7-7-15,14 9-5 16,4 0-8-16,10 0-4 0,9-11-6 15,5-12-8 1,14-2-17-16,-16-29-28 16,22 4-56-16,-14-12-19 15,-9-8 4-15,-10-6-4 16</inkml:trace>
           <inkml:trace contextRef="#ctx0" brushRef="#br0" timeOffset="8576.8385">23501 3150 195 0,'-28'3'128'0,"17"28"4"15,-6 11-3-15,25 28-100 0,-30 17-8 16,13 28 0-16,-7 15-6 16,4 24-4-16,-4 9-7 15,1 3-1-15,4-14-2 16,-3-17 3-16,11-17-13 0,-2-34-18 15,22-19-53-15,-17-65-55 16,31-28 0-16,-3-45-3 16,2-31-2-16</inkml:trace>
           <inkml:trace contextRef="#ctx0" brushRef="#br0" timeOffset="9298.7691">23872 3293 135 0,'-9'40'120'0,"12"-15"1"0,5 3 3 15,-5 3-84-15,20 22-10 16,-6-5-3 0,16 14-9-16,1-11-6 15,2 2-7-15,-2-8-2 0,-3-6-4 16,-3-16 2-16,-28-23 0 15,39 11 0 1,-39-11 3-16,14-48-2 16,-14 9 1-16,-8-15-1 15,2-5 1-15,1-5-1 16,5-6 2-16,8 2 0 0,9 3-2 16,6 12 2-16,10 11-2 15,9 11 2-15,12 17-1 16,2 14 0-16,3 20-2 15,-3 11-1-15,-5 8-1 16,-1 9-1-16,-11 2 0 0,-8-2-1 16,-8 0 1-16,-6-12-2 15,-17-36 2-15,11 28-1 16,-11-28 1-16,0 0 1 16,-11-50-1-16,8 11 1 15,3-9-1-15,5-3 1 16,7 6 0-16,7 0 1 15,7 12 0-15,10 7 1 16,3 18 0-16,3 13 2 16,6 18 0-16,3 11-1 15,-1 8 1-15,1 14 0 16,-6 0-4-16,-3 3 0 16,-6-5-3-16,-8-4-3 15,-8-11-11-15,5 1-11 16,-25-40-26-16,23 34-67 15,-23-34-2-15,0 0-6 16,0 0 4-16</inkml:trace>
-          <inkml:trace contextRef="#ctx0" brushRef="#br0" timeOffset="9883.3538">25483 2408 146 0,'-25'98'104'15,"-3"-8"4"-15,20 6-1 16,22-6-89-16,2-3-4 16,18 3 4-16,5-9 0 15,9 12-1 1,-6 3-3-16,0 10 1 15,-14-10 1-15,6 5 0 0,-14-19-1 16,8-1 0-16,-8-19-1 16,2-9-5-16,-5-24-1 15,-17-29-1-15,39 8-2 16,-39-8-2-16,34-65 0 16,-29 12-1-16,-2-17 0 15,0-12 0-15,0-5 0 16,3-3 0-16,2 0 0 15,3 9 0-15,6 13-1 0,11 12 1 16,14 11 0-16,14 20-1 16,9 16 1-16,5 21-1 15,0 19-1-15,3 13 0 16,0 15-1-16,-11 9-1 16,-9 11-1-16,-19 2-1 15,-14-5 0-15,-15-3 1 16,-10-11 2-16,-18-9-1 0,-13-11 0 15,-15-8 0 1,-16-14 3-16,-6-9 0 16,-9-14-3-16,-5-11-3 15,-2-5-6-15,-1-18-8 0,28 12-23 16,0-29-51-16,37 7-35 16,17-7-2-16,22 4 1 15</inkml:trace>
+          <inkml:trace contextRef="#ctx0" brushRef="#br0" timeOffset="9883.3537">25483 2408 146 0,'-25'98'104'15,"-3"-8"4"-15,20 6-1 16,22-6-89-16,2-3-4 16,18 3 4-16,5-9 0 15,9 12-1 1,-6 3-3-16,0 10 1 15,-14-10 1-15,6 5 0 0,-14-19-1 16,8-1 0-16,-8-19-1 16,2-9-5-16,-5-24-1 15,-17-29-1-15,39 8-2 16,-39-8-2-16,34-65 0 16,-29 12-1-16,-2-17 0 15,0-12 0-15,0-5 0 16,3-3 0-16,2 0 0 15,3 9 0-15,6 13-1 0,11 12 1 16,14 11 0-16,14 20-1 16,9 16 1-16,5 21-1 15,0 19-1-15,3 13 0 16,0 15-1-16,-11 9-1 16,-9 11-1-16,-19 2-1 15,-14-5 0-15,-15-3 1 16,-10-11 2-16,-18-9-1 0,-13-11 0 15,-15-8 0 1,-16-14 3-16,-6-9 0 16,-9-14-3-16,-5-11-3 15,-2-5-6-15,-1-18-8 0,28 12-23 16,0-29-51-16,37 7-35 16,17-7-2-16,22 4 1 15</inkml:trace>
           <inkml:trace contextRef="#ctx0" brushRef="#br0" timeOffset="10347.2606">27449 3383 120 0,'0'0'98'0,"25"-36"0"16,-25 36-3-16,31-42-75 16,-31 42-7-16,14-40 7 15,-17 15 4-15,3 25 0 16,-31-25 1 0,0 27 3-16,-22-4 1 15,0 16 0-15,-20-3-4 16,11 20-4-16,-11 0-4 0,8 14-1 15,4 5-6-15,13 9-3 16,14 0-2-16,20 3-2 16,11 0 0-16,20-6 0 0,14-8-1 15,20-14-1-15,13-17 1 16,18-17 2-16,2-29 0 16,8-13 2-16,1-17-3 15,-12-17-1-15,-10-5-2 16,-18-9-2-16,-16 6-6 15,-26-6-9-15,-11 25-17 16,-37-8-13-16,12 34-20 16,-31-1-60-16,14 18-6 15,-9-1 0-15,15 12 6 16</inkml:trace>
           <inkml:trace contextRef="#ctx0" brushRef="#br0" timeOffset="10616.5702">28016 2391 249 0,'0'0'126'16,"31"28"4"0,-17 9-3-16,-23 8-100 15,23 25-9-15,-5 14 3 0,16 20 2 16,-8 6-3-16,14 19-5 15,-6 9-6-15,0 5-2 16,-2-8-3-16,2-8-3 0,0-18-8 16,-2-27-10-16,8-15-27 15,-31-67-63-15,36 3-27 16,-19-56-3 0,8-20 1-16</inkml:trace>
           <inkml:trace contextRef="#ctx0" brushRef="#br0" timeOffset="10838.6942">28760 2855 294 0,'6'51'140'16,"5"22"1"-16,-3 2-2 0,9 24-89 15,-6 8-44-15,0 8-2 16,6-14-4-1,0-14-11-15,6-3-19 16,-26-33-33-16,17-17-78 0,-14-34 0 16,0 0 6-16,-34-51 0 15</inkml:trace>
@@ -1163,7 +1163,7 @@
           </inkml:annotationXML>
           <inkml:trace contextRef="#ctx0" brushRef="#br0" timeOffset="7342.0947">-8476-3627 75 0,'-14'28'110'15,"14"-28"4"-15,0 0-4 16,-9 34-50 0,9-34-15-16,0 0-11 0,-20 31-9 15,26-6-8-15,-6 3-8 0,11 14-2 16,1 17 0-1,4 14-2-15,10 17 0 16,5 12-2-16,2 13 0 16,-2-3-3-16,3-2-2 0,-6-15-10 15,6-13-16 1,-15-37-26-16,7-17-66 16,-26-28 0-16,22-48-2 15,-19-19 3-15</inkml:trace>
           <inkml:trace contextRef="#ctx0" brushRef="#br0" timeOffset="8014.995">-8446-3613 125 0,'0'0'113'15,"-33"17"2"-15,33-17-1 16,0 0-76-1,-25 20-10-15,25-20-6 0,0 0-7 16,25 5-4-16,-25-5-4 16,53-17-2-16,-16 6-2 15,10-3-2-15,7 3 0 16,5-3-2-16,5 8 0 16,1 3-2-16,-3 9 0 15,-3 2-1-15,-3 9-1 16,-11 6 1-16,-6 2 0 15,-11 0 0-15,-6 3 1 16,-13 3 2-16,-9 3-2 16,-11 0 3-16,-6 0-2 15,-6-1 4-15,-8 1 1 16,1 3 3-16,-10-7 2 16,7 4 5-16,-7-11 1 0,9 2 0 15,1-11 1-15,30-14-3 16,-40 8-4-16,40-8-2 15,0 0-4-15,3-28-3 16,-3 28-1-16,56-36-1 16,-17 19 0-16,12 3 0 15,8 8 2-15,0 1 0 16,6 10 1-16,-1 4-3 0,-2 13 5 16,-6 3-2-16,-5 9 1 15,-9 6-1-15,-9 4 2 16,-10 1-1-16,-9 3 2 15,-11-3-2-15,-12-3-1 16,-8 0 0-16,-13-2 0 16,-4-1 0-1,-14-2 1-15,-5-4-1 16,-6-2-1-16,-6 0 1 0,-5-3-1 16,0-11 0-16,2 0-5 15,1-11-7-15,17 2-15 16,-1-22-27-16,26 6-68 15,25 8 0-15,-26-37-4 16,26 12 1-16</inkml:trace>
-          <inkml:trace contextRef="#ctx0" brushRef="#br0" timeOffset="11081.3868">-6949-3228 115 0,'0'0'116'0,"0"0"-5"16,0 28-29-16,0-28-20 15,0 0-18-15,0 0-10 16,0 0-9-16,0 0-10 15,39-28-6-15,-13 20-1 0,10 2-3 16,1-2-6-16,2 2-3 16,3 6-10-16,-3-8-11 15,12 16-18-15,-20-19-36 16,2 11-42-16,-7-9-5 16,-1 4 5-16</inkml:trace>
+          <inkml:trace contextRef="#ctx0" brushRef="#br0" timeOffset="11081.3865">-6949-3228 115 0,'0'0'116'0,"0"0"-5"16,0 28-29-16,0-28-20 15,0 0-18-15,0 0-10 16,0 0-9-16,0 0-10 15,39-28-6-15,-13 20-1 0,10 2-3 16,1-2-6-16,2 2-3 16,3 6-10-16,-3-8-11 15,12 16-18-15,-20-19-36 16,2 11-42-16,-7-9-5 16,-1 4 5-16</inkml:trace>
           <inkml:trace contextRef="#ctx0" brushRef="#br0" timeOffset="11406.7896">-6764-2975 79 0,'0'0'117'16,"-5"25"1"-16,5-25 5 16,0 0-51-16,22-39-27 15,3 31-10-15,-25 8-6 16,43-34-6-16,-18 23-11 16,9 2-5-16,-1 4-5 15,4 2-2-15,-1 3-3 0,1-3-7 16,5 11-18-1,-17-19-48-15,9 14-51 0,-34-3 2 16,36-9-5 0,-36 9 1-16</inkml:trace>
           <inkml:trace contextRef="#ctx0" brushRef="#br0" timeOffset="12605.8744">-5427-3596 68 0,'0'0'100'0,"8"-25"3"15,-8 25-33-15,-5-26-13 16,5 26-13-16,-26-25-8 0,26 25-6 16,-39-22-5-16,11 5-5 15,28 17-2-15,-56-11-5 16,25 13-1-16,-8-4-3 16,2 4-2-16,1 7-2 15,2 2-3-15,3 6 0 16,3 0-3-16,28-17 2 15,-37 42-2-15,37-42 2 0,-14 48-2 16,14-48 1-16,17 50 1 16,6-22 0-16,8 3 1 15,2 0 0-15,12 6 2 16,3-1-3-16,2 6 2 16,1 3 4-16,0 6-3 15,-7-1 2-15,-4 4-4 16,-7 2 3-1,-7-3-3-15,-7 1 2 0,-5-4-4 16,-8-7 0-16,-6-10-2 16,-3-2 1-16,3-31 0 15,-19 34-1-15,19-34 0 16,-34 6 0-16,34-6 2 0,-48-26-1 16,20 7 2-16,0-4-2 15,0-8 2 1,3-2 1-16,8-4 0 15,3-2 2-15,11-6 1 16,6 0-7-16,14 0 4 16,8-3-3-16,6 3 3 0,2 0-5 15,7 0 3-15,-4 0-4 16,1 0-1-16,-4 6 6 16,-4 2-3-16,-7 4 2 15,-8 7-2-15,-14 26 2 16,11-42 0-16,-11 42-1 0,0 0 2 15,-33-31-3-15,33 31 2 16,-48-17-2-16,17 6 0 16,0 3-1-16,-3-6-2 15,4 5 0-15,-4-2-5 16,6 8-5-16,-6-11-19 16,34 14-36-16,-31 3-54 15,31-3 0-15,-28-11-2 16,28 11 0-16</inkml:trace>
         </inkml:traceGroup>
@@ -1175,7 +1175,7 @@
               </emma:interpretation>
             </emma:emma>
           </inkml:annotationXML>
-          <inkml:trace contextRef="#ctx0" brushRef="#br1" timeOffset="162843.9844">-2029-2439 80 0,'0'0'118'15,"0"0"-2"-15,-24-11 7 0,24 11-71 16,-19 24-10-16,19-24-1 16,-3 46-8-16,1-14-5 15,13 22-7-15,-3 3-1 16,8 21-4-16,-3 0 1 15,9 20-3-15,-6 1-6 16,0 7 1-16,-2-4-4 16,-3-5 0-16,-3-13-4 15,-3-17-8-15,6-13-16 0,-11-54-37 16,0 0-75-16,0 0-4 16,21-48-2-16,-12-12-1 15</inkml:trace>
+          <inkml:trace contextRef="#ctx0" brushRef="#br1" timeOffset="162843.9841">-2029-2439 80 0,'0'0'118'15,"0"0"-2"-15,-24-11 7 0,24 11-71 16,-19 24-10-16,19-24-1 16,-3 46-8-16,1-14-5 15,13 22-7-15,-3 3-1 16,8 21-4-16,-3 0 1 15,9 20-3-15,-6 1-6 16,0 7 1-16,-2-4-4 16,-3-5 0-16,-3-13-4 15,-3-17-8-15,6-13-16 0,-11-54-37 16,0 0-75-16,0 0-4 16,21-48-2-16,-12-12-1 15</inkml:trace>
           <inkml:trace contextRef="#ctx0" brushRef="#br1" timeOffset="163428.1452">-1416-1500 91 0,'-43'21'110'0,"43"-21"3"16,-38 8 3-16,14-16-70 15,24 8-8-15,0 0 2 16,-17-24-6-16,9 0-5 16,8 24-5-16,6-44-1 15,-6 44-3-15,5-45-3 16,-5 45-5-16,16-44-2 0,-16 44-3 16,25-10-1-16,-25 10-3 15,29 16-2-15,-29-16 0 16,38 51 0-1,-22-19 2-15,-5 6-1 16,-3 0 3-16,-8-6-1 0,-3-2 1 16,3-30-1-16,-21 35-1 15,21-35-6-15,-30-19-14 16,30 19-64-16,0-51-60 16,11 8-4-16,2-11-3 0,14-11-2 15</inkml:trace>
         </inkml:traceGroup>
         <inkml:traceGroup>
@@ -1194,7 +1194,7 @@
           <inkml:trace contextRef="#ctx0" brushRef="#br1" timeOffset="114374.1512">108-2330 174 0,'-27'16'117'15,"27"-16"-2"-15,-5 51-36 0,0-21-50 16,24 18-2-16,-9-2-5 15,15 11-5 1,-4 2-5-16,9 9-2 0,-6-3-1 16,6 0 0-1,-6-9-2-15,0 1 0 16,-5-14-2-16,0-2 0 16,-5-17-2-16,-14-24 1 15,0 0-2-15,0 0 0 0,0 0-1 16,8-30 0-16,-22-10 0 15,-2-9 0-15,-6-10 1 0,1-6 0 16,2-3 2 0,3 1-1-16,5-3 3 15,8 8-3-15,6 2 1 16,13 6 0-16,9 6-1 16,10 10 3-16,8 11-5 15,5 16 2-15,1 8 1 0,5 14 1 16,0 11 2-1,5 18-2-15,-5 14 2 16,-5 11-3-16,-6 2 3 16,0 9-1-16,-8 2-4 0,-2-2 1 15,-6 2-1-15,-6-7 0 16,-5-9-4-16,-2-11-2 16,-1-8-11-16,-13-43-17 0,16 38-39 15,-16-38-65 1,0-32-1-16,-5-9-2 15,5-8 1-15</inkml:trace>
           <inkml:trace contextRef="#ctx0" brushRef="#br1" timeOffset="114805.1844">1619-2071 9 0,'46'-30'86'0,"-46"30"5"16,35-38-30 0,-35 38-10-16,25-29 3 0,-25 29-2 15,10-38-2-15,-10 38-7 16,-10-38-3-16,10 38-8 15,-33-43-6-15,9 29-2 0,-14-2-9 16,-2 16-2 0,-11 0-1-16,-1 16 1 15,-2 11-4-15,6 16 2 16,-1 11 0-16,17 22-1 16,2 0 2-16,19 10-1 15,11 6-4-15,19-3-1 16,11-5-1-16,18-11-1 15,9-17-3-15,11-12-7 0,10-15-10 16,-11-29-20-16,17 8-30 16,-30-26-65-16,11-4-6 15,-22-13 0-15,-5-3 0 16</inkml:trace>
           <inkml:trace contextRef="#ctx0" brushRef="#br1" timeOffset="118143.8767">7888-2673 258 0,'-27'0'130'16,"0"-11"0"-16,27 11 2 15,-27-25-99-15,27 25-8 16,40-32 2-16,6 8-8 16,3-14-6-16,18 3-3 15,11-6-3-15,11 6-1 16,3 0-2-16,3 11-2 15,-6 18-2-15,0 12-1 0,-11 13-3 16,-11 13 0-16,-21 19-1 16,-16 6 2-16,-19 11-2 15,-17-4 3 1,-15-1-2-16,-14-4 1 16,-14-5 6-16,-8-3-3 0,-7-13 7 15,2 0-5-15,2-14 7 16,9-2-5-16,8-11 6 15,13-3-3-15,30-8-2 16,0 0 3-16,16-33-5 0,27 14 3 16,11-2-6-16,14-4 4 15,10 7-6-15,6 1 6 16,-1 17-1 0,-4 17-5-16,-9 10 5 15,-8 13-6-15,-11 11 7 16,-10 12-6-16,-17 4 5 15,-11 9-4-15,-7-3 1 0,-14 0 2 16,-14-11-2-16,-13-3 2 16,-13-10-1-16,-12-9 2 15,-10-10-3-15,-11-14 0 16,-13-11-6-16,-12-23-11 16,9-4-31-16,-8-32-92 15,32 3-5-15,11-20-1 16,27 4-5-16</inkml:trace>
-          <inkml:trace contextRef="#ctx0" brushRef="#br1" timeOffset="117506.9978">7880-2733 179 0,'0'0'119'16,"0"0"5"0,2 43 1-16,17 1-73 15,-8 4-14-15,16 33-5 16,-5-3-2-16,10 28-11 16,-2 2-6-16,2 8-6 0,-2-8-5 15,-1-13-14-15,1-9-27 16,-17-40-65-16,12-22-28 15,-25-24-2-15,29-54 0 16</inkml:trace>
+          <inkml:trace contextRef="#ctx0" brushRef="#br1" timeOffset="117506.9977">7880-2733 179 0,'0'0'119'16,"0"0"5"0,2 43 1-16,17 1-73 15,-8 4-14-15,16 33-5 16,-5-3-2-16,10 28-11 16,-2 2-6-16,2 8-6 0,-2-8-5 15,-1-13-14-15,1-9-27 16,-17-40-65-16,12-22-28 15,-25-24-2-15,29-54 0 16</inkml:trace>
         </inkml:traceGroup>
       </inkml:traceGroup>
     </inkml:traceGroup>
@@ -1225,7 +1225,7 @@
           <inkml:trace contextRef="#ctx0" brushRef="#br1" timeOffset="200940.7484">2888-513 248 0,'-30'-40'137'16,"30"40"-1"-16,-27-25-1 15,27 25-101-15,0 0-25 16,-16 33-10-16,29-6-30 16,-13-27-51-16,19 48-51 15,-5-21 0-15,5 0-4 16,-19-27 2-16</inkml:trace>
           <inkml:trace contextRef="#ctx0" brushRef="#br1" timeOffset="200736.7123">2853-38 95 0,'0'0'120'0,"0"0"4"0,27 30 4 16,-27-30-47-1,18 38-32-15,-20-12-8 0,21 26-7 16,-14-6-10-16,17 18-11 16,-9 4-5-16,6 13-3 15,-3-3-2-15,6-2-5 16,-1-6-6 0,-4-16-13-16,10-3-26 15,-27-51-61-15,16 32-28 0,-16-32 2 16,2-56-6-16</inkml:trace>
           <inkml:trace contextRef="#ctx0" brushRef="#br1" timeOffset="201168.3468">3330-467 243 0,'8'67'133'0,"8"20"-1"16,1 5-2 0,12 21-101-16,-2 0-17 0,11 14 3 15,-8-14-7-15,8-5-6 16,-3-16-2-16,0-11-2 15,-11-19-5-15,-5-32-12 16,-19-30-23-16,0 0-78 16,32-19-7-16,-37-24-4 0,2 0 0 15</inkml:trace>
-          <inkml:trace contextRef="#ctx0" brushRef="#br1" timeOffset="201702.3524">3846 294 178 0,'-9'24'111'16,"9"-24"6"-16,-2 33 0 0,31-20-86 16,-29-13-5-1,52 24 6-15,-23-24 1 16,23 11 0-16,-9-16-1 0,19 10-5 15,-8-16-4-15,13 6-5 16,-5-14-4-16,3 0-6 16,-3-2-1-1,-2 4-6-15,-9-4-1 0,-5-3-2 16,-11-1-2-16,-11 1 0 16,-13 0-1-16,-14-3 0 15,-10-3-1-15,-14-8 1 16,-14 3 1-16,-13 0-1 15,-10 14 2-15,-12 2-1 16,-2 11 2-16,-1 10 1 0,1 12 2 16,11 18 2-1,-1 14 2-15,17 13-2 0,8 9 1 16,24 13 2 0,14 2 1-16,18 4 1 0,11-4 1 15,22-7-3-15,19-11 0 16,19-6 4-16,7-18-2 15,12-17-2-15,5-16-1 16,-3-11-2-16,0-16-4 16,-13-10-8-16,-3-9-15 15,-30-24-41-15,-5 21-88 0,-21-7 2 16,-9 7-1 0,-24-2-7-16</inkml:trace>
+          <inkml:trace contextRef="#ctx0" brushRef="#br1" timeOffset="201702.3523">3846 294 178 0,'-9'24'111'16,"9"-24"6"-16,-2 33 0 0,31-20-86 16,-29-13-5-1,52 24 6-15,-23-24 1 16,23 11 0-16,-9-16-1 0,19 10-5 15,-8-16-4-15,13 6-5 16,-5-14-4-16,3 0-6 16,-3-2-1-1,-2 4-6-15,-9-4-1 0,-5-3-2 16,-11-1-2-16,-11 1 0 16,-13 0-1-16,-14-3 0 15,-10-3-1-15,-14-8 1 16,-14 3 1-16,-13 0-1 15,-10 14 2-15,-12 2-1 16,-2 11 2-16,-1 10 1 0,1 12 2 16,11 18 2-1,-1 14 2-15,17 13-2 0,8 9 1 16,24 13 2 0,14 2 1-16,18 4 1 0,11-4 1 15,22-7-3-15,19-11 0 16,19-6 4-16,7-18-2 15,12-17-2-15,5-16-1 16,-3-11-2-16,0-16-4 16,-13-10-8-16,-3-9-15 15,-30-24-41-15,-5 21-88 0,-21-7 2 16,-9 7-1 0,-24-2-7-16</inkml:trace>
           <inkml:trace contextRef="#ctx0" brushRef="#br1" timeOffset="199948.5543">160 173 45 0,'-41'-46'95'0,"25"21"4"15,-3-2 3 1,-5-2-59-16,24 29-2 0,-30-38 1 16,30 38-3-16,0 0-3 15,0 0-3-15,-32-8-6 16,32 32-2-16,-3 3-4 16,14 22-4-16,2 2-5 15,9 14-4-15,5 8-2 16,11 10-1-16,2 1-3 0,6 2-1 15,3-10-1 1,2-1-1-16,3-13 0 0,-3-5 2 16,0-17-1-16,-2-13-1 15,0-16 1-15,-6-8 0 16,-8-14 0-16,-3-13-1 16,-8-8 1-16,-7-20-2 15,-7-7 3-15,-4-9 2 16,-6 1-2-16,-3-6 1 15,0-2-2-15,-5 4 2 16,6 7-1-16,-4 15 2 0,6 14-4 16,0 11 0-1,0 24 0-15,0 0 1 16,0 0-1-16,35 54 2 0,-16-11-3 16,5 5 1-16,6 4-1 15,5 7 1 1,6-2 0-16,5-1-1 0,5-7 1 15,0-3-1-15,3-11 4 16,3-5-3-16,-3-14 3 16,0-14-3-16,-3-18 2 15,-5-11 2-15,-8-10-3 16,-6-9 4-16,-5-11-1 16,-11-5 1-16,-8-6-2 15,-10 1 2-15,-7 5-2 16,-4 0-1-16,-6 8 1 15,0 3-3-15,3 7 0 0,0 12-2 16,16 32-2-16,-22-30-7 16,22 30-16-16,0 0-24 15,0 0-67-15,0 30-14 16,0-30 2-16,0 0-2 16</inkml:trace>
           <inkml:trace contextRef="#ctx0" brushRef="#br1" timeOffset="200478.3468">1433-462 47 0,'-13'-24'107'16,"13"24"3"-1,-25-35 6-15,25 35-44 16,0 0-31-16,3 38 0 15,3 0-5-15,21 26-4 0,-6 12-8 16,22 24 1 0,-5 13-9-16,11 14 0 0,-3-8-7 15,5 2 0-15,-3-13-5 16,-2-11-2-16,-5-21 0 16,-6-22-4-16,-8-22 1 15,-27-32-1-15,38 3 3 16,-30-30 1-16,-8-8-1 15,-3-9 3-15,-5-4-2 16,0-9 1-16,2-5-1 0,4 6 1 16,4 4-2-1,6 6-2-15,9 11 2 0,4 3 0 16,12 10 1 0,2 12 1-16,2 12 1 0,7 12 1 15,-4 10 1 1,11 11 1-16,-2 3-1 0,5 10-3 15,-3 9-2-15,0 16 3 16,-5-3-4-16,3 3-1 16,-6-6 0-16,-8-7-4 15,-8-6-1-15,-8-19-6 16,0-11-7-16,-19-24-24 16,19-35-35-16,-27-16-61 15,8-3 5-15,-8-22-2 0,5 3 4 16</inkml:trace>
         </inkml:traceGroup>
@@ -1251,10 +1251,10 @@
           <inkml:trace contextRef="#ctx0" brushRef="#br1" timeOffset="129321.433">8279 46 32 0,'-5'-33'85'0,"5"33"2"15,8-29 9-15,0 4-36 16,-8 25-8-16,5-40 1 15,-5 40-4-15,3-35-5 0,-3 35-4 16,0 0-3 0,0 0-5-16,0 0-6 15,0 48-5-15,-6-4-7 16,9 18-1-16,0 8-4 16,8 16-8-16,-1 0-1 15,9 6-1-15,0-5-1 16,8-12-3-16,6-13 3 15,2-13-5-15,5-17 4 0,3-16 2 16,-2-16 2-16,-1-16-1 16,3-8 4-16,-2-11 3 15,-3-11-7 1,-6-11 2-16,-2-8-3 0,-6-10 0 16,-2-9-3-16,-9-10 1 15,1-3-5-15,-6-3-1 16,0 11 4-16,-3 5-1 15,-2 14 4-15,0 16 0 16,-1 14 3-16,-2 40-1 0,6-30 2 16,-6 30 1-16,0 0 1 15,8 51 2-15,-8-10 0 16,2 13 1-16,-2 8 1 16,3 13 2-16,-3 6-1 15,8 5 1-15,3 4-1 16,5-1-5-1,8-8-2-15,12-6 0 0,7-16-2 16,8-15-4-16,11-12-7 16,-3-21-10-16,12 2-45 15,-26-29-63-15,9 3-1 0,-24-28-5 16,-3 9-2-16</inkml:trace>
           <inkml:trace contextRef="#ctx0" brushRef="#br1" timeOffset="130107.7634">9547-65 150 0,'-13'-38'112'16,"13"38"1"-16,-14-27 2 16,14 27-51-16,0 0-28 0,-8-24-1 15,8 24-6-15,16 27-7 0,-2 11-4 16,-6 8-4-1,8 24 0-15,-8 8-4 16,6 14-6-16,-6 5-1 16,2 3-4-16,1-8 2 15,0-12-5-15,-3-17 3 16,0-18-6-16,-8-45 4 0,0 0 0 16,0 0 4-16,22-37 2 15,-25-17-4-15,-8-14 2 16,1-15-4-1,-9-17 2-15,-3-8-2 16,-5-3 3-16,8 3-4 16,0 6 0-16,6 13 5 0,5 16 0 15,8 22 4-15,0 51 1 16,32-11 2-16,-5 46 2 16,3 19-1-16,5 19 1 15,0 13-2-15,5 11 1 0,-2 0-2 16,5 0-5-16,1-2-1 15,-4-9-1-15,1-10-1 16,-4-14-2-16,4-16 2 16,-3-11-3-16,-1-16 3 15,-4-14 4-15,-4-16 3 16,4-10 1-16,-6-17-3 16,2-8 3-1,-4-11-3-15,-4-7 2 16,-5-7-3-16,-2-4 1 0,-9-9-5 15,-5 6-1-15,-2-6 3 16,-4 9-3-16,-2 7 2 16,0 9-3-16,3 13 0 15,-1 11-5-15,6 35-4 16,0 0-7-16,0 0-20 0,0 0-39 16,14 43-57-1,-6-16-1-15,11 14 0 16,-3-17 2-16</inkml:trace>
           <inkml:trace contextRef="#ctx0" brushRef="#br1" timeOffset="130621.4524">11066-192 159 0,'8'-29'113'16,"-8"-7"3"-16,3 12 3 0,-11-14-55 16,8 38-30-1,-19-35 1-15,19 35-3 16,-46 0-6-16,11 19-3 16,-16 6-3-16,2 12-2 0,-13 4-1 15,6 13-3-15,2-3-2 16,8 6-2-16,13-9-3 15,14-7-1-15,17-12-3 16,2-29-1-16,54 30 0 16,-3-33-2-16,11-5 0 15,11 3-1-15,2-1 0 16,4 9 0-16,-9 11 1 0,-5 7-1 16,-9 17 0-16,-15 8 1 15,-6 11 0-15,-14 2 2 16,-4 3-2-16,-9-5-2 15,-8-3-1-15,-6-6-1 16,-7-7 2-16,-6-9-4 16,-16-5 3-16,-8-11-4 15,-14-10 4-15,-10-9 1 16,-12-11 2-16,-4-7-3 0,7-6-8 16,1-8-8-16,29 16-35 15,-6-13-77-15,52 32-2 16,-8-44-4-1,43 28-3-15</inkml:trace>
-          <inkml:trace contextRef="#ctx0" brushRef="#br1" timeOffset="131125.4595">11630 680 83 0,'-2'27'102'0,"2"-27"14"0,-9 40 2 16,9-40-43-16,0 0-22 16,-29 8-4-16,29-8-4 15,0-24-8-15,0 24-6 16,13-62-7-16,1 19-2 15,-1-22-7-15,9-8 2 16,-1-19-8-16,4-10 0 16,2-1-4-16,-3-5-2 15,0 1-3-15,-2 7-1 0,-3 13 1 16,-3 17-2-16,0 22 2 16,-2 15-1-1,-14 33 1-15,27-8 0 16,-27 8 0-16,35 62 0 15,-14-8 0-15,6 14 1 16,0 13 0-16,6 8 1 16,4 5-1-16,1-2 3 15,5 2-3-15,-2-7-2 0,-1-6 0 16,3-11-3-16,-2-8-4 16,-6-14-10-16,0 1-8 15,-21-22-28-15,15 11-57 16,-29-38-27-16,0 0-2 15,0 0 2-15</inkml:trace>
+          <inkml:trace contextRef="#ctx0" brushRef="#br1" timeOffset="131125.4592">11630 680 83 0,'-2'27'102'0,"2"-27"14"0,-9 40 2 16,9-40-43-16,0 0-22 16,-29 8-4-16,29-8-4 15,0-24-8-15,0 24-6 16,13-62-7-16,1 19-2 15,-1-22-7-15,9-8 2 16,-1-19-8-16,4-10 0 16,2-1-4-16,-3-5-2 15,0 1-3-15,-2 7-1 0,-3 13 1 16,-3 17-2-16,0 22 2 16,-2 15-1-1,-14 33 1-15,27-8 0 16,-27 8 0-16,35 62 0 15,-14-8 0-15,6 14 1 16,0 13 0-16,6 8 1 16,4 5-1-16,1-2 3 15,5 2-3-15,-2-7-2 0,-1-6 0 16,3-11-3-16,-2-8-4 16,-6-14-10-16,0 1-8 15,-21-22-28-15,15 11-57 16,-29-38-27-16,0 0-2 15,0 0 2-15</inkml:trace>
           <inkml:trace contextRef="#ctx0" brushRef="#br1" timeOffset="131438.1262">11655 237 256 0,'0'0'125'16,"0"0"1"-16,0 0 3 15,0 0-94-15,5 25-4 16,-5-25 1-16,59-3-6 16,-21-8-6-16,16 3-2 15,0-11-5-15,16 0-1 0,3-8-3 16,8 0-3-16,3 3-3 15,-6 5-5 1,0 14-8-16,-19-1-12 16,9 25-30-16,-38-8-87 0,5 11 0 15,-35-22-6-15,5 27 1 16</inkml:trace>
-          <inkml:trace contextRef="#ctx0" brushRef="#br1" timeOffset="131955.8611">12442-321 187 0,'0'0'120'15,"-29"5"4"-15,29-5 0 16,-27 3-58-16,27-3-29 16,0 0-1-16,0 0-6 15,0 0-7-15,0 0-4 0,35 11-1 16,-5-9-3-16,5-4-3 16,10 2-2-16,7-3-2 15,13 0-3-15,2-2 0 16,3 2-3-1,0 3-1-15,0-3-3 16,-2 3-2-16,-9-2-4 0,1 4-6 16,-20-10-7-16,3 14-12 15,-43-6-20-15,54 0-34 16,-54 0-49-16,0 0 0 0,0 0 4 16,0 0 3-16</inkml:trace>
-          <inkml:trace contextRef="#ctx0" brushRef="#br1" timeOffset="132370.3984">12944-213 290 0,'0'0'132'0,"-8"32"2"16,14 0 1-16,-14 3-102 15,16 28-2-15,-6-1-4 16,9 16-6-16,0 6-6 16,5 7-6-16,0-2-5 15,3 0-3-15,-3-10-3 16,1-15-9-1,1-7-16-15,-18-57-55 0,14 46-63 16,-14-46-2-16,0-32 5 16,-16-14-7-16</inkml:trace>
+          <inkml:trace contextRef="#ctx0" brushRef="#br1" timeOffset="131955.8609">12442-321 187 0,'0'0'120'15,"-29"5"4"-15,29-5 0 16,-27 3-58-16,27-3-29 16,0 0-1-16,0 0-6 15,0 0-7-15,0 0-4 0,35 11-1 16,-5-9-3-16,5-4-3 16,10 2-2-16,7-3-2 15,13 0-3-15,2-2 0 16,3 2-3-1,0 3-1-15,0-3-3 16,-2 3-2-16,-9-2-4 0,1 4-6 16,-20-10-7-16,3 14-12 15,-43-6-20-15,54 0-34 16,-54 0-49-16,0 0 0 0,0 0 4 16,0 0 3-16</inkml:trace>
+          <inkml:trace contextRef="#ctx0" brushRef="#br1" timeOffset="132370.3983">12944-213 290 0,'0'0'132'0,"-8"32"2"16,14 0 1-16,-14 3-102 15,16 28-2-15,-6-1-4 16,9 16-6-16,0 6-6 16,5 7-6-16,0-2-5 15,3 0-3-15,-3-10-3 16,1-15-9-1,1-7-16-15,-18-57-55 0,14 46-63 16,-14-46-2-16,0-32 5 16,-16-14-7-16</inkml:trace>
         </inkml:traceGroup>
       </inkml:traceGroup>
     </inkml:traceGroup>
@@ -1340,13 +1340,13 @@
             </emma:emma>
           </inkml:annotationXML>
           <inkml:trace contextRef="#ctx0" brushRef="#br1" timeOffset="267416.5868">2723 5046 1 0,'0'0'81'16,"0"0"2"-16,0 0 6 16,0 0-45-16,0 0-4 0,0 0-5 15,0 0-3-15,0 0-9 16,0 0-3-1,-3-25-2-15,3 25-1 0,0 0-1 16,0 0-2-16,0 0-2 16,0 0-1-16,8-24-1 15,-8 24-2-15,0 0-1 16,0 0-1-16,0 0-2 16,0 0-1-16,0 0 1 15,0 0-2-15,-8-27 0 16,8 27 0-16,0 0-1 15,0 0 0-15,0 0-1 16,0 0 0-16,0 0-1 0,0 0-1 16,0 0 0-1,0 0 0-15,0 0-1 16,0 0 1-16,0 0 0 0,0 0 0 16,0 0 1-16,0 0 1 15,0 0 0 1,0 0 0-16,0 0 1 0,0 0-1 15,0 0 1-15,0 0 1 16,-19-24 0-16,19 24 0 16,0 0 2-16,-29-16 0 15,29 16 0-15,-35-14 0 16,35 14 0-16,-49-8-1 16,17 5 0-16,-3 9 0 15,-3-1-1-15,-5 9-1 0,0 2-1 16,2 5 0-16,3 4 0 15,6 2-1-15,5 5 2 16,5 0-5-16,9 4 6 16,13 1-4-16,8 1 6 15,14 0-3-15,10-6 5 16,11 3-2-16,8-8 2 16,11-8 0-16,6-5 0 15,5-9 0-15,-3-8-2 16,-5-7-3-16,-6-1-4 15,-10-11-8-15,-6 6-10 0,-19-16-19 16,8 15-80 0,-21-12-1-16,3-1-1 15,-20-13 0-15</inkml:trace>
-          <inkml:trace contextRef="#ctx0" brushRef="#br1" timeOffset="265536.5888">2685 5059 69 0,'0'0'96'16,"0"0"2"-16,0 0 2 15,0 0-61-15,0 0-10 0,0 0-3 16,0 0-1-16,-35-13-7 16,35 13-1-16,-24-14-2 15,24 14-1-15,-30-13-2 16,30 13 0-16,-32-14-3 16,32 14-2-16,-30-5-2 15,30 5-1-15,0 0-4 16,0 0-7-16,0 0-9 15,0 0-14-15,14 38-23 16,-14-38-61-16,27 18 1 16,-27-18-4-16,32 19 4 0</inkml:trace>
+          <inkml:trace contextRef="#ctx0" brushRef="#br1" timeOffset="265536.5886">2685 5059 69 0,'0'0'96'16,"0"0"2"-16,0 0 2 15,0 0-61-15,0 0-10 0,0 0-3 16,0 0-1-16,-35-13-7 16,35 13-1-16,-24-14-2 15,24 14-1-15,-30-13-2 16,30 13 0-16,-32-14-3 16,32 14-2-16,-30-5-2 15,30 5-1-15,0 0-4 16,0 0-7-16,0 0-9 15,0 0-14-15,14 38-23 16,-14-38-61-16,27 18 1 16,-27-18-4-16,32 19 4 0</inkml:trace>
           <inkml:trace contextRef="#ctx0" brushRef="#br1" timeOffset="265071.3565">2588 5078 1 0,'0'0'70'16,"0"0"0"-16,0 0-5 16,0 0-67-16,-24 19-61 15,24-19-2-15,0 0-5 16,0 0 65-16</inkml:trace>
           <inkml:trace contextRef="#ctx0" brushRef="#br1" timeOffset="266669.5038">2785 5021 134 0,'-13'-24'96'0,"13"24"-3"0,0 0-33 15,-25-8-33 1,25 8-5-16,0 0-4 0,0 0-4 16,0 0-4-16,0 0-3 15,0 0-2-15,0 0 0 16,0 0-4-16,0 0-7 15,0 0-7-15,0 0-12 16,0 0-15-16,0 0-12 16,-2 32-1-16,2-32-5 0,0 0 8 15,0 0 0 1,2 33 12-16,-2-33 14 16,0 0 23-16,0 0 13 15,0 0 11-15,0 0 6 0,-24-8 1 16,24 8 4-16,0 0-4 15,0 0 0 1,-13-25-9-16,13 25 0 0,0 0-7 16,0 0-4-16,0 0-2 15,0 0-4-15,0 0 1 16,0 0-3-16,0 0 0 16,0 0-2-16,0 0 2 15,0 0-1-15,0 0 0 16,0 0-1-16,-9-27-1 0,9 27-6 15,0 0-7 1,0 0-14-16,0 0-22 0,0 0-34 16,0 0 2-1,0 0-4-15</inkml:trace>
           <inkml:trace contextRef="#ctx0" brushRef="#br1" timeOffset="267689.6848">2893 4457 231 0,'-13'38'125'0,"-12"-5"-2"15,12 26 0 1,-6-2-103-16,22 18-1 16,2-7 0-16,19 7-5 15,-2-2-3-15,8 3-7 0,2-4 3 16,6 1-6-16,-6-13 3 15,0-6-6-15,-2-14-2 16,-8-16-14 0,13-5-17-16,-35-19-31 0,40-24-62 15,-21-11 0-15,11 3-4 16,-14-22 3-16</inkml:trace>
           <inkml:trace contextRef="#ctx0" brushRef="#br1" timeOffset="268339.5439">3333 5183 101 0,'0'0'110'16,"0"0"3"-16,0 0-1 15,0 0-58-15,0 0-13 16,0 0 0-16,40 6-7 0,-40-6-11 16,46 10-8-1,-21-7-1-15,2 0-4 16,-3-3-3-16,0-3-3 16,0-8-2-16,-24 11 3 0,35-27-7 15,-35 27 5-15,30-40-5 16,-22 16 5-1,-5-3-5-15,-3 0 3 0,-8 2-3 16,-3 1 1-16,11 24 1 16,-40-40 0-16,10 26 1 15,-3 3-1-15,-4 9 0 16,-4 4 1-16,-5 9 0 16,3 5 2-16,3 11 0 15,-1 6 0-15,6 10 2 0,11 8-3 16,8 6 6-1,16 5-5-15,10 0 5 16,15 0-5-16,10-5 2 16,13-3-2-16,6-17 1 0,6-12-1 15,-1-20-1-15,0-13-1 16,-5-19-1 0,-2-11 0-16,-12-16 0 0,-10-10 3 15,-11-1-4-15,-8-3 4 16,-14 6-6-16,-5 0 5 15,-8 14-4-15,-6 4 4 0,-5 17-7 16,0 3-1 0,0 13-1-16,-3 6-4 15,30 5-6-15,-48 11-13 16,40 16-19-16,-17-22-51 0,28 22-30 16,-3-27 0-16,3 41 1 15</inkml:trace>
           <inkml:trace contextRef="#ctx0" brushRef="#br1" timeOffset="268885.5502">4016 5154 129 0,'0'0'117'16,"-25"19"5"-1,25-19 0-15,0 0-56 16,-11 40-32-16,11-40-1 0,33 24-5 16,-3-21-7-16,15 2-7 15,7-10-4-15,10-6-2 16,3-8-5-16,-3 0 5 0,-6-8-8 15,-2 0 4 1,-11 0-7-16,-8-2 4 16,-8 2-7-16,-16-3 5 15,-11 3-6-15,-5-3 0 0,-11 1 0 16,-17-4 1-16,-7 1 1 16,-11 2 1-1,-3 9 3-15,-6 7 0 0,-2 14 4 16,0 11 2-16,3 13 2 15,10 17 1-15,3 10 4 16,17 17-4-16,7 4 5 16,17 4-5-16,10-3 4 15,22-3-7-15,13-13 5 16,20-9-7-16,15-18 0 16,12-17-2-16,7-7-6 15,3-17-9-15,9 3-15 16,-20-25-27-16,19 15-80 15,-32-20-1-15,3 14-4 0,-23-22 3 16</inkml:trace>
-          <inkml:trace contextRef="#ctx0" brushRef="#br1" timeOffset="269284.5418">5189 4800 201 0,'-29'0'127'16,"-20"-8"-1"-16,9 16 3 16,-25-11-86-16,19 22-16 0,-5-11 1 15,13 14-2 1,-8-3-6-16,19 8-3 16,3-3-5-16,16 3 0 0,10 0-3 15,17 0-2-15,16-3-3 16,17 1-1-1,10-4 0-15,11 6-3 0,8-2 3 16,-1 2-7-16,-4 2 5 16,-6-2-6-16,-13 6 7 15,-17-1-5-15,-13 3 3 16,-16-5-2-16,-19-1 3 16,-11 1 0-16,-16-3-2 15,-14-5 2-15,-13-3-3 0,-8-9-1 16,-3 1-7-1,-2-14-11-15,18 14-29 16,-8-30-88-16,65 19-4 16,-40-35-1-16,53 8-6 0</inkml:trace>
+          <inkml:trace contextRef="#ctx0" brushRef="#br1" timeOffset="269284.5416">5189 4800 201 0,'-29'0'127'16,"-20"-8"-1"-16,9 16 3 16,-25-11-86-16,19 22-16 0,-5-11 1 15,13 14-2 1,-8-3-6-16,19 8-3 16,3-3-5-16,16 3 0 0,10 0-3 15,17 0-2-15,16-3-3 16,17 1-1-1,10-4 0-15,11 6-3 0,8-2 3 16,-1 2-7-16,-4 2 5 16,-6-2-6-16,-13 6 7 15,-17-1-5-15,-13 3 3 16,-16-5-2-16,-19-1 3 16,-11 1 0-16,-16-3-2 15,-14-5 2-15,-13-3-3 0,-8-9-1 16,-3 1-7-1,-2-14-11-15,18 14-29 16,-8-30-88-16,65 19-4 16,-40-35-1-16,53 8-6 0</inkml:trace>
         </inkml:traceGroup>
         <inkml:traceGroup>
           <inkml:annotationXML>
@@ -1356,7 +1356,7 @@
               </emma:interpretation>
             </emma:emma>
           </inkml:annotationXML>
-          <inkml:trace contextRef="#ctx0" brushRef="#br1" timeOffset="270088.4488">6412 4913 167 0,'0'0'129'0,"0"0"-1"16,2 46 2-16,-2-46-47 0,17 62-65 15,-1-10 0 1,16 15-6-16,1 3 1 15,2 9-9-15,0-4 3 16,2 1-5-16,-1-12 2 0,-4-10-2 16,-8-19 1-16,-24-35 1 15,33 19-1 1,-33-19-1-16,13-46-1 0,-13 1-1 16,0-15 0-16,-3-13 2 15,3-5-4-15,3-3 5 16,8 3-3-16,8 5 5 15,5 14-4-15,6 13 5 16,7 19-4-16,9 24 1 16,0 17 2-16,3 21-2 15,-3 13 0-15,-3 12-4 16,-5 2 2-16,-3 2-3 16,-11-7 3-16,-2-8-4 15,-9-17 3-15,-13-32-2 0,0 0 1 16,0 0 0-16,16-30 1 15,-16-10 3-15,0-14-3 16,3-3 3-16,5-5-3 16,6 0 3-16,2 3-3 15,8 8 5-15,6 7-5 16,2 12 1-16,6 13 0 0,2 14 1 16,4 10 2-1,4 17 1-15,-2 13-1 16,3 13 1-16,-4 9 2 15,4 5-5-15,-3 6 4 0,0-1-5 16,-3-2 0 0,-3-11-9-16,4-3-6 15,-15-27-27-15,17 1-88 0,-46-25-14 16,46-6-5-16,-46-21-1 16</inkml:trace>
+          <inkml:trace contextRef="#ctx0" brushRef="#br1" timeOffset="270088.4486">6412 4913 167 0,'0'0'129'0,"0"0"-1"16,2 46 2-16,-2-46-47 0,17 62-65 15,-1-10 0 1,16 15-6-16,1 3 1 15,2 9-9-15,0-4 3 16,2 1-5-16,-1-12 2 0,-4-10-2 16,-8-19 1-16,-24-35 1 15,33 19-1 1,-33-19-1-16,13-46-1 0,-13 1-1 16,0-15 0-16,-3-13 2 15,3-5-4-15,3-3 5 16,8 3-3-16,8 5 5 15,5 14-4-15,6 13 5 16,7 19-4-16,9 24 1 16,0 17 2-16,3 21-2 15,-3 13 0-15,-3 12-4 16,-5 2 2-16,-3 2-3 16,-11-7 3-16,-2-8-4 15,-9-17 3-15,-13-32-2 0,0 0 1 16,0 0 0-16,16-30 1 15,-16-10 3-15,0-14-3 16,3-3 3-16,5-5-3 16,6 0 3-16,2 3-3 15,8 8 5-15,6 7-5 16,2 12 1-16,6 13 0 0,2 14 1 16,4 10 2-1,4 17 1-15,-2 13-1 16,3 13 1-16,-4 9 2 15,4 5-5-15,-3 6 4 0,0-1-5 16,-3-2 0 0,-3-11-9-16,4-3-6 15,-15-27-27-15,17 1-88 0,-46-25-14 16,46-6-5-16,-46-21-1 16</inkml:trace>
         </inkml:traceGroup>
         <inkml:traceGroup>
           <inkml:annotationXML>
@@ -1530,7 +1530,7 @@
           <inkml:channelProperty channel="T" name="resolution" value="1" units="1/dev"/>
         </inkml:channelProperties>
       </inkml:inkSource>
-      <inkml:timestamp xml:id="ts0" timeString="2014-07-29T00:31:47.761"/>
+      <inkml:timestamp xml:id="ts0" timeString="2014-08-02T07:26:05.892"/>
     </inkml:context>
     <inkml:brush xml:id="br0">
       <inkml:brushProperty name="width" value="0.07" units="cm"/>
@@ -1538,166 +1538,16 @@
       <inkml:brushProperty name="color" value="#3165BB"/>
       <inkml:brushProperty name="fitToCurve" value="1"/>
     </inkml:brush>
-    <inkml:brush xml:id="br1">
-      <inkml:brushProperty name="width" value="0.07" units="cm"/>
-      <inkml:brushProperty name="height" value="0.07" units="cm"/>
-      <inkml:brushProperty name="fitToCurve" value="1"/>
-    </inkml:brush>
   </inkml:definitions>
   <inkml:traceGroup>
     <inkml:annotationXML>
       <emma:emma xmlns:emma="http://www.w3.org/2003/04/emma" version="1.0">
-        <emma:interpretation id="{E03C2DAC-C312-4749-9F98-09B05BFAB26D}" emma:medium="tactile" emma:mode="ink">
-          <msink:context xmlns:msink="http://schemas.microsoft.com/ink/2010/main" type="writingRegion" rotatedBoundingBox="3416,2119 19246,-31 20180,6842 4350,8992"/>
+        <emma:interpretation id="{D6E28A61-13FF-49E9-8E71-570E3C285355}" emma:medium="tactile" emma:mode="ink">
+          <msink:context xmlns:msink="http://schemas.microsoft.com/ink/2010/main" type="inkDrawing"/>
         </emma:interpretation>
       </emma:emma>
     </inkml:annotationXML>
-    <inkml:traceGroup>
-      <inkml:annotationXML>
-        <emma:emma xmlns:emma="http://www.w3.org/2003/04/emma" version="1.0">
-          <emma:interpretation id="{382E79AC-38FD-45E9-8B45-3EED320236F1}" emma:medium="tactile" emma:mode="ink">
-            <msink:context xmlns:msink="http://schemas.microsoft.com/ink/2010/main" type="paragraph" rotatedBoundingBox="4662,1950 7648,1544 7814,2762 4827,3167" alignmentLevel="2"/>
-          </emma:interpretation>
-        </emma:emma>
-      </inkml:annotationXML>
-      <inkml:traceGroup>
-        <inkml:annotationXML>
-          <emma:emma xmlns:emma="http://www.w3.org/2003/04/emma" version="1.0">
-            <emma:interpretation id="{DE3FEA13-23A3-4A63-A7C8-092CA9E0E7D0}" emma:medium="tactile" emma:mode="ink">
-              <msink:context xmlns:msink="http://schemas.microsoft.com/ink/2010/main" type="line" rotatedBoundingBox="4662,1950 7648,1544 7814,2762 4827,3167"/>
-            </emma:interpretation>
-          </emma:emma>
-        </inkml:annotationXML>
-        <inkml:traceGroup>
-          <inkml:annotationXML>
-            <emma:emma xmlns:emma="http://www.w3.org/2003/04/emma" version="1.0">
-              <emma:interpretation id="{ABB907F5-5257-42B6-846C-4E96748675B5}" emma:medium="tactile" emma:mode="ink">
-                <msink:context xmlns:msink="http://schemas.microsoft.com/ink/2010/main" type="inkWord" rotatedBoundingBox="4662,1950 5529,1832 5694,3050 4827,3167"/>
-              </emma:interpretation>
-            </emma:emma>
-          </inkml:annotationXML>
-          <inkml:trace contextRef="#ctx0" brushRef="#br0">1129-1096 79 0,'-17'-29'104'15,"17"29"5"-15,-24-19 1 0,24 19-55 16,-24 2-8-16,24-2-3 15,-15 22-8 1,17 2-7-16,-2-24-7 0,13 43-4 16,-13-43-4-16,43 37-2 15,-10-27-4-15,10-10-2 16,5-15-1-16,6-13-2 16,6-17 0-16,5-14-3 0,0-10 1 15,-2-13-3 1,-5-3 1-16,-6-1-2 15,-8 4 1-15,-12 6 2 16,-8 13-2-16,-13 13 4 16,-11 20-4-16,0 30 0 0,0 0 2 15,-33 13-2-15,14 32 2 16,1 18-4 0,3 13 1-16,2 10-2 0,11 5 3 15,4 0 4-15,11-8-6 16,5-12 0-16,14-15-11 15,-2-32-18-15,20-11-82 16,-13-37-8-16,11-13-4 0,-16-28-3 16</inkml:trace>
-          <inkml:trace contextRef="#ctx0" brushRef="#br0" timeOffset="209.0729">1733-2287 221 0,'-41'-2'129'0,"12"13"-1"16,-3-13-8-16,32 2-69 16,-24 21-59-16,24-21-35 0,18 31-70 15,3-23-6 1,12 14-6-16,-5-7-4 15</inkml:trace>
-        </inkml:traceGroup>
-        <inkml:traceGroup>
-          <inkml:annotationXML>
-            <emma:emma xmlns:emma="http://www.w3.org/2003/04/emma" version="1.0">
-              <emma:interpretation id="{4A172FCB-D643-4580-8A42-3634F0A85570}" emma:medium="tactile" emma:mode="ink">
-                <msink:context xmlns:msink="http://schemas.microsoft.com/ink/2010/main" type="inkWord" rotatedBoundingBox="6219,2431 7741,2224 7794,2616 6272,2823"/>
-              </emma:interpretation>
-            </emma:emma>
-          </inkml:annotationXML>
-          <inkml:trace contextRef="#ctx0" brushRef="#br0" timeOffset="517.0407">2531-1605 171 0,'-32'-26'130'0,"32"26"-2"16,-26-32 1-16,26 32-62 16,-11-26-36-1,11 26-6-15,26-13-10 0,0 8-6 16,11 5-5-1,8 2-2-15,7 7-7 0,5-2-6 16,5 6-13-16,-8-9-25 16,13 11-77-1,-21-11 0-15,-1 11-6 0,-21-12 2 16</inkml:trace>
-          <inkml:trace contextRef="#ctx0" brushRef="#br0" timeOffset="737.0798">2661-1419 246 0,'-30'2'131'0,"30"-2"-4"0,-28 9-3 16,28-9-103-16,26 6-7 15,8-1-4-15,12-5-10 16,6-5-13-16,17 14-35 15,-11-18-74-15,18 12-4 16,-13-19-3-16,6 8-3 16</inkml:trace>
-          <inkml:trace contextRef="#ctx0" brushRef="#br0" timeOffset="1089.0945">3661-1744 226 0,'0'-36'133'0,"0"36"-1"16,-26-37-1-16,26 37-98 0,-43-28-11 15,19 26 2 1,-8 2-10-16,-1 13-5 16,-2 8-5-16,1 12-4 15,1 6 0-15,7 10-2 16,9 3 2-16,11 0-4 0,12-4 2 15,16-5 2 1,17-13 0-16,17-12-1 16,18-18 1-16,8-15-2 0,4-16 1 15,-1-8-2 1,-7-8 5-16,-18-10-4 0,-14 6 3 16,-27 5 0-1,-23 11-9-15,-33 5-10 0,-8 30-80 0,-29-2-28 16,0 17-12-1,-12 2-2 1</inkml:trace>
-        </inkml:traceGroup>
-      </inkml:traceGroup>
-    </inkml:traceGroup>
-    <inkml:traceGroup>
-      <inkml:annotationXML>
-        <emma:emma xmlns:emma="http://www.w3.org/2003/04/emma" version="1.0">
-          <emma:interpretation id="{3262A91C-5997-4132-A6E6-285CCF8BC445}" emma:medium="tactile" emma:mode="ink">
-            <msink:context xmlns:msink="http://schemas.microsoft.com/ink/2010/main" type="paragraph" rotatedBoundingBox="3735,3963 14940,3615 14987,5130 3782,5478" alignmentLevel="1"/>
-          </emma:interpretation>
-        </emma:emma>
-      </inkml:annotationXML>
-      <inkml:traceGroup>
-        <inkml:annotationXML>
-          <emma:emma xmlns:emma="http://www.w3.org/2003/04/emma" version="1.0">
-            <emma:interpretation id="{FBF08252-10E6-4CDC-AF83-14BA2EBBF94B}" emma:medium="tactile" emma:mode="ink">
-              <msink:context xmlns:msink="http://schemas.microsoft.com/ink/2010/main" type="line" rotatedBoundingBox="3735,3963 14940,3615 14987,5130 3782,5478"/>
-            </emma:interpretation>
-          </emma:emma>
-        </inkml:annotationXML>
-        <inkml:traceGroup>
-          <inkml:annotationXML>
-            <emma:emma xmlns:emma="http://www.w3.org/2003/04/emma" version="1.0">
-              <emma:interpretation id="{3B7DA17A-9B77-4222-A14B-4903378382FE}" emma:medium="tactile" emma:mode="ink">
-                <msink:context xmlns:msink="http://schemas.microsoft.com/ink/2010/main" type="inkWord" rotatedBoundingBox="3736,4002 8799,3844 8840,5156 3777,5313"/>
-              </emma:interpretation>
-            </emma:emma>
-          </inkml:annotationXML>
-          <inkml:trace contextRef="#ctx0" brushRef="#br0" timeOffset="-14721.8291">-3 488 155 0,'6'-32'123'0,"-6"32"4"0,11-22-2 16,-11 22-79-16,0 0-11 15,26 20-6-15,-26-20-10 0,15 52-5 16,-4-9-2 0,9 12-7-16,-1 6 1 15,9 9-4-15,7 4 4 0,10-3-5 16,7-3 4 0,9-14-5-16,4-14-1 0,4-16 0 15,9-18-2 1,0-19-1-16,0-9-3 15,-5-17-2-15,-3-9 0 0,-12-8 1 16,-4-5-9 0,-15 0 5-16,-6 2-4 0,-18 4 8 0,-4 12-3 15,-13 6 7 1,-3 11-4-16,5 26 3 0,-19 0 12 16,14 26-6-1,5 17 5 1,9 14-4-16,11 13 3 0,10 4-2 0,11 0 5 15,13-7-4 1,9-21-1-16,8-22 1 0,5-24-1 16,4-24 1-16,-4-28-5 15,-3-22 7-15,-10-18-8 16,-11-8 3-16,-15-7-4 16,-13 5 3-1,-18-3-4-15,-14 12 4 0,-16 6 3 0,-9 19-8 16,-8 11 5-1,-4 16-3-15,4 19-4 0,-3 16-5 16,16 23-16 0,-4 1-20-16,25 21-58 15,-6-7-16-15,18 8-1 0,1-14-2 16</inkml:trace>
-          <inkml:trace contextRef="#ctx0" brushRef="#br0" timeOffset="-14237.8229">1826-165 137 0,'0'0'112'0,"-7"-22"-1"0,7 22-1 16,0 0-90-1,0 0-2-15,37 55 2 0,-17-5-4 16,8 22-2-16,2 17-4 15,9 22 1 1,-2 5 2-16,4 8-7 0,0-9 2 16,-2-4-5-1,0-17 2-15,-2-20-4 0,-3-22 5 16,-6-28-5-16,-4-20 0 16,-24-4-1-16,31-50-6 15,-23 0 10-15,-6-11-9 16,-2-6 5-16,-2-5-5 15,2 2 4-15,2 5-4 16,3 8 5-16,6 9 3 16,8 18-4-16,9 10 4 0,9 16 0 15,6 13 1 1,7 15 1-16,4 6-1 16,5 18 1-16,-3 6 5 0,0 5-5 15,-6 7 4 1,-5-3-5-16,-4-7 2 0,-8-3-12 15,-3-5-7 1,-12-25-24-16,10 4-41 16,-28-27-48-16,28-13-3 0,-22-29-1 15,9-1-2 1</inkml:trace>
-          <inkml:trace contextRef="#ctx0" brushRef="#br0" timeOffset="-14061.8096">3168 356 127 0,'0'0'123'0,"21"39"4"16,-16-2-4-16,12 24-68 0,-4-2-30 16,11 15-5-1,-5 0-3-15,5-2-13 0,2 2-14 16,-9-22-30-16,14-11-77 16,-16-21-7-16,-15-20-4 0,17-31-1 15</inkml:trace>
-          <inkml:trace contextRef="#ctx0" brushRef="#br0" timeOffset="-13896.7937">3183-191 236 0,'0'0'130'0,"-37"-4"-5"0,37 4-9 15,-17 32-130 1,17-32-32-16,6 37-73 0,-6-37-2 15,28 18-4-15,-28-18-3 16</inkml:trace>
-          <inkml:trace contextRef="#ctx0" brushRef="#br0" timeOffset="-13731.7356">3546-206 234 0,'16'63'126'16,"7"30"-3"-16,-7 3-41 15,9 28-66-15,4 7-1 16,1 2-20-16,9 2-30 16,-13-20-85-1,6-10-2-15,-8-33-2 0,0-22-2 16</inkml:trace>
-          <inkml:trace contextRef="#ctx0" brushRef="#br0" timeOffset="-13258.7388">4068 648 226 0,'11'22'134'0,"-11"-22"-5"16,28 8-3-16,0-3-109 15,5-8-7 1,16 3 3-16,8-6-10 0,5-3 4 15,3-2-12 1,2 3 5-16,0-5-8 0,-4 0 1 16,-4-2 1-16,-10-3-4 15,-10 1 1-15,-10-5-6 0,-8 1 2 16,-16-7-2 0,-8-3 2-16,-18-5 0 15,-10-1 4-15,-18-4 3 0,-10 2 8 16,-1 13 6-1,-10 4 5-15,5 20 4 0,-4 8 1 16,15 27 4 0,0 10-2-16,26 29 4 15,8 3-2-15,20 14-7 0,13 2 1 16,26 0-3 0,13-11 1-16,20-11-3 0,12-19 1 15,11-15-8-15,7-12-4 16,-5-18-12-16,1-1-32 0,-29-21-97 15,2 2-6 1,-29-16-3 0,-14 1-7-16</inkml:trace>
-        </inkml:traceGroup>
-        <inkml:traceGroup>
-          <inkml:annotationXML>
-            <emma:emma xmlns:emma="http://www.w3.org/2003/04/emma" version="1.0">
-              <emma:interpretation id="{A9FBD102-D81A-4662-893E-BF27CE855FDF}" emma:medium="tactile" emma:mode="ink">
-                <msink:context xmlns:msink="http://schemas.microsoft.com/ink/2010/main" type="inkWord" rotatedBoundingBox="10022,3768 14940,3615 14987,5130 10069,5283"/>
-              </emma:interpretation>
-            </emma:emma>
-          </inkml:annotationXML>
-          <inkml:trace contextRef="#ctx0" brushRef="#br0" timeOffset="-12653.687">6540-278 165 0,'2'-22'123'16,"-13"-6"2"-16,11 28-3 15,-24-28-86-15,24 28-3 16,-39 8-6-16,22 18-5 15,-13 9-6 1,4 23-3-16,-3 23-1 0,3 22-2 16,3 23-4-16,8 15 3 15,4 8-1-15,11 2-3 16,11-3 0-16,10-19-4 16,9-18-2-16,9-31-9 0,9-22-11 15,-7-40-49 1,13-14-69-16,-13-30 1 15,5-11-6-15,-18-17-1 0</inkml:trace>
-          <inkml:trace contextRef="#ctx0" brushRef="#br0" timeOffset="-11938.625">7163 804 143 0,'0'0'123'0,"0"0"2"0,4 24-5 16,-4-24-71-1,24-13-32 1,-24 13 0-16,46-22-2 0,-18 0-12 0,4-6 4 15,3-4-10 1,-3-7 5-16,-4-7-6 0,-2-6 2 16,-2-4-6-1,-7-4 2-15,-1-5 3 16,-8 2-5-16,-1 2 4 0,-7 5 0 16,0 13 4-1,-2 6 1-15,-5 13 5 0,7 24 0 16,0 0 2-16,-11 28-1 15,7 9 3-15,4 17 0 16,-2 11-3-16,8 13 2 16,3 6 0-1,6 3-3-15,2-5 1 0,5-6-8 16,8-11-7-16,-4-24-26 16,22-4-54-16,-16-37-41 0,7-18-6 15,-11-27 1 1</inkml:trace>
-          <inkml:trace contextRef="#ctx0" brushRef="#br0" timeOffset="-11718.5702">7531-153 232 0,'-26'-4'136'16,"26"4"-5"-16,-28-11-6 16,28 11-128-16,21-9-49 15,-21 9-70-15,31-4-4 0,-31 4-7 16,26-4-7 0</inkml:trace>
-          <inkml:trace contextRef="#ctx0" brushRef="#br0" timeOffset="-10904.528">8756 40 132 0,'0'0'115'0,"0"0"0"15,0 0-1 1,0 0-86-16,0 0-1 0,0 0-3 15,-4 30-7-15,-12-4-7 16,-3 4-1-16,-11 3-2 16,-5 8 1-16,-8-2-1 15,-3 2 0 1,-1-4-1-16,3 0 2 0,1-9-2 16,8 0 0-16,7-9-1 15,9-3-1-15,19-16 1 16,-13 19-1-16,13-19 2 15,21 4 0-15,1-2 1 16,8 3 0-16,7-3 2 16,6 4-2-16,7-1 0 15,7 6-2-15,3-3-1 0,1 7-2 16,-1-2-3 0,-3 5-4-16,-5-1-7 0,-9-4-10 15,0 13-37-15,-43-26-75 16,28 17-2-1,-28-17-6-15,0 0 2 0</inkml:trace>
-          <inkml:trace contextRef="#ctx0" brushRef="#br0" timeOffset="-10046.4635">9580 931 169 0,'0'0'125'0,"0"0"4"0,0 0-1 0,0 0-84 15,0 0-10 1,0 0-5 0,0 0-9-16,0-25-5 0,9-6-4 0,-5-14-8 15,3-12 3 1,-3-16-7-16,-2-16 4 0,-4-13-6 16,2-6 4-1,-2-4-3 1,2 6 2-16,-2 8 2 0,4 16-1 0,0 17 1 15,5 28-1 1,-7 37 0-16,21 7-1 0,-5 32 0 16,-1 23 0-16,6 14-2 15,3 11 3-15,4 4-3 16,3-3 1-16,5 1-1 16,3-11 3-1,5-9 2-15,1-12-3 0,3-12 4 16,-3-8-4-16,1-9 5 15,-3-6-5-15,0-9 6 0,-6-5-6 16,-7-3 1 0,-2-8 0-16,-4-3-1 0,-24 6 1 15,33-37-5-15,-25 7 4 16,-1-9-4 0,-7-11 5-16,-7-15-5 0,-4-11 5 15,-6-14-4-15,0 1 4 16,0-2 1-16,-1 2-2 15,5 5 3-15,5 8-2 16,3 13-1 0,7 16 0-16,5 16 0 0,4 8 0 15,-11 23 1-15,19-18-3 16,-19 18-3-16,0 0-7 16,22 28-15-16,-22-28-47 15,-7 33-62-15,7-33-1 0,-13 37-5 16,13-37-1-1</inkml:trace>
-          <inkml:trace contextRef="#ctx0" brushRef="#br0" timeOffset="296915.5468">10777-462 133 0,'-11'-22'105'0,"11"22"-2"16,0 0-7-16,-15-19-67 0,15 19-1 15,0 0-6-15,0 0-4 16,20 6 0-16,-20-6-7 15,28 17 4 1,-9-1-8-16,3-1 4 0,6 11-5 16,2 0-1-16,9 13-1 15,-2 10 0-15,4 14 0 16,0 15-2-16,1 11 1 16,-6 10-3-16,-3 10 2 15,-9 7-4-15,-9 1 3 16,-9-2 2-16,-8 0-4 15,-9-11 4-15,-6-11-6 16,-2-11 1-16,-10-19-11 16,10-11-12-16,-16-35-41 15,14-17-56-15,-3-33 1 16,11-25-7-16,0-22-1 16</inkml:trace>
-        </inkml:traceGroup>
-      </inkml:traceGroup>
-    </inkml:traceGroup>
-    <inkml:traceGroup>
-      <inkml:annotationXML>
-        <emma:emma xmlns:emma="http://www.w3.org/2003/04/emma" version="1.0">
-          <emma:interpretation id="{C9094F58-F335-493F-8EF6-E5E766FF11F9}" emma:medium="tactile" emma:mode="ink">
-            <msink:context xmlns:msink="http://schemas.microsoft.com/ink/2010/main" type="paragraph" rotatedBoundingBox="6682,6745 19877,4687 20189,6688 6994,8745" alignmentLevel="3"/>
-          </emma:interpretation>
-        </emma:emma>
-      </inkml:annotationXML>
-      <inkml:traceGroup>
-        <inkml:annotationXML>
-          <emma:emma xmlns:emma="http://www.w3.org/2003/04/emma" version="1.0">
-            <emma:interpretation id="{1FCC8B6B-B7E3-4585-8117-F03DFCE3DA7F}" emma:medium="tactile" emma:mode="ink">
-              <msink:context xmlns:msink="http://schemas.microsoft.com/ink/2010/main" type="line" rotatedBoundingBox="6682,6745 19877,4687 20189,6688 6994,8745"/>
-            </emma:interpretation>
-          </emma:emma>
-        </inkml:annotationXML>
-        <inkml:traceGroup>
-          <inkml:annotationXML>
-            <emma:emma xmlns:emma="http://www.w3.org/2003/04/emma" version="1.0">
-              <emma:interpretation id="{DF11DA98-16A0-4304-94B8-22316954890F}" emma:medium="tactile" emma:mode="ink">
-                <msink:context xmlns:msink="http://schemas.microsoft.com/ink/2010/main" type="inkWord" rotatedBoundingBox="6682,6745 9045,6376 9238,7612 6875,7981"/>
-              </emma:interpretation>
-            </emma:emma>
-          </inkml:annotationXML>
-          <inkml:trace contextRef="#ctx0" brushRef="#br0" timeOffset="8888.7685">4873 3113 132 0,'-19'0'123'0,"19"0"1"15,-33-9-4-15,33 9-70 0,0 0-14 16,0 0 1 0,7-28-13-16,16 24-7 0,3-3-10 15,11-1 1-15,7 1-2 16,7 1-5-16,6 4-4 15,-1-3-10-15,7 12-17 16,-13-14-24 0,10 14-71-16,-12-1-5 0,-5 1 1 0,-15-1-4 15</inkml:trace>
-          <inkml:trace contextRef="#ctx0" brushRef="#br0" timeOffset="9196.7976">5014 3371 96 0,'-28'10'115'0,"6"-3"-1"16,3-1 4-16,19-6-79 15,0 0-5-15,0 0 1 16,21 3-4-16,12-1-8 16,1-4-7-16,10 6-4 15,3 0-1-15,5 7-5 16,-2 2-8-16,0-2-11 16,4 11-29-16,-15-12-82 0,2 3-6 15,-11-11 2 1,-6-6-6-16</inkml:trace>
-          <inkml:trace contextRef="#ctx0" brushRef="#br0" timeOffset="2035.2181">3144 3630 165 0,'-26'22'122'0,"26"-22"0"0,-20 26 1 16,20-26-92-1,-4 26-6-15,4-26-3 0,26 28-6 16,-6-24-5-16,8 1-2 16,2-16-1-1,7-9-2-15,4-14-1 0,4-18-3 16,1-15 2-16,4-13 1 15,1-13-9-15,-5-5 1 16,-7 1-2-16,-7 6 1 16,-6 9-2-16,-11 15 3 15,-8 15-3-15,-7 17-1 16,0 35 7-16,-19-11 0 16,6 37-1-16,0 15 2 0,2 18 4 15,2 14-4 1,5 14 3-16,8 8-1 0,7 3 1 15,8-1-1 1,14-15 1-16,6-13-4 16,11-17-9-16,4-28-16 0,17-13-58 15,-10-35-45 1,1-19-3-16,-14-22 0 0,-5-11-5 16</inkml:trace>
-          <inkml:trace contextRef="#ctx0" brushRef="#br0" timeOffset="2244.2357">3553 2568 198 0,'-37'8'133'0,"5"-16"-4"0,32 8-4 16,-26-24-113-1,26 24-36-15,34-17-81 0,-3 10-12 0,8 7-8 16,-5 2-4 0</inkml:trace>
-        </inkml:traceGroup>
-        <inkml:traceGroup>
-          <inkml:annotationXML>
-            <emma:emma xmlns:emma="http://www.w3.org/2003/04/emma" version="1.0">
-              <emma:interpretation id="{5419CF51-A9A3-4048-A847-E5026D28BEFD}" emma:medium="tactile" emma:mode="ink">
-                <msink:context xmlns:msink="http://schemas.microsoft.com/ink/2010/main" type="inkWord" rotatedBoundingBox="9742,6819 12658,6364 12886,7827 9970,8281"/>
-              </emma:interpretation>
-            </emma:emma>
-          </inkml:annotationXML>
-          <inkml:trace contextRef="#ctx0" brushRef="#br0" timeOffset="10505.8984">7518 3297 192 0,'-43'-32'135'0,"21"14"1"16,22 18 1 0,22-6-98-16,-22 6-10 15,65 15-3-15,-11-11-8 0,17 3-6 16,11-7-6-1,7-7-9-15,8 5-19 0,-8-20-36 16,13 9-80 0,-16-4 2-16,1 0-8 15,-13-3 4-15</inkml:trace>
-          <inkml:trace contextRef="#ctx0" brushRef="#br0" timeOffset="10318.8841">8046 2717 126 0,'0'0'113'0,"-30"35"4"16,17 6-5-16,13 15-83 15,-7 11-14-15,14 20-2 16,1 14-2-16,5 12-8 16,9 4-5-16,-3-5-4 0,10-6-5 15,-3-19-10 1,4-5-15-16,-17-30-25 0,4-19-52 16,-10-10-2-1,-7-23 3-15,-22-19 51 16</inkml:trace>
-          <inkml:trace contextRef="#ctx0" brushRef="#br0" timeOffset="9790.8823">6146 3713 131 0,'0'19'120'0,"0"-19"0"0,21-4 0 15,3-5-89 1,2-13-8-16,17 1 1 16,1-22-3-16,12-3-8 0,0-12-2 15,5-5-3 1,-3-6 0-16,-1-1 3 0,-12-3-10 15,-4 1 2-15,-13 5-5 16,-8 4 2-16,-14 12-4 0,-6 5 5 16,-6 11-5-1,-7 9-1 1,-7 16 5-16,-1 10-1 0,-1 15 2 0,-2 17 0 16,5 12 5-1,4 8-5-15,6 10 4 0,7 8-2 16,8 1 3-1,12 5-3-15,10-5 2 16,11-8-3-16,8-13-1 0,7-11-3 16,7-11-10-1,-5-24-21-15,9 0-53 0,-11-23-43 16,-6-11-3-16,-11-11 0 16</inkml:trace>
-          <inkml:trace contextRef="#ctx0" brushRef="#br0" timeOffset="10010.857">6559 2615 195 0,'-37'0'129'0,"9"0"-2"0,9-4-5 15,19 4-112-15,0 0-32 16,0 0-44-16,43 22-52 16,-6-3-5-16,2 1-1 15,2 8-5-15</inkml:trace>
-          <inkml:trace contextRef="#ctx0" brushRef="#br0" timeOffset="10758.9655">8977 2825 190 0,'-20'24'134'16,"1"2"-2"-16,10 13 1 0,0-2-83 16,16 26-37-16,1 12-1 15,16 14-2-15,2 2-4 16,5 4-4-16,-1-2-5 15,-4-13-11 1,4-2-46-16,-15-28-71 0,-4-20-1 16,-11-30-4-16,0 0-3 15</inkml:trace>
-        </inkml:traceGroup>
-        <inkml:traceGroup>
-          <inkml:annotationXML>
-            <emma:emma xmlns:emma="http://www.w3.org/2003/04/emma" version="1.0">
-              <emma:interpretation id="{57F2BEF1-8C63-451F-9945-FA860C600E6A}" emma:medium="tactile" emma:mode="ink">
-                <msink:context xmlns:msink="http://schemas.microsoft.com/ink/2010/main" type="inkWord" rotatedBoundingBox="17836,5441 19943,5113 20099,6116 17992,6445"/>
-              </emma:interpretation>
-            </emma:emma>
-          </inkml:annotationXML>
-          <inkml:trace contextRef="#ctx0" brushRef="#br1" timeOffset="407102.4015">14345 1637 18 0,'0'0'70'16,"0"0"-3"-16,0 0-2 16,-4-31-63-16,8 5-1 15,2-5 7-15,2-5 6 16,-3-8 9-16,3 2 2 16,-6-2 9-16,4 11 5 15,-10-5 6-15,8 17-2 16,-12-6-2-16,8 27-5 0,0 0-5 15,0 0-4-15,-25 21-6 16,16 21-3-16,-3 8-7 16,1 19-2-16,-3 11-4 15,-1 14-2-15,0 5 3 16,-4 0-2-16,7-7-2 16,-5-10-5-16,11-11-7 15,-7-23-20-15,17-10-39 16,-4-38-46-16,0 0-10 15,19-52 2-15,-2-5-4 16</inkml:trace>
-          <inkml:trace contextRef="#ctx0" brushRef="#br1" timeOffset="407508.7709">14895 1350 144 0,'21'8'105'16,"-21"-8"0"-16,0 0 2 16,0 0-80-16,0 0-2 15,4 27 1-15,-4 3-3 0,-13 1-4 16,3 11-1-16,-11 2-2 15,6 11-1-15,-8-5-3 16,6 1 0 0,-2-7-3-16,9-2-1 0,3-11-2 15,12-4-1-15,-5-27-1 16,35 28-2-16,-5-24 0 16,10-6 0-16,2-2-1 15,4-3 0-15,0 5-4 16,-4-4-9-16,2 10-20 15,-19-12-51-15,7 16-41 16,-32-8-6-16,31 2 1 16,-31-2-5-16</inkml:trace>
-          <inkml:trace contextRef="#ctx0" brushRef="#br1" timeOffset="408071.2984">15556 1971 155 0,'0'0'114'16,"0"0"9"-16,0 0-4 15,-2-23-40-15,-5-11-48 16,14 9-3-16,-7-19-8 16,8-2-6-16,-2-17 1 15,5-2-10-15,-5-7 5 16,7 3-5-16,-3 2 1 16,1 6-3-16,-1 9 1 15,3 14-3-15,-3 17 1 16,-10 21-1-16,23 10 0 15,-10 22 0-15,4 18-2 16,4 15 2-16,4 13-4 0,2 4 4 16,5 8 2-16,1-4-2 15,1-6 3-15,4-15-2 16,-5-13 3 0,-1-18-3-16,-3-17-1 0,-2-17 5 15,-2-21-9-15,-1-11 2 16,-6-14-1-16,-1-17 3 15,-2-15-2-15,0-14 2 16,-5-13 4-16,1 2-7 16,-5-2 6-16,0 5-3 15,0 12-4-15,-6 10-19 16,11 38-64-16,-17 11-45 0,6 29-7 16,0 0-4-16,-30 19-5 15</inkml:trace>
-        </inkml:traceGroup>
-      </inkml:traceGroup>
-    </inkml:traceGroup>
+    <inkml:trace contextRef="#ctx0" brushRef="#br0">0 66 58 0,'0'0'69'0,"0"0"4"16,0 0-2-1,0 0-36-15,0 0-9 0,0 0 0 0,0 0-2 16,0 0-1-16,0 0-1 16,0 0 1-1,0 0-3-15,0 0-4 16,0 0-2-16,0 0-3 16,0 0-3-16,0 0-2 0,0 0-2 0,0 0 0 15,0 0-1-15,0 0 0 16,0 0-1-1,32-24 0-15,-32 24-1 0,31-8 1 16,-31 8-2 0,37-8 1-16,-37 8 0 15,32-7-1-15,-32 7 0 16,31-8 0-16,-31 8 0 16,26-6-1-16,-26 6 1 15,29-5 0-15,-29 5 0 0,35-2 0 16,-35 2 0-16,34 5-1 0,-34-5-2 15,34 8-5 1,-34-8-10-16,26 8-19 16,-26-8-57-16,26 10-4 15,-26-10 1-15,0 0-3 16</inkml:trace>
   </inkml:traceGroup>
 </inkml:ink>
 </file>
@@ -1720,7 +1570,7 @@
           <inkml:channelProperty channel="T" name="resolution" value="1" units="1/dev"/>
         </inkml:channelProperties>
       </inkml:inkSource>
-      <inkml:timestamp xml:id="ts0" timeString="2014-07-29T00:38:04.202"/>
+      <inkml:timestamp xml:id="ts0" timeString="2014-08-02T07:26:06.452"/>
     </inkml:context>
     <inkml:brush xml:id="br0">
       <inkml:brushProperty name="width" value="0.07" units="cm"/>
@@ -1732,133 +1582,12 @@
   <inkml:traceGroup>
     <inkml:annotationXML>
       <emma:emma xmlns:emma="http://www.w3.org/2003/04/emma" version="1.0">
-        <emma:interpretation id="{E82A2BF5-486D-44C8-8790-96D3AE4F68CE}" emma:medium="tactile" emma:mode="ink">
-          <msink:context xmlns:msink="http://schemas.microsoft.com/ink/2010/main" type="writingRegion" rotatedBoundingBox="25683,1228 26291,14192 21416,14421 20808,1456"/>
+        <emma:interpretation id="{FA6C7A74-1B0B-4E22-AD2B-604DDD52A9F9}" emma:medium="tactile" emma:mode="ink">
+          <msink:context xmlns:msink="http://schemas.microsoft.com/ink/2010/main" type="inkDrawing"/>
         </emma:interpretation>
       </emma:emma>
     </inkml:annotationXML>
-    <inkml:traceGroup>
-      <inkml:annotationXML>
-        <emma:emma xmlns:emma="http://www.w3.org/2003/04/emma" version="1.0">
-          <emma:interpretation id="{F1A63EAC-809E-4F19-B3D5-A46DA9EB4F6A}" emma:medium="tactile" emma:mode="ink">
-            <msink:context xmlns:msink="http://schemas.microsoft.com/ink/2010/main" type="paragraph" rotatedBoundingBox="25513,1926 26232,12480 23805,12645 23086,2091" alignmentLevel="1"/>
-          </emma:interpretation>
-        </emma:emma>
-      </inkml:annotationXML>
-      <inkml:traceGroup>
-        <inkml:annotationXML>
-          <emma:emma xmlns:emma="http://www.w3.org/2003/04/emma" version="1.0">
-            <emma:interpretation id="{53AD9105-0397-407E-98D5-2505F6DD355D}" emma:medium="tactile" emma:mode="ink">
-              <msink:context xmlns:msink="http://schemas.microsoft.com/ink/2010/main" type="inkBullet" rotatedBoundingBox="24726,1979 24728,2003 24341,2030 24340,2005"/>
-            </emma:interpretation>
-          </emma:emma>
-        </inkml:annotationXML>
-        <inkml:trace contextRef="#ctx0" brushRef="#br0">2124 627 315 0,'0'0'123'0,"0"0"0"15,0 0-4-15,0 0-103 16,32-2-4-16,3 2-3 16,3-2-9-16,6 2-5 15,2 4-10-15,-8-10-9 0,8 14-18 16,-19-16-25-16,11 12-49 16,-17-10-2-16,-21 6 1 15,23 6 3-15</inkml:trace>
-      </inkml:traceGroup>
-      <inkml:traceGroup>
-        <inkml:annotationXML>
-          <emma:emma xmlns:emma="http://www.w3.org/2003/04/emma" version="1.0">
-            <emma:interpretation id="{77D57EE7-BF7D-4C07-B3F3-B6DDFCC1D9E8}" emma:medium="tactile" emma:mode="ink">
-              <msink:context xmlns:msink="http://schemas.microsoft.com/ink/2010/main" type="line" rotatedBoundingBox="25519,2010 26232,12480 23805,12645 23092,2176"/>
-            </emma:interpretation>
-          </emma:emma>
-        </inkml:annotationXML>
-        <inkml:traceGroup>
-          <inkml:annotationXML>
-            <emma:emma xmlns:emma="http://www.w3.org/2003/04/emma" version="1.0">
-              <emma:interpretation id="{5F41B8ED-BD62-4C8E-B2A3-EB35F59D6AD7}" emma:medium="tactile" emma:mode="ink">
-                <msink:context xmlns:msink="http://schemas.microsoft.com/ink/2010/main" type="inkWord" rotatedBoundingBox="25519,2010 26232,12480 23805,12645 23092,2176"/>
-              </emma:interpretation>
-            </emma:emma>
-          </inkml:annotationXML>
-          <inkml:trace contextRef="#ctx0" brushRef="#br0" timeOffset="2531.3766">2397 7211 221 0,'-25'-21'122'0,"25"21"-3"16,0 0 0-16,0 0-82 15,21 0-22-15,10 0-3 16,7-2-9-16,6-2-8 16,11 4-10-16,-9-7-9 15,6 9-20-15,-16-10-31 16,-3 8-44-16,-5 2 0 15,-28-2-1-15,25 13 7 16</inkml:trace>
-          <inkml:trace contextRef="#ctx0" brushRef="#br0" timeOffset="2312.6077">2359 7318 219 0,'0'0'116'0,"17"19"1"16,-17-19-3-16,25 38-93 16,-4-5-5-16,-4 5-5 15,4 6-6-15,-4 4-9 16,-7 0-8-16,3 3-14 15,-13-13-16-15,8 1-30 16,-8-9-42-16,0-30-3 16,-4 21 1-16,4-21 4 15</inkml:trace>
-          <inkml:trace contextRef="#ctx0" brushRef="#br0" timeOffset="2765.7625">2514 7385 234 0,'-16'29'122'16,"16"-29"-5"-16,0 0 0 16,23 21-101-16,0-23-6 15,8 2-2-15,7-4-10 0,4-2-8 16,4 4-18 0,-8-11-29-16,4 3-60 15,-4-1 0-15,-7-4-3 16,-4 5 0-16</inkml:trace>
-          <inkml:trace contextRef="#ctx0" brushRef="#br0" timeOffset="-9772.7857">1440 7725 198 0,'0'0'119'0,"0"0"-2"15,0 0 0-15,0 0-84 16,27 10-8-16,-2 5-14 16,7 6-16-16,6 4-22 15,-9-4-37-15,7 2-51 0,-3 0-3 16,1-6 0-16,-3 0-1 16</inkml:trace>
-          <inkml:trace contextRef="#ctx0" brushRef="#br0" timeOffset="-9616.5207">1992 8073 229 0,'23'36'115'0,"-4"-2"-3"15,0-5-22-15,6 11-74 16,-4-7-12-16,0-3-28 16,8 1-35-16,-4-5-52 15,1-14-3-15,3-1 4 16,2-7-4-16</inkml:trace>
-          <inkml:trace contextRef="#ctx0" brushRef="#br0" timeOffset="-9007.1118">2859 8392 237 0,'-7'-25'121'16,"7"25"3"-16,4-19-4 16,-4 19-89-16,21-2-6 15,-21 2-8-15,38 15-6 16,-13 0-3-16,5 6-2 15,-1 0-3-15,5 4-1 16,-1 0-1-16,3 2-1 16,-2 3-1-16,-1-1 0 0,-3 2-1 15,-3 3 0-15,-4 2-1 16,-6-3 1-16,-5 5-1 16,-5 2 0-16,-5 2 0 15,-4 2 2-15,-3 0-1 16,-5-2 2-16,-3 2-3 15,-1-6-2-15,-1 2-11 16,-8-17-19-16,10 4-46 16,-8-18-45-16,-2-14 2 15,-2-16-4-15,-4-23 0 16</inkml:trace>
-          <inkml:trace contextRef="#ctx0" brushRef="#br0" timeOffset="-9444.6411">2533 8451 201 0,'23'32'119'16,"-2"-1"-1"-16,0 5 1 16,7 4-85-16,-3-5-12 15,6 5-7-15,-1-2-11 16,1-2-9-16,1 4-15 15,-5-11-16-15,7 4-35 16,-7-14-47-16,-6-4-1 16,-2-13 0-16,-19-2 2 0</inkml:trace>
-          <inkml:trace contextRef="#ctx0" brushRef="#br0" timeOffset="3765.8121">1484 9712 158 0,'0'0'114'16,"0"0"4"-16,0 0 0 0,0 0-66 16,2 30-19-16,17-15-8 15,10 10-9-15,1 2-12 16,1 2-13-16,7 13-25 16,-11-10-39-16,5 1-45 15,-3-5-1-15,-6-5-1 16,-2-9-1-16</inkml:trace>
-          <inkml:trace contextRef="#ctx0" brushRef="#br0" timeOffset="5609.6951">3333 9975 244 0,'0'0'130'15,"-27"-11"-1"-15,27 11 1 16,0 0-96-16,19-23-11 15,1 11-4-15,16-1-9 0,4-2-3 16,4-4-4-16,2 7-4 16,-2-5-7-16,0 9-7 15,-10-7-16 1,6 17-26-16,-21-10-40 0,6 10-33 16,-25-2 0-16,27 12 2 15</inkml:trace>
-          <inkml:trace contextRef="#ctx0" brushRef="#br0" timeOffset="5359.6468">3545 9964 78 0,'0'0'106'0,"-19"-10"5"16,19 10 3-16,-19-9-40 15,19 9-26-15,0 0-5 16,-8 38-9-16,1-15-7 15,14 17-6-15,-5 6-5 16,8 11-2-16,1 4-7 16,1 4-3-16,3-4-9 15,-2-9-11-15,6 3-24 16,-13-22-55-16,9-7-30 0,-15-26-4 16,0 0 2-16</inkml:trace>
-          <inkml:trace contextRef="#ctx0" brushRef="#br0" timeOffset="3953.3221">1981 10069 192 0,'17'28'118'0,"2"-1"2"15,-2 0-3-15,4 13-65 16,0-15-34-16,8 7-4 15,-2-5-8-15,1-4-14 16,3 8-23-16,-12-14-49 16,6 2-36-16,-2-10-4 15,-4-5 1-15,0-11-4 16</inkml:trace>
-          <inkml:trace contextRef="#ctx0" brushRef="#br0" timeOffset="5844.0913">3572 10088 293 0,'0'0'134'16,"0"36"1"-16,0-36-3 0,27 21-108 15,-3-17-9-15,11 2-1 16,3-6-9-16,4-4-6 16,4 0-13-16,-12-11-25 15,12 17-60-15,-15-16-37 16,1 3 0-16,-11-4-4 16</inkml:trace>
-          <inkml:trace contextRef="#ctx0" brushRef="#br0" timeOffset="4140.8495">2479 10260 228 0,'2'36'118'15,"4"4"-5"-15,0 2 2 16,1 2-98-16,10 2-13 0,6 0-1 16,-2-8-20-16,8 4-25 15,-10-9-69-15,2-9 0 16,0-6-4-16,-21-18-1 15</inkml:trace>
-          <inkml:trace contextRef="#ctx0" brushRef="#br0" timeOffset="4859.6226">2861 10315 232 0,'0'0'123'0,"-13"27"-7"16,13-27 3-16,0 29-102 15,13-8-7-15,3 3 3 0,8 3-9 16,-1 8 3-16,2 3-4 15,0 2 4-15,2 4-3 16,-4 0 4-16,0 2-4 16,-4-4 0-16,-2 2 0 15,0-6-2-15,-4 0 0 16,-3-2-1-16,-2-3 1 16,-3-1-3-16,-3-5 1 15,-4-2 1-15,-3 0 0 16,-5-4 2-16,-5 3 1 15,-4-6-1-15,-4 1 1 16,-6-2-1-16,-1 0-1 16,-3-2-8-16,-5-9-14 0,13 4-38 15,-4-16-67-15,10-9-1 16,6-12-3-16,7-15-2 16</inkml:trace>
-          <inkml:trace contextRef="#ctx0" brushRef="#br0" timeOffset="-14504.831">1379 1139 271 0,'21'21'123'15,"-21"-21"-1"-15,27 11-3 16,-27-11-94-16,34 23-5 16,-13-13-5-16,8 9-8 15,1-2-8-15,-1 0-10 16,5 8-22-16,-13-12-30 0,12 10-55 16,-6-9-1-16,5 7-2 15,-7-10 3-15</inkml:trace>
-          <inkml:trace contextRef="#ctx0" brushRef="#br0" timeOffset="-14161.0585">1956 1460 276 0,'21'38'115'0,"-21"-38"1"16,23 44-3-16,-10-21-89 15,12 5-5-15,-6-3-7 16,6 0-6-16,2 0-7 0,1-4-6 15,3 4-8-15,-6-12-7 16,7 8-6-16,-9-15-4 16,13 9 0-1,-11-13 2-15,6 11 6 16,-8-7 9-16,2 2 15 0,3 7 11 16,-9-7 11-16,8 15 7 15,-27-23 2-15,44 51 1 16,-27-26-4-16,6 11-3 15,-8-5-9-15,3 3-6 16,-5-3-14-16,-5-10-21 16,9 11-49-16,-17-32-46 15,7 23 0-15,-7-23-5 16,0 0 1-16</inkml:trace>
-          <inkml:trace contextRef="#ctx0" brushRef="#br0" timeOffset="-13707.9127">2800 1695 264 0,'0'0'121'15,"-23"11"0"-15,23-11 0 16,0 0-86-16,-2 25-11 16,2-25-7-16,23 27-5 15,-2-10-3-15,4 4-3 16,0 6-3-16,4 7-1 15,1 2-1-15,-3 1-1 16,3 1-1-16,-5 2 2 16,-2-2-4-16,-2 0 3 15,-7-1-1-15,-3-5 1 16,-7-1-2-16,-4-3 2 16,-6-1-3-16,-9-4 0 15,-2 6-4-15,-10-12-8 0,2 11-17 16,-17-20-77-16,8 5-14 15,-12-20-7-15,4-7 2 16</inkml:trace>
-          <inkml:trace contextRef="#ctx0" brushRef="#br0" timeOffset="-11770.2663">2556 5471 244 0,'19'36'119'0,"0"4"-3"15,2 6 1-15,-6-4-92 16,10 6-13-16,2-6-11 16,3-6-11-16,-1 6-25 15,-6-17-38-15,0 2-43 16,-2-12 1-16,-2-5 1 16,-19-10-3-16</inkml:trace>
-          <inkml:trace contextRef="#ctx0" brushRef="#br0" timeOffset="-249.9909">2141 711 185 0,'0'0'113'0,"0"0"-1"15,0 0 3-15,0 0-51 16,15 30-29-16,-13-5-10 15,8 17-5-15,-4 0-8 16,3 12-4-16,-3 1-3 16,0 4-4-16,3-5-2 15,-5-8-9-15,6-4-10 0,-10-21-30 16,13-2-65 0,-13-19-8-16,0 0 5 15,19-48-2-15</inkml:trace>
-          <inkml:trace contextRef="#ctx0" brushRef="#br0" timeOffset="250.0181">2221 789 275 0,'0'0'126'0,"-9"29"-1"15,9-29-2-15,15 23-71 16,-15-23-35-16,46 15-3 16,-14-9-8-16,5 1-5 15,5 3-12-15,-6-8-18 16,10 17-60-16,-14-11-36 16,-1 9 0-16,-12-8-6 15,-19-9-1-15</inkml:trace>
-          <inkml:trace contextRef="#ctx0" brushRef="#br0" timeOffset="1359.4705">2227 4172 242 0,'-19'0'123'0,"0"-4"-1"16,19 4-2-16,0 0-95 0,0 0-7 15,23-25-5-15,13 8-7 16,6 0-6-16,4-4-7 16,4 8-6-16,-6-6-11 15,5 13-15-15,-20-6-24 16,5 14-53-16,-15-2-1 16,-19 0 1-16,0 0 3 15</inkml:trace>
-          <inkml:trace contextRef="#ctx0" brushRef="#br0" timeOffset="1140.6996">2225 4176 195 0,'0'-21'116'0,"0"21"1"15,0 0-2-15,19 8-79 0,-19-8-8 16,16 45-6-16,-5-12-9 16,4 11-4-1,-5 2-6-15,1 7-5 16,1 1-10-16,-5-10-9 0,7 11-12 16,-14-23-42-16,9-1-42 15,-5-12-4-15,-4-19 4 16,0 0-1-16</inkml:trace>
-          <inkml:trace contextRef="#ctx0" brushRef="#br0" timeOffset="1578.1965">2332 4287 249 0,'-17'26'123'15,"17"-26"1"-15,0 0-4 16,19 20-90-16,-19-20-13 15,42-4-3-15,-11-4-11 16,5-7-17-16,8 13-40 16,-10-10-66-16,6 1-3 15,-9-4-3-15,1 3-3 16</inkml:trace>
-          <inkml:trace contextRef="#ctx0" brushRef="#br0" timeOffset="-11426.5421">2760 5196 296 0,'0'0'126'15,"-17"21"-3"-15,17-21-2 16,17 25-103-16,4-10-4 15,0 0-3-15,8 3-4 16,3 1-4-16,1 2-1 16,1 2-2-16,-3 3 1 15,3 1-1-15,0 7 0 16,-5 1-1-16,-2 3 2 0,-4 4-1 16,-4 2 1-16,-8 6-2 15,-7 3-1-15,-6 4 2 16,-4-3 1-16,-7 3-2 15,-2-5-1-15,-4-1-4 16,-6-12-12-16,6 6-36 16,-10-20-65-16,4-11-9 15,-5-20 3-15,1-19-3 16</inkml:trace>
-          <inkml:trace contextRef="#ctx0" brushRef="#br0" timeOffset="-12114.0754">1408 4850 255 0,'0'0'120'0,"30"10"1"16,-30-10-6-16,25 28-91 15,0-5-10-15,2-2-5 16,5 4-15-16,1 2-15 16,-3-10-21-16,10 10-35 15,-9-12-37-15,1 2-5 16,-5-5 3-16,-2-8 0 15</inkml:trace>
-          <inkml:trace contextRef="#ctx0" brushRef="#br0" timeOffset="-11942.1876">2042 5219 190 0,'19'32'112'15,"2"-1"-2"-15,0 3 0 16,4-9-50-16,3 2-66 15,5 3-33-15,-1-12-62 16,1-3-7-16,1-9-3 16,-5-1 1-16</inkml:trace>
-        </inkml:traceGroup>
-      </inkml:traceGroup>
-    </inkml:traceGroup>
-    <inkml:traceGroup>
-      <inkml:annotationXML>
-        <emma:emma xmlns:emma="http://www.w3.org/2003/04/emma" version="1.0">
-          <emma:interpretation id="{9BED76AA-0A16-4D1D-A814-6124E340AB88}" emma:medium="tactile" emma:mode="ink">
-            <msink:context xmlns:msink="http://schemas.microsoft.com/ink/2010/main" type="paragraph" rotatedBoundingBox="23183,1345 23791,14310 21416,14421 20808,1456" alignmentLevel="1"/>
-          </emma:interpretation>
-        </emma:emma>
-      </inkml:annotationXML>
-      <inkml:traceGroup>
-        <inkml:annotationXML>
-          <emma:emma xmlns:emma="http://www.w3.org/2003/04/emma" version="1.0">
-            <emma:interpretation id="{A178D659-05FF-46AE-9B9E-3D6E2A6A9777}" emma:medium="tactile" emma:mode="ink">
-              <msink:context xmlns:msink="http://schemas.microsoft.com/ink/2010/main" type="line" rotatedBoundingBox="23183,1345 23791,14310 21416,14421 20808,1456"/>
-            </emma:interpretation>
-          </emma:emma>
-        </inkml:annotationXML>
-        <inkml:traceGroup>
-          <inkml:annotationXML>
-            <emma:emma xmlns:emma="http://www.w3.org/2003/04/emma" version="1.0">
-              <emma:interpretation id="{F6E472DF-8B51-4FAF-BD43-2A99BE8003A1}" emma:medium="tactile" emma:mode="ink">
-                <msink:context xmlns:msink="http://schemas.microsoft.com/ink/2010/main" type="inkWord" rotatedBoundingBox="21847,3383 22267,12354 21321,12398 20901,3428"/>
-              </emma:interpretation>
-            </emma:emma>
-          </inkml:annotationXML>
-          <inkml:trace contextRef="#ctx0" brushRef="#br0" timeOffset="-19880.1164">-886 2029 211 0,'-18'9'113'16,"18"-9"2"-16,0 0-9 15,0 0-62-15,-19-3-8 16,19 3-8-16,19 3-6 15,-1 1-5-15,1-4-6 16,15 4-2-16,4-6-3 16,6 2-2-16,4 0-4 15,2-2-3-15,5 2-5 0,-7-7-9 16,7 12-15-16,-20-14-22 16,9 18-50-16,-21-14-17 15,3 12 2-15,-26-7 0 16</inkml:trace>
-          <inkml:trace contextRef="#ctx0" brushRef="#br0" timeOffset="-19645.6847">-567 2088 180 0,'0'0'108'0,"-23"4"4"0,23-4-2 16,-12 34-50-16,3-13-27 15,15 19-5-15,-8 4-7 16,9 12-10-16,-3 1-1 16,2 6-9-16,5-2-11 15,-7-15-30-15,17 0-75 16,-11-17-7-16,-10-29-2 16,28 17-1-16</inkml:trace>
-          <inkml:trace contextRef="#ctx0" brushRef="#br0" timeOffset="-18286.2378">-923 6447 235 0,'0'0'123'16,"0"0"1"-16,0 0-11 16,0 0-69-16,19-15-7 15,-19 15-12-15,44-6-7 16,-15 2-6-16,13 4-5 15,4 0-4-15,4-5-6 16,5 3-8-16,-1-8-14 16,7 12-21-16,-19-12-41 15,4 12-41-15,-14-2 0 16,-5 4 1-16,-27-4 3 16</inkml:trace>
-          <inkml:trace contextRef="#ctx0" brushRef="#br0" timeOffset="-18051.8808">-565 6508 256 0,'0'0'125'16,"-21"46"-1"-16,13-17-4 15,14 20-94-15,-6-1-10 16,9 13-4-16,3 2-10 15,1 2-4-15,-1-2-10 16,-3-9-18-16,8 7-36 16,-9-17-57-16,2-12-4 0,-3-11 0 15,-7-21-3-15</inkml:trace>
-          <inkml:trace contextRef="#ctx0" brushRef="#br0" timeOffset="-16629.9433">-907 10374 211 0,'-18'-7'119'0,"18"7"-1"16,0 0 3-16,10-29-86 15,24 25-5-15,1-9-6 16,18 7-8-16,5-3-3 16,10 7-5-16,3-2-5 15,2 0-6-15,1 2-11 16,-13-7-16-16,4 14-33 16,-21-8-60-16,-7 1-1 15,-11-2-1-15,-26 4 2 16</inkml:trace>
-          <inkml:trace contextRef="#ctx0" brushRef="#br0" timeOffset="-16411.1804">-502 10434 325 0,'-18'47'124'0,"3"7"-2"15,2-3-33-15,7 14-80 16,4 2-1-16,8-2-11 16,5 0-11-16,-5-13-22 15,13-1-61-15,-11-20-24 16,3-12-4-16,-11-19-1 16</inkml:trace>
-        </inkml:traceGroup>
-        <inkml:traceGroup>
-          <inkml:annotationXML>
-            <emma:emma xmlns:emma="http://www.w3.org/2003/04/emma" version="1.0">
-              <emma:interpretation id="{411CFCDB-9CEE-4679-9BE7-AC5954AB0EBA}" emma:medium="tactile" emma:mode="ink">
-                <msink:context xmlns:msink="http://schemas.microsoft.com/ink/2010/main" type="inkWord" rotatedBoundingBox="23183,1345 23791,14310 22561,14367 21953,1403"/>
-              </emma:interpretation>
-            </emma:emma>
-          </inkml:annotationXML>
-          <inkml:trace contextRef="#ctx0" brushRef="#br0" timeOffset="-40710.8094">707 9902 163 0,'0'0'112'15,"0"0"2"-15,0 0 2 16,0 0-72-16,-2 26-8 16,17 11-4-16,-6 7-9 15,8 18-3-15,-8 12-6 0,4 15-2 16,-9 8-4-16,0 9-5 16,-1-2 1-1,-6-2-6-15,1-9-4 16,-6-15-16-16,8-5-25 0,-13-25-77 15,8-20 0-15,5-28 0 16,0 0-2-16</inkml:trace>
-          <inkml:trace contextRef="#ctx0" brushRef="#br0" timeOffset="-40382.6622">430 10480 259 0,'-15'33'124'16,"11"-3"-2"-16,10 9-2 16,-4 4-90-16,18 18-12 15,-5 2-1-15,9 10-9 0,-3 3 0 16,-1 4-5-16,-3-6 1 16,-2-3 1-16,-4-6-1 15,-2-9 1-15,0-10-2 16,-1-12 2-16,9-14 0 15,5-14 0-15,6-12 0 16,9-16-1-16,11-15 1 16,8-10-2-16,7-7 0 15,4-7-3-15,-2 3-3 16,-7 1-8-16,3 14-10 16,-23-2-29-16,6 21-81 15,-44 24-1-15,19-13-3 0,-19 13 0 16</inkml:trace>
-          <inkml:trace contextRef="#ctx0" brushRef="#br0" timeOffset="-39445.1173">344 12155 206 0,'-28'-8'120'0,"28"8"3"16,-11-35-2-16,9 7-87 0,21 6-3 16,3-8-5-16,14 4-8 15,6 0-6-15,12 0-2 16,4 2-1-16,5 3-1 15,0 1-3-15,-1 7 0 16,-1 2-1-16,-9 9-3 16,-7 4-2-16,-12 11-1 15,-12 9-4-15,-10 4-3 16,-11 11-2-16,-11 4-2 16,-6 9-2-16,-11-5-1 15,-5 7-2-15,-10-9-3 16,4 9-11-16,-13-15-8 15,13 4-18-15,-15-17-40 0,11-7-15 16,2-8 2-16,6-7 0 16</inkml:trace>
-          <inkml:trace contextRef="#ctx0" brushRef="#br0" timeOffset="-39835.7502">456 12348 170 0,'0'0'112'16,"-8"-28"2"-16,8 28 1 16,0 0-77-16,0 0-4 15,10 30-4-15,8 9-6 16,-8 5-7-16,10 14 0 16,-7 9-5-16,4 9-2 15,-6-3-8-15,-2-1-3 16,-1-1-16-16,-8-19-21 15,13 0-50-15,-15-28-41 16,2-24 6-16,0 0-6 0</inkml:trace>
-          <inkml:trace contextRef="#ctx0" brushRef="#br0" timeOffset="-38679.4533">1101 12478 128 0,'-26'11'110'0,"26"-11"3"15,0 0 1-15,0 0-50 0,0 0-33 16,0 0-1-16,0 0-7 16,28-13-6-16,-9 13-5 15,10 4-1-15,-3 5-5 16,4-3-1-16,0 5-2 15,-2 0-2-15,-2 2-1 16,-4 2 0-16,-22-15 1 16,21 33-2-16,-21-33 1 15,0 30 0-15,0-30 0 16,-17 24 0-16,17-24 0 16,-26 13 0-16,26-13 0 15,-28 4 0-15,28-4 0 0,-22-4 0 16,22 4 0-16,0 0 0 15,0 0 0-15,3-20 0 16,-3 20-1-16,32 4 1 16,-10 5 1-16,4 2 1 15,-3 4 2-15,3 7 1 16,-8 2 0-16,-1 4 1 16,-8 0-1-16,-7 0 1 15,-9 0-2-15,-8 0 1 16,-9-4-3-16,-8-2 0 15,-9-7-3-15,-9-7-4 16,-6-1-9-16,-9-11-14 16,11 6-30-16,-7-13-68 0,14 2 1 15,3-4-7-15,10-2 3 16</inkml:trace>
-          <inkml:trace contextRef="#ctx0" brushRef="#br0" timeOffset="-49070.5928">99 449 176 0,'7'-30'92'16,"-7"30"4"-16,6-33-14 16,-6 33-38-16,7-19-6 15,-7 19-4-15,0 0-7 16,17 26-5-16,-17-3-6 15,9 21-2-15,-7 8-4 16,4 13-2-16,-1 4-4 16,1 4 0-16,1-1-1 15,-3-5-5-15,0-11 2 16,1-13-2-16,-1-14 3 16,-4-29-4-16,0 0 3 15,0 0 0-15,2-37-2 0,-6-6 6 16,-1-12-3-16,-3-7 3 15,-5-12-4-15,2-6 4 16,-2-2-1-16,2-3-3 16,3 3 3-16,3 2-2 15,3 9 3-15,9 6-1 16,6 8 1-16,6 14-2 16,5 9 2-16,4 12-2 15,4 9 1-15,1 13-2 16,1 6-1-16,1 10 0 15,-3 7 0-15,-1 5 1 16,-3 7-3-16,-2 0 3 16,-5-1-2-16,-1 1 2 0,-9-3-1 15,-5-1 0-15,-6-5-1 16,-6 4 1 0,-9-2 0-16,-11 5 0 15,-9 1 0-15,-8 3 0 0,-9 0-1 16,-7-3 1-16,-3 1-3 15,-1-9-8-15,13 4-29 16,-2-17-73-16,26 0-3 16,5-15-6-16,21 2-3 15</inkml:trace>
-          <inkml:trace contextRef="#ctx0" brushRef="#br0" timeOffset="-48367.4589">240 1752 108 0,'0'0'94'0,"-2"-31"4"16,2 31 2-16,0 0-42 16,-11-21-17-16,11 21-3 15,0 0-8-15,6 45-5 16,-6-19-4-16,7 20-3 15,-3 3-5-15,5 19-2 0,-5 5-2 16,5 9-6 0,-3 5 1-16,3 2-4 15,0-1 0-15,-3-3-5 16,-2-9-3-16,-1-16-12 0,3-6-17 16,-12-28-30-16,6-2-49 15,0-24-1-15,0 0-1 16,-35-35 3-16</inkml:trace>
-          <inkml:trace contextRef="#ctx0" brushRef="#br0" timeOffset="-48023.6975">-39 2319 195 0,'-20'-7'116'15,"20"7"-2"-15,0 0 3 16,24 28-71-16,-15-8-15 0,17 12-2 15,-5 1-9-15,10 10-4 16,-5 0-5-16,4 7-2 16,-4 0-3-16,0 2 0 15,-2 0-2-15,2 0-1 16,-5-7-2-16,3 1 0 16,-2-12 0-16,-1-1 0 15,-1-12 0-15,4-12 0 16,-3-13 0-16,3-14 0 15,2-7 0-15,2-8 0 16,2-4 0-16,7-4 0 16,-2 4-1-16,-3 7-3 15,-2 11-6-15,-6-3-20 0,7 24-61 16,-31-2-36-16,23-9-4 16,-23 9-5-16,-13-21-5 15</inkml:trace>
-          <inkml:trace contextRef="#ctx0" brushRef="#br0" timeOffset="-45804.8203">783 919 242 0,'0'0'117'0,"0"0"-10"15,0 0 4-15,0 0-83 16,0 0-1-16,0 0-9 16,0 0-2-16,-22-3-7 15,22 3-3-15,-21-8-1 16,21 8 0-16,-29-2-2 16,29 2 0-16,-28 13-1 0,28-13-3 15,-32 36 5-15,25-8-4 16,1 5 2-16,8 4-4 15,5 2 4-15,6-3-4 16,4-3 3-16,7-7-1 16,4-7 0-16,-2-8 0 15,2-11-1-15,-2-11 1 16,0-12-1-16,-5-12-2 16,-1-8 1-16,-5-5 2 15,-4-4-3-15,-5-4 1 16,-4 6-3-16,-6 2 0 15,-2 20-11-15,-12 4-11 16,18 24-50-16,-36 16-43 0,14 7 2 16,-6 3-6-1,4 9 1-15</inkml:trace>
-          <inkml:trace contextRef="#ctx0" brushRef="#br0" timeOffset="-45007.9118">123 4061 157 0,'-2'37'109'16,"0"-9"-1"-16,4 11 1 15,-6 4-67-15,17 20-10 16,-11 6-1-16,11 16-11 16,-5 3-3-16,5 5-8 15,-2-4-2-15,-2-4-15 0,4-10-22 16,-11-23-78-16,7-26-11 16,-9-26 4-16,8-30-5 15</inkml:trace>
-          <inkml:trace contextRef="#ctx0" brushRef="#br0" timeOffset="-44586.0104">-11 3866 212 0,'-26'-4'121'0,"26"4"-2"16,-35-7-2-16,35 7-73 15,0 0-27-15,0 0-4 16,24-28-6-16,4 20-3 16,7-1-2-16,6 0 0 15,2 3 0-15,7 4 0 16,2 2 0-16,0 4-1 16,0 5-1-16,-5 4 1 15,-3 4-1-15,-8 5 1 16,-5 4-2-16,-8 6 1 15,-7 3-1-15,-10 4 0 16,-6 0 0-16,-9 0 1 16,-4 0-1-16,-10 2 0 0,-5-2 0 15,-7-5 1-15,-8-3 0 16,-3-3 0-16,-6-5 0 16,3-1-1-16,3-5-3 15,5-4-6-15,15 3-15 16,2-14-34-16,24-2-57 15,0 0-5-15,35 13-1 16,-3-18-3-16</inkml:trace>
-          <inkml:trace contextRef="#ctx0" brushRef="#br0" timeOffset="-44289.1242">716 4548 114 0,'0'0'101'0,"0"0"9"16,0 0-1-16,21 15-51 16,-21-15-15-16,0 0-3 15,0 0 4-15,7 39-15 16,-9-15 3-16,6 15-9 15,-6-4-1-15,6 8-9 16,-2-4 1-16,1 0-10 0,1-5-14 16,-4-12-25-1,13 8-93-15,-13-30 0 16,4 31-6-16,-4-31 0 16</inkml:trace>
-          <inkml:trace contextRef="#ctx0" brushRef="#br0" timeOffset="-43445.33">383 5970 176 0,'0'0'109'16,"0"0"2"-16,-7 24-2 16,7-5-62-16,9 27-19 15,-3 1-5-15,12 18-5 0,-5 7-6 16,4 10-1-16,-2 7-5 16,2 4 1-16,-4-5-4 15,-2-3-1-15,0-3-10 16,-9-10-9-16,5-8-20 15,-16-20-35-15,5-10-47 16,4-34 0-16,-20 20 3 16,20-20-3-16</inkml:trace>
-          <inkml:trace contextRef="#ctx0" brushRef="#br0" timeOffset="-43132.7685">192 6563 194 0,'-24'13'119'16,"24"-13"1"-16,-4 30 3 16,4-30-71-16,24 50-18 15,-7-20-6-15,14 16-5 16,-3-5-6-16,8 11-11 16,-3-5 3-16,1 3-4 15,-5-2-1-15,1-3-1 16,-2-8-1-16,0-2-2 15,-2-7-1-15,0-9 5 16,2-4-3-16,0-8-1 16,3-7 0-16,-1-13-1 0,0-9 2 15,0-10-4-15,3-3-6 16,-5-10-10-16,4 10-25 16,-14-8-80-16,6 13-2 15,-11 1-3-15,-13 29-2 16</inkml:trace>
-          <inkml:trace contextRef="#ctx0" brushRef="#br0" timeOffset="-42554.6127">324 8281 103 0,'-24'9'105'15,"24"-9"-1"-15,-21 22 5 16,16 6-61-16,-1-4-10 0,10 19-6 16,-2 2-5-16,11 16-5 15,-4 6-7 1,6 13-1-16,-4 0-5 15,4 0-2-15,-4-6-8 0,0-13-12 16,4-5-20-16,-13-26-40 16,-2-30-44-16,0 0-2 15,0 0-1-15,17-58 0 16</inkml:trace>
-          <inkml:trace contextRef="#ctx0" brushRef="#br0" timeOffset="-42132.7186">205 8234 135 0,'-34'-26'113'16,"34"26"0"-16,-20-30 3 0,16 6-66 16,15 4-19-16,-1-10-6 15,21 10-4-15,-1-3-8 16,9 3-1-16,2 3-3 15,5 6-4-15,-1 0 1 16,0 9-3-16,-4 2 0 16,-2 7-1-16,-2 1 0 15,-2 7-2-15,-11 5 1 0,-7 4-1 16,-4 6 0-16,-11 7-6 16,-6 0 5-1,-7 4-6-15,-9-2 6 16,-8 0-4-16,-4 0 3 0,-3-5-2 15,-6-10 1-15,4-5 3 16,-2-3 0-16,7-8 0 16,2-3-1-16,4-3 1 15,26-2-4-15,-31-9-9 16,31 9-19-16,0 0-75 16,0 0-11-16,0 0-1 15,20-13-3-15</inkml:trace>
-          <inkml:trace contextRef="#ctx0" brushRef="#br0" timeOffset="-41538.9775">837 8734 166 0,'0'0'107'16,"0"0"3"-16,-22 8 0 15,22-8-79-15,0 0-5 16,5-32-5-16,-5 32-4 16,30-28-3-16,-6 17-2 15,0 0-2-15,4 5-3 16,-2 4-1-16,0 4-3 15,-3 4-1-15,-1 5-1 16,-22-11-1-16,24 39 0 16,-20-13-1-16,-4 2 1 0,-4 7 0 15,-3-1-1-15,-1 5 1 16,1 0 0-16,1 0 0 16,3-2 3-16,3-2 0 15,9-5 1-15,2-6 0 16,11-7 2-16,4-8-2 15,6-9 1-15,3-11-1 16,6-4-5-16,-2-5-11 16,-7-8-19-16,11 11-52 15,-15-5-40-15,-2 7-2 16,-26 15-3-16,29-13 0 16</inkml:trace>
-        </inkml:traceGroup>
-      </inkml:traceGroup>
-    </inkml:traceGroup>
+    <inkml:trace contextRef="#ctx0" brushRef="#br0">0 88 108 0,'0'0'88'0,"0"0"-3"15,26 19 4 1,-26-19-45-16,0 0-20 16,0 0-8-16,31-8-4 15,-31 8-6-15,29-21-1 16,-29 21-1-16,35-26-2 15,-35 26 0-15,42-27-2 0,-42 27-1 16,42-13 1-16,-42 13-2 16,37-2 0-16,-37 2 1 15,28 7-1-15,-28-7-2 16,0 0-6-16,27 14-15 16,-27-14-32-16,0 0-30 15,0 0-2-15,5-32 0 16,-5 32-3-16</inkml:trace>
   </inkml:traceGroup>
 </inkml:ink>
 </file>
@@ -1881,52 +1610,24 @@
           <inkml:channelProperty channel="T" name="resolution" value="1" units="1/dev"/>
         </inkml:channelProperties>
       </inkml:inkSource>
-      <inkml:timestamp xml:id="ts0" timeString="2014-07-29T00:38:26.056"/>
+      <inkml:timestamp xml:id="ts0" timeString="2014-08-02T07:26:07.404"/>
     </inkml:context>
     <inkml:brush xml:id="br0">
       <inkml:brushProperty name="width" value="0.07" units="cm"/>
       <inkml:brushProperty name="height" value="0.07" units="cm"/>
+      <inkml:brushProperty name="color" value="#3165BB"/>
       <inkml:brushProperty name="fitToCurve" value="1"/>
     </inkml:brush>
   </inkml:definitions>
   <inkml:traceGroup>
     <inkml:annotationXML>
       <emma:emma xmlns:emma="http://www.w3.org/2003/04/emma" version="1.0">
-        <emma:interpretation id="{7EE02232-530A-4803-825E-C758972AB40E}" emma:medium="tactile" emma:mode="ink">
-          <msink:context xmlns:msink="http://schemas.microsoft.com/ink/2010/main" type="writingRegion" rotatedBoundingBox="17638,9547 19857,9292 19998,10520 17779,10774"/>
+        <emma:interpretation id="{AAEF43DF-1502-4DD0-8960-A1E86FDA5F3C}" emma:medium="tactile" emma:mode="ink">
+          <msink:context xmlns:msink="http://schemas.microsoft.com/ink/2010/main" type="inkDrawing"/>
         </emma:interpretation>
       </emma:emma>
     </inkml:annotationXML>
-    <inkml:traceGroup>
-      <inkml:annotationXML>
-        <emma:emma xmlns:emma="http://www.w3.org/2003/04/emma" version="1.0">
-          <emma:interpretation id="{38016613-0D3F-42CA-9EB4-CE8C222F24DB}" emma:medium="tactile" emma:mode="ink">
-            <msink:context xmlns:msink="http://schemas.microsoft.com/ink/2010/main" type="paragraph" rotatedBoundingBox="17638,9547 19857,9292 19998,10520 17779,10774" alignmentLevel="1"/>
-          </emma:interpretation>
-        </emma:emma>
-      </inkml:annotationXML>
-      <inkml:traceGroup>
-        <inkml:annotationXML>
-          <emma:emma xmlns:emma="http://www.w3.org/2003/04/emma" version="1.0">
-            <emma:interpretation id="{246DD97D-5B87-4EAC-B788-E032855BBD3C}" emma:medium="tactile" emma:mode="ink">
-              <msink:context xmlns:msink="http://schemas.microsoft.com/ink/2010/main" type="line" rotatedBoundingBox="17638,9547 19857,9292 19998,10520 17779,10774"/>
-            </emma:interpretation>
-          </emma:emma>
-        </inkml:annotationXML>
-        <inkml:traceGroup>
-          <inkml:annotationXML>
-            <emma:emma xmlns:emma="http://www.w3.org/2003/04/emma" version="1.0">
-              <emma:interpretation id="{14FA990E-BC97-46B9-B2C5-8DC4B49B9715}" emma:medium="tactile" emma:mode="ink">
-                <msink:context xmlns:msink="http://schemas.microsoft.com/ink/2010/main" type="inkWord" rotatedBoundingBox="18501,9448 19857,9292 19998,10520 18642,10675"/>
-              </emma:interpretation>
-            </emma:emma>
-          </inkml:annotationXML>
-          <inkml:trace contextRef="#ctx0" brushRef="#br0">15083 5655 77 0,'0'0'105'16,"17"-21"5"-16,-17 21-2 15,0 0-63-15,0 0-4 16,0 0-7-16,-6 36-5 16,-15-9-5-16,2 15-3 15,-12 6-5-15,1 5-2 16,-8 4-2-16,3-1-1 16,1-3-2-16,9-3-1 15,6-10-1-15,13-6 1 16,14-11-2-16,15-6-1 15,13-11-2-15,12-6-1 16,5-4-2-16,5-4-1 0,1-1-6 16,-6-1-9-16,-1 10-18 15,-20-15-33-15,1 15-62 16,-14 0-3-16,-19 0 1 16,19 2-2-16</inkml:trace>
-          <inkml:trace contextRef="#ctx0" brushRef="#br0" timeOffset="578.1608">15545 6468 151 0,'15'-23'123'16,"-13"2"-2"-16,2-10 4 16,-2-18-72-16,9 3-32 15,-3-19-2-15,7-4-8 16,-3-11-3-16,3 2-5 15,-2 2 1-15,-1 7-2 0,-1 6 2 16,-1 17-1-16,-1 10 2 16,-9 36-1-1,19-17 0-15,-19 17 0 16,23 42-1-16,-11 0 0 0,3 8-3 16,2 11 2-16,2 7-3 15,0-1 3-15,-3-2-2 16,3-8 1-16,2-5 0 15,0-7 1-15,0-10-1 16,2-12 1-16,-2-10 0 16,2-7-1-16,3-6 1 15,-1-6-1-15,-2-9 2 0,0-6-1 16,-2-14-1-16,-2-10 0 16,-5-18 1-1,1-12-2-15,-6-16 2 16,-3-14-2-16,-6-4-8 0,-6-5-4 15,1 14-17-15,-16-8-32 16,9 22-70-16,-9 10 0 16,0 16-4-16,-2 11 0 15</inkml:trace>
-          <inkml:trace contextRef="#ctx0" brushRef="#br0" timeOffset="-406.2722">13973 5962 187 0,'-17'-28'126'0,"5"1"0"16,3 0-3-16,3-7-96 15,21 11-8-15,8 0-5 16,11 10-6-16,5 7-4 16,8 12-1-16,-1 11-3 15,-2 15 2-15,-6 10-3 16,-9 12 2-16,-10 9-1 16,-9 3 1-16,-14 3-2 15,-8-2 2-15,-12-2-1 0,-1-8 0 16,-6-6 0-16,1-14 1 15,1-11-2-15,2-10 1 16,4-11 0-16,23-5 0 16,-21-17 0-16,23-2 2 15,10-4 1-15,14-2-1 16,5 3 2-16,9 8-2 16,2 3 1-16,6 9 0 15,3 4-1-15,-3 5-7 16,-2 7-8-16,-10-7-19 15,8 9-45-15,-11-13-51 16,-1-10 0-16,-7-8-2 16,-2-12-1-16</inkml:trace>
-        </inkml:traceGroup>
-      </inkml:traceGroup>
-    </inkml:traceGroup>
+    <inkml:trace contextRef="#ctx0" brushRef="#br0">21 0 116 0,'0'0'93'0,"-14"29"2"15,14-29-1-15,0 0-42 0,0 0-23 16,0 0-5-16,-13 28-6 16,13-28-3-16,0 0-3 15,8 24-3-15,-8-24-1 16,26 37-1-16,-5-11 0 15,3 3-3 1,2 8 1-16,3 0-3 0,3 2 0 16,-6 1-1-1,3-3 2-15,-5-6-3 0,-1-2 1 0,-23-29 1 16,35 37-2-16,-35-37 0 16,23 5 0-16,-23-5 0 15,0 0 0-15,16-29 0 16,-16 29 0-1,-2-37 0-15,2 37-1 0,-3-39 1 16,3 39 0 0,-3-37 1-16,3 37-1 15,0 0 0-15,16-26 1 16,-16 26-1-16,32-3 1 0,-32 3 0 0,44 8 0 16,-17-3 0-16,-1 1 0 15,3 1-1 1,-6-1 0-16,1-1 1 15,-24-5-1-15,34 8 0 16,-34-8 1-16,0 0-2 16,24 8 2-16,-24-8-2 15,0 0 1-15,0 0 0 16,-18 26 1-16,18-26-1 16,-32 21 1-16,32-21 1 0,-42 26 1 15,16-10-1-15,-1-3 1 16,1 1 0-16,2-4-1 15,24-10-2-15,-36 11-4 16,36-11-9-16,0 0-13 16,0 0-30-16,0-45-52 15,0 45 0 1,29-50-3-16,-8 18 2 0</inkml:trace>
   </inkml:traceGroup>
 </inkml:ink>
 </file>
@@ -1949,52 +1650,24 @@
           <inkml:channelProperty channel="T" name="resolution" value="1" units="1/dev"/>
         </inkml:channelProperties>
       </inkml:inkSource>
-      <inkml:timestamp xml:id="ts0" timeString="2014-07-29T00:38:21.062"/>
+      <inkml:timestamp xml:id="ts0" timeString="2014-08-02T07:26:08.104"/>
     </inkml:context>
     <inkml:brush xml:id="br0">
       <inkml:brushProperty name="width" value="0.07" units="cm"/>
       <inkml:brushProperty name="height" value="0.07" units="cm"/>
+      <inkml:brushProperty name="color" value="#3165BB"/>
       <inkml:brushProperty name="fitToCurve" value="1"/>
     </inkml:brush>
   </inkml:definitions>
   <inkml:traceGroup>
     <inkml:annotationXML>
       <emma:emma xmlns:emma="http://www.w3.org/2003/04/emma" version="1.0">
-        <emma:interpretation id="{6289D43A-5C48-4AC3-A638-68A04185DC58}" emma:medium="tactile" emma:mode="ink">
-          <msink:context xmlns:msink="http://schemas.microsoft.com/ink/2010/main" type="writingRegion" rotatedBoundingBox="18234,1622 19967,1664 19945,2576 18212,2534"/>
+        <emma:interpretation id="{CAFB8F35-D09B-468B-96AB-7BBED2817E2B}" emma:medium="tactile" emma:mode="ink">
+          <msink:context xmlns:msink="http://schemas.microsoft.com/ink/2010/main" type="inkDrawing"/>
         </emma:interpretation>
       </emma:emma>
     </inkml:annotationXML>
-    <inkml:traceGroup>
-      <inkml:annotationXML>
-        <emma:emma xmlns:emma="http://www.w3.org/2003/04/emma" version="1.0">
-          <emma:interpretation id="{148D3268-CE51-4458-BB2B-DB84C6E6C3DC}" emma:medium="tactile" emma:mode="ink">
-            <msink:context xmlns:msink="http://schemas.microsoft.com/ink/2010/main" type="paragraph" rotatedBoundingBox="18234,1622 19967,1664 19945,2576 18212,2534" alignmentLevel="1"/>
-          </emma:interpretation>
-        </emma:emma>
-      </inkml:annotationXML>
-      <inkml:traceGroup>
-        <inkml:annotationXML>
-          <emma:emma xmlns:emma="http://www.w3.org/2003/04/emma" version="1.0">
-            <emma:interpretation id="{70CC41DA-ABBF-4465-A3E9-D26871CA6480}" emma:medium="tactile" emma:mode="ink">
-              <msink:context xmlns:msink="http://schemas.microsoft.com/ink/2010/main" type="line" rotatedBoundingBox="18234,1622 19967,1664 19945,2576 18212,2534"/>
-            </emma:interpretation>
-          </emma:emma>
-        </inkml:annotationXML>
-        <inkml:traceGroup>
-          <inkml:annotationXML>
-            <emma:emma xmlns:emma="http://www.w3.org/2003/04/emma" version="1.0">
-              <emma:interpretation id="{A340E99F-29EF-46BF-8E51-CB60FB4DC3A8}" emma:medium="tactile" emma:mode="ink">
-                <msink:context xmlns:msink="http://schemas.microsoft.com/ink/2010/main" type="inkWord" rotatedBoundingBox="18234,1622 19967,1664 19945,2576 18212,2534"/>
-              </emma:interpretation>
-            </emma:emma>
-          </inkml:annotationXML>
-          <inkml:trace contextRef="#ctx0" brushRef="#br0">-3658 696 35 0,'0'0'73'15,"27"-23"5"-15,-27 23-23 16,26-21-2-16,-26 21-2 15,18-19-1-15,-18 1-4 16,0 18-3-16,7-23-7 16,-7 23-2-16,-4-26-5 0,4 26-4 15,-19-27-3 1,19 27-4-16,-36-25-3 16,15 19-4-16,-8 1-4 15,-1 7-2-15,-5 9-3 0,-3 8 0 16,0 10-3-16,0 9 1 15,5 6-2-15,-1 9 1 16,7 1-1-16,6 3 2 16,10-3-2-16,7-1 0 15,13-9 1-15,7-8 1 16,12-11 0-16,9-11 0 16,7-16-1-16,5-10 0 15,3-11 0-15,-1-15 1 16,-5-6 0-16,-6-7-1 15,-11-1 2-15,-8 2-3 16,-11 6 2-16,-12 2-4 16,-4 14-4-16,-13 1-8 0,19 27-13 15,-40-19-20-15,40 19-57 16,-29 19-11-16,23 0 1 16,6-19 0-16</inkml:trace>
-          <inkml:trace contextRef="#ctx0" brushRef="#br0" timeOffset="398.55">-3133 526 230 0,'0'0'116'15,"0"0"-2"-15,-15 30 0 16,15-30-87-16,-19 23-14 16,7-2 0-1,3 4-5-15,-5 2-3 16,-3 7-1-16,0 0 0 16,-2 1-1-16,0-3-1 15,2-1 1-15,3-6-2 16,1-2 0-16,13-23-1 15,-8 34 1-15,8-34-1 16,0 0 2-16,31 21 0 0,-6-19 0 16,3-4 0-16,7 2 1 15,1 0-2-15,0-2-3 16,-1 6-9 0,-5-6-16-16,5 17-47 0,-11-13-43 15,-1 8 0-15,-23-10-6 16,27 7 2-16</inkml:trace>
-          <inkml:trace contextRef="#ctx0" brushRef="#br0" timeOffset="1007.9577">-2802 1055 136 0,'-4'19'97'0,"2"0"0"16,2-19 3-16,-8 27-64 16,14-8-9-16,-6-19 3 15,8 21-3-15,-8-21 0 16,0 0-1-16,0 0-2 15,19 25-1-15,-19-25-4 0,0 0-2 16,7-18-3-16,-7 18 1 16,8-42-6-16,-4 12 2 15,0-14-4-15,3-6 0 16,-1-13-2-16,0-4 1 16,5-7-3-16,-1 3-2 15,1 4 1-15,-1 8-1 16,3 9 0-16,-1 14-1 15,-1 17 0-15,-11 19 0 16,25 19-1-16,-12 17 1 16,1 12-2-16,-1 11 2 15,0 8-3-15,-1 4 3 16,3 0-3-16,2-3 3 0,-1-14-1 16,1-8 1-16,2-16-1 15,2-11 2-15,2-19-1 16,2-13 0-1,-2-16 0-15,1-13 1 0,-1-17 0 16,-2-12-1-16,0-16 2 16,-3-5-4-16,-1-2 0 15,-6-1-8-15,-1 20-8 16,-12-1-39-16,6 38-70 16,-14 11-4-16,10 27-5 15,-27 32-2-15</inkml:trace>
-        </inkml:traceGroup>
-      </inkml:traceGroup>
-    </inkml:traceGroup>
+    <inkml:trace contextRef="#ctx0" brushRef="#br0">187 0 59 0,'0'0'80'0,"0"0"4"15,18 24 3-15,-18-24-37 0,0 0-9 0,0 0-6 16,0 0-5-16,0 0-5 15,0 0-3 1,-34 16-2-16,34-16-4 16,-29 10-1-16,29-10-3 15,-37 13-1-15,37-13-1 16,-42 24-2-16,42-24-1 16,-34 31-3-16,34-31-1 15,-24 32-2-15,19-8 0 16,5-24 0-16,8 44-1 0,-8-44 0 15,26 42 1-15,-26-42-1 16,40 29 1-16,-16-18-1 16,2-6 1-16,3-7-1 15,-3-4-1-15,3-4 0 16,-5-6-2-16,-1-2 0 16,-23 18-1-1,34-45 1-15,-23 19 0 0,-6 2 2 16,-5 24-1-1,-10-45 2-15,10 45 2 0,-32-37 0 0,32 37 0 16,-47-26 0-16,21 23 0 16,-1 3-1-16,4 0-1 15,23 0 0-15,-35 16-2 16,35-16-6 0,-15 24-5-16,15-24-11 15,0 0-15-15,21 34-19 16,-21-34-45-16,29-5-2 15,-29 5 2-15,39-21 3 0</inkml:trace>
   </inkml:traceGroup>
 </inkml:ink>
 </file>
@@ -2005,60 +1678,36 @@
     <inkml:context xml:id="ctx0">
       <inkml:inkSource xml:id="inkSrc0">
         <inkml:traceFormat>
-          <inkml:channel name="X" type="integer" max="4095" units="cm"/>
-          <inkml:channel name="Y" type="integer" max="4095" units="cm"/>
+          <inkml:channel name="X" type="integer" max="23472" units="cm"/>
+          <inkml:channel name="Y" type="integer" max="13203" units="cm"/>
+          <inkml:channel name="F" type="integer" max="1023" units="dev"/>
           <inkml:channel name="T" type="integer" max="2.14748E9" units="dev"/>
         </inkml:traceFormat>
         <inkml:channelProperties>
-          <inkml:channelProperty channel="X" name="resolution" value="175" units="1/cm"/>
-          <inkml:channelProperty channel="Y" name="resolution" value="310.22726" units="1/cm"/>
+          <inkml:channelProperty channel="X" name="resolution" value="1000.08521" units="1/cm"/>
+          <inkml:channelProperty channel="Y" name="resolution" value="1000.22729" units="1/cm"/>
+          <inkml:channelProperty channel="F" name="resolution" value="0" units="1/dev"/>
           <inkml:channelProperty channel="T" name="resolution" value="1" units="1/dev"/>
         </inkml:channelProperties>
       </inkml:inkSource>
-      <inkml:timestamp xml:id="ts0" timeString="2014-07-29T00:38:36.285"/>
+      <inkml:timestamp xml:id="ts0" timeString="2014-08-02T07:26:08.664"/>
     </inkml:context>
     <inkml:brush xml:id="br0">
       <inkml:brushProperty name="width" value="0.07" units="cm"/>
       <inkml:brushProperty name="height" value="0.07" units="cm"/>
+      <inkml:brushProperty name="color" value="#3165BB"/>
       <inkml:brushProperty name="fitToCurve" value="1"/>
     </inkml:brush>
   </inkml:definitions>
   <inkml:traceGroup>
     <inkml:annotationXML>
       <emma:emma xmlns:emma="http://www.w3.org/2003/04/emma" version="1.0">
-        <emma:interpretation id="{25BE61B0-823F-42A0-A00D-D46BB9E4AB3B}" emma:medium="tactile" emma:mode="ink">
-          <msink:context xmlns:msink="http://schemas.microsoft.com/ink/2010/main" type="writingRegion" rotatedBoundingBox="33187,11055 33202,11055 33202,11070 33187,11070"/>
+        <emma:interpretation id="{96D990D4-FF24-4094-A154-DC45FE07E1A6}" emma:medium="tactile" emma:mode="ink">
+          <msink:context xmlns:msink="http://schemas.microsoft.com/ink/2010/main" type="inkDrawing"/>
         </emma:interpretation>
       </emma:emma>
     </inkml:annotationXML>
-    <inkml:traceGroup>
-      <inkml:annotationXML>
-        <emma:emma xmlns:emma="http://www.w3.org/2003/04/emma" version="1.0">
-          <emma:interpretation id="{D994452F-ABA0-48C0-8F62-106B32DF267A}" emma:medium="tactile" emma:mode="ink">
-            <msink:context xmlns:msink="http://schemas.microsoft.com/ink/2010/main" type="paragraph" rotatedBoundingBox="33187,11055 33202,11055 33202,11070 33187,11070" alignmentLevel="1"/>
-          </emma:interpretation>
-        </emma:emma>
-      </inkml:annotationXML>
-      <inkml:traceGroup>
-        <inkml:annotationXML>
-          <emma:emma xmlns:emma="http://www.w3.org/2003/04/emma" version="1.0">
-            <emma:interpretation id="{4526B3EA-74CF-46C3-B3AB-E45FF1ED4753}" emma:medium="tactile" emma:mode="ink">
-              <msink:context xmlns:msink="http://schemas.microsoft.com/ink/2010/main" type="line" rotatedBoundingBox="33187,11055 33202,11055 33202,11070 33187,11070"/>
-            </emma:interpretation>
-          </emma:emma>
-        </inkml:annotationXML>
-        <inkml:traceGroup>
-          <inkml:annotationXML>
-            <emma:emma xmlns:emma="http://www.w3.org/2003/04/emma" version="1.0">
-              <emma:interpretation id="{F05C36BA-B8F5-4A86-93AF-4CAEAC7E842A}" emma:medium="tactile" emma:mode="ink">
-                <msink:context xmlns:msink="http://schemas.microsoft.com/ink/2010/main" type="inkWord" rotatedBoundingBox="33187,11055 33202,11055 33202,11070 33187,11070"/>
-              </emma:interpretation>
-            </emma:emma>
-          </inkml:annotationXML>
-          <inkml:trace contextRef="#ctx0" brushRef="#br0">0 0 0,'0'0'0,"0"0"0,0 0 16,0 0-16,0 0 16,0 0-16,0 0 15</inkml:trace>
-        </inkml:traceGroup>
-      </inkml:traceGroup>
-    </inkml:traceGroup>
+    <inkml:trace contextRef="#ctx0" brushRef="#br0">166-2 136 0,'0'0'88'16,"0"0"2"-16,0 0-25 16,0 0-20-16,0 0-9 15,0 0-7-15,0 0-3 16,0 0-5-16,-34-5-1 15,34 5-1 1,-26 13-1-16,26-13 0 0,-34 23-3 0,34-23-1 16,-37 24-1-16,37-24-2 15,-26 26-2-15,26-26-2 16,-14 32-3-16,14-32 0 16,19 37-2-16,-19-37 0 15,37 37-2-15,-14-19 0 16,4-5-1-1,4-8 1-15,-4-2-1 0,-1-11 1 16,0-5-1 0,-26 13 0-16,42-37-2 0,-42 37 0 0,29-39 0 15,-29 39 0-15,16-37 0 16,-16 37 0-16,0-24-1 16,0 24 2-16,0 0 0 15,-24-26 2 1,24 26 0-16,-26-16 0 15,26 16 1-15,-29-8-2 16,29 8-2-16,-26-8-9 16,26 8-19-16,0 0-34 15,0 0-48-15,-27-13 1 0,27 13-3 0,0 0 0 16</inkml:trace>
   </inkml:traceGroup>
 </inkml:ink>
 </file>
@@ -2081,52 +1730,24 @@
           <inkml:channelProperty channel="T" name="resolution" value="1" units="1/dev"/>
         </inkml:channelProperties>
       </inkml:inkSource>
-      <inkml:timestamp xml:id="ts0" timeString="2014-07-29T00:38:53.271"/>
+      <inkml:timestamp xml:id="ts0" timeString="2014-08-02T07:26:09.224"/>
     </inkml:context>
     <inkml:brush xml:id="br0">
       <inkml:brushProperty name="width" value="0.07" units="cm"/>
       <inkml:brushProperty name="height" value="0.07" units="cm"/>
+      <inkml:brushProperty name="color" value="#3165BB"/>
       <inkml:brushProperty name="fitToCurve" value="1"/>
     </inkml:brush>
   </inkml:definitions>
   <inkml:traceGroup>
     <inkml:annotationXML>
       <emma:emma xmlns:emma="http://www.w3.org/2003/04/emma" version="1.0">
-        <emma:interpretation id="{0B949CDF-3899-486F-8596-CE32E1BDCA6D}" emma:medium="tactile" emma:mode="ink">
-          <msink:context xmlns:msink="http://schemas.microsoft.com/ink/2010/main" type="writingRegion" rotatedBoundingBox="1838,13039 3118,13039 3118,14756 1838,14756"/>
+        <emma:interpretation id="{E9002FC0-0D35-49EB-8189-6027850569E4}" emma:medium="tactile" emma:mode="ink">
+          <msink:context xmlns:msink="http://schemas.microsoft.com/ink/2010/main" type="inkDrawing"/>
         </emma:interpretation>
       </emma:emma>
     </inkml:annotationXML>
-    <inkml:traceGroup>
-      <inkml:annotationXML>
-        <emma:emma xmlns:emma="http://www.w3.org/2003/04/emma" version="1.0">
-          <emma:interpretation id="{E3E4CF11-287E-4F1B-8810-C739FF8C0868}" emma:medium="tactile" emma:mode="ink">
-            <msink:context xmlns:msink="http://schemas.microsoft.com/ink/2010/main" type="paragraph" rotatedBoundingBox="1838,13039 3118,13039 3118,14756 1838,14756" alignmentLevel="1"/>
-          </emma:interpretation>
-        </emma:emma>
-      </inkml:annotationXML>
-      <inkml:traceGroup>
-        <inkml:annotationXML>
-          <emma:emma xmlns:emma="http://www.w3.org/2003/04/emma" version="1.0">
-            <emma:interpretation id="{55D1CC76-F913-4C22-BC87-19C9A693BB52}" emma:medium="tactile" emma:mode="ink">
-              <msink:context xmlns:msink="http://schemas.microsoft.com/ink/2010/main" type="line" rotatedBoundingBox="1838,13039 3118,13039 3118,14756 1838,14756"/>
-            </emma:interpretation>
-          </emma:emma>
-        </inkml:annotationXML>
-        <inkml:traceGroup>
-          <inkml:annotationXML>
-            <emma:emma xmlns:emma="http://www.w3.org/2003/04/emma" version="1.0">
-              <emma:interpretation id="{5B77CC5F-B64C-4CF0-B86D-A006E7B122D6}" emma:medium="tactile" emma:mode="ink">
-                <msink:context xmlns:msink="http://schemas.microsoft.com/ink/2010/main" type="inkWord" rotatedBoundingBox="1838,13039 3118,13039 3118,14756 1838,14756"/>
-              </emma:interpretation>
-            </emma:emma>
-          </inkml:annotationXML>
-          <inkml:trace contextRef="#ctx0" brushRef="#br0">72 14 187 0,'-29'-15'122'0,"10"9"-3"0,19 6 2 16,-25 10-95-16,27 14-2 15,-2 3-5-15,10 15-5 16,-1 10-7-16,3 15-2 16,-1 9-1-16,1 10-2 15,-1 6-2-15,-1-1-3 16,-1-12-7-16,-7-16-17 15,8-10-29-15,-10-53-65 16,0 0-5-16,3-46-1 16,1-26-4-16</inkml:trace>
-          <inkml:trace contextRef="#ctx0" brushRef="#br0" timeOffset="437.4909">618 398 113 0,'27'57'112'0,"3"-11"8"16,5-4-5-16,-5-17-75 15,12 4-5-15,-9-16 0 16,7-3-5-16,-15-16-4 15,0-6-3-15,-16-18-4 0,-5-12-4 16,-12-14 0-16,-5-7 0 16,-12-17-5-16,-7-6-1 15,-7-15-3 1,-6-6-2-16,-3-8-1 0,-2-1-1 16,-1-3-2-16,5-1-4 15,15 9 3-15,10 4-1 16,17 16 2-16,16 14-2 15,22 18 1-15,16 15-1 16,13 19-4-16,11 10 0 16,3 15-6-16,-5 6-4 15,1 20-11-15,-14-8-16 0,-3 29-47 16,-22-12-40-16,-9 14 0 16,-18-1 1-1,-12 8 2-15</inkml:trace>
-          <inkml:trace contextRef="#ctx0" brushRef="#br0" timeOffset="640.6533">364-307 246 0,'0'0'135'16,"42"27"-1"-16,2-27-3 0,21 0-113 15,19-12-3-15,15-3-2 16,4-6-17 0,-3-11-38-16,9 7-84 15,-12-4-5-15,-5 4-5 0,-12 2-4 16</inkml:trace>
-        </inkml:traceGroup>
-      </inkml:traceGroup>
-    </inkml:traceGroup>
+    <inkml:trace contextRef="#ctx0" brushRef="#br0">-4 0 132 0,'0'0'84'15,"0"0"4"-15,0 0-1 16,0 0-44-16,0 29-22 16,0-29 0-16,0 0-1 0,0 0 1 0,19 37 2 15,-19-37-1-15,16 34 0 16,-16-34-2-16,23 50-2 15,-10-21-4 1,6 8-3-16,-3 2-3 16,5 3 0-16,-3 0-2 15,0-2-2-15,1-4-3 16,-3-4-2-16,-1-3-3 16,-15-29-2-16,24 37-9 0,-24-37-15 15,18 23-27-15,-18-23-55 0,0 0-1 16,0 0 0-1,0 0 0-15</inkml:trace>
   </inkml:traceGroup>
 </inkml:ink>
 </file>
@@ -2149,83 +1770,24 @@
           <inkml:channelProperty channel="T" name="resolution" value="1" units="1/dev"/>
         </inkml:channelProperties>
       </inkml:inkSource>
-      <inkml:timestamp xml:id="ts0" timeString="2014-07-29T00:38:56.521"/>
+      <inkml:timestamp xml:id="ts0" timeString="2014-08-02T07:26:09.784"/>
     </inkml:context>
     <inkml:brush xml:id="br0">
       <inkml:brushProperty name="width" value="0.07" units="cm"/>
       <inkml:brushProperty name="height" value="0.07" units="cm"/>
+      <inkml:brushProperty name="color" value="#3165BB"/>
       <inkml:brushProperty name="fitToCurve" value="1"/>
     </inkml:brush>
   </inkml:definitions>
   <inkml:traceGroup>
     <inkml:annotationXML>
       <emma:emma xmlns:emma="http://www.w3.org/2003/04/emma" version="1.0">
-        <emma:interpretation id="{42A12E06-B10B-4F0A-9500-E8191A15D0F6}" emma:medium="tactile" emma:mode="ink">
-          <msink:context xmlns:msink="http://schemas.microsoft.com/ink/2010/main" type="writingRegion" rotatedBoundingBox="16440,16431 28377,16005 28466,18489 16529,18915"/>
+        <emma:interpretation id="{82DABD10-E06E-4CB8-9F7D-B9BEDEEAF1BB}" emma:medium="tactile" emma:mode="ink">
+          <msink:context xmlns:msink="http://schemas.microsoft.com/ink/2010/main" type="inkDrawing"/>
         </emma:interpretation>
       </emma:emma>
     </inkml:annotationXML>
-    <inkml:traceGroup>
-      <inkml:annotationXML>
-        <emma:emma xmlns:emma="http://www.w3.org/2003/04/emma" version="1.0">
-          <emma:interpretation id="{B64CA835-7528-419D-A9E6-3FC1C8A0A676}" emma:medium="tactile" emma:mode="ink">
-            <msink:context xmlns:msink="http://schemas.microsoft.com/ink/2010/main" type="paragraph" rotatedBoundingBox="16440,16431 28377,16005 28466,18489 16529,18915" alignmentLevel="1"/>
-          </emma:interpretation>
-        </emma:emma>
-      </inkml:annotationXML>
-      <inkml:traceGroup>
-        <inkml:annotationXML>
-          <emma:emma xmlns:emma="http://www.w3.org/2003/04/emma" version="1.0">
-            <emma:interpretation id="{751D883D-99D0-424F-8A08-DEB57AC045E4}" emma:medium="tactile" emma:mode="ink">
-              <msink:context xmlns:msink="http://schemas.microsoft.com/ink/2010/main" type="line" rotatedBoundingBox="16440,16431 28377,16005 28466,18489 16529,18915"/>
-            </emma:interpretation>
-          </emma:emma>
-        </inkml:annotationXML>
-        <inkml:traceGroup>
-          <inkml:annotationXML>
-            <emma:emma xmlns:emma="http://www.w3.org/2003/04/emma" version="1.0">
-              <emma:interpretation id="{4F50238E-5EE9-44B9-A160-B617CFC315E1}" emma:medium="tactile" emma:mode="ink">
-                <msink:context xmlns:msink="http://schemas.microsoft.com/ink/2010/main" type="inkWord" rotatedBoundingBox="16450,16722 20457,16579 20510,18047 16503,18190"/>
-              </emma:interpretation>
-            </emma:emma>
-          </inkml:annotationXML>
-          <inkml:trace contextRef="#ctx0" brushRef="#br0">13134 13589 104 0,'6'-29'94'0,"11"-7"2"16,4 0 4-16,-4-8-72 16,16 5 0-16,-8-8 6 15,9 12 1-15,-15-9 0 0,2 14-1 16,-19-5-4-16,0 14-3 15,-17-5-6-15,-6 20-3 16,-17 4-5-16,-6 19-3 16,-14 10-1-16,-3 15-4 15,-9 15 0-15,1 10 0 16,2 13-1-16,8 8-5 16,9 2 5-16,21 0-5 15,14-6 3-15,19-8-3 16,19-17 2-16,19-20-10 15,21-20-7-15,2-33-26 16,27-16-87-16,-14-33 0 0,8-8-3 16,-12-34-2-16</inkml:trace>
-          <inkml:trace contextRef="#ctx0" brushRef="#br0" timeOffset="515.6563">13369 12695 283 0,'-44'9'132'0,"-7"14"-1"16,20 38-2-16,6 20-112 16,16 35 1-16,16 20-5 15,14 17-6-15,10 1 0 16,11-3-4-16,2-11 1 16,9-18-6-16,5-30 3 0,3-35-9 15,4-36-2 1,-2-36-11-16,11-12-16 15,-11-40-18-15,19 4-19 16,-26-36 1-16,13 17 11 0,-24-14 26 16,1 16 13-16,-19 5 21 15,-12 10 18-15,-5 25 26 16,-25 4 16-16,15 36 6 16,-42-2-12-16,19 33-16 15,-16 9-9-15,11 23-7 16,-3 9-2-16,8 12-7 15,4-3 3-15,12 3-6 16,10-14 2-16,9-10-6 16,9-20 3-16,11-17-6 15,8-29 1-15,1-21 3 16,4-17-5-16,-1-15 4 0,-4-10-5 16,-5-5 5-16,-10 1-5 15,-10 6 4-15,-11 14-5 16,-10 15-3-16,-11 17-5 15,-14 11-8-15,1 25-15 16,-14-7-18-16,17 30-39 16,-7-13-40-16,15 13 3 15,1-17-2-15,22 2 8 16</inkml:trace>
-          <inkml:trace contextRef="#ctx0" brushRef="#br0" timeOffset="843.7924">14364 13554 261 0,'52'25'127'0,"-10"2"0"0,6 13-5 16,-10-4-94-16,4 8-11 16,-6-9 0-16,-3-1-13 15,-7-7 3-15,-3-6-6 16,-23-21 1-16,29 15-2 16,-29-15 1-16,13-25-1 15,-13-5-3-15,-5-10 8 16,1-8-7-16,-2-11 5 15,2-1-4-15,4-1 5 16,4 4-6-16,4 15 7 16,9 13-3-16,6 16-2 15,9 21 2-15,3 18 0 0,5 16 1 16,2 16-2-16,-2 5 2 16,-4 9-6-16,-5-1-2 15,-8-6-12-15,2 2-19 16,-22-27-61-16,9 2-34 15,-12-42-3-15,-2 27-3 16</inkml:trace>
-          <inkml:trace contextRef="#ctx0" brushRef="#br0" timeOffset="1125.0539">15014 12607 202 0,'9'25'123'16,"-9"-25"4"-16,29 36-4 16,-29-36-87-16,50 48-11 15,-20-18-1-15,8 7-7 16,-7-1-9-16,0 4-7 15,-5 4-20-15,-16-19-44 16,3 7-62-16,-13-32-2 16,-2 25-3-16,2-25-2 0</inkml:trace>
-          <inkml:trace contextRef="#ctx0" brushRef="#br0" timeOffset="1625.0937">15621 12993 315 0,'27'-12'145'0,"28"18"-3"0,3-19-5 15,26 13-122-15,9-6-5 16,16 2-2-16,6-2-12 15,-1-9-16-15,5 15-56 16,-20-21-59-16,-5 8-5 16,-25-8-3-16,-12 7-5 15</inkml:trace>
-          <inkml:trace contextRef="#ctx0" brushRef="#br0" timeOffset="1406.3217">15828 12479 261 0,'9'23'130'0,"-9"2"-7"15,8 21 0-15,-4 9-103 0,15 23-6 16,2 16 0-16,9 22-8 15,1 7-2-15,3 1-2 16,-1-2-3-16,-3-7-6 16,1-3-19-16,-16-39-44 15,0-4-57-15,-11-35-3 16,0-11-1-16,-4-23-2 16</inkml:trace>
-        </inkml:traceGroup>
-        <inkml:traceGroup>
-          <inkml:annotationXML>
-            <emma:emma xmlns:emma="http://www.w3.org/2003/04/emma" version="1.0">
-              <emma:interpretation id="{DDEAC9FC-1526-4619-8E29-A7EBE19AF4BC}" emma:medium="tactile" emma:mode="ink">
-                <msink:context xmlns:msink="http://schemas.microsoft.com/ink/2010/main" type="inkWord" rotatedBoundingBox="21259,16259 24987,16126 25075,18610 21348,18743"/>
-              </emma:interpretation>
-            </emma:emma>
-          </inkml:annotationXML>
-          <inkml:trace contextRef="#ctx0" brushRef="#br0" timeOffset="2421.9985">17564 13302 329 0,'-21'19'146'0,"21"-19"-4"15,34-34-3-15,22-10-123 16,39-6-5-16,27-9-2 16,18-2-11-16,11 4-9 15,-6-1-16-15,10 26-29 16,-37 1-79-16,-1 20-2 16,-28-4-2-16,-20 15 0 15</inkml:trace>
-          <inkml:trace contextRef="#ctx0" brushRef="#br0" timeOffset="2250.1231">17971 13524 287 0,'17'63'132'0,"-4"-12"-1"16,14 7-3-16,-8-12-109 15,16-4-7-15,5-16 3 16,7-8-7-16,-3-18 2 16,2-12 1-16,-6-17-4 15,-7-16 3-15,-12-15-3 16,-4-12 1-16,-15-12-3 16,-8-10 0-16,-13-5-3 15,-10-4-2-15,-9-6 1 16,-10 0-3-16,-3 0 2 15,3 4 0-15,6 6 0 0,10 11 0 16,14 6 0-16,18 11 1 16,21 10-1-16,20 15 0 15,22 19-4-15,11 8-4 16,10 19-3-16,-2 4-7 16,6 25-23-16,-23-8-55 15,2 32-41-15,-25-3 1 16,-15 13 0-16,-22-6-1 15</inkml:trace>
-          <inkml:trace contextRef="#ctx0" brushRef="#br0" timeOffset="2672.0118">19058 12072 351 0,'23'69'149'16,"-8"15"-5"-16,10 36-3 15,-12 10-126-15,16 17-1 16,3-2-2-16,6-1-5 16,1-9-7-16,3-14-5 0,0-16-7 15,-10-33-11-15,8-14-28 16,-40-58-59-16,44 19-29 16,-32-46-3-16,5-11 1 15</inkml:trace>
-          <inkml:trace contextRef="#ctx0" brushRef="#br0" timeOffset="3031.4098">19617 12341 358 0,'-21'8'146'0,"16"21"0"16,-3 1-12-16,19 7-134 0,16 22-56 16,4-8-79-16,24 3-3 15,-1-12-5-15,18 2-3 16</inkml:trace>
-          <inkml:trace contextRef="#ctx0" brushRef="#br0" timeOffset="2859.5242">19795 13004 363 0,'23'77'142'16,"11"18"-2"-16,-15-22-19 15,6 15-105-15,-2-16-11 0,0-18-22 16,11-8-74-16,-34-46-47 15,29 9-1-15,-29-41-6 16,2-16-1-16</inkml:trace>
-          <inkml:trace contextRef="#ctx0" brushRef="#br0" timeOffset="3547.0685">20527 12972 313 0,'32'103'140'0,"-13"17"-4"15,12 27-5-15,-5 6-108 16,5 13-15-16,5 4 0 16,4-7-5-16,-1-12-5 0,-3-20-2 15,-2-29-3 1,-15-30-2-16,-3-28-8 15,-16-44-7-15,0 0-11 16,-16-49-16-16,9-3-13 0,-20-38-14 16,12 6-7-16,-16-29 8 15,8 3 27-15,-15-11 34 16,2-3 29-16,7 11 27 16,-17-18 21-16,21 24 21 15,-20-14 12-15,24 24-1 16,-10-12-18-16,27 23-28 15,-5-6-16-15,18 16-11 0,5 9-6 16,16 12-4 0,6 11-3-16,12 17-1 15,8 14-2-15,7 13-1 16,7 17-1-16,1 13-1 0,3 11 0 16,3 12 0-16,-5 10-2 15,-12 6 1-15,-7 5 0 16,-17 3 0-16,-20-1 0 15,-18-7 2-15,-19-6-4 16,-25-13 1-16,-21-8-5 16,-19-19-8-16,-6 1-21 15,-28-33-66-15,11 7-42 16,-13-21-4-16,13 2-2 16,4-17-2-16</inkml:trace>
-        </inkml:traceGroup>
-        <inkml:traceGroup>
-          <inkml:annotationXML>
-            <emma:emma xmlns:emma="http://www.w3.org/2003/04/emma" version="1.0">
-              <emma:interpretation id="{C0175D59-8780-41ED-9F01-67D402F93033}" emma:medium="tactile" emma:mode="ink">
-                <msink:context xmlns:msink="http://schemas.microsoft.com/ink/2010/main" type="inkWord" rotatedBoundingBox="26130,16324 28386,16244 28449,18004 26193,18085"/>
-              </emma:interpretation>
-            </emma:emma>
-          </inkml:annotationXML>
-          <inkml:trace contextRef="#ctx0" brushRef="#br0" timeOffset="5515.9146">22912 12353 108 0,'2'-23'95'0,"-2"23"9"16,-13-31 3-16,13 31-53 15,-12-28-2-15,12 28-3 16,0 0-3-16,0 0-4 16,-3 34-5-16,16 27-3 15,-5 23-11-15,15 37-6 16,-2 33-5-16,9 28-4 0,1 22-3 15,-1-3-13-15,1-10 0 16,-6-29-21-16,13-22-36 16,-21-56-70-16,6-46 0 15,-12-59-1-15,1-40 1 16</inkml:trace>
-          <inkml:trace contextRef="#ctx0" brushRef="#br0" timeOffset="5890.9491">22607 12385 234 0,'-67'-42'135'0,"15"10"0"16,3-4-6-16,16 13-60 16,12-6-45-16,21 29-6 15,33-29-5-15,20 24-5 16,22 3-4-16,22 6-2 31,18 5-2-31,13 6 1 16,3 3-4-16,-3 6 1 15,-7 3 0-15,-16 4 0 0,-23 9-2 0,-27 4 3 16,-30 11-1-16,-27 2-4 16,-28 5 5-16,-26 4-2 15,-26-1 2-15,-19-2-3 0,-12-5 5 16,-9-7-7-16,-2-11-1 15,-2-17-4 1,13-7-14-16,2-24-24 16,37 4-74-16,18-15-4 0,33 0-3 31,20-6 0-31</inkml:trace>
-          <inkml:trace contextRef="#ctx0" brushRef="#br0" timeOffset="6375.3332">23810 13837 228 0,'2'27'122'16,"-2"-27"8"-16,6 19-4 31,-6-19-85-31,0 0-7 0,21-15-8 0,2-6-2 16,5-16-13-16,9-7 2 0,1-11-10 31,6-6 3-31,0-6-8 15,0 0 3-15,-2 0-5 16,-6 12 0 0,-11 11 3-16,-10 15-2 0,-15 29 2 15,0 0 0-15,0 0 2 16,-13 56 2-16,1-3-1 16,3 14 1-16,5 4 2 15,6 1-5-15,11-5 6 16,12-8-6-16,9-15 3 15,12-11-7-15,6-16-1 16,1-25-12-16,16-7-32 16,-19-23-79-16,13-2-6 0,-10-16 2 15,-7 1-5-15</inkml:trace>
-          <inkml:trace contextRef="#ctx0" brushRef="#br0" timeOffset="6547.2176">24402 12821 316 0,'-21'15'132'16,"8"4"-19"-16,13-19-107 16,-12 29-118-16,12-29-20 0,27-6-6 15</inkml:trace>
-        </inkml:traceGroup>
-      </inkml:traceGroup>
-    </inkml:traceGroup>
+    <inkml:trace contextRef="#ctx0" brushRef="#br0">0 128 73 0,'0'0'80'0,"0"0"4"16,0 0 0-16,0 0-42 0,0 0-5 0,0 0-2 15,29-2-3 1,-29 2-5-16,0 0-4 0,13-29-2 16,-13 29-1-1,18-26-1-15,-18 26-3 16,24-24-2-16,-24 24-2 16,29-16-3-16,-29 16-3 15,34-8-3-15,-34 8 0 16,39 3-3-16,-39-3 0 15,43 3-3-15,-43-3-4 0,36-3-7 0,-36 3-15 16,35-8-34 0,-35 8-44-16,0 0-3 15,26-18 0-15,-26 18 0 16</inkml:trace>
   </inkml:traceGroup>
 </inkml:ink>
 </file>
@@ -2248,87 +1810,24 @@
           <inkml:channelProperty channel="T" name="resolution" value="1" units="1/dev"/>
         </inkml:channelProperties>
       </inkml:inkSource>
-      <inkml:timestamp xml:id="ts0" timeString="2014-07-29T00:38:40.754"/>
+      <inkml:timestamp xml:id="ts0" timeString="2014-08-02T07:26:10.428"/>
     </inkml:context>
     <inkml:brush xml:id="br0">
       <inkml:brushProperty name="width" value="0.07" units="cm"/>
       <inkml:brushProperty name="height" value="0.07" units="cm"/>
+      <inkml:brushProperty name="color" value="#3165BB"/>
       <inkml:brushProperty name="fitToCurve" value="1"/>
     </inkml:brush>
   </inkml:definitions>
   <inkml:traceGroup>
     <inkml:annotationXML>
       <emma:emma xmlns:emma="http://www.w3.org/2003/04/emma" version="1.0">
-        <emma:interpretation id="{2683D6C7-77C4-4432-A01F-9380EC461F35}" emma:medium="tactile" emma:mode="ink">
-          <msink:context xmlns:msink="http://schemas.microsoft.com/ink/2010/main" type="writingRegion" rotatedBoundingBox="3750,15683 20266,13422 20566,15616 4050,17876"/>
+        <emma:interpretation id="{A470095E-41F3-4C08-A20D-D09DEEEE57B8}" emma:medium="tactile" emma:mode="ink">
+          <msink:context xmlns:msink="http://schemas.microsoft.com/ink/2010/main" type="inkDrawing"/>
         </emma:interpretation>
       </emma:emma>
     </inkml:annotationXML>
-    <inkml:traceGroup>
-      <inkml:annotationXML>
-        <emma:emma xmlns:emma="http://www.w3.org/2003/04/emma" version="1.0">
-          <emma:interpretation id="{AABC547D-396D-40A8-83B3-F20B5516BB16}" emma:medium="tactile" emma:mode="ink">
-            <msink:context xmlns:msink="http://schemas.microsoft.com/ink/2010/main" type="paragraph" rotatedBoundingBox="3750,15683 20266,13422 20566,15616 4050,17876" alignmentLevel="1"/>
-          </emma:interpretation>
-        </emma:emma>
-      </inkml:annotationXML>
-      <inkml:traceGroup>
-        <inkml:annotationXML>
-          <emma:emma xmlns:emma="http://www.w3.org/2003/04/emma" version="1.0">
-            <emma:interpretation id="{4BE107B4-6D4A-4D7A-A734-A4ABB0C494BE}" emma:medium="tactile" emma:mode="ink">
-              <msink:context xmlns:msink="http://schemas.microsoft.com/ink/2010/main" type="line" rotatedBoundingBox="3750,15683 20266,13422 20566,15616 4050,17876"/>
-            </emma:interpretation>
-          </emma:emma>
-        </inkml:annotationXML>
-        <inkml:traceGroup>
-          <inkml:annotationXML>
-            <emma:emma xmlns:emma="http://www.w3.org/2003/04/emma" version="1.0">
-              <emma:interpretation id="{76776395-2747-4E4D-B7F0-DEB2F4DE9101}" emma:medium="tactile" emma:mode="ink">
-                <msink:context xmlns:msink="http://schemas.microsoft.com/ink/2010/main" type="inkWord" rotatedBoundingBox="3760,15650 8163,15496 8214,16964 3811,17117"/>
-              </emma:interpretation>
-            </emma:emma>
-          </inkml:annotationXML>
-          <inkml:trace contextRef="#ctx0" brushRef="#br0">355 12087 76 0,'-48'-80'101'0,"-5"6"1"15,9 18 2-15,-4-1-48 16,14 23-9-16,-6-5-6 15,15 15-7-15,-2-3-7 16,27 27-6-16,-30-35-5 16,30 35-3-16,9-40-2 15,12 21-4-15,8-4-1 16,13 4-1-16,11-2-3 16,12 4 0-16,12 4-1 15,12 9 1-15,3 11-2 0,2 7 2 16,-1 13-2-16,-7 9 2 15,-9 10-2-15,-14 7 2 16,-14 6-2-16,-16 1 2 16,-18 1-2-16,-13-2 0 15,-12-2 0-15,-18-7 0 16,-10-4 0-16,-10-6 0 16,-11-4-1-16,-8-7-3 15,-4-4-3-15,-5-8-5 16,11 6-13-16,-2-16-20 15,29 9-71-15,3-11-6 16,35-5 1-16,0 0-3 16</inkml:trace>
-          <inkml:trace contextRef="#ctx0" brushRef="#br0" timeOffset="-359.3588">273 11942 137 0,'0'0'103'0,"-8"-19"1"0,8 19 1 15,0 0-72-15,0 0-3 16,8 38-5-16,11 6-2 16,2 10-5-16,10 24 0 15,3 12-5-15,8 19-5 16,0 3-2-16,2 3-2 16,-6-8-1-16,-3-8-4 15,-3-18-2-15,-11-18-9 16,0-18-10-16,-21-45-19 15,19 6-25-15,-30-42-45 16,9-12-4-16,-17-32-3 16,-2-6 10-16</inkml:trace>
-          <inkml:trace contextRef="#ctx0" brushRef="#br0" timeOffset="765.6708">1495 12017 189 0,'-30'-8'125'0,"11"10"-3"16,-4-15-4-16,23 13-56 15,0 0-71-15,0 0-35 16,0 0-68-16,17 19-6 16,6 0-3-16,-2-8-6 15</inkml:trace>
-          <inkml:trace contextRef="#ctx0" brushRef="#br0" timeOffset="531.2818">1495 12827 177 0,'2'21'112'0,"4"5"1"16,-6-26-1-16,21 37-81 15,-21-37-9-15,31 21-1 16,-12-23-5-16,4-2-3 16,-2-11-3-16,5-6-4 15,-7-8 0-15,2-5-3 16,-7-8-1-16,-1-6-2 15,-5-6 0-15,-4-1 2 16,-6 3-4-16,-4 1 3 0,-4 7-3 16,-5 4 4-1,-4 11-4-15,0 12 3 16,0 15-2-16,19 2 2 16,-27 29 0-16,21 5-3 0,8 6 5 15,8 10-4-15,11 5 3 16,4 1-2-16,9-1 2 15,4-3-6-15,4-7-7 16,-5-16-17-16,14 0-69 16,-15-18-19-16,-1-5-5 15,-14-21-3-15</inkml:trace>
-          <inkml:trace contextRef="#ctx0" brushRef="#br0" timeOffset="1703.2242">2985 12097 136 0,'-38'-6'106'16,"9"2"5"-16,-5-13 0 15,13 13-67-15,-4-13-7 16,25 17 0-16,0 0-6 15,0 0-6-15,0 0-5 16,44-11-5-16,-4 11-4 16,15 2-2-16,7-2-3 15,10-2-6-15,3 2-7 16,-1-10-14-16,6 14-27 16,-19-17-71-16,4 11-4 0,-21-10-2 15,-4 8-2-15</inkml:trace>
-          <inkml:trace contextRef="#ctx0" brushRef="#br0" timeOffset="1968.8516">3069 12250 233 0,'-38'9'121'0,"15"5"1"15,2-18-4-15,21 4-93 16,0 0-8-16,42-4 1 0,0 0-6 16,10 0-5-16,14-1-1 15,5 3-5-15,2 2-6 16,-1-6-11 0,5 10-18-16,-16-16-40 0,4 7-44 15,-16-9-6-15,-5 1 1 16,-15-16-5-16</inkml:trace>
-          <inkml:trace contextRef="#ctx0" brushRef="#br0" timeOffset="2390.7625">3535 11512 195 0,'-34'-3'119'0,"34"3"-2"16,0 0 0-16,0 0-91 16,0 0-6-16,21 28 1 15,7-22-5-15,11 7-3 16,3-3-2-16,7 3-4 16,5-3-3-16,9 3 0 15,4-1-3-15,5 1 0 16,-1 2-2-16,3-3 2 15,-5 5-2-15,-2 4 1 16,-10 2 0-16,-5 2 1 16,-14 5-1-16,-7 7 2 15,-14 8-1-15,-6 5 1 16,-9 2 1-16,-8 7 3 0,-9 2-3 16,-6 6 2-16,-9 0-1 15,-3 0 2-15,-5 1-4 16,-2-5-8-16,2-3-9 15,-4-18-26-15,19 5-82 16,-8-24-3-16,31-23-5 16,-32 6-13-16</inkml:trace>
-        </inkml:traceGroup>
-        <inkml:traceGroup>
-          <inkml:annotationXML>
-            <emma:emma xmlns:emma="http://www.w3.org/2003/04/emma" version="1.0">
-              <emma:interpretation id="{72CBE55C-6B56-4EDB-8682-91814C6DB7C0}" emma:medium="tactile" emma:mode="ink">
-                <msink:context xmlns:msink="http://schemas.microsoft.com/ink/2010/main" type="inkWord" rotatedBoundingBox="9256,15160 12153,16243 11629,17646 8732,16563"/>
-              </emma:interpretation>
-            </emma:emma>
-          </inkml:annotationXML>
-          <inkml:trace contextRef="#ctx0" brushRef="#br0" timeOffset="3265.8302">5510 11564 227 0,'-52'-38'127'0,"14"11"-3"16,2-11 0-16,21 7-95 0,7-5-10 15,23 7 1-15,8-5-11 16,17 5 1-16,10-3-7 16,11 9 3-16,10 4-6 15,7 5-1-15,6 7 0 16,0 5 0-16,-2 11 1 15,-3 7 0-15,-3 9 0 16,-9 13-3-16,-10 8 4 16,-15 11-5-16,-13 6 5 15,-12 11-3-15,-13 1 1 16,-14 5-1-16,-13-5 1 16,-15 3 2-16,-8-9-3 0,-13-10 1 15,-4-6-5-15,-6-20-3 16,2-8-13-16,-5-29-15 15,20 10-38-15,1-31-46 16,24 4-1-16,8-12-2 16,23 1 0-16</inkml:trace>
-          <inkml:trace contextRef="#ctx0" brushRef="#br0" timeOffset="2890.8108">5835 11650 52 0,'-31'-23'96'0,"31"23"3"16,-27-21 3-16,27 21-42 16,-19-2-17-16,19 2 0 15,-4 40-6-15,4 2-6 16,14 29-3-16,-1 17-5 16,12 26-1-16,0 16-7 15,7 8-5-15,-3 1-3 0,3-5-5 16,-3-12-9-16,-4-28-13 15,2-16-29-15,-12-49-71 16,-15-29-2-16,19-33-4 16,-15-22 2-16</inkml:trace>
-          <inkml:trace contextRef="#ctx0" brushRef="#br0" timeOffset="3781.4829">6635 12708 180 0,'0'0'116'0,"-12"19"3"16,12-19-2-16,0 0-74 15,23-2-20-15,-23 2-1 16,39-24-4-16,-13 3-5 0,3 1-4 16,0-14-3-16,1 0 0 15,-5-6-5 1,0-1 0-16,-6-4-4 15,-4-1 2-15,-5 2-3 0,-6 2 2 16,-4 7-2-16,-4 5 0 16,-4 7 0-16,8 23 1 15,-21-17 1-15,21 17 1 16,-19 28 0-16,17-1 2 16,2 9 1-16,6 10 2 15,7 4-2-15,6 0-1 16,4-3 1-16,2-3-4 15,6-9-3-15,-3-12-17 16,12 3-34-16,-15-24-65 16,4-6-2-16,-12-22-5 15,-2-3 1-15</inkml:trace>
-          <inkml:trace contextRef="#ctx0" brushRef="#br0" timeOffset="3953.3311">6715 11831 243 0,'-9'21'116'16,"7"2"-19"-16,2-2-34 16,15 8-172-1,4-4-4-15,6 2-3 16,0-8-5-16</inkml:trace>
-          <inkml:trace contextRef="#ctx0" brushRef="#br0" timeOffset="4390.8936">7552 12420 150 0,'-19'-6'115'16,"19"6"5"-16,-18-13 1 15,18 13-62-15,0 0-27 16,0 0-1-16,25-10-6 16,0 14-7-16,-6-8-3 15,8 8-4-15,3-4-3 0,3 0-5 16,3 0-7-16,-5-4-11 15,9 6-25-15,-17-17-72 16,17 13-15-16,-17-15-5 16,7 11 0-16</inkml:trace>
-          <inkml:trace contextRef="#ctx0" brushRef="#br0" timeOffset="4703.3764">8092 12116 119 0,'21'-23'111'0,"-21"23"2"16,8-21 3-16,-12 2-72 15,4 19-3-15,0 0 3 16,0 0-6-16,0 0-5 15,27 42-6-15,-25-6-6 16,7 14-3-16,-5 9-6 16,4 10 0-16,-1 2-5 15,-3-1-6-15,0-3-10 16,-4-17-19-16,13 5-103 16,-20-32-4-16,7-4-6 0,0-19-12 15</inkml:trace>
-        </inkml:traceGroup>
-        <inkml:traceGroup>
-          <inkml:annotationXML>
-            <emma:emma xmlns:emma="http://www.w3.org/2003/04/emma" version="1.0">
-              <emma:interpretation id="{AA0ECD32-B979-44CA-9AEB-29CFD9684798}" emma:medium="tactile" emma:mode="ink">
-                <msink:context xmlns:msink="http://schemas.microsoft.com/ink/2010/main" type="inkWord" rotatedBoundingBox="13449,14998 16887,14527 17090,16007 13651,16477"/>
-              </emma:interpretation>
-            </emma:emma>
-          </inkml:annotationXML>
-          <inkml:trace contextRef="#ctx0" brushRef="#br0" timeOffset="14297.7369">9852 11457 251 0,'-55'-42'129'15,"15"-10"-3"-15,45 22-7 16,22-10-89-16,46 15-4 15,28 4-13-15,25 8-7 16,19 5-14-16,8-2-14 0,13 14-36 16,-21-15-68-16,-2 5 0 15,-34-17-3 1,-13 2 1-16</inkml:trace>
-          <inkml:trace contextRef="#ctx0" brushRef="#br0" timeOffset="14094.5972">10324 11027 138 0,'-29'-63'116'15,"10"10"3"-15,-2-1-2 16,21 20-59-16,-6 1-12 15,24 33-8-15,3 16-9 16,17 37-8-16,4 20-6 16,11 28-3-16,3 19-4 15,1 20-4-15,-2 5-3 16,-9-6-7-16,-4-7-7 16,-15-23-20-16,5-2-41 15,-26-38-56-15,0-12 2 0,-21-38-1 16,15-19-1-16</inkml:trace>
-          <inkml:trace contextRef="#ctx0" brushRef="#br0" timeOffset="14829.0103">10969 10741 172 0,'-49'4'120'0,"1"17"0"16,19 26 2-16,6 9-82 15,29 32-7-15,11 9-4 16,25 14-10-16,8 3-2 16,11 3-7-16,0-16-2 0,0-9-4 15,-5-18 2 1,-5-18-5-16,-11-24 1 15,-13-20 0-15,-6-20-2 16,-7-17-2-16,-3-13 2 0,-5-17-3 16,1-8 2-16,-5-6 2 15,4 2-3-15,2 8 4 16,3 15-3-16,4 15 4 16,6 20-2-16,2 22 5 15,8 21-4-15,9 12-3 16,4 8 5-16,4 5-4 15,5 0 4-15,4-7-3 0,-3-10 1 16,3-14-2 0,-5-14 2-16,-1-12-2 15,-5-10 0-15,-4-13-1 16,-9-6 0-16,-7-7-2 0,-8-2 0 16,-7-1-1-16,-11 3 2 15,-15 3 3-15,-6 12-3 16,-12 8 0-16,-5 13 1 15,-2 15 1-15,0 13 0 16,7 14 2-16,9 12-2 16,16 7-2-16,10-2 1 15,17-4-4-15,17-7-20 16,4-27-37-16,18-2-65 16,-1-29-2-16,8-9-2 15,-8-25-3-15</inkml:trace>
-          <inkml:trace contextRef="#ctx0" brushRef="#br0" timeOffset="15141.5238">12471 11432 253 0,'0'0'131'15,"7"25"4"-15,1 17-4 16,-8-4-103-16,9 18-12 16,3-5 0-16,7 5-2 15,-2-7-5-15,2-1-1 16,-5-12-2-16,3-11-1 15,-17-25-1-15,27 6-1 16,-27-6-2-16,26-46-1 16,-10 4-1-16,1-8 0 15,6-7 0-15,5-4 0 0,3 4 0 16,5 11 4-16,4 13-4 16,6 16 1-16,6 19 0 15,1 17 1-15,1 14-2 16,1 16-3-16,0 14-12 15,-9-9-31-15,10 13-86 16,-26-16-2-16,1-1-4 16,-16-18-3-16</inkml:trace>
-          <inkml:trace contextRef="#ctx0" brushRef="#br0" timeOffset="-2890.7805">15462 9616 208 0,'0'0'114'16,"-10"26"-2"-16,10-26 0 15,-23 31-94-15,10-2-1 16,-8 1-1-16,2 12-1 15,-8 2-2-15,0 10 1 16,-9 1-4-16,5 2-1 16,-3-3 0-16,11 3-3 0,2-13 1 15,13-4-5-15,10-11-1 16,12-8-3-16,16-10 4 16,12-11-3-16,8-2-4 15,5-13-8-15,8 13-21 16,-13-15-54-16,7 15-39 15,-13-4 1-15,-11 6-6 16</inkml:trace>
-          <inkml:trace contextRef="#ctx0" brushRef="#br0" timeOffset="-2312.6138">16031 10410 224 0,'0'0'127'0,"0"0"-2"15,0 0-1-15,-8-23-95 16,6-5-5-16,8-5-6 0,-2-16-2 16,7-5-2-1,-3-13-6-15,5-2-1 16,-3-3-2-16,3 5 0 16,-1 6-1-16,1 15 3 0,-1 12-6 15,-12 34 0-15,23-10 0 16,-10 33 1-16,0 15-1 15,1 14-4-15,5 15 0 16,0 7-2-16,2 1 2 16,-2 3-1-16,2-7 1 15,0-6-1-15,0-12 1 16,-2-9 5-16,0-17 0 16,0-8 2-16,0-13 1 15,2-8 0-15,-21 2 0 16,37-37 0-16,-22-3 1 15,6-13 5-15,-4-18-4 16,0-11 2-16,-3-12-5 0,-3-7 0 16,-5 4-8-16,-6-1-9 15,6 26-38-15,-22-1-85 16,3 25-2-16,-10 8-5 16,-4 10-2-16</inkml:trace>
-          <inkml:trace contextRef="#ctx0" brushRef="#br0" timeOffset="-3265.803">13909 9751 261 0,'0'0'120'0,"0"0"-3"15,-10-21-3-15,10 21-100 16,35-19-4-16,3 13-6 16,8-1-3-16,9 5-1 15,4 8-1-15,2 5 1 16,-5 6 0-16,-7 4 0 16,-7 6 1-16,-15-2 0 15,-8 7 0-15,-15-1 0 16,-8 1 1-16,-11-5 2 15,-6 0 2-15,-6-4-1 0,-3-2 1 16,3-6 0-16,0-2 1 16,2-7-2-16,6-2 0 15,19-4-3-15,-19 2 0 16,19-2-1-16,0 0-1 16,29-6 0-16,-2 6 0 15,7 2 0-15,6 0-1 16,4 4 1-16,0 3-5 15,-4 5 2-15,-2 7-2 16,-11 11 2-16,-4 4-2 16,-14 6 3-16,-9 4-1 15,-13 2 2-15,-10 2 4 16,-11-1-1-16,-6-5 0 0,-2-9-2 16,-8-12-4-16,2-6-11 15,-3-17-16-15,20 0-42 16,-3-21-49-16,22-4-3 15,3-15-2-15,18-10-4 16</inkml:trace>
-        </inkml:traceGroup>
-      </inkml:traceGroup>
-    </inkml:traceGroup>
+    <inkml:trace contextRef="#ctx0" brushRef="#br0">0 123 82 0,'0'0'87'16,"0"0"3"-16,23 19 5 15,-23-19-39-15,0 0-7 16,0 0-7-16,0 0-7 15,0 0-7-15,24-32-6 16,-24 32-3-16,0 0-4 16,32-10-4-16,-32 10-5 0,26-3 0 15,-26 3-1-15,24-3-1 16,-24 3-1-16,26-5 0 16,-26 5-1-16,24-13 0 15,-24 13 1-15,26-11-2 16,-26 11 1-16,24-7-1 15,-24 7 0-15,23-3-1 16,-23 3 0 0,0 0-2-16,29 0-6 15,-29 0-6-15,0 0-13 0,0 0-42 0,29-24-44 16,-29 24-1-16,0 0-4 16,5-31 2-16</inkml:trace>
   </inkml:traceGroup>
 </inkml:ink>
 </file>
@@ -2366,6 +1865,316 @@
 </inkml:ink>
 </file>
 
+<file path=ppt/ink/ink30.xml><?xml version="1.0" encoding="utf-8"?>
+<inkml:ink xmlns:inkml="http://www.w3.org/2003/InkML">
+  <inkml:definitions>
+    <inkml:context xml:id="ctx0">
+      <inkml:inkSource xml:id="inkSrc0">
+        <inkml:traceFormat>
+          <inkml:channel name="X" type="integer" max="23472" units="cm"/>
+          <inkml:channel name="Y" type="integer" max="13203" units="cm"/>
+          <inkml:channel name="F" type="integer" max="1023" units="dev"/>
+          <inkml:channel name="T" type="integer" max="2.14748E9" units="dev"/>
+        </inkml:traceFormat>
+        <inkml:channelProperties>
+          <inkml:channelProperty channel="X" name="resolution" value="1000.08521" units="1/cm"/>
+          <inkml:channelProperty channel="Y" name="resolution" value="1000.22729" units="1/cm"/>
+          <inkml:channelProperty channel="F" name="resolution" value="0" units="1/dev"/>
+          <inkml:channelProperty channel="T" name="resolution" value="1" units="1/dev"/>
+        </inkml:channelProperties>
+      </inkml:inkSource>
+      <inkml:timestamp xml:id="ts0" timeString="2014-08-02T12:52:59.751"/>
+    </inkml:context>
+    <inkml:brush xml:id="br0">
+      <inkml:brushProperty name="width" value="0.07" units="cm"/>
+      <inkml:brushProperty name="height" value="0.07" units="cm"/>
+      <inkml:brushProperty name="color" value="#3165BB"/>
+      <inkml:brushProperty name="fitToCurve" value="1"/>
+    </inkml:brush>
+  </inkml:definitions>
+  <inkml:trace contextRef="#ctx0" brushRef="#br0">354 172 159 0,'0'0'109'0,"24"19"4"15,-24-19-1-15,0 0-72 16,18-32-14-16,-18 32-1 0,3-39-10 15,-3 39 0 1,-8-37-2 0,8 37 0-16,-24-37-2 0,24 37-2 0,-47-29 1 15,21 21-2 1,-11 0-1-16,3 8-1 16,-6 3-4-16,4 8 1 0,1 4-3 15,6 6 1 1,0 14 1-16,6 7-4 0,7 5 3 15,5 6-2 1,6 4 4-16,13 4-4 16,5-1 6-16,11-4-4 0,7-9 1 15,12-10 1-15,4-11-1 16,6-10 1-16,4-13-2 16,1-11 0-16,0-11 0 0,-5-10-2 15,-6-7 1 1,-5-12 0-16,-13 1 1 15,-8-3 1-15,-10 3-5 16,-11-1 5-16,-8 6-4 16,-8 3 5-16,-5 10-6 15,-5 10 4-15,-3 11-8 0,-3 1-3 16,8 22-8 0,-4-15-22-16,20 29-52 0,8-29-39 15,-19 34 1 1,19-34-2-16</inkml:trace>
+</inkml:ink>
+</file>
+
+<file path=ppt/ink/ink31.xml><?xml version="1.0" encoding="utf-8"?>
+<inkml:ink xmlns:inkml="http://www.w3.org/2003/InkML">
+  <inkml:definitions>
+    <inkml:context xml:id="ctx0">
+      <inkml:inkSource xml:id="inkSrc0">
+        <inkml:traceFormat>
+          <inkml:channel name="X" type="integer" max="23472" units="cm"/>
+          <inkml:channel name="Y" type="integer" max="13203" units="cm"/>
+          <inkml:channel name="F" type="integer" max="1023" units="dev"/>
+          <inkml:channel name="T" type="integer" max="2.14748E9" units="dev"/>
+        </inkml:traceFormat>
+        <inkml:channelProperties>
+          <inkml:channelProperty channel="X" name="resolution" value="1000.08521" units="1/cm"/>
+          <inkml:channelProperty channel="Y" name="resolution" value="1000.22729" units="1/cm"/>
+          <inkml:channelProperty channel="F" name="resolution" value="0" units="1/dev"/>
+          <inkml:channelProperty channel="T" name="resolution" value="1" units="1/dev"/>
+        </inkml:channelProperties>
+      </inkml:inkSource>
+      <inkml:timestamp xml:id="ts0" timeString="2014-08-02T12:53:00.387"/>
+    </inkml:context>
+    <inkml:brush xml:id="br0">
+      <inkml:brushProperty name="width" value="0.07" units="cm"/>
+      <inkml:brushProperty name="height" value="0.07" units="cm"/>
+      <inkml:brushProperty name="color" value="#3165BB"/>
+      <inkml:brushProperty name="fitToCurve" value="1"/>
+    </inkml:brush>
+  </inkml:definitions>
+  <inkml:trace contextRef="#ctx0" brushRef="#br0">-9 8 159 0,'0'-24'119'16,"0"24"-1"-16,0 0 5 16,0 0-68-16,6 24-20 15,-6-24-6 1,16 31-7-16,-16-31-3 15,28 45-5-15,-12-14 2 0,8 9-7 0,-6 2 2 16,9 8-5 0,-4-3 2-16,4 3-6 15,-4-2 3-15,4-4-3 0,-1-12-1 16,-2-8 1-16,-24-24 0 16,42 15-1-1,-42-15 1-15,31-31 0 16,-18-1 0-16,0-15 2 15,-2-6-4-15,-3-5 3 0,-3 1-4 16,0-1 4-16,1 5-5 16,-6 6 4-16,2 13-6 15,-2 34-1-15,0-29-5 16,0 29-7-16,0 0-12 16,0 0-21-16,0 0-29 15,11 26-55-15,-11-26 3 16,0 0-2-16,37-11 9 0</inkml:trace>
+</inkml:ink>
+</file>
+
+<file path=ppt/ink/ink32.xml><?xml version="1.0" encoding="utf-8"?>
+<inkml:ink xmlns:inkml="http://www.w3.org/2003/InkML">
+  <inkml:definitions>
+    <inkml:context xml:id="ctx0">
+      <inkml:inkSource xml:id="inkSrc0">
+        <inkml:traceFormat>
+          <inkml:channel name="X" type="integer" max="23472" units="cm"/>
+          <inkml:channel name="Y" type="integer" max="13203" units="cm"/>
+          <inkml:channel name="F" type="integer" max="1023" units="dev"/>
+          <inkml:channel name="T" type="integer" max="2.14748E9" units="dev"/>
+        </inkml:traceFormat>
+        <inkml:channelProperties>
+          <inkml:channelProperty channel="X" name="resolution" value="1000.08521" units="1/cm"/>
+          <inkml:channelProperty channel="Y" name="resolution" value="1000.22729" units="1/cm"/>
+          <inkml:channelProperty channel="F" name="resolution" value="0" units="1/dev"/>
+          <inkml:channelProperty channel="T" name="resolution" value="1" units="1/dev"/>
+        </inkml:channelProperties>
+      </inkml:inkSource>
+      <inkml:timestamp xml:id="ts0" timeString="2014-08-02T12:53:01.814"/>
+    </inkml:context>
+    <inkml:brush xml:id="br0">
+      <inkml:brushProperty name="width" value="0.07" units="cm"/>
+      <inkml:brushProperty name="height" value="0.07" units="cm"/>
+      <inkml:brushProperty name="color" value="#3165BB"/>
+      <inkml:brushProperty name="fitToCurve" value="1"/>
+    </inkml:brush>
+  </inkml:definitions>
+  <inkml:trace contextRef="#ctx0" brushRef="#br0">34 191 156 0,'0'0'111'16,"0"0"-2"-16,29-8-1 15,-29 8-78-15,26 8-15 16,-2-5 0-16,0-6-10 0,2 1-2 16,0-1-2-16,-2-13 0 15,-24 16 1 1,39-36 2-16,-39 36-6 0,22-40 4 16,-22 16-2-1,0 24 4-15,-11-36-2 16,11 36 4-16,-37-24-1 15,14 19 2-15,-9 2 3 0,3 6-1 16,-3 5 1-16,4 10-2 16,-4 6 4-16,11 12-5 15,0 1 3-15,16 11-3 16,2-4 4-16,14 6-3 0,4-5 1 16,14-3-2-1,5-18-1-15,14-6 0 0,-1-10-2 16,6-8-4-1,-1-8-5-15,-4-10-8 16,2 2-11-16,-19-13-23 16,14 11-55-16,-45 18-22 0,31-42-5 15,-31 42 6 1</inkml:trace>
+</inkml:ink>
+</file>
+
+<file path=ppt/ink/ink33.xml><?xml version="1.0" encoding="utf-8"?>
+<inkml:ink xmlns:inkml="http://www.w3.org/2003/InkML">
+  <inkml:definitions>
+    <inkml:context xml:id="ctx0">
+      <inkml:inkSource xml:id="inkSrc0">
+        <inkml:traceFormat>
+          <inkml:channel name="X" type="integer" max="23472" units="cm"/>
+          <inkml:channel name="Y" type="integer" max="13203" units="cm"/>
+          <inkml:channel name="F" type="integer" max="1023" units="dev"/>
+          <inkml:channel name="T" type="integer" max="2.14748E9" units="dev"/>
+        </inkml:traceFormat>
+        <inkml:channelProperties>
+          <inkml:channelProperty channel="X" name="resolution" value="1000.08521" units="1/cm"/>
+          <inkml:channelProperty channel="Y" name="resolution" value="1000.22729" units="1/cm"/>
+          <inkml:channelProperty channel="F" name="resolution" value="0" units="1/dev"/>
+          <inkml:channelProperty channel="T" name="resolution" value="1" units="1/dev"/>
+        </inkml:channelProperties>
+      </inkml:inkSource>
+      <inkml:timestamp xml:id="ts0" timeString="2014-08-02T12:53:02.234"/>
+    </inkml:context>
+    <inkml:brush xml:id="br0">
+      <inkml:brushProperty name="width" value="0.07" units="cm"/>
+      <inkml:brushProperty name="height" value="0.07" units="cm"/>
+      <inkml:brushProperty name="color" value="#3165BB"/>
+      <inkml:brushProperty name="fitToCurve" value="1"/>
+    </inkml:brush>
+  </inkml:definitions>
+  <inkml:trace contextRef="#ctx0" brushRef="#br0">0 124 65 0,'0'0'87'0,"23"29"2"16,-23-29 6-16,0 0-52 16,42 13-11-16,-42-13 4 15,45 32-6-15,-21-19 2 16,7 18-3-16,-31-31 0 0,50 58-5 0,-34-31-3 15,5 7-5 1,-10-11-4-16,-11-23-3 16,18 37-3-16,-18-37-1 15,0 0-2-15,0 0 1 16,0 0 0-16,0 0-1 16,-24-16 3-16,9-7-2 15,-4-9 2-15,1-7 1 0,2-3-4 16,6 0 4-16,4-3-6 15,12 0 5 1,4 6-5-16,14 5 3 16,7 5-5-16,3 13 1 15,6 5-6-15,-3 3-6 0,5 14-15 16,-18-9-19-16,12 21-49 16,-36-18-35-16,37 32 3 15,-37-32-2-15</inkml:trace>
+</inkml:ink>
+</file>
+
+<file path=ppt/ink/ink34.xml><?xml version="1.0" encoding="utf-8"?>
+<inkml:ink xmlns:inkml="http://www.w3.org/2003/InkML">
+  <inkml:definitions>
+    <inkml:context xml:id="ctx0">
+      <inkml:inkSource xml:id="inkSrc0">
+        <inkml:traceFormat>
+          <inkml:channel name="X" type="integer" max="23472" units="cm"/>
+          <inkml:channel name="Y" type="integer" max="13203" units="cm"/>
+          <inkml:channel name="F" type="integer" max="1023" units="dev"/>
+          <inkml:channel name="T" type="integer" max="2.14748E9" units="dev"/>
+        </inkml:traceFormat>
+        <inkml:channelProperties>
+          <inkml:channelProperty channel="X" name="resolution" value="1000.08521" units="1/cm"/>
+          <inkml:channelProperty channel="Y" name="resolution" value="1000.22729" units="1/cm"/>
+          <inkml:channelProperty channel="F" name="resolution" value="0" units="1/dev"/>
+          <inkml:channelProperty channel="T" name="resolution" value="1" units="1/dev"/>
+        </inkml:channelProperties>
+      </inkml:inkSource>
+      <inkml:timestamp xml:id="ts0" timeString="2014-08-02T12:53:02.614"/>
+    </inkml:context>
+    <inkml:brush xml:id="br0">
+      <inkml:brushProperty name="width" value="0.07" units="cm"/>
+      <inkml:brushProperty name="height" value="0.07" units="cm"/>
+      <inkml:brushProperty name="color" value="#3165BB"/>
+      <inkml:brushProperty name="fitToCurve" value="1"/>
+    </inkml:brush>
+  </inkml:definitions>
+  <inkml:trace contextRef="#ctx0" brushRef="#br0">0 162 180 0,'0'0'103'0,"8"40"3"0,-2-16-6 16,-1 2-83-16,11 11-4 15,2-6-4-15,0 6-2 16,1-11 0 0,-1 1 3-16,-18-27 1 0,27 31 2 15,-27-31-1-15,0 0 2 0,0 0-2 16,15-23-2 0,-25-4-1-16,5 1-2 15,-11-11-4-15,5-2 4 16,-7-3-3-16,10-1 4 0,-5-1-3 15,10 7 3 1,3 0-4-16,16 8 3 0,5 3-3 16,11 10-1-16,2 8-6 0,3 0-8 15,7 11-17 1,-12-11-19-16,15 21-34 16,-21-8-44-16,3 6 2 15,-29-11-3-15,37 11 8 16</inkml:trace>
+</inkml:ink>
+</file>
+
+<file path=ppt/ink/ink35.xml><?xml version="1.0" encoding="utf-8"?>
+<inkml:ink xmlns:inkml="http://www.w3.org/2003/InkML">
+  <inkml:definitions>
+    <inkml:context xml:id="ctx0">
+      <inkml:inkSource xml:id="inkSrc0">
+        <inkml:traceFormat>
+          <inkml:channel name="X" type="integer" max="23472" units="cm"/>
+          <inkml:channel name="Y" type="integer" max="13203" units="cm"/>
+          <inkml:channel name="F" type="integer" max="1023" units="dev"/>
+          <inkml:channel name="T" type="integer" max="2.14748E9" units="dev"/>
+        </inkml:traceFormat>
+        <inkml:channelProperties>
+          <inkml:channelProperty channel="X" name="resolution" value="1000.08521" units="1/cm"/>
+          <inkml:channelProperty channel="Y" name="resolution" value="1000.22729" units="1/cm"/>
+          <inkml:channelProperty channel="F" name="resolution" value="0" units="1/dev"/>
+          <inkml:channelProperty channel="T" name="resolution" value="1" units="1/dev"/>
+        </inkml:channelProperties>
+      </inkml:inkSource>
+      <inkml:timestamp xml:id="ts0" timeString="2014-08-02T12:53:02.812"/>
+    </inkml:context>
+    <inkml:brush xml:id="br0">
+      <inkml:brushProperty name="width" value="0.07" units="cm"/>
+      <inkml:brushProperty name="height" value="0.07" units="cm"/>
+      <inkml:brushProperty name="color" value="#3165BB"/>
+      <inkml:brushProperty name="fitToCurve" value="1"/>
+    </inkml:brush>
+  </inkml:definitions>
+  <inkml:trace contextRef="#ctx0" brushRef="#br0">0-6 99 0,'0'0'105'16,"32"-2"2"-1,-32 2 5-15,0 0-57 0,34 13-9 16,-34-13-7 0,29 42-11-16,-16-13-3 0,6 13-7 15,-11 0-2-15,5 10-7 16,-5-2 0-16,-3 3-12 15,0-6-13-15,-10-18-28 16,13-2-78-16,-8-27 1 16,0 0-4-16,-16-40 0 15</inkml:trace>
+</inkml:ink>
+</file>
+
+<file path=ppt/ink/ink36.xml><?xml version="1.0" encoding="utf-8"?>
+<inkml:ink xmlns:inkml="http://www.w3.org/2003/InkML">
+  <inkml:definitions>
+    <inkml:context xml:id="ctx0">
+      <inkml:inkSource xml:id="inkSrc0">
+        <inkml:traceFormat>
+          <inkml:channel name="X" type="integer" max="23472" units="cm"/>
+          <inkml:channel name="Y" type="integer" max="13203" units="cm"/>
+          <inkml:channel name="F" type="integer" max="1023" units="dev"/>
+          <inkml:channel name="T" type="integer" max="2.14748E9" units="dev"/>
+        </inkml:traceFormat>
+        <inkml:channelProperties>
+          <inkml:channelProperty channel="X" name="resolution" value="1000.08521" units="1/cm"/>
+          <inkml:channelProperty channel="Y" name="resolution" value="1000.22729" units="1/cm"/>
+          <inkml:channelProperty channel="F" name="resolution" value="0" units="1/dev"/>
+          <inkml:channelProperty channel="T" name="resolution" value="1" units="1/dev"/>
+        </inkml:channelProperties>
+      </inkml:inkSource>
+      <inkml:timestamp xml:id="ts0" timeString="2014-08-02T12:53:02.967"/>
+    </inkml:context>
+    <inkml:brush xml:id="br0">
+      <inkml:brushProperty name="width" value="0.07" units="cm"/>
+      <inkml:brushProperty name="height" value="0.07" units="cm"/>
+      <inkml:brushProperty name="color" value="#3165BB"/>
+      <inkml:brushProperty name="fitToCurve" value="1"/>
+    </inkml:brush>
+  </inkml:definitions>
+  <inkml:trace contextRef="#ctx0" brushRef="#br0">-5 0 257 0,'0'0'126'16,"0"0"1"-16,0 40-8 16,8-14-110-16,10 14-41 15,-2-9-82-15,18 1-6 16,0-1-6 0,14-7 3-16</inkml:trace>
+</inkml:ink>
+</file>
+
+<file path=ppt/ink/ink37.xml><?xml version="1.0" encoding="utf-8"?>
+<inkml:ink xmlns:inkml="http://www.w3.org/2003/InkML">
+  <inkml:definitions>
+    <inkml:context xml:id="ctx0">
+      <inkml:inkSource xml:id="inkSrc0">
+        <inkml:traceFormat>
+          <inkml:channel name="X" type="integer" max="23472" units="cm"/>
+          <inkml:channel name="Y" type="integer" max="13203" units="cm"/>
+          <inkml:channel name="F" type="integer" max="1023" units="dev"/>
+          <inkml:channel name="T" type="integer" max="2.14748E9" units="dev"/>
+        </inkml:traceFormat>
+        <inkml:channelProperties>
+          <inkml:channelProperty channel="X" name="resolution" value="1000.08521" units="1/cm"/>
+          <inkml:channelProperty channel="Y" name="resolution" value="1000.22729" units="1/cm"/>
+          <inkml:channelProperty channel="F" name="resolution" value="0" units="1/dev"/>
+          <inkml:channelProperty channel="T" name="resolution" value="1" units="1/dev"/>
+        </inkml:channelProperties>
+      </inkml:inkSource>
+      <inkml:timestamp xml:id="ts0" timeString="2014-08-02T12:53:03.619"/>
+    </inkml:context>
+    <inkml:brush xml:id="br0">
+      <inkml:brushProperty name="width" value="0.07" units="cm"/>
+      <inkml:brushProperty name="height" value="0.07" units="cm"/>
+      <inkml:brushProperty name="color" value="#3165BB"/>
+      <inkml:brushProperty name="fitToCurve" value="1"/>
+    </inkml:brush>
+  </inkml:definitions>
+  <inkml:trace contextRef="#ctx0" brushRef="#br0">313 340 220 0,'27'26'129'16,"-27"-26"-4"-16,0 0 4 15,0 0-81 1,-24 34-28-16,24-34-4 0,-45 18-9 16,16 1-1-1,-5 2-7-15,-8 3 7 0,3 2-5 16,-1 5 7-1,6 9-6-15,0-3 6 0,18 7-4 16,11-9 1-16,18-1 0 16,13-8-2-16,14-5-1 0,7-10-2 15,6-17-3 1,10-7-5-16,-8-16-3 0,-2-7-3 16,-14-25-3-1,-5 1-4-15,-15-17 3 16,-9 1-2-16,-18-6 7 15,-5 1 4-15,-8-1 10 16,-3 9 4-16,3 20 8 16,-5 11 6-16,26 42 1 15,-34-16 2-15,31 48 1 16,-2 15-6-16,13 35-1 0,-3 10-3 16,11 10-5-16,0-2 0 15,7-2-6-15,6-14 2 16,5-13-4-16,6-21 2 15,2-29-4-15,5-21 1 16,6-16-4-16,2-13 0 16,-2-18-1-16,-1-6-5 15,-7-5 3-15,-3 3-2 0,-10 2 6 16,-11 6-2 0,-11 8 8-16,-15 4-1 15,5 35 5-15,-37-34 3 0,8 32 1 16,-8 4-1-16,3 17-1 0,-3 15 2 15,3 8-6 1,5 13 2-16,8 8-3 16,13 8 1-16,8-2-5 0,16-1 1 15,8-15-12-15,13-11-12 16,-1-32-27 0,25-7-86-16,-14-29 0 15,11-22-4-15,-8-17 2 16</inkml:trace>
+</inkml:ink>
+</file>
+
+<file path=ppt/ink/ink38.xml><?xml version="1.0" encoding="utf-8"?>
+<inkml:ink xmlns:inkml="http://www.w3.org/2003/InkML">
+  <inkml:definitions>
+    <inkml:context xml:id="ctx0">
+      <inkml:inkSource xml:id="inkSrc0">
+        <inkml:traceFormat>
+          <inkml:channel name="X" type="integer" max="23472" units="cm"/>
+          <inkml:channel name="Y" type="integer" max="13203" units="cm"/>
+          <inkml:channel name="F" type="integer" max="1023" units="dev"/>
+          <inkml:channel name="T" type="integer" max="2.14748E9" units="dev"/>
+        </inkml:traceFormat>
+        <inkml:channelProperties>
+          <inkml:channelProperty channel="X" name="resolution" value="1000.08521" units="1/cm"/>
+          <inkml:channelProperty channel="Y" name="resolution" value="1000.22729" units="1/cm"/>
+          <inkml:channelProperty channel="F" name="resolution" value="0" units="1/dev"/>
+          <inkml:channelProperty channel="T" name="resolution" value="1" units="1/dev"/>
+        </inkml:channelProperties>
+      </inkml:inkSource>
+      <inkml:timestamp xml:id="ts0" timeString="2014-08-02T12:53:03.936"/>
+    </inkml:context>
+    <inkml:brush xml:id="br0">
+      <inkml:brushProperty name="width" value="0.07" units="cm"/>
+      <inkml:brushProperty name="height" value="0.07" units="cm"/>
+      <inkml:brushProperty name="color" value="#3165BB"/>
+      <inkml:brushProperty name="fitToCurve" value="1"/>
+    </inkml:brush>
+  </inkml:definitions>
+  <inkml:trace contextRef="#ctx0" brushRef="#br0">233 11 221 0,'0'0'124'16,"-31"-16"4"-16,4 24-2 16,27-8-76-16,-50 26-27 15,50-26 0-15,-44 32-8 0,44-32 0 16,-42 39-2-1,26-10 0-15,0-5-1 0,11 5-3 16,2-3 1 0,11 8-5-16,8 0 1 0,10-2-6 15,6-3 3-15,7-3-5 16,3 0 5 0,-2-2-5-16,-3 5 1 15,-9-8 0-15,-28-21 0 0,24 45 1 16,-26-22-2-16,-12 1-4 15,-9 2-10-15,-17-15-28 16,14 5-94-16,-27-14 0 16,3-4-5-16,-7-14 1 15</inkml:trace>
+</inkml:ink>
+</file>
+
+<file path=ppt/ink/ink39.xml><?xml version="1.0" encoding="utf-8"?>
+<inkml:ink xmlns:inkml="http://www.w3.org/2003/InkML">
+  <inkml:definitions>
+    <inkml:context xml:id="ctx0">
+      <inkml:inkSource xml:id="inkSrc0">
+        <inkml:traceFormat>
+          <inkml:channel name="X" type="integer" max="23472" units="cm"/>
+          <inkml:channel name="Y" type="integer" max="13203" units="cm"/>
+          <inkml:channel name="F" type="integer" max="1023" units="dev"/>
+          <inkml:channel name="T" type="integer" max="2.14748E9" units="dev"/>
+        </inkml:traceFormat>
+        <inkml:channelProperties>
+          <inkml:channelProperty channel="X" name="resolution" value="1000.08521" units="1/cm"/>
+          <inkml:channelProperty channel="Y" name="resolution" value="1000.22729" units="1/cm"/>
+          <inkml:channelProperty channel="F" name="resolution" value="0" units="1/dev"/>
+          <inkml:channelProperty channel="T" name="resolution" value="1" units="1/dev"/>
+        </inkml:channelProperties>
+      </inkml:inkSource>
+      <inkml:timestamp xml:id="ts0" timeString="2014-08-02T12:53:04.790"/>
+    </inkml:context>
+    <inkml:brush xml:id="br0">
+      <inkml:brushProperty name="width" value="0.07" units="cm"/>
+      <inkml:brushProperty name="height" value="0.07" units="cm"/>
+      <inkml:brushProperty name="color" value="#3165BB"/>
+      <inkml:brushProperty name="fitToCurve" value="1"/>
+    </inkml:brush>
+  </inkml:definitions>
+  <inkml:trace contextRef="#ctx0" brushRef="#br0">11 125 142 0,'0'0'110'0,"0"0"3"0,-10-37 2 16,2 11-68-16,8 26-8 15,10-34-4-15,-10 34-6 16,14-29-4-1,-14 29-3-15,0 0-4 0,0 0-2 16,0 0-3-16,26 18-2 16,-26-18-2-16,13 45-2 15,-8-13-1-15,3 7-1 16,-2 0-1-16,-1 9 0 16,3 2-1-16,-6-3 1 0,1-2-5 15,-3-8-6-15,5-1-17 16,-5-36-38-16,0 24-69 0,0-24-6 31,-10-24 1-31,2-15-5 16</inkml:trace>
+</inkml:ink>
+</file>
+
 <file path=ppt/ink/ink4.xml><?xml version="1.0" encoding="utf-8"?>
 <inkml:ink xmlns:inkml="http://www.w3.org/2003/InkML">
   <inkml:definitions>
@@ -2396,6 +2205,130 @@
     </inkml:brush>
   </inkml:definitions>
   <inkml:trace contextRef="#ctx0" brushRef="#br0">471 2784 92 0,'30'13'106'0,"18"7"-1"15,-1-10 0-15,14-1-83 16,15-7-8-16,4-17-1 16,8-13-5-16,8-15-3 15,3-24-5-15,5-22 1 16,0-19-3-16,-7-22 3 15,-3-15-4-15,-12-11 3 16,-15-6-4-16,-17-3 4 0,-20 3 0 16,-26 6-3-1,-23 13 2-15,-22 15-2 16,-20 27 3-16,-15 18-4 16,-12 21 4-16,-10 23-4 0,-6 24 2 15,-2 19 1-15,0 22 2 16,0 24 3-16,4 19-5 15,3 17 4-15,1 21-3 16,3 25 4-16,7 23-3 16,5 29 3-16,8 31-1 15,7 29-4-15,12 25 8 16,4 38-3-16,18 24 3 16,5 4-1-16,14 5 2 15,11-11-3-15,10-6 3 16,12-33 2-16,16-22 0 15,10-43-2-15,14-30 0 0,14-37-2 16,16-26 2-16,10-37-2 16,14-32 2-16,9-31-5 15,11-32-1-15,11-28-2 16,4-30 0-16,5-29-1 16,-3-27-2-16,3-23 2 15,-7-27-4-15,-7-18 4 16,-14-24-3-16,-10-17 5 15,-14-17-5-15,-11-13 1 16,-16-15 1-16,-8-5-2 16,-13-8-3-16,-2 8-1 15,0 0 0-15,6 16 1 16,7 14 2-16,8 25 3 0,9 25-2 16,11 24 4-16,7 33 0 15,-1 21 4-15,0 31-3 16,-8 27 2-16,-5 27-1 15,-6 24 0-15,-6 23 1 16,-12 24-1-16,-3 26 2 16,-5 28-2-16,-3 20 6 15,-8 26 1-15,-2 19 2 16,-6 17-2-16,-5 25 2 16,-6 14-2-16,-5 18 4 15,-6 4-2-15,0 17-2 16,-7-1-4-16,0 1 3 0,1-2-5 15,-3-10-1-15,2-21 1 16,3-14-2-16,-3-28-2 16,-2-26-1-16,2-35-2 15,1-24-4-15,-3-35 1 16,0-31 0-16,-2-29-2 16,2-50-4-16,0-22 3 15,-6-45-1-15,0-34 5 16,-3-44-1-16,3-34 2 15,0-31 4-15,8-19 3 16,18-15 4-16,12-9 0 16,20 6-1-16,22 9 0 15,21 18-1-15,14 21 5 0,19 21-5 16,6 29 0-16,5 20-4 16,-3 36 2-16,-4 33-1 15,-12 34 1-15,-14 41-1 16,-11 42-1-16,-15 40 1 15,-17 48-2-15,-15 42 4 16,-15 32-2-16,-11 30 4 16,-11 32-3-16,-11 18 5 15,-7 22-1-15,-8 6 0 16,-4 0 0-16,-2 2-2 16,-3-17-2-16,0-18-2 15,-1-18 0-15,3-30-4 0,5-35-2 16,0-34 0-16,6-38-1 15,0-43-2-15,9-46 2 16,-8-37 2-16,6-54 0 16,-5-54 0-16,5-48-2 15,-5-51 2-15,7-44 2 16,9-37 1-16,17-17 1 16,22-11 1-16,21 9 4 15,26 24 0-15,24 17 4 16,28 39 1-16,14 35-1 15,14 38 3-15,-2 33-4 16,-2 41 0-16,-11 33-4 16,-6 30 2-16,-20 36-2 0,-17 29-1 15,-18 39 0-15,-18 26-3 16,-21 28 3-16,-17 28-3 16,-19 28 4-1,-17 24 0-15,-20 21 4 0,-13 20-1 16,-11 18 0-16,-6 19 4 15,-5 15-2-15,3 13 0 16,1 2-2-16,12 0 0 16,8-6-7-16,13-11 0 15,20-20 2-15,15-17-3 16,15-26 0-16,15-21 2 16,11-29-1-16,13-21 1 0,6-24 1 15,3-18 3-15,1-23-3 16,-1-18 1-1,-5-19-2-15,-2-17 1 16,-8-24-1-16,-5-26-2 0,-2-29 0 16,-5-36-3-16,-1-37 3 15,-5-51-9-15,0-53 2 16,-4-56-3-16,6-41 2 16,5-37 3-16,16-15 0 15,19-9 3-15,18-2 2 16,23 22 5-16,21 36 4 15,30 31 1-15,18 39 1 16,12 32-4-16,7 24 0 0,7 28 0 16,-3 29-2-1,1 23 0-15,-10 17-3 16,-12 25 0-16,-15 21 1 16,-13 21-1-16,-22 25 0 0,-22 16 0 15,-21 16 1-15,-22 8 0 16,-22 10 0-16,-15 5 1 15,-23-1-1-15,-14-1 2 16,-17-4-1-16,-12-4 0 16,-19-9 0-16,-14-2-1 15,-15-6 2-15,-12-7-1 16,-14-7-1-16,-11-4 1 0,-9-2-1 16,-4 3 0-1,-7 5 0-15,0 7 0 16,3 11-3-16,-1 11 1 15,1 15 0-15,-1 11 1 0,3 17-1 16,-3 13-1-16,-4 13 2 16,-2 15-3-16,-4 16 4 15,-3 23-3-15,7 24 2 16,3 19 1-16,7 23 2 16,14 16 2-16,17 20-3 15,22 8 2-15,21 12 0 16,29 1 0-16,27-4 1 15,27-6-2-15,30-22-1 16,22-21-1-16,21-27-2 16,19-25 1-16,14-40-3 15,11-30 1-15,-1-34-2 16,5-33 0-16,-11-24 2 0,-7-19 0 16,-12-24 3-16,-16-21 0 15,-12-27 1-15,-16-28-3 16,-13-30 3-16,-19-39-3 15,-11-38-3-15,-13-47-2 16,-9-34-1-16,-15-37-1 16,5-12 1-16,-1-8 0 15,3 10-2-15,8 21 3 16,9 26 2-16,6 37 0 16,7 38 4-16,3 44 0 15,-8 33 0-15,-8 32 0 16,-11 21 3-16,-17 23-2 0,-13 16 2 15,-11 18-1-15,-9 11 2 16,-8 10-1-16,-5 10 2 16,-1 10 0-16,-1 4-1 15,2 11 3-15,3 4-3 16,4 10 2-16,-1 5-2 16,3 7-1-16,-2 7 0 15,7 4 0-15,-3-2-1 16,4 4 0-16,3-4 1 15,4-1 0-15,4-5 0 16,5-3 0-16,8-4 0 16,5-5 0-16,8-2-2 15,5 1 2-15,4 3-3 0,6 1 1 16,10 4-2-16,7 4 2 16,12 7-2-16,10-2 2 15,12 3 2-15,12-5-4 16,7-16 1-16,10-10 0 15,11-18 1-15,5-15-3 16,4-22 2-16,2-17-1 16,11-21-2-16,7-16 4 15,10-4 0-15,7-7-4 16,11 1 4-16,8 4-3 16,13 14 2-16,7 23-1 15,4 26 0-15,-4 29-1 0,0 32-1 16,-1 23 2-16,-1 25-3 15,-9 14 2-15,-9 9-10 16,-19-11-16-16,4-1-104 16,-39-18-4-16,-15-25-2 15,-36-32-6-15</inkml:trace>
+</inkml:ink>
+</file>
+
+<file path=ppt/ink/ink40.xml><?xml version="1.0" encoding="utf-8"?>
+<inkml:ink xmlns:inkml="http://www.w3.org/2003/InkML">
+  <inkml:definitions>
+    <inkml:context xml:id="ctx0">
+      <inkml:inkSource xml:id="inkSrc0">
+        <inkml:traceFormat>
+          <inkml:channel name="X" type="integer" max="23472" units="cm"/>
+          <inkml:channel name="Y" type="integer" max="13203" units="cm"/>
+          <inkml:channel name="F" type="integer" max="1023" units="dev"/>
+          <inkml:channel name="T" type="integer" max="2.14748E9" units="dev"/>
+        </inkml:traceFormat>
+        <inkml:channelProperties>
+          <inkml:channelProperty channel="X" name="resolution" value="1000.08521" units="1/cm"/>
+          <inkml:channelProperty channel="Y" name="resolution" value="1000.22729" units="1/cm"/>
+          <inkml:channelProperty channel="F" name="resolution" value="0" units="1/dev"/>
+          <inkml:channelProperty channel="T" name="resolution" value="1" units="1/dev"/>
+        </inkml:channelProperties>
+      </inkml:inkSource>
+      <inkml:timestamp xml:id="ts0" timeString="2014-08-02T12:53:04.964"/>
+    </inkml:context>
+    <inkml:brush xml:id="br0">
+      <inkml:brushProperty name="width" value="0.07" units="cm"/>
+      <inkml:brushProperty name="height" value="0.07" units="cm"/>
+      <inkml:brushProperty name="color" value="#3165BB"/>
+      <inkml:brushProperty name="fitToCurve" value="1"/>
+    </inkml:brush>
+  </inkml:definitions>
+  <inkml:trace contextRef="#ctx0" brushRef="#br0">41 0 286 0,'-32'28'127'16,"32"-28"-3"-16,-21 27-11 15,21-27-129-15,0 0-94 16,18 23-9-16,-18-23-6 16,32 14-4-16</inkml:trace>
+</inkml:ink>
+</file>
+
+<file path=ppt/ink/ink41.xml><?xml version="1.0" encoding="utf-8"?>
+<inkml:ink xmlns:inkml="http://www.w3.org/2003/InkML">
+  <inkml:definitions>
+    <inkml:context xml:id="ctx0">
+      <inkml:inkSource xml:id="inkSrc0">
+        <inkml:traceFormat>
+          <inkml:channel name="X" type="integer" max="23472" units="cm"/>
+          <inkml:channel name="Y" type="integer" max="13203" units="cm"/>
+          <inkml:channel name="F" type="integer" max="1023" units="dev"/>
+          <inkml:channel name="T" type="integer" max="2.14748E9" units="dev"/>
+        </inkml:traceFormat>
+        <inkml:channelProperties>
+          <inkml:channelProperty channel="X" name="resolution" value="1000.08521" units="1/cm"/>
+          <inkml:channelProperty channel="Y" name="resolution" value="1000.22729" units="1/cm"/>
+          <inkml:channelProperty channel="F" name="resolution" value="0" units="1/dev"/>
+          <inkml:channelProperty channel="T" name="resolution" value="1" units="1/dev"/>
+        </inkml:channelProperties>
+      </inkml:inkSource>
+      <inkml:timestamp xml:id="ts0" timeString="2014-08-02T12:53:05.576"/>
+    </inkml:context>
+    <inkml:brush xml:id="br0">
+      <inkml:brushProperty name="width" value="0.07" units="cm"/>
+      <inkml:brushProperty name="height" value="0.07" units="cm"/>
+      <inkml:brushProperty name="color" value="#3165BB"/>
+      <inkml:brushProperty name="fitToCurve" value="1"/>
+    </inkml:brush>
+  </inkml:definitions>
+  <inkml:trace contextRef="#ctx0" brushRef="#br0">1 136 211 0,'-5'42'112'16,"5"-2"2"-1,2 2-1-15,11 5-93 16,-2-8-2-16,15 9 2 15,-7-11 0-15,7 7-2 16,-8-9 2-16,3 1-2 16,-8-12-2-16,-13-24-1 15,24 29-4-15,-24-29-2 0,0 0-5 0,16-29 0 16,-16 0-3 0,0-13-1-16,0-5-2 15,-5-9 1-15,2 1 0 0,0-5-1 16,-2 2 2-1,5 5-1-15,5 3 1 16,3 11-1-16,5 7 2 16,8 9 0-16,3 4 0 0,5 11-1 15,3 8 1-15,-1 11 0 16,3 2-1-16,-2 8 0 16,-3 3 1-1,-5 5 0-15,-3 2 2 0,-8 3 0 16,0 1 1-16,-5 1 1 15,-3-4 0-15,0 2 0 16,1-5-1-16,-1-3 0 16,5-2-2-16,-10-24 0 15,27 37 0-15,-27-37 0 16,42 24-1-16,-16-14 1 0,-2-2 0 16,2-3-1-1,0 0 1-15,-26-5-1 16,42 6 0-16,-42-6 0 15,32 5-1-15,-32-5-1 0,24 3-7 16,-24-3-13 0,0 0-53-16,0 0-64 0,0 0 1 15,-8-27-6-15,8 27 2 16</inkml:trace>
+</inkml:ink>
+</file>
+
+<file path=ppt/ink/ink42.xml><?xml version="1.0" encoding="utf-8"?>
+<inkml:ink xmlns:inkml="http://www.w3.org/2003/InkML">
+  <inkml:definitions>
+    <inkml:context xml:id="ctx0">
+      <inkml:inkSource xml:id="inkSrc0">
+        <inkml:traceFormat>
+          <inkml:channel name="X" type="integer" max="23472" units="cm"/>
+          <inkml:channel name="Y" type="integer" max="13203" units="cm"/>
+          <inkml:channel name="F" type="integer" max="1023" units="dev"/>
+          <inkml:channel name="T" type="integer" max="2.14748E9" units="dev"/>
+        </inkml:traceFormat>
+        <inkml:channelProperties>
+          <inkml:channelProperty channel="X" name="resolution" value="1000.08521" units="1/cm"/>
+          <inkml:channelProperty channel="Y" name="resolution" value="1000.22729" units="1/cm"/>
+          <inkml:channelProperty channel="F" name="resolution" value="0" units="1/dev"/>
+          <inkml:channelProperty channel="T" name="resolution" value="1" units="1/dev"/>
+        </inkml:channelProperties>
+      </inkml:inkSource>
+      <inkml:timestamp xml:id="ts0" timeString="2014-08-02T12:53:06.018"/>
+    </inkml:context>
+    <inkml:brush xml:id="br0">
+      <inkml:brushProperty name="width" value="0.07" units="cm"/>
+      <inkml:brushProperty name="height" value="0.07" units="cm"/>
+      <inkml:brushProperty name="color" value="#3165BB"/>
+      <inkml:brushProperty name="fitToCurve" value="1"/>
+    </inkml:brush>
+  </inkml:definitions>
+  <inkml:trace contextRef="#ctx0" brushRef="#br0">25-5 101 0,'0'0'110'0,"0"0"4"16,0 0 5-16,0 0-38 16,-29-11-35-16,29 11-5 0,0 0-6 15,16 27-7 1,-16-27-2-16,3 47-4 15,-3-13-5-15,5 21-1 16,-3 8-4-16,6 16-3 16,-2 6-3-16,4-1 0 15,-2 2-3-15,2 1 0 16,4-13-4-16,-4-8 0 0,6-14-5 0,-6-20-6 16,9-3-15-1,-19-29-33-15,0 0-74 16,0 0-5-16,24-34 3 15,-32-1-4-15</inkml:trace>
+</inkml:ink>
+</file>
+
+<file path=ppt/ink/ink43.xml><?xml version="1.0" encoding="utf-8"?>
+<inkml:ink xmlns:inkml="http://www.w3.org/2003/InkML">
+  <inkml:definitions>
+    <inkml:context xml:id="ctx0">
+      <inkml:inkSource xml:id="inkSrc0">
+        <inkml:traceFormat>
+          <inkml:channel name="X" type="integer" max="23472" units="cm"/>
+          <inkml:channel name="Y" type="integer" max="13203" units="cm"/>
+          <inkml:channel name="F" type="integer" max="1023" units="dev"/>
+          <inkml:channel name="T" type="integer" max="2.14748E9" units="dev"/>
+        </inkml:traceFormat>
+        <inkml:channelProperties>
+          <inkml:channelProperty channel="X" name="resolution" value="1000.08521" units="1/cm"/>
+          <inkml:channelProperty channel="Y" name="resolution" value="1000.22729" units="1/cm"/>
+          <inkml:channelProperty channel="F" name="resolution" value="0" units="1/dev"/>
+          <inkml:channelProperty channel="T" name="resolution" value="1" units="1/dev"/>
+        </inkml:channelProperties>
+      </inkml:inkSource>
+      <inkml:timestamp xml:id="ts0" timeString="2014-08-02T12:53:06.318"/>
+    </inkml:context>
+    <inkml:brush xml:id="br0">
+      <inkml:brushProperty name="width" value="0.07" units="cm"/>
+      <inkml:brushProperty name="height" value="0.07" units="cm"/>
+      <inkml:brushProperty name="color" value="#3165BB"/>
+      <inkml:brushProperty name="fitToCurve" value="1"/>
+    </inkml:brush>
+  </inkml:definitions>
+  <inkml:trace contextRef="#ctx0" brushRef="#br0">21 171 274 0,'-27'-11'130'0,"27"11"3"16,0 0-3-16,-2-26-100 15,2 26-1-15,21-27-5 16,-21 27-7-16,39-15-1 16,-15 7-3-16,13 0-3 15,2-3-3-15,11 3 0 16,5-5-3-16,6 3-1 15,-1-1-4-15,3-2-5 0,0 8-8 16,-15-6-19-16,12 17-86 16,-31-6-24-16,-2 13 0 15,-27-13-6-15</inkml:trace>
 </inkml:ink>
 </file>
 
@@ -2437,13 +2370,13 @@
   <inkml:trace contextRef="#ctx0" brushRef="#br0" timeOffset="1071.558">2196 943 198 0,'0'0'119'0,"0"0"4"0,-26 19 0 31,18 14-54-31,-10-10-36 0,12 19-13 0,-7-3-1 16,11 12-9-16,-7 6 3 31,9 12-7-31,0 9 2 0,2 11-6 16,-2 8 1-16,4 9 3 16,-4 2-3-16,0 3 1 15,0-5-5-15,-4-7 2 0,-5-14-2 16,5-16 1-16,-5-17-6 15,3-17-5 1,4-16-20-16,2-19-47 16,-9-37-56-16,7-13-6 15,15-14-3-15,-11-27-4 16</inkml:trace>
   <inkml:trace contextRef="#ctx0" brushRef="#br0" timeOffset="2046.0984">2538 865 275 0,'-37'-2'122'16,"13"10"2"-16,-6-16-22 15,30 8-68-15,-32 2-8 16,32-2-8-16,0 0-4 16,39-33-6-16,-3 14-2 15,19-3-3-15,12 1 0 16,13 1-3-16,11 7-2 0,6 7-2 16,7 8-5-16,-7 2-8 15,5 18-11-15,-22-16-19 16,5 25-42-16,-27-21-37 15,-4 8 2-15,-21-16-3 16,-7-4 6-16</inkml:trace>
   <inkml:trace contextRef="#ctx0" brushRef="#br0" timeOffset="1755.9956">2876 174 182 0,'-22'-17'120'0,"22"17"0"15,-22 7 3 1,22-7-66-16,-21 23-21 16,19 6-7-16,-9-6-9 0,13 18-2 15,0 7-8-15,11 15 0 16,7 13-5-16,6 14 0 15,6 14-3-15,7 11 0 16,2 6-4-16,2 3-4 16,1-1 2-16,-8-10-6 15,1-10-4-15,-11-22-14 0,5-6-17 16,-23-40-38-16,14-3-45 0,-22-32 1 16,0 0-2-16,-9-36 3 15</inkml:trace>
-  <inkml:trace contextRef="#ctx0" brushRef="#br0" timeOffset="2612.7462">3283 105 233 0,'-20'35'120'0,"3"-7"4"15,12 26-3-15,1-11-84 16,21 27-5-16,5 1-10 16,17 20-5-1,7 6-8-15,10 7 0 16,7 4-6-16,4-4-7 0,0-2 3 15,-2-9-6-15,-5-13 3 16,-6-11-2-16,-8-15 4 0,-9-10-5 16,-11-14 5-1,-9-10 3-15,-17-20-1 0,0 0 1 16,0 0 1-16,0 0-1 16,-22-37 0-1,7 11 0-15,-2-7 2 0,4-1-1 16,6-3 1-16,3 4 4 15,8-1-4-15,9 6 5 16,9 2-3-16,10 8 4 16,10 3-6-16,5 9 7 15,5 6-6-15,4 8 0 16,1 3-1-16,1 11-6 16,-6 2 4-1,2 4-4-15,-4 2 3 16,-7 0-5-16,-4 5 4 0,-4-5-3 15,-5 3 3-15,-6-3 2 16,-2 0-2-16,-12 1-3 0,-1-1-6 16,-7-8-8-16,2 6-21 15,-4-28-36-15,0 0-61 16,-21 4 2-16,21-4-3 16,-11-37 4-16</inkml:trace>
+  <inkml:trace contextRef="#ctx0" brushRef="#br0" timeOffset="2612.7461">3283 105 233 0,'-20'35'120'0,"3"-7"4"15,12 26-3-15,1-11-84 16,21 27-5-16,5 1-10 16,17 20-5-1,7 6-8-15,10 7 0 16,7 4-6-16,4-4-7 0,0-2 3 15,-2-9-6-15,-5-13 3 16,-6-11-2-16,-8-15 4 0,-9-10-5 16,-11-14 5-1,-9-10 3-15,-17-20-1 0,0 0 1 16,0 0 1-16,0 0-1 16,-22-37 0-1,7 11 0-15,-2-7 2 0,4-1-1 16,6-3 1-16,3 4 4 15,8-1-4-15,9 6 5 16,9 2-3-16,10 8 4 16,10 3-6-16,5 9 7 15,5 6-6-15,4 8 0 16,1 3-1-16,1 11-6 16,-6 2 4-1,2 4-4-15,-4 2 3 16,-7 0-5-16,-4 5 4 0,-4-5-3 15,-5 3 3-15,-6-3 2 16,-2 0-2-16,-12 1-3 0,-1-1-6 16,-7-8-8-16,2 6-21 15,-4-28-36-15,0 0-61 16,-21 4 2-16,21-4-3 16,-11-37 4-16</inkml:trace>
   <inkml:trace contextRef="#ctx0" brushRef="#br0" timeOffset="3164.254">5196 1094 91 0,'0'0'111'0,"0"0"3"0,19-4 5 15,-19 4-40-15,0 0-23 16,-8-30-16-16,8 30 1 16,-24-11-13-16,24 11-5 0,-43 4-7 15,14 7-1-15,-7 2-5 16,-3 9-7-16,-5 1 2 15,3 10-5-15,2-1 3 16,5 7-4-16,1 0 4 0,12 2-6 16,8-2 5-16,15 0 1 31,13-6-1-31,13-5 1 16,15-7-2-16,11-12 0 0,11-7-1 15,9-15-1-15,2-6 0 16,-3-9-2-16,-3-5 1 15,-6-4-2-15,-12 3 4 16,-10 1-4-16,-14 5 3 0,-15 4-2 16,-9 5 2-1,-4 19-1-15,-26-26 0 0,0 15 4 16,-4 0-7-16,-5-2 5 16,3 5-10-16,-5-10 0 15,15 14-24-15,-6-20-20 16,28 24-72-16,-4-19-6 15,4 19 4-15,28-18-3 0</inkml:trace>
   <inkml:trace contextRef="#ctx0" brushRef="#br0" timeOffset="3690.9705">5704 1103 194 0,'11'39'117'15,"-6"-7"2"-15,8 7-2 16,-11-8-81-16,22 10-11 0,-11-15-2 16,15 8-8-16,-7-8-3 15,7 0-3 1,1-4-3-16,-1-3-1 0,-4-4-1 16,1 1 1-16,-5-3-1 15,-20-13-1-15,32 17 0 16,-32-17-2-16,0 0 0 15,22 15 0-15,-22-15 1 0,0 0-1 16,-4-22 1 0,-3 3-2-16,1-5 0 15,-1-4 1-15,5-2-1 16,0-5-1-16,4 3 2 16,5 1 0-16,3 5 0 15,8 5 0-15,6 3 0 16,6 5 0-16,2 3 0 15,7 5 1-15,5 3 0 16,3 4 0-16,1 0 3 0,2 9 0 16,-1-2 0-16,1 8 2 15,-2 3-1-15,2 4 0 16,-9 4-3-16,0 4 2 16,-7-2-4-16,-1 5 2 15,-7-2-3-15,0-1 0 16,-7-6-1-16,-4-4-4 0,-2 1-8 15,-13-23-21 1,24 20-98-16,-24-20-5 16,0 0-5-16,0 0-1 0</inkml:trace>
   <inkml:trace contextRef="#ctx0" brushRef="#br0" timeOffset="4784.1025">8131 555 196 0,'0'0'120'0,"0"-28"1"16,0 28 0-16,0 0-68 15,0 0-15 1,-26-4-12-16,26 4-6 15,-9 34-7-15,7-5-4 0,0 3-2 16,2 11 1-16,0 5-2 16,6 8 1-16,1 3-1 0,-1 3 1 15,3 3-1-15,2 0 1 16,-1-4-3 0,3 2-4-16,3-7 3 0,-3-4-5 0,4-7 4 15,4-6-4 1,5-4 3-1,5-7-4-15,6-4 4 16,6-9 1-16,9-6 0 0,6-3-1 16,7-4 0-16,7-2 0 15,-1-2 0-15,3 0-1 16,-5-2 0-16,-6-1-2 16,-7 3-4-16,-13-4-7 0,-4 6-17 15,-26-20-33 1,7 12-74-16,-25-16 2 15,5 24-5-15,-30-50 0 0</inkml:trace>
   <inkml:trace contextRef="#ctx0" brushRef="#br0" timeOffset="5321.5736">8159 480 247 0,'-31'21'127'0,"5"-14"0"15,26-7 1-15,0 0-91 0,0 0-4 16,39-13-8-16,11-2-8 16,6-7-4-16,18 0-3 31,8 1-2-31,9 3-3 0,7 3-4 15,3 2-5-15,1 9-8 16,-11-9-25-16,4 24-81 16,-26-9-16-16,-8 15-2 15,-22-8-3-15</inkml:trace>
-  <inkml:trace contextRef="#ctx0" brushRef="#br0" timeOffset="5040.2778">8243 973 239 0,'0'0'118'16,"-22"22"4"-16,22-22-5 16,0 0-89-16,35 4-6 15,11-4-7-15,8-9-4 16,13 3-3-16,13-7-2 16,9 0-6-16,6 0-2 15,-2-4-9-15,0 10-11 16,-15-17-24-16,2 20-54 15,-24-13-23-15,-13 8 0 0,-19-6-1 16</inkml:trace>
-  <inkml:trace contextRef="#ctx0" brushRef="#br0" timeOffset="5765.4075">9566 1562 212 0,'8'-20'129'16,"-8"20"3"-16,4-26-1 15,-12 2-75-15,8 24-19 0,15-34-12 16,-15 34-8-16,30-41-6 15,-4 17-3-15,5-9-2 16,5 3-2-16,5-7 0 16,5 1 2-16,-3-3-4 0,5-3 2 15,-5 6-8-15,-4 1-2 16,0 11-11-16,-19-6-12 16,8 26-36-16,-28 4-70 15,0 0 1-15,-9-26-3 16,9 26 6-16</inkml:trace>
+  <inkml:trace contextRef="#ctx0" brushRef="#br0" timeOffset="5040.2775">8243 973 239 0,'0'0'118'16,"-22"22"4"-16,22-22-5 16,0 0-89-16,35 4-6 15,11-4-7-15,8-9-4 16,13 3-3-16,13-7-2 16,9 0-6-16,6 0-2 15,-2-4-9-15,0 10-11 16,-15-17-24-16,2 20-54 15,-24-13-23-15,-13 8 0 0,-19-6-1 16</inkml:trace>
+  <inkml:trace contextRef="#ctx0" brushRef="#br0" timeOffset="5765.4072">9566 1562 212 0,'8'-20'129'16,"-8"20"3"-16,4-26-1 15,-12 2-75-15,8 24-19 0,15-34-12 16,-15 34-8-16,30-41-6 15,-4 17-3-15,5-9-2 16,5 3-2-16,5-7 0 16,5 1 2-16,-3-3-4 0,5-3 2 15,-5 6-8-15,-4 1-2 16,0 11-11-16,-19-6-12 16,8 26-36-16,-28 4-70 15,0 0 1-15,-9-26-3 16,9 26 6-16</inkml:trace>
   <inkml:trace contextRef="#ctx0" brushRef="#br0" timeOffset="6039.8058">9531 1109 241 0,'-17'29'133'16,"12"9"-2"-16,1-14 2 15,17 11-74 1,-13-35-23-16,45 39-14 0,-6-28-4 0,13 2-2 16,5 0-6-16,7 2-1 15,4 2-3-15,-1 3-2 16,-2 1-1-16,-5 3-1 16,-8 2-3-16,-11-4-3 15,-6 1-7-15,-14-14-13 16,3 11-32-1,-24-20-82 1,0 0-5-16,2-44 1 0,-2 16-6 16</inkml:trace>
   <inkml:trace contextRef="#ctx0" brushRef="#br0" timeOffset="6771.9392">10611 1274 159 0,'0'0'122'0,"-2"39"7"15,2-39-1-15,13 26-56 0,-13-26-34 0,41-2-7 31,-13-3-10-31,11 3-5 0,2-9-6 16,9 5-3-16,-3-5-2 16,3 0-1-16,0 0-1 15,-7-4-1-15,-2 0 0 16,-8 2 3-16,-5-2-3 0,-9-2 2 16,-19 17-5-16,18-33 4 15,-18 33-4-15,-5-30 5 16,5 30-6-16,-26-30 0 15,5 17 0-15,-7 2 2 16,-7 2-1-16,-4 5 0 16,-6 4 0-1,-7 4 1-15,-5 7 1 16,1 6-1-16,-4 9 1 0,3 9-3 16,5 2 6-16,11 4-2 15,7 0 4-15,10 2-3 16,15-2 4-16,18-6-3 0,15-5 5 15,10-4 0-15,14-9-2 16,12-4-1 0,10-8 0-16,10-3-1 15,-2-4-1-15,4-3-1 0,-2-1-1 16,-2-3-3-16,-7 3-5 16,-12-5-8-16,-3 11-22 15,-28-15-69-15,7 17-39 16,-35-2 0-16,0 0-6 0,4-39 1 15</inkml:trace>
   <inkml:trace contextRef="#ctx0" brushRef="#br0" timeOffset="7523.6394">12074 958 204 0,'0'0'117'0,"0"0"4"16,0 0-3-1,6 28-70-15,-6-28-13 16,-19 4-9-16,19-4-6 16,-26 5-2-16,6-3-6 0,20-2-1 15,-41 15 0 1,20-2-3-16,-7 4 0 0,2 9 0 0,-7 2 0 16,3 9-5-16,2 2 4 15,2 7-4 1,6-3 3-16,7 2-3 0,7-4 2 15,14-4-2-15,12-9 1 16,10-6 1-16,11-9-1 0,9-9-1 16,9-8-2-1,5-7-3 1,6-4-3-16,-8-7-8 16,6 5-9-16,-19-11-21 0,12 19-44 0,-24-17-50 31,-3 13-3-31,-21-13-2 15,-13 26 7-15</inkml:trace>
@@ -2451,20 +2384,20 @@
   <inkml:trace contextRef="#ctx0" brushRef="#br0" timeOffset="8783.1963">13061 696 285 0,'43'28'132'16,"-23"-19"1"-1,10 10 0-15,-30-19-95 16,52 15-8-16,-15-15-8 16,12 7-7-16,1-7-5 15,6 4-2-15,5-2-3 16,2 5-2-16,0-1-2 16,-3 1-4-16,-4 4-6 15,-10-9-11-15,2 15-31 16,-27-21-85-16,5 8-2 15,-26-4-2-15,0 0 1 16</inkml:trace>
   <inkml:trace contextRef="#ctx0" brushRef="#br0" timeOffset="8477.0368">13249 81 224 0,'4'39'119'0,"-4"-39"4"16,13 46 0-16,-13-46-81 16,22 52-4-16,-7-22-8 15,11 22-4-15,-4 2-5 0,10 24-2 16,-6 4-5 0,7 16-3-16,-5 8-4 15,2 6 0-15,-2 5-3 16,-2-4-4-16,-4-5 0 0,0-15-4 15,-7-13 0-15,-2-22-4 16,0-12-4-16,-9-25-15 16,-4-21-22-16,0 0-38 15,0 0-50-15,11-47 3 0,-9 17-2 16,-11-14 0-16</inkml:trace>
   <inkml:trace contextRef="#ctx0" brushRef="#br0" timeOffset="9396.6978">13940 577 329 0,'-20'37'141'15,"-4"-18"-1"-15,9 16-4 16,-7-31-104-16,12 18-28 0,10-22-12 16,0 0-23-16,36 17-35 15,-36-17-68 1,59-13 0-16,-20-4-3 0,17 13 3 15</inkml:trace>
-  <inkml:trace contextRef="#ctx0" brushRef="#br0" timeOffset="9195.9258">14130 917 189 0,'24'19'126'0,"-24"-19"0"16,8 24 3-1,-8-24-59-15,-2 26-19 16,2-26-12-16,2 35-11 0,-8-16-7 0,15 11-6 0,-3 1-3 16,3 3-6-16,-1 3 2 31,5 4-4-31,-2 3 2 16,0 1-3-16,4 0-1 15,-4-6-1-15,0-2-2 16,-3-9-2-16,1-6-4 0,-9-22-8 15,0 0-22 1,0 0-41-16,4-30-63 0,-14-11-6 16,7-3 7-16,-9-16 0 15</inkml:trace>
+  <inkml:trace contextRef="#ctx0" brushRef="#br0" timeOffset="9195.9257">14130 917 189 0,'24'19'126'0,"-24"-19"0"16,8 24 3-1,-8-24-59-15,-2 26-19 16,2-26-12-16,2 35-11 0,-8-16-7 0,15 11-6 0,-3 1-3 16,3 3-6-16,-1 3 2 31,5 4-4-31,-2 3 2 16,0 1-3-16,4 0-1 15,-4-6-1-15,0-2-2 16,-3-9-2-16,1-6-4 0,-9-22-8 15,0 0-22 1,0 0-41-16,4-30-63 0,-14-11-6 16,7-3 7-16,-9-16 0 15</inkml:trace>
   <inkml:trace contextRef="#ctx0" brushRef="#br0" timeOffset="9965.6675">14948 1068 191 0,'24'22'115'16,"-24"-22"4"-16,0 0-4 15,22 19-49-15,-22-19-32 16,0 0-7-16,-13-26-9 16,13 26-1-16,-20-23-2 15,20 23-1-15,-35-26-2 0,14 15-2 16,-10 2-2-16,3 5-4 15,-4 2 1 1,-3 8-3-16,3 5-2 16,-1 8 1-16,3 5-1 0,2 7 1 15,6 1 0-15,3 9-1 16,6 0 3-16,8 3-2 16,5-6 2-16,11-1-1 31,7-4 1-31,5-7-3 0,10-7 1 15,6-8 0-15,6-11 0 16,3-9-2-16,0-6 1 16,1-11-2-16,-3-6 1 15,-1-7 0-15,-8-2-2 16,-7-5 1-16,-8 1-2 16,-9-3 4-16,-7 5-4 15,-8 2 3-15,-4 4-4 16,-9 5 0-16,-5 3-1 15,-4 3-3-15,3 13-1 0,-5 0-7 16,26 13-11-16,-41-6-15 16,41 6-26-16,-16 26-58 15,16-26 5-15,13 30-3 16,7-10 6-16</inkml:trace>
-  <inkml:trace contextRef="#ctx0" brushRef="#br0" timeOffset="10613.816">15303 1090 241 0,'19'19'123'0,"1"7"3"0,-3-4-2 15,14 10-85-15,-31-32-6 16,45 48-13-16,-25-26-1 16,8 6-9-16,-5-9-3 15,6 1-2-15,-10-3 0 16,1-2-1-16,-20-15-2 15,28 18 2-15,-28-18-2 16,0 0 1-16,0 0-1 0,0 0 0 0,2-33-1 16,-11 9-1-16,1-4 0 31,-3-2 2-31,2-7-3 16,3 0 2-16,1-2-2 15,3 5 1-15,4 1 0 0,3 5 3 16,3 6-3-16,-8 22 0 15,22-28 0-15,-22 28-1 16,30-6 1-16,-8 10 0 16,-3 0 1-16,7 5 1 15,-2 0 0 1,2 2 0-16,-2 2 1 16,2 6 2-16,-7-2 1 0,3 7 0 15,-5 0 1-15,-2 4-4 16,-4-2 3-16,2 4-2 15,-4-1 1-15,0-3-3 16,-3-3 1-16,3 1-2 16,-3 0 1-16,5-2 0 15,-11-22 0-15,19 36 0 16,-10-16 0-16,-9-20 0 0,28 34 0 16,-28-34 1-16,37 35-1 0,-13-20 1 15,0-2-2 1,4-2 1-16,2-4-1 0,3-3-1 15,-1-6 0 1,-2-5-2-16,1-4-3 0,-5-6-6 16,-3 4-10-16,-12-19-22 15,11 19-62 1,-24-18-38-16,2 10-4 16,-15-16 3-16,4 7 2 15</inkml:trace>
+  <inkml:trace contextRef="#ctx0" brushRef="#br0" timeOffset="10613.8157">15303 1090 241 0,'19'19'123'0,"1"7"3"0,-3-4-2 15,14 10-85-15,-31-32-6 16,45 48-13-16,-25-26-1 16,8 6-9-16,-5-9-3 15,6 1-2-15,-10-3 0 16,1-2-1-16,-20-15-2 15,28 18 2-15,-28-18-2 16,0 0 1-16,0 0-1 0,0 0 0 0,2-33-1 16,-11 9-1-16,1-4 0 31,-3-2 2-31,2-7-3 16,3 0 2-16,1-2-2 15,3 5 1-15,4 1 0 0,3 5 3 16,3 6-3-16,-8 22 0 15,22-28 0-15,-22 28-1 16,30-6 1-16,-8 10 0 16,-3 0 1-16,7 5 1 15,-2 0 0 1,2 2 0-16,-2 2 1 16,2 6 2-16,-7-2 1 0,3 7 0 15,-5 0 1-15,-2 4-4 16,-4-2 3-16,2 4-2 15,-4-1 1-15,0-3-3 16,-3-3 1-16,3 1-2 16,-3 0 1-16,5-2 0 15,-11-22 0-15,19 36 0 16,-10-16 0-16,-9-20 0 0,28 34 0 16,-28-34 1-16,37 35-1 0,-13-20 1 15,0-2-2 1,4-2 1-16,2-4-1 0,3-3-1 15,-1-6 0 1,-2-5-2-16,1-4-3 0,-5-6-6 16,-3 4-10-16,-12-19-22 15,11 19-62 1,-24-18-38-16,2 10-4 16,-15-16 3-16,4 7 2 15</inkml:trace>
   <inkml:trace contextRef="#ctx0" brushRef="#br1" timeOffset="29165.8352">-907 5663 47 0,'0'0'96'16,"15"-24"7"-16,-15 24-2 15,0 0-48-15,0 0-14 16,0 0-6 0,0 0-11-16,0 0-6 15,0 0-5-15,0 0-4 0,0 0-2 0,0 0-3 16,-9 20 2-1,9-20-3-15,0 0 1 16,0 0-1-16,0 0-1 16,0 0 0-16,0 0 1 15,0 0-1-15,0 0 0 16,0 0 1-16,0 0-1 16,0 0 1-16,0 0 0 0,0 0 0 15,0 0 0 1,0 0-1-16,0 0 1 15,0 0 0-15,0 0 1 16,0 0-1-16,0 0 1 0,0 0-1 16,0 0 1-16,0 0 0 15,0 0-1-15,-19-11 1 16,19 11-1-16,0 0 0 16,0 0-1-16,0 0 2 0,0 0-1 15,0 0 1-15,0 0-1 16,0 0-1-16,0 0 1 15,0 0-2-15,0 0 2 16,0 0-2-16,-20 4 0 16,20-4 1-16,0 0 3 15,0 0 1-15,-19 9 1 16,19-9 1-16,0 0 0 16,-24 6 2-16,24-6-2 0,0 0 0 15,-22-10-3-15,22 10 0 16,0 0-2-16,-8-26 1 31,8 26-3-31,6-20 1 0,-6 20 0 0,0 0-1 16,24-13 0-16,-24 13-1 15,24 9 2-15,-24-9-1 0,23 17 0 16,-23-17-1-16,18 28-3 16,-18-28-5-16,8 30-16 15,-8-30-29 1,0 0-61-16,0 0-3 0,0 0 0 15,0 0-2 1</inkml:trace>
   <inkml:trace contextRef="#ctx0" brushRef="#br1" timeOffset="28325.5329">-1013 5109 101 0,'0'0'99'15,"0"0"-2"-15,-24 6 3 0,24-6-68 16,0 0-9-16,0 0-5 0,0 0-3 31,0 0-1-31,0 0-3 0,0 0-1 0,0 0-1 16,0 0-2-16,0 0-1 15,0 0-1-15,-2-21-2 16,2 21-2-16,0 0-2 16,0 0 1-16,26-22-1 15,-26 22 0-15,0 0 1 0,21-2 0 16,-21 2-2-16,0 0 3 15,20 22-2-15,-20-22 0 16,0 26 1-16,0-26-1 31,-11 26 1-31,11-26 0 0,-18 26 4 16,18-26-2-16,-19 13 4 16,19-13 0-16,0 0-1 15,-19 4 0 1,19-4 0-16,0 0 0 0,-11-22-5 15,11 22-2-15,0 0-14 16,13-32-20-16,8 21-75 16,-21 11 0-16,31-11-5 0,-31 11-1 15</inkml:trace>
   <inkml:trace contextRef="#ctx0" brushRef="#br1" timeOffset="35871.0408">-3061 5721 104 0,'-17'22'106'16,"17"-22"1"-16,0 0-1 15,-33 11-60-15,33-11-4 16,0 0-7-16,0 0-4 15,-21 4-4-15,21-4-6 16,0 0-2-16,0 0-4 16,0 0-4-16,0 0-1 15,0 0-3-15,26-26-2 0,-26 26-1 16,36-39 0-16,-7 7-2 16,5-7 1-16,3-9 0 15,8-2-3 1,5-6 0-16,0 0-1 0,4-5 2 15,-2 1-3-15,0 3 1 16,-2 1-2-16,0 4 0 16,-7-2-2-16,2 7-8 15,-10-3-4-15,4 11-9 0,-13-4-10 16,8 23-25-16,-18-4-61 16,3 18-4-1,-19 6 2-15,0 0 7 16</inkml:trace>
-  <inkml:trace contextRef="#ctx0" brushRef="#br1" timeOffset="36303.0936">-2983 4873 99 0,'-19'37'108'16,"3"-3"3"-16,-1-10 1 16,8 4-60-16,9-28-20 15,0 22-4-15,0-22-2 16,24 0-5-16,-24 0-6 15,46-4-2-15,-16 2-3 16,7 10-2-16,4 5-3 16,4 15-1-16,3 7 0 15,2 13-1-15,0 6 0 0,-1 8 1 16,1 3-3-16,-2 0 2 16,-5-6-1-16,0-9 0 0,-2-7-6 15,-4-13-3-15,0-2-21 16,-9-26-51-16,7 5-43 15,-11-14-6-15,1-8-2 32,-7-11-2-32</inkml:trace>
+  <inkml:trace contextRef="#ctx0" brushRef="#br1" timeOffset="36303.0933">-2983 4873 99 0,'-19'37'108'16,"3"-3"3"-16,-1-10 1 16,8 4-60-16,9-28-20 15,0 22-4-15,0-22-2 16,24 0-5-16,-24 0-6 15,46-4-2-15,-16 2-3 16,7 10-2-16,4 5-3 16,4 15-1-16,3 7 0 15,2 13-1-15,0 6 0 0,-1 8 1 16,1 3-3-16,-2 0 2 16,-5-6-1-16,0-9 0 0,-2-7-6 15,-4-13-3-15,0-2-21 16,-9-26-51-16,7 5-43 15,-11-14-6-15,1-8-2 32,-7-11-2-32</inkml:trace>
   <inkml:trace contextRef="#ctx0" brushRef="#br1" timeOffset="37355.9544">843 4795 56 0,'0'0'105'16,"0"0"-2"-16,0 0 6 16,-32-24-59-16,32 24-10 15,-37-10-7-15,37 10-6 16,-50-9-5-16,24 13-3 0,-10-6-4 15,-1 13-3-15,-9 2-3 16,-1 11-3 0,-5 4 4-16,-2 2-4 15,2 7 1-15,4 0-4 0,11-5 3 16,11-2-5-16,13-6 4 16,13-24-2-16,22 24-3 15,13-22 0-15,12-4 0 16,10 0-1-16,8 2-1 15,4 0 1-15,2 11-1 16,-2 8 1-16,-6 14-2 16,-4 6 1-16,-10 8 0 15,-7 9 1 1,-10 9 0-16,-10 2 2 16,-14 1 1-16,-6-6 2 15,-8-3 0-15,-11-7 3 0,-9-7-1 16,0-6 2-16,-9-13-1 15,0-6 0-15,-6-12-3 16,5-8-2-16,-3-8-6 16,4-10-7-16,7-1-9 15,-2-16-15-15,21 7-29 0,-4-13-62 16,22 0-1 0,4-7 0-16,13 1 1 15</inkml:trace>
   <inkml:trace contextRef="#ctx0" brushRef="#br1" timeOffset="37688.6245">1335 5141 57 0,'-22'-2'98'0,"22"2"6"16,0 0-2-16,-26-26-50 0,26 26-6 31,0 0-9-31,13 20-7 16,-13-20-8-16,26 43-7 15,-4-15-4-15,12 9-2 0,5-2-7 16,7-1-5-16,8 3-12 15,-4-13-12-15,10 8-24 16,-12-12-63-16,2-7-2 16,-9-9 0-16,-4-8 1 15</inkml:trace>
   <inkml:trace contextRef="#ctx0" brushRef="#br1" timeOffset="37971.7489">1906 5038 143 0,'-15'32'120'0,"4"9"-3"15,-6 2 4-15,6 16-75 0,-6-7-12 32,15 15-5-32,-7 2-10 15,9 11-3-15,-2 5-6 0,4 3 0 16,0 3-4-16,2 2 1 15,-1-2-1-15,1-4-3 16,0-11-3-16,-2-16-11 16,5-1-13-16,-7-31-30 0,11-9-72 15,-11-19-2 1,17-24-4-16,-6-23 3 16</inkml:trace>
-  <inkml:trace contextRef="#ctx0" brushRef="#br1" timeOffset="38750.7395">2231 5185 124 0,'0'0'109'15,"0"0"4"-15,-2 30-2 16,2-30-73-16,6 50-9 0,1-22-10 16,8 9-5-16,0-3-6 15,7 5-3-15,-1-4-4 16,3-5 0-16,-2-4 0 15,1-6 0-15,-3-5 2 0,-20-15 0 16,30 4 0 0,-30-4-1-16,20-28 0 15,-12 2 1-15,-3-6-1 16,-3-3-2-16,2-10 1 0,0 3 0 16,3-3 0-16,2 6-1 15,4 7 2-15,2 6-2 16,-15 26 1-16,39-22-1 15,-15 31 1-15,2 6-1 16,-1 11 1-16,4 2 0 16,-3 6 0-16,0 1 0 15,-5 2 0-15,3-5 0 0,-7-4-1 16,1-4 2-16,-5-4-2 16,-13-20 1-1,21 13-2-15,-21-13 0 16,20-18-2-16,-14-3 1 0,5-10-2 15,-4-5-1-15,3-8 2 16,1-1-4-16,2-3 3 16,0 3-1-16,0 2 4 31,4 6 0-31,1 9 5 0,1 8 0 16,1 9 0-16,4 14 3 15,-5 5 0-15,7 14 1 16,-7 4 0-16,7 8-1 15,-6 3-2-15,2 7 1 16,-5-1-1-16,2 2-2 16,-6-6 0-16,2 2-1 15,-2-2-5-15,-4-2-2 0,4 4-9 16,-11-15-12-16,11 9-17 16,-13-35-38-1,2 30-42-15,-2-30 0 0,0 0 1 16</inkml:trace>
+  <inkml:trace contextRef="#ctx0" brushRef="#br1" timeOffset="38750.7392">2231 5185 124 0,'0'0'109'15,"0"0"4"-15,-2 30-2 16,2-30-73-16,6 50-9 0,1-22-10 16,8 9-5-16,0-3-6 15,7 5-3-15,-1-4-4 16,3-5 0-16,-2-4 0 15,1-6 0-15,-3-5 2 0,-20-15 0 16,30 4 0 0,-30-4-1-16,20-28 0 15,-12 2 1-15,-3-6-1 16,-3-3-2-16,2-10 1 0,0 3 0 16,3-3 0-16,2 6-1 15,4 7 2-15,2 6-2 16,-15 26 1-16,39-22-1 15,-15 31 1-15,2 6-1 16,-1 11 1-16,4 2 0 16,-3 6 0-16,0 1 0 15,-5 2 0-15,3-5 0 0,-7-4-1 16,1-4 2-16,-5-4-2 16,-13-20 1-1,21 13-2-15,-21-13 0 16,20-18-2-16,-14-3 1 0,5-10-2 15,-4-5-1-15,3-8 2 16,1-1-4-16,2-3 3 16,0 3-1-16,0 2 4 31,4 6 0-31,1 9 5 0,1 8 0 16,1 9 0-16,4 14 3 15,-5 5 0-15,7 14 1 16,-7 4 0-16,7 8-1 15,-6 3-2-15,2 7 1 16,-5-1-1-16,2 2-2 16,-6-6 0-16,2 2-1 15,-2-2-5-15,-4-2-2 0,4 4-9 16,-11-15-12-16,11 9-17 16,-13-35-38-1,2 30-42-15,-2-30 0 0,0 0 1 16</inkml:trace>
   <inkml:trace contextRef="#ctx0" brushRef="#br1" timeOffset="39447.3802">3315 4596 117 0,'9'24'115'16,"-1"6"-3"-16,5 7 5 16,-4 0-76-16,13 15-11 15,-5 0-4-15,9 6-9 0,-2 0 2 0,6 1-9 31,0-5 2-31,3 2-5 16,-5-6-4-16,4-4 1 16,-6-8-3-16,0-1 0 0,-6-4-2 15,-3-9 2-15,-4-3-1 16,-13-21 2-16,13 26 1 16,-13-26 0-1,0 0 1-15,0 0 1 0,-15-26 1 0,8 5-2 16,-1-10 0-16,4-3-1 15,4-8-1-15,2 4 0 16,8 1-1-16,6 0-2 0,5 7 0 16,5 6 0-16,9 4 1 15,2 12-2 1,2 6 0-16,2 8 1 16,0 9-2-1,-4 7 2-15,2 8-1 0,-5 3 1 16,-3 6-1-16,-8-1 1 15,-1 4-1 1,-7-3 2-16,-6-5-1 0,-5-3 2 16,-4-1-1-16,-6-4 1 15,-10-2 0-15,-5-1 2 16,-14-1 1-16,-6 0 1 16,-11 1-1-16,-6 1 1 0,-7-2-3 15,-4-3 1-15,-1 1-2 16,3-7-3-1,9-4-4-15,8-9-8 0,18-3-11 16,6-23-23-16,30 0-78 0,5-17-3 31,16-9 1-31,10-13-1 16</inkml:trace>
   <inkml:trace contextRef="#ctx0" brushRef="#br1" timeOffset="40048.3497">4748 5122 45 0,'0'0'100'15,"0"0"8"-15,21-17-1 16,-21 17-50-16,5-22-8 0,-14 3-8 16,9 19-8-16,-11-29-4 15,11 29-8-15,-23-26-5 16,23 26-4-1,-39-17-3-15,15 13-2 0,-4 4-2 16,-7 8 1-16,-2 8-2 16,0 7 2-16,-2 6 0 15,7 9 0-15,0 6-2 16,6 6 1-16,8-1-1 0,12-1 1 16,14-3-2-16,14-10 1 15,8-11-2-15,11-16-1 16,11-12 1-16,7-13-1 15,4-13 0-15,2-12-2 16,-7-3 1-16,-6-3-2 16,-9-1 2-16,-8 7-1 15,-11 6 0-15,-14 3-2 16,-10 14-1-16,0 19-1 16,-30-22-2-16,0 18-3 15,0 6-3-15,-9-4-8 16,8 13-12-16,-6-16-19 0,18 10-43 15,0-10-28-15,19 5 0 16,-18-28 3-16</inkml:trace>
-  <inkml:trace contextRef="#ctx0" brushRef="#br1" timeOffset="40390.739">5090 4447 121 0,'-7'30'120'0,"7"-30"0"16,7 22 3-16,-7-22-75 15,15 28-7 1,-15-28-9-16,32 50-8 0,-14-14-5 15,8 16-7-15,-5 7 4 16,5 12-5-16,-4 9 2 16,4 15-6-16,-4 1 1 15,1-3-4-15,-1-2 2 16,-3-11-3-16,1-9-11 16,-7-19-6-16,9-6-18 15,-22-46-34-15,23 2-68 16,-12-28-1-16,2-13-3 0,-2-18 4 15</inkml:trace>
+  <inkml:trace contextRef="#ctx0" brushRef="#br1" timeOffset="40390.7388">5090 4447 121 0,'-7'30'120'0,"7"-30"0"16,7 22 3-16,-7-22-75 15,15 28-7 1,-15-28-9-16,32 50-8 0,-14-14-5 15,8 16-7-15,-5 7 4 16,5 12-5-16,-4 9 2 16,4 15-6-16,-4 1 1 15,1-3-4-15,-1-2 2 16,-3-11-3-16,1-9-11 16,-7-19-6-16,9-6-18 15,-22-46-34-15,23 2-68 16,-12-28-1-16,2-13-3 0,-2-18 4 15</inkml:trace>
   <inkml:trace contextRef="#ctx0" brushRef="#br1" timeOffset="40636.4834">5637 5061 179 0,'11'22'124'0,"-2"0"-2"31,6-3 1-31,15 3-86 16,-30-22-10-16,46 37-10 15,-20-18-7-15,2 5-3 0,-7 2-6 16,3 0-7-16,-4 8-14 16,-12-10-19-16,12 11-49 0,-16-14-38 15,-4-21 0-15,0 20 0 16</inkml:trace>
   <inkml:trace contextRef="#ctx0" brushRef="#br1" timeOffset="40818.087">5614 4622 204 0,'-22'22'120'15,"11"1"-4"-15,9 10-18 16,-2-9-134-16,6 6-73 16,11-6-5-16,11-3-5 0,8-10-2 0</inkml:trace>
   <inkml:trace contextRef="#ctx0" brushRef="#br1" timeOffset="41246.496">6455 5061 159 0,'0'0'122'16,"0"0"-1"-16,0-30 5 15,0 30-84-15,-10-48-9 16,7 27 0-16,-12-7-18 0,7 8 4 31,-12 1-12-31,20 19 6 0,-41-18-6 16,17 21-2-16,0 7-1 15,-2 10-6-15,3 6 7 16,-1 11-7-16,4 2 9 16,3 10-8-16,4 3 3 15,7 2 4-15,6-2-2 0,10 0 2 16,6-6-1-1,12-7 1-15,8-11-3 16,8-9 1-16,6-12-2 0,1-7 0 16,4-9-2-16,-1-6-1 15,-2 0-3-15,-11-5-7 16,0 10-11-16,-19-14-31 16,-1 19-84-16,-21 5-2 15,0 0-3-15,-15-28 1 16</inkml:trace>
@@ -2474,16 +2407,16 @@
   <inkml:trace contextRef="#ctx0" brushRef="#br1" timeOffset="43540.3558">7780 4983 155 0,'0'20'113'16,"4"-1"4"-16,-4-19-5 0,18 33-70 15,-1-12-20-15,0-1-10 0,5-1-7 16,2 1-4 0,-3-3 0-16,-1-4 0 0,-1 0 0 15,-19-13 1-15,24 18-1 16,-24-18 2-16,0 0-2 16,0 0 1-16,0 0-2 15,0 0 1-15,7-35 0 16,-10 13-2-16,1-6 0 15,0-4 0-15,2-5 4 16,4 0-4 0,3 2 4-16,4 1-8 0,2 4 6 15,4 4-4 1,5 8 6-16,4 5-3 0,2 9 1 16,0 6 3-16,4 7 1 15,-3 4 4 1,1 4-5-16,-2 3 6 0,0 5-7 15,-4 1 5 1,-2 5-6-16,-5-1 0 16,0 5-4-16,-2-1 3 0,-2 1 2 15,-2 2-1-15,0-3 3 16,-5-1-3-16,3-3 3 16,0-4-2-16,2-4 1 15,-11-22-4-15,21 26-9 16,-1-11-21-16,-20-15-60 15,26-9-36-15,-26 9-1 16,32-34-1-16</inkml:trace>
   <inkml:trace contextRef="#ctx0" brushRef="#br1" timeOffset="44241.4809">8533 4726 150 0,'0'0'117'16,"-24"22"6"-16,24-22-1 15,0 0-81-15,0 0-6 16,0 0-6-16,33-31-5 15,-1 27-7-15,5-7-3 0,13 9-4 0,2 2-2 16,8 9-1-16,-1-1-2 16,1 5 0-16,-5 0-3 15,-4-2-1-15,-3 2-10 0,-13-11-25 16,8 5-94-16,-19-10-6 16,-3 3 2-16,-21 0-8 15</inkml:trace>
   <inkml:trace contextRef="#ctx0" brushRef="#br1" timeOffset="43910.5309">8611 4191 119 0,'-4'-19'119'0,"4"19"-1"16,0 0 0-16,-5-22-57 15,5 22-31-15,0 0-5 0,29 41-5 0,-16-10-6 0,6 12-3 16,3 9 0-16,8 15-2 31,-2 7-3-31,7 10 1 16,2 9-1 0,-1 4-5-16,3 3-1 0,-2 2-6 15,2-3-4-15,-9-10-9 0,3 4-15 16,-18-24-32-16,7-6-60 15,-14-13 1-15,-1-11 1 0,-7-20 3 16</inkml:trace>
-  <inkml:trace contextRef="#ctx0" brushRef="#br1" timeOffset="45684.2009">-3100 8918 30 0,'0'0'105'0,"0"0"2"16,0 0 5-16,0 0-42 0,0 0-21 15,0 0-5-15,0 0-7 16,-11-19-8-16,11 19-6 15,0 0-5-15,0 0-4 0,0 0-4 16,0 0-3-16,0 0-3 16,26 10-1-1,-8 12-1-15,5 4-1 16,6 11 1-16,3 6-2 16,7 7 2-16,11 2-2 15,6 4 2-15,5-4-3 16,1-2-1-16,8-5-8 15,-5-17-11-15,10 1-27 0,-12-23-77 16,2-10-1 0,-7-14-5-16,-1-12 3 15</inkml:trace>
+  <inkml:trace contextRef="#ctx0" brushRef="#br1" timeOffset="45684.2008">-3100 8918 30 0,'0'0'105'0,"0"0"2"16,0 0 5-16,0 0-42 0,0 0-21 15,0 0-5-15,0 0-7 16,-11-19-8-16,11 19-6 15,0 0-5-15,0 0-4 0,0 0-4 16,0 0-3-16,0 0-3 16,26 10-1-1,-8 12-1-15,5 4-1 16,6 11 1-16,3 6-2 16,7 7 2-16,11 2-2 15,6 4 2-15,5-4-3 16,1-2-1-16,8-5-8 15,-5-17-11-15,10 1-27 0,-12-23-77 16,2-10-1 0,-7-14-5-16,-1-12 3 15</inkml:trace>
   <inkml:trace contextRef="#ctx0" brushRef="#br1" timeOffset="46101.6583">-2124 8799 116 0,'0'0'102'0,"-26"4"7"15,26-4-42-15,-30 7-18 16,30-7-9-1,-22 26-7-15,20 0-5 0,-13 0-5 0,11 15-2 16,-7 9-4-16,11 15-1 16,-9 8-4-16,11 14 0 15,-2 8-2 1,5 13-1-16,1 3 0 16,3 8-2-16,2-9-1 15,-3 0 1-15,3-6-2 16,0-11 1-16,-2-15-4 0,-1-17 2 15,-3-16-3-15,1-14 0 16,3-12-3-16,-9-19-6 16,0 0-19-16,17-26-47 0,-4 4-57 0,-2-12-1 15,2-5-4-15,-2-15 0 16</inkml:trace>
-  <inkml:trace contextRef="#ctx0" brushRef="#br1" timeOffset="46774.1953">-1037 8851 150 0,'0'0'116'0,"-7"19"2"0,7-19-36 16,0 0-34-16,0 0-8 15,0 0-9-15,0 0-9 16,22 20-5-16,-3-20-6 0,7 4-2 16,7-2-2-16,6 7-3 15,6 0-2-15,7-1-1 16,0 3-4-16,0-2-4 16,0 4-11-16,-7-13-16 0,9 11-33 15,-19-9-58-15,4-2-3 16,-13-4 1-16,-2-5 0 31</inkml:trace>
-  <inkml:trace contextRef="#ctx0" brushRef="#br1" timeOffset="47255.6972">-784 9135 74 0,'0'0'111'16,"-22"8"3"-16,22-8 4 15,-24-4-62-15,24 4-8 16,0 0-9 0,0 0-6-16,0 0-6 15,0 0-5-15,0 0-5 16,0 0-4-16,29 2-2 15,-8-2-4-15,3-2-1 0,9 4-2 16,3 0 0-16,8 3-2 16,3 1-4-16,5 3-5 15,4 6-5-15,-4-4-5 16,5 8-15-16,-18-17-34 0,6 9-67 16,-15 0-1-16,-4-5 1 15,-26-6 2-15</inkml:trace>
-  <inkml:trace contextRef="#ctx0" brushRef="#br1" timeOffset="47848.7924">757 9347 103 0,'0'0'112'0,"-17"21"3"16,17-21-38-16,-22 9-22 16,22-9-3-16,0 0-7 15,0 0-4-15,-2-24-7 0,2 24-9 16,21-37-5-16,-1 14-7 16,4-10-2-16,8-4-6 15,1-4-1-15,3-6-3 16,3-3-1-16,2 0-2 15,1 0-4-15,-6 0-4 16,-1 7-7-16,-9-2-11 16,9 17-23-1,-22-3-43-15,6 12-43 0,-19 19 5 16,20-24-2-16</inkml:trace>
+  <inkml:trace contextRef="#ctx0" brushRef="#br1" timeOffset="46774.195">-1037 8851 150 0,'0'0'116'0,"-7"19"2"0,7-19-36 16,0 0-34-16,0 0-8 15,0 0-9-15,0 0-9 16,22 20-5-16,-3-20-6 0,7 4-2 16,7-2-2-16,6 7-3 15,6 0-2-15,7-1-1 16,0 3-4-16,0-2-4 16,0 4-11-16,-7-13-16 0,9 11-33 15,-19-9-58-15,4-2-3 16,-13-4 1-16,-2-5 0 31</inkml:trace>
+  <inkml:trace contextRef="#ctx0" brushRef="#br1" timeOffset="47255.6969">-784 9135 74 0,'0'0'111'16,"-22"8"3"-16,22-8 4 15,-24-4-62-15,24 4-8 16,0 0-9 0,0 0-6-16,0 0-6 15,0 0-5-15,0 0-5 16,0 0-4-16,29 2-2 15,-8-2-4-15,3-2-1 0,9 4-2 16,3 0 0-16,8 3-2 16,3 1-4-16,5 3-5 15,4 6-5-15,-4-4-5 16,5 8-15-16,-18-17-34 0,6 9-67 16,-15 0-1-16,-4-5 1 15,-26-6 2-15</inkml:trace>
+  <inkml:trace contextRef="#ctx0" brushRef="#br1" timeOffset="47848.7921">757 9347 103 0,'0'0'112'0,"-17"21"3"16,17-21-38-16,-22 9-22 16,22-9-3-16,0 0-7 15,0 0-4-15,-2-24-7 0,2 24-9 16,21-37-5-16,-1 14-7 16,4-10-2-16,8-4-6 15,1-4-1-15,3-6-3 16,3-3-1-16,2 0-2 15,1 0-4-15,-6 0-4 16,-1 7-7-16,-9-2-11 16,9 17-23-1,-22-3-43-15,6 12-43 0,-19 19 5 16,20-24-2-16</inkml:trace>
   <inkml:trace contextRef="#ctx0" brushRef="#br1" timeOffset="48193.0781">744 8762 128 0,'-20'33'121'0,"20"-33"0"15,-2 21 2-15,2-21-80 16,0 0-6-16,39 29-7 16,-15-23-9-16,11 9-4 15,1 2-6-15,10 12-1 16,-1 3-5-16,9 7 0 16,-2 2-4-16,3 5 1 15,-4-1-2-15,-1-2 1 0,0-8-1 16,-5-7 0-16,1-8-4 15,-7-12-6-15,2 1-16 16,-17-22-44-16,6 4-61 0,-8-4-3 16,-22 13 1-16,26-39-1 0</inkml:trace>
   <inkml:trace contextRef="#ctx0" brushRef="#br1" timeOffset="48995.3923">1906 9061 104 0,'0'19'124'0,"0"-19"3"15,0 0 2-15,22-17-67 16,6 15-22-16,0-13-8 15,20 6-10-15,-1-4-6 16,14 4-8-16,2 1-1 16,8 3-4-16,0-1-4 15,3 4-3-15,-7 0-3 0,-4-3-5 16,2 5-13-16,-18-13-21 16,12 7-66-1,-22-5-20-15,-7 0 0 16,-8-4 3-16</inkml:trace>
-  <inkml:trace contextRef="#ctx0" brushRef="#br1" timeOffset="48672.6312">2207 8637 53 0,'0'0'107'15,"-11"28"5"-15,11-28-1 16,-19 26-63-16,23-5-10 0,-4-21-6 16,4 39-5-16,1-17-8 0,10 8-4 15,0 1-4 1,4 8-2-16,5 4-4 0,2 5-3 16,2 6-5-16,-4 0-5 15,4 4-10-15,-10-8-13 16,8 6-24-16,-18-17-38 15,1-6-27-15,-3-10-2 16,-6-23 4-16</inkml:trace>
-  <inkml:trace contextRef="#ctx0" brushRef="#br1" timeOffset="49579.143">3397 8498 89 0,'0'0'128'0,"0"0"3"16,-6 20 2-16,-1-1-51 15,7-19-43-15,-8 30-10 16,8-30-7-16,0 44-5 16,6-20-5-16,7 8-2 15,4 3-2-15,5 4-1 16,2 2-3-16,0 4 1 16,2 3-4-16,-3-1 1 15,-1-1-2-15,-2-5-1 0,-7-2-3 16,-3-9-1-1,-1-4-4-15,-9-26-5 0,17 26-9 16,-17-26-18 0,0 0-41-16,22-11-54 0,-22 11-1 15,17-34 3-15,-12 8 2 16</inkml:trace>
-  <inkml:trace contextRef="#ctx0" brushRef="#br1" timeOffset="52957.2299">-2615 13210 160 0,'0'0'117'0,"0"0"1"15,-26-15 1-15,26 15-86 16,0 0-5-16,-20 8-2 0,20-8-9 16,5 31-3-16,6-5-6 15,-1-5 6-15,12 10-9 16,2-3 5-16,11 9-7 16,3-1 3-16,14 8-6 0,5 1 2 15,8 5 0-15,4 6-1 16,0 3 0-1,3-1-6-15,-7-4-3 0,-3 0-11 16,-14-17-16-16,6 6-48 16,-19-32-45-1,-3-7-2-15,-12-30-1 0,-1-10 0 0</inkml:trace>
+  <inkml:trace contextRef="#ctx0" brushRef="#br1" timeOffset="48672.6309">2207 8637 53 0,'0'0'107'15,"-11"28"5"-15,11-28-1 16,-19 26-63-16,23-5-10 0,-4-21-6 16,4 39-5-16,1-17-8 0,10 8-4 15,0 1-4 1,4 8-2-16,5 4-4 0,2 5-3 16,2 6-5-16,-4 0-5 15,4 4-10-15,-10-8-13 16,8 6-24-16,-18-17-38 15,1-6-27-15,-3-10-2 16,-6-23 4-16</inkml:trace>
+  <inkml:trace contextRef="#ctx0" brushRef="#br1" timeOffset="49579.1429">3397 8498 89 0,'0'0'128'0,"0"0"3"16,-6 20 2-16,-1-1-51 15,7-19-43-15,-8 30-10 16,8-30-7-16,0 44-5 16,6-20-5-16,7 8-2 15,4 3-2-15,5 4-1 16,2 2-3-16,0 4 1 16,2 3-4-16,-3-1 1 15,-1-1-2-15,-2-5-1 0,-7-2-3 16,-3-9-1-1,-1-4-4-15,-9-26-5 0,17 26-9 16,-17-26-18 0,0 0-41-16,22-11-54 0,-22 11-1 15,17-34 3-15,-12 8 2 16</inkml:trace>
+  <inkml:trace contextRef="#ctx0" brushRef="#br1" timeOffset="52957.2296">-2615 13210 160 0,'0'0'117'0,"0"0"1"15,-26-15 1-15,26 15-86 16,0 0-5-16,-20 8-2 0,20-8-9 16,5 31-3-16,6-5-6 15,-1-5 6-15,12 10-9 16,2-3 5-16,11 9-7 16,3-1 3-16,14 8-6 0,5 1 2 15,8 5 0-15,4 6-1 16,0 3 0-1,3-1-6-15,-7-4-3 0,-3 0-11 16,-14-17-16-16,6 6-48 16,-19-32-45-1,-3-7-2-15,-12-30-1 0,-1-10 0 0</inkml:trace>
   <inkml:trace contextRef="#ctx0" brushRef="#br1" timeOffset="53291.6586">-1713 13182 145 0,'-10'26'114'0,"1"-5"-1"15,-4 1 7-15,9 8-89 16,-5-6-5-1,11 13-5-15,-4 2-3 0,8 15-6 0,-3 4 1 16,7 25 2-16,-3 5-3 16,4 18 1-16,-3 7-4 15,3 8 1-15,-2 3-5 16,-3-3-3-16,1-11-1 16,-3-10-4-16,3-20-5 15,-5-24-12-15,9-13-19 16,-11-43-68-16,0 0-22 0,19-37-1 15,-1-14-2-15</inkml:trace>
   <inkml:trace contextRef="#ctx0" brushRef="#br1" timeOffset="53643.882">-925 13286 170 0,'0'30'135'0,"0"-30"2"31,-8 24-6-31,8-24-63 0,-11 19-45 16,11-19-9-16,0 20-9 16,0-20-11-16,13 21-13 15,4-1-25-15,-17-20-50 0,22 26-38 16,-22-26 1-16,28 28-4 15</inkml:trace>
   <inkml:trace contextRef="#ctx0" brushRef="#br1" timeOffset="53862.7516">-827 13682 164 0,'0'0'130'0,"-13"39"3"16,13-39 0-1,-11 23-77-15,11-23-18 16,0 0-7-16,0 0-11 16,-9-26-5-16,9 26-7 15,7-21-10-15,-7 21-18 16,0 0-48-16,30-13-69 0,-30 13-4 16,22-2-4-16,-22 2-3 15</inkml:trace>
@@ -2497,7 +2430,7 @@
   <inkml:trace contextRef="#ctx0" brushRef="#br1" timeOffset="68792.2044">5166 13491 146 0,'0'0'125'16,"0"0"0"-16,-39 18 2 16,39-18-78-16,-35 13-16 0,15-5-9 0,-8-3-7 31,2 3-5-31,-6 1-3 16,4 6-3-16,-3 4-2 0,3 5-1 15,0 7 0-15,7 8 2 16,1 6-2-16,7 5 2 15,9-3-1-15,8 3 0 0,7-7-1 16,6-8 2-16,9-11-4 16,7-9 0-16,-1-17-1 0,5-13 0 15,0-16-2-15,-1-12-2 16,-1-7-3-16,-5-8-4 31,-1 2-3-31,-12-9-8 16,7 13-9-16,-22-7-21 15,13 25-67-15,-24-1-11 0,3 13-1 16,-11 3 4-16</inkml:trace>
   <inkml:trace contextRef="#ctx0" brushRef="#br1" timeOffset="69121.2007">5295 13069 149 0,'3'33'120'16,"-3"-33"-2"-16,13 23 4 16,-13-23-88-16,28 31-4 15,-11-12-6-15,13 18-6 16,-6 4-3-16,11 15-3 0,-7 3 0 15,6 12-4 1,-5 5-1-16,5 2-1 16,-6 0-2-16,1-11-5 15,-4-6-7-15,-7-22-10 0,6-1-32 16,-24-38-77-16,19 5-4 16,-15-33-2-16,5-11-1 15</inkml:trace>
   <inkml:trace contextRef="#ctx0" brushRef="#br1" timeOffset="69360.2251">5865 13500 203 0,'10'28'126'0,"-1"-6"2"16,6-1-5-16,-15-21-100 15,37 33-11-15,-9-16-3 0,5 3-4 16,-1 3-5 0,-2 1-4-16,1 9-8 15,-10-5-13-15,7 13-36 0,-17-13-61 16,0 0-2-16,-11-28 0 16,-6 26-1-16</inkml:trace>
-  <inkml:trace contextRef="#ctx0" brushRef="#br1" timeOffset="69533.9418">5884 13405 189 0,'-13'21'106'0,"13"1"-18"16,0-22-52-16,7 19-141 15,-7-19-7-15,36-2-6 0</inkml:trace>
+  <inkml:trace contextRef="#ctx0" brushRef="#br1" timeOffset="69533.9417">5884 13405 189 0,'-13'21'106'0,"13"1"-18"16,0-22-52-16,7 19-141 15,-7-19-7-15,36-2-6 0</inkml:trace>
   <inkml:trace contextRef="#ctx0" brushRef="#br1" timeOffset="69893.3381">6538 13392 168 0,'0'0'132'0,"17"19"-2"0,-17-19 3 16,0 0-83-16,0 0-18 15,0 0-6-15,-37 4-6 16,37-4-4-16,-41 11-3 16,17 2-2-16,-8-2-2 15,4 9-1-15,0-1-1 16,4 7-1-16,2 0-1 15,11 4 0-15,7-2-1 16,13 3-1-16,10-5 0 16,9 2 0-16,7-4-1 15,8-5 1-15,7-6-2 16,2-4 0-16,-2-5-3 16,-3-8-3-16,1 2-12 0,-16-20-22 15,9 13-101-15,-21-15-4 16,2 7-3-16,-18-13-2 15</inkml:trace>
   <inkml:trace contextRef="#ctx0" brushRef="#br1" timeOffset="70524.7901">7325 13082 21 0,'-36'20'99'0,"36"-20"3"15,-31 0 9-15,31 0-43 16,-23-22-8-16,5-2-6 15,18 24-6-15,-13-32-8 0,13 32-4 16,7-24-5-16,-7 24-6 16,39-2-6-16,2 13-5 15,11-1-4 1,17 6-2-16,13-1-3 0,9-2-4 16,11 0-7-16,-5-9-8 15,9 2-15-15,-17-16-30 16,0 10-73-16,-26-9-4 15,-7 3 1-15,-22-7-2 16</inkml:trace>
   <inkml:trace contextRef="#ctx0" brushRef="#br1" timeOffset="70864.3492">7780 13143 176 0,'-2'26'118'0,"2"-26"5"16,13 39-4-16,2-3-72 15,-9-5-17-15,18 16-10 0,-6-1-7 31,8 10-8-31,-5 3 0 16,3 1-2-16,-2-1-2 16,-1-5-4-16,-1 0-11 15,-9-17-13-15,8 6-24 0,-19-43-29 16,7 37-45-16,-7-37 1 16,0 0 0-16,0 0 13 15</inkml:trace>
@@ -2622,7 +2555,7 @@
           <inkml:trace contextRef="#ctx0" brushRef="#br0">57 19 87 0,'0'0'117'16,"0"0"-1"-16,-26-19 7 15,26 19-51-15,-23 4-29 16,23-4-6 0,-11 22-7-16,15 1-6 0,-4 3-6 0,9 20-3 15,2 10-4-15,8 20 0 16,1 8-6 0,3 16 2-16,1 2-5 15,0 2 1-15,0-9-8 0,-5-13-6 16,5-15-16-1,-15-32-24-15,17-20-79 0,-26-15-6 16,23-48 2-16,-18-8-3 16</inkml:trace>
           <inkml:trace contextRef="#ctx0" brushRef="#br0" timeOffset="500.9104">3-61 157 0,'-24'-17'126'0,"24"17"0"16,-34-28 3-16,34 28-80 0,-22-26-12 16,22 26-5-16,-2-26-6 15,2 26-10 1,19-24-2-16,1 11-6 15,4 0 0-15,10 2-5 16,8 0 2-16,9 7-2 0,8-3-1 16,6 7-2-16,8 3-1 15,-1 5 1-15,4 5 0 16,-3 7-2-16,-6 8 0 16,-8 4 1-16,-7 7-1 15,-11 5 0-15,-11 5 1 0,-8-1 0 16,-16 4-2-16,-8-2 2 15,-9-3 0-15,-10-1 1 16,-10-7-2 0,-8-2 3-16,-8-9-1 0,-10-7 2 15,-3-3-1-15,-9-8 1 16,-3-7-1 0,1-6 1-16,6-5 0 0,4-1-1 0,14-4-3 15,10-4-8 1,17 8-17-16,9-12-37 15,11 21-71-15,37-18-1 0,0 16-3 16,2-7-1-16</inkml:trace>
           <inkml:trace contextRef="#ctx0" brushRef="#br0" timeOffset="869.7488">1057 294 191 0,'0'0'125'0,"-24"11"2"16,24-11-1-16,-10 26-98 15,25 2-4-15,-4-2-3 16,12 6-8-16,1 5-5 0,4 2 0 16,3 0-5-16,-1-4-2 15,7-5-8-15,-7-15-14 16,13 7-36-16,-12-20-72 15,14-6-3-15,-8-11-2 16,4-9 2-16</inkml:trace>
-          <inkml:trace contextRef="#ctx0" brushRef="#br0" timeOffset="1155.2632">1720 296 188 0,'0'0'130'0,"-29"31"3"16,19-3 0-16,-10 0-90 16,14 19-17-16,-7 3 1 15,10 11-3-15,-10 2-7 16,7 4 0-16,-9 2-5 16,4 4 0-16,-4-3-3 15,4 1-3-15,-6-6 4 16,2-2-6-16,2-9 1 15,2-9-6-15,4-6-3 16,-1-19-19-16,8-20-33 16,0 0-86-16,21-28-7 15,-14-20 0-15,8-8-4 0</inkml:trace>
+          <inkml:trace contextRef="#ctx0" brushRef="#br0" timeOffset="1155.263">1720 296 188 0,'0'0'130'0,"-29"31"3"16,19-3 0-16,-10 0-90 16,14 19-17-16,-7 3 1 15,10 11-3-15,-10 2-7 16,7 4 0-16,-9 2-5 16,4 4 0-16,-4-3-3 15,4 1-3-15,-6-6 4 16,2-2-6-16,2-9 1 15,2-9-6-15,4-6-3 16,-1-19-19-16,8-20-33 16,0 0-86-16,21-28-7 15,-14-20 0-15,8-8-4 0</inkml:trace>
           <inkml:trace contextRef="#ctx0" brushRef="#br0" timeOffset="1919.3355">1923 233 227 0,'-33'16'130'0,"33"-16"-2"16,0 0-27-16,0 0-75 0,20 15 0 31,15-9-3-31,4-6-9 16,10 2-2-16,3-4-3 15,13 0-2-15,0 0-5 16,4-5-8-16,5 7-14 0,-9-10-25 16,15 12-67-1,-15-13-22-15,2 0-4 0,-19-6 2 16</inkml:trace>
           <inkml:trace contextRef="#ctx0" brushRef="#br0" timeOffset="1642.1288">2364-355 202 0,'0'0'128'16,"-19"19"0"0,15 3 1-16,-7 0-98 0,15 19-2 15,0 0-5-15,14 19-8 16,-5 10-5 0,11 14 0-16,-5 7-5 15,5 9 0-15,2-3-3 0,0 0 1 16,-2-6-5-16,-3-11-3 15,1-8-10-15,-11-20-15 16,6 2-34-16,-21-24-74 0,4-8-1 16,0-22-2-16,-31 8 1 15</inkml:trace>
           <inkml:trace contextRef="#ctx0" brushRef="#br0" timeOffset="2413.7812">2693-256 175 0,'-21'22'129'0,"21"-22"0"16,-9 43 0-16,7-17-87 15,15 18-17-15,-2-3 1 16,17 15-8-16,-4 0-5 15,8 7-2-15,-2 2-5 16,7 6 3 0,0-4-3-16,0-2-1 0,0-4-2 15,-3-9 0-15,-3-11-2 16,-3-9 0-16,-4-10 0 0,-5-13-1 16,-19-9-1-16,24-18 2 15,-18-5-1-15,1-10 0 16,-1-1 1-1,3-8-2-15,2 1 1 16,4 2 0-16,7 7 1 16,8 2-2-16,4 10 2 15,5 7-1-15,5 13 0 0,3 11 2 0,3 6 0 16,0 9 0-16,0 9 1 16,-5 6 0-16,-6 7-1 15,-2 1 2-15,-7 1-2 16,-8 0 0-16,-7-2-1 0,-4-3 0 15,-5-6-3-15,-4-7-5 16,1-3-11-16,-3-29-24 16,2 23-57-16,-2-23-44 15,-7-21 0-15,1-10-3 16</inkml:trace>
@@ -2638,7 +2571,7 @@
             </emma:emma>
           </inkml:annotationXML>
           <inkml:trace contextRef="#ctx0" brushRef="#br0" timeOffset="4312.4194">7433 24 59 0,'20'-18'96'16,"8"7"6"-16,-11-8 1 0,-17 19-67 15,33-30 2-15,-25 8 1 16,-8 22 0-16,5-37-4 0,-5 37-4 31,-24-32-2-31,4 27-4 0,-21-5-5 0,0 16-3 16,-20-2-4-16,-3 14-5 15,-8 3 0-15,3 5-5 16,-3 0 1-16,10 5-2 16,5-5 0-16,12-5-2 15,19-6 1-15,26-15-1 16,-11 26 1-16,11-26 0 15,41 22-2-15,-2-7 2 16,11 7-1-16,6 10 1 16,7 7-2-16,0 11 2 0,2 4-1 31,-5 7 0-31,-1 1 0 16,-9 1 1-16,-9-2 0 15,-13-5 3-15,-11-6-1 16,-10-7 3-16,-16-4-1 0,-11-6 1 0,-14-7-1 15,-9-9 0-15,-14-9-1 16,-3-8-2 0,-10-10-1-16,3-12-4 0,5-6-6 15,3-13-11-15,25 13-22 16,-3-20-56-16,35 20-40 16,8-2-3-16,27 8 0 15</inkml:trace>
-          <inkml:trace contextRef="#ctx0" brushRef="#br0" timeOffset="4909.7573">8031 619 161 0,'0'0'126'0,"-33"-2"0"16,33 2 3-16,-26-9-88 15,26 9-3-15,0 0-7 0,35 4-11 16,-11-8-7-16,15 6-5 15,2-6-3-15,6 2-1 16,3-7-2-16,2 0-1 16,0-4-2-16,-2 0 0 15,-5-2-1-15,-8-4-2 16,-5-1-3-16,-8-4-2 16,-9 5-2-16,-10-7 0 0,-10 2 0 15,-14 0-1-15,-7 0 2 16,-13 3 3-16,-7 4 2 15,-10 4 3 1,-4 6 5-16,-5 16 4 0,-7 6 4 0,10 11 2 16,-3 8 2-16,13 14 3 15,4 2 0-15,20 8 0 16,13-6-2-16,19 2-1 16,18-8-3-16,21-5-1 15,15-11-2-15,16-6-1 16,8-11-3-1,5-4-2-15,-3-7-2 16,-6-4-6-16,-6-1-8 16,-18-10-14-16,-2 18-29 0,-31-20-70 15,3 6-17 1,-22-10-2-16,-2 19 1 0</inkml:trace>
+          <inkml:trace contextRef="#ctx0" brushRef="#br0" timeOffset="4909.7572">8031 619 161 0,'0'0'126'0,"-33"-2"0"16,33 2 3-16,-26-9-88 15,26 9-3-15,0 0-7 0,35 4-11 16,-11-8-7-16,15 6-5 15,2-6-3-15,6 2-1 16,3-7-2-16,2 0-1 16,0-4-2-16,-2 0 0 15,-5-2-1-15,-8-4-2 16,-5-1-3-16,-8-4-2 16,-9 5-2-16,-10-7 0 0,-10 2 0 15,-14 0-1-15,-7 0 2 16,-13 3 3-16,-7 4 2 15,-10 4 3 1,-4 6 5-16,-5 16 4 0,-7 6 4 0,10 11 2 16,-3 8 2-16,13 14 3 15,4 2 0-15,20 8 0 16,13-6-2-16,19 2-1 16,18-8-3-16,21-5-1 15,15-11-2-15,16-6-1 16,8-11-3-1,5-4-2-15,-3-7-2 16,-6-4-6-16,-6-1-8 16,-18-10-14-16,-2 18-29 0,-31-20-70 15,3 6-17 1,-22-10-2-16,-2 19 1 0</inkml:trace>
           <inkml:trace contextRef="#ctx0" brushRef="#br0" timeOffset="5558.8079">8738 407 192 0,'31'26'124'16,"-14"-7"-1"-16,5 1-1 16,12 10-99-16,-1-4-6 15,12 13 3-15,-4-5-7 0,7 5-3 16,-5-2-1-16,-2-2 1 0,-6-7-1 15,-1-6-1 1,-10-12 0-16,-2-5-2 16,-22-5-2-16,26-20 0 15,-22-4-2-15,1-8-2 0,-5-9 1 16,-3-2-2-16,3-5 2 16,0 0-2-16,5 3 1 15,3 4-1-15,8 8 1 16,7 12 0-16,8 12 1 31,3 7-1-31,7 15 0 16,7 11 2-16,0 8-2 15,-1 9 2-15,-1 2-2 0,-7 3 1 0,-5-3-1 16,-6-4 1-16,-6-9-1 16,-9-8 1-16,-13-22-1 15,0 0 0-15,20 4 1 16,-20-4-1-16,2-41 0 15,-2 11 0-15,2 0 0 16,2-3 0-16,3 3 0 16,1 4-1-16,7 7 1 0,5 8 1 15,8 4 2-15,5 12 1 16,5 3 1-16,8 9 1 16,-1 3 0-16,5 8 3 31,0 0-2-31,2 3 1 0,-9 3-2 15,-2-4-1-15,-8-1-1 16,-7-1-1-16,-7-7-3 16,-19-21-5-16,22 33-11 15,-22-33-20-15,0 0-43 16,0 0-63-16,0 0 1 16,-28 2-3-16,28-2 2 15</inkml:trace>
           <inkml:trace contextRef="#ctx0" brushRef="#br0" timeOffset="6057.7496">10654 567 48 0,'6'-39'99'16,"-4"13"3"-16,-2 26-29 15,-8-48-1-15,8 48-5 16,-24-41-10-16,24 41-9 16,-41-26-8-16,21 33-5 0,-17-5-8 15,9 17-5-15,-8 3-4 0,5 13-2 16,1-3-4 0,10 9 0-16,3-2-3 0,15-2-1 31,8-7-2-31,14-2 0 15,10-13-2-15,11-6 0 16,9-11-1-16,4-7-2 16,3-6-3-16,-3-9-2 0,-7-2 0 15,-10-4-2-15,-7 4 2 16,-17 0-1-16,-6 7 0 16,-7 19 1-16,-15-20 3 15,15 20 0-15,-26 9 3 0,26-9 0 16,-22 39 1-1,20-9 0-15,2 0 1 16,9 3-1-16,4-3-1 0,6-6-2 0,5-5-11 16,0-14-20-16,17 8-47 15,-11-22-63-15,7-4 1 32,-13-11-1-32,4-2 0 15</inkml:trace>
           <inkml:trace contextRef="#ctx0" brushRef="#br0" timeOffset="6522.5712">11043 482 183 0,'-15'20'131'15,"13"-1"0"-15,6 9 0 16,1-4-68-16,14 22-37 16,-4-7-1-16,13 8-7 15,0-6-7-15,7 5 0 0,-5-9-2 16,3-7 1-1,-7-11-3-15,0-8 1 16,-26-11-4-16,30-8 0 0,-30 8-1 16,7-44-2-16,-12 10-1 15,-6-7 0-15,-2-5 0 16,0 1-1-16,-2 1 2 16,5 1-2-16,1 6 1 0,5 3-1 0,8 8 1 15,9 6 0-15,-13 20 0 16,43-19 1-1,-10 21 0-15,6 0 0 0,2 9 1 16,4 8 1-16,-2 5 0 16,1 4 1-16,-3 3 1 15,0 3-1-15,-9-1-1 16,-1 1 1 0,-7-3-2-16,-5-5 0 15,-6-3-2-15,-13-23-2 16,13 35-6-16,-13-35-6 15,-7 22-11-15,7-22-22 16,0 0-57-16,-26 6-40 16,26-6 2-16,-12-26-1 0</inkml:trace>
@@ -2693,7 +2626,7 @@
       </emma:emma>
     </inkml:annotationXML>
     <inkml:trace contextRef="#ctx0" brushRef="#br0">5864 2755 128 0,'0'0'121'15,"-17"-22"2"-15,17 22 5 16,0 0-52-16,-33-26-33 16,33 26-3-16,0 0-8 15,-6 46-7-15,4-12-5 16,10 27-2-16,-3 19-5 0,10 28 2 16,-2 24-1-16,8 24-3 15,-1 19-1-15,4 16-2 16,0 10-1-16,-1 0-4 15,-1-8-1-15,-3-11-5 16,-1-22 1 0,-3-22-1-16,-2-23 0 0,-4-24-5 0,1-22-7 31,-3-25-10-31,10-12-29 0,-17-32-85 0,0 0-5 16,7-39 0-16,-5 0-4 15</inkml:trace>
-    <inkml:trace contextRef="#ctx0" brushRef="#br0" timeOffset="649.8624">5455 4666 132 0,'0'0'107'15,"-22"-4"8"-15,22 4-1 0,0 0-61 16,-34-9-10 0,34 9 0-16,-20-2-7 15,20 2-4-15,0 0-7 16,0 0-3-16,-21 8-2 0,21-8-2 15,0 0-1 1,8 31-6-16,-8-31-1 0,22 41-3 0,-7-15 0 31,7 11-2-31,4 4-1 0,8 11-1 16,3 4-1-16,6 9 2 16,5 4 0-16,2 9 0 15,4 0-2-15,2 0 2 16,-2-2-2-16,-2-7 1 0,-4-6-1 15,-5-11-1-15,-6-11 0 16,-7-11 0 0,-6-6 0-16,-24-24-1 15,30 26 0-15,-30-26 0 16,0 0 0-16,20-5 1 16,-20 5 1-16,4-19-2 0,-4 19 2 15,7-30 0-15,-3 8 0 16,5 0-1-16,-1-4 1 15,7-4 0 1,1-5-1-16,5-3 0 0,3-8 0 0,4-6-2 16,0 0 1-16,0-2-1 15,1 2 1-15,-3 2-2 16,0 7-3-16,-7 2-6 16,3 15-17-16,-18-9-58 15,-4 35-64-15,17-30-2 16,-17 30-7-16,0 0 0 15</inkml:trace>
+    <inkml:trace contextRef="#ctx0" brushRef="#br0" timeOffset="649.8621">5455 4666 132 0,'0'0'107'15,"-22"-4"8"-15,22 4-1 0,0 0-61 16,-34-9-10 0,34 9 0-16,-20-2-7 15,20 2-4-15,0 0-7 16,0 0-3-16,-21 8-2 0,21-8-2 15,0 0-1 1,8 31-6-16,-8-31-1 0,22 41-3 0,-7-15 0 31,7 11-2-31,4 4-1 0,8 11-1 16,3 4-1-16,6 9 2 16,5 4 0-16,2 9 0 15,4 0-2-15,2 0 2 16,-2-2-2-16,-2-7 1 0,-4-6-1 15,-5-11-1-15,-6-11 0 16,-7-11 0 0,-6-6 0-16,-24-24-1 15,30 26 0-15,-30-26 0 16,0 0 0-16,20-5 1 16,-20 5 1-16,4-19-2 0,-4 19 2 15,7-30 0-15,-3 8 0 16,5 0-1-16,-1-4 1 15,7-4 0 1,1-5-1-16,5-3 0 0,3-8 0 0,4-6-2 16,0 0 1-16,0-2-1 15,1 2 1-15,-3 2-2 16,0 7-3-16,-7 2-6 16,3 15-17-16,-18-9-58 15,-4 35-64-15,17-30-2 16,-17 30-7-16,0 0 0 15</inkml:trace>
   </inkml:traceGroup>
 </inkml:ink>
 </file>
@@ -11067,22 +11000,43 @@
       </p:grpSpPr>
       <p:sp>
         <p:nvSpPr>
-          <p:cNvPr id="2" name="Title 1"/>
-          <p:cNvSpPr>
-            <a:spLocks noGrp="1"/>
-          </p:cNvSpPr>
-          <p:nvPr>
-            <p:ph type="title"/>
-          </p:nvPr>
+          <p:cNvPr id="2" name="Rounded Rectangle 1"/>
+          <p:cNvSpPr/>
+          <p:nvPr/>
         </p:nvSpPr>
-        <p:spPr/>
+        <p:spPr>
+          <a:xfrm>
+            <a:off x="4104083" y="2982266"/>
+            <a:ext cx="2095500" cy="520700"/>
+          </a:xfrm>
+          <a:prstGeom prst="roundRect">
+            <a:avLst/>
+          </a:prstGeom>
+        </p:spPr>
+        <p:style>
+          <a:lnRef idx="2">
+            <a:schemeClr val="dk1">
+              <a:shade val="50000"/>
+            </a:schemeClr>
+          </a:lnRef>
+          <a:fillRef idx="1">
+            <a:schemeClr val="dk1"/>
+          </a:fillRef>
+          <a:effectRef idx="0">
+            <a:schemeClr val="dk1"/>
+          </a:effectRef>
+          <a:fontRef idx="minor">
+            <a:schemeClr val="lt1"/>
+          </a:fontRef>
+        </p:style>
         <p:txBody>
-          <a:bodyPr/>
+          <a:bodyPr rtlCol="0" anchor="ctr"/>
           <a:lstStyle/>
           <a:p>
-            <a:r>
-              <a:rPr lang="en-US" dirty="0" smtClean="0"/>
-              <a:t>Deficiencies</a:t>
+            <a:pPr algn="ctr"/>
+            <a:r>
+              <a:rPr lang="en-US" dirty="0" err="1" smtClean="0"/>
+              <a:t>ConcolicEngine</a:t>
             </a:r>
             <a:endParaRPr lang="en-US" dirty="0"/>
           </a:p>
@@ -11090,77 +11044,2006 @@
       </p:sp>
       <p:sp>
         <p:nvSpPr>
-          <p:cNvPr id="3" name="Content Placeholder 2"/>
-          <p:cNvSpPr>
-            <a:spLocks noGrp="1"/>
-          </p:cNvSpPr>
-          <p:nvPr>
-            <p:ph idx="1"/>
-          </p:nvPr>
+          <p:cNvPr id="3" name="Rounded Rectangle 2"/>
+          <p:cNvSpPr/>
+          <p:nvPr/>
         </p:nvSpPr>
-        <p:spPr/>
+        <p:spPr>
+          <a:xfrm>
+            <a:off x="466437" y="1651924"/>
+            <a:ext cx="2209800" cy="558800"/>
+          </a:xfrm>
+          <a:prstGeom prst="roundRect">
+            <a:avLst/>
+          </a:prstGeom>
+        </p:spPr>
+        <p:style>
+          <a:lnRef idx="2">
+            <a:schemeClr val="accent1">
+              <a:shade val="50000"/>
+            </a:schemeClr>
+          </a:lnRef>
+          <a:fillRef idx="1">
+            <a:schemeClr val="accent1"/>
+          </a:fillRef>
+          <a:effectRef idx="0">
+            <a:schemeClr val="accent1"/>
+          </a:effectRef>
+          <a:fontRef idx="minor">
+            <a:schemeClr val="lt1"/>
+          </a:fontRef>
+        </p:style>
         <p:txBody>
-          <a:bodyPr/>
+          <a:bodyPr rtlCol="0" anchor="ctr"/>
           <a:lstStyle/>
           <a:p>
+            <a:pPr algn="ctr"/>
             <a:r>
               <a:rPr lang="en-US" dirty="0" smtClean="0"/>
-              <a:t>One process, many executions</a:t>
-            </a:r>
-          </a:p>
-          <a:p>
-            <a:pPr lvl="1"/>
-            <a:r>
-              <a:rPr lang="en-US" dirty="0" smtClean="0"/>
-              <a:t>Clean restart of state problematic</a:t>
-            </a:r>
-          </a:p>
-          <a:p>
-            <a:pPr lvl="1"/>
-            <a:r>
-              <a:rPr lang="en-US" dirty="0" smtClean="0"/>
-              <a:t>Means we may not be able to control program to go where we want it to…</a:t>
-            </a:r>
-          </a:p>
-          <a:p>
-            <a:pPr lvl="1"/>
+              <a:t>Loader</a:t>
+            </a:r>
             <a:endParaRPr lang="en-US" dirty="0"/>
-          </a:p>
-          <a:p>
-            <a:r>
-              <a:rPr lang="en-US" dirty="0" smtClean="0"/>
-              <a:t>Poor handling of while loops</a:t>
-            </a:r>
-          </a:p>
-          <a:p>
-            <a:pPr lvl="1"/>
-            <a:r>
-              <a:rPr lang="en-US" dirty="0" smtClean="0"/>
-              <a:t>Take whileloop.py and remove “0 &lt; x &lt; 10”</a:t>
-            </a:r>
-            <a:endParaRPr lang="en-US" dirty="0"/>
-          </a:p>
-          <a:p>
-            <a:pPr lvl="1"/>
-            <a:r>
-              <a:rPr lang="en-US" dirty="0" smtClean="0"/>
-              <a:t>Loop </a:t>
-            </a:r>
-            <a:r>
-              <a:rPr lang="en-US" dirty="0" err="1"/>
-              <a:t>subsumption</a:t>
-            </a:r>
-            <a:endParaRPr lang="en-US" dirty="0"/>
-          </a:p>
-          <a:p>
-            <a:endParaRPr lang="en-US" dirty="0" smtClean="0"/>
           </a:p>
         </p:txBody>
       </p:sp>
+      <p:sp>
+        <p:nvSpPr>
+          <p:cNvPr id="4" name="Rounded Rectangle 3"/>
+          <p:cNvSpPr/>
+          <p:nvPr/>
+        </p:nvSpPr>
+        <p:spPr>
+          <a:xfrm>
+            <a:off x="4041487" y="1651924"/>
+            <a:ext cx="2209800" cy="520700"/>
+          </a:xfrm>
+          <a:prstGeom prst="roundRect">
+            <a:avLst/>
+          </a:prstGeom>
+        </p:spPr>
+        <p:style>
+          <a:lnRef idx="2">
+            <a:schemeClr val="accent1">
+              <a:shade val="50000"/>
+            </a:schemeClr>
+          </a:lnRef>
+          <a:fillRef idx="1">
+            <a:schemeClr val="accent1"/>
+          </a:fillRef>
+          <a:effectRef idx="0">
+            <a:schemeClr val="accent1"/>
+          </a:effectRef>
+          <a:fontRef idx="minor">
+            <a:schemeClr val="lt1"/>
+          </a:fontRef>
+        </p:style>
+        <p:txBody>
+          <a:bodyPr rtlCol="0" anchor="ctr"/>
+          <a:lstStyle/>
+          <a:p>
+            <a:pPr algn="ctr"/>
+            <a:r>
+              <a:rPr lang="en-US" dirty="0" err="1" smtClean="0"/>
+              <a:t>FunctionInvocation</a:t>
+            </a:r>
+            <a:endParaRPr lang="en-US" dirty="0"/>
+          </a:p>
+        </p:txBody>
+      </p:sp>
+      <p:sp>
+        <p:nvSpPr>
+          <p:cNvPr id="5" name="Rounded Rectangle 4"/>
+          <p:cNvSpPr/>
+          <p:nvPr/>
+        </p:nvSpPr>
+        <p:spPr>
+          <a:xfrm>
+            <a:off x="7968961" y="1651924"/>
+            <a:ext cx="1854200" cy="520700"/>
+          </a:xfrm>
+          <a:prstGeom prst="roundRect">
+            <a:avLst/>
+          </a:prstGeom>
+        </p:spPr>
+        <p:style>
+          <a:lnRef idx="1">
+            <a:schemeClr val="accent4"/>
+          </a:lnRef>
+          <a:fillRef idx="2">
+            <a:schemeClr val="accent4"/>
+          </a:fillRef>
+          <a:effectRef idx="1">
+            <a:schemeClr val="accent4"/>
+          </a:effectRef>
+          <a:fontRef idx="minor">
+            <a:schemeClr val="dk1"/>
+          </a:fontRef>
+        </p:style>
+        <p:txBody>
+          <a:bodyPr rtlCol="0" anchor="ctr"/>
+          <a:lstStyle/>
+          <a:p>
+            <a:pPr algn="ctr"/>
+            <a:r>
+              <a:rPr lang="en-US" dirty="0" err="1" smtClean="0"/>
+              <a:t>SymbolicInteger</a:t>
+            </a:r>
+            <a:endParaRPr lang="en-US" dirty="0"/>
+          </a:p>
+        </p:txBody>
+      </p:sp>
+      <p:sp>
+        <p:nvSpPr>
+          <p:cNvPr id="6" name="Rounded Rectangle 5"/>
+          <p:cNvSpPr/>
+          <p:nvPr/>
+        </p:nvSpPr>
+        <p:spPr>
+          <a:xfrm>
+            <a:off x="9667587" y="602984"/>
+            <a:ext cx="1663700" cy="520700"/>
+          </a:xfrm>
+          <a:prstGeom prst="roundRect">
+            <a:avLst/>
+          </a:prstGeom>
+        </p:spPr>
+        <p:style>
+          <a:lnRef idx="1">
+            <a:schemeClr val="accent4"/>
+          </a:lnRef>
+          <a:fillRef idx="2">
+            <a:schemeClr val="accent4"/>
+          </a:fillRef>
+          <a:effectRef idx="1">
+            <a:schemeClr val="accent4"/>
+          </a:effectRef>
+          <a:fontRef idx="minor">
+            <a:schemeClr val="dk1"/>
+          </a:fontRef>
+        </p:style>
+        <p:txBody>
+          <a:bodyPr rtlCol="0" anchor="ctr"/>
+          <a:lstStyle/>
+          <a:p>
+            <a:pPr algn="ctr"/>
+            <a:r>
+              <a:rPr lang="en-US" dirty="0" err="1" smtClean="0"/>
+              <a:t>SymbolicType</a:t>
+            </a:r>
+            <a:endParaRPr lang="en-US" dirty="0"/>
+          </a:p>
+        </p:txBody>
+      </p:sp>
+      <p:sp>
+        <p:nvSpPr>
+          <p:cNvPr id="7" name="Rounded Rectangle 6"/>
+          <p:cNvSpPr/>
+          <p:nvPr/>
+        </p:nvSpPr>
+        <p:spPr>
+          <a:xfrm>
+            <a:off x="7116473" y="602984"/>
+            <a:ext cx="977900" cy="520700"/>
+          </a:xfrm>
+          <a:prstGeom prst="roundRect">
+            <a:avLst/>
+          </a:prstGeom>
+        </p:spPr>
+        <p:style>
+          <a:lnRef idx="3">
+            <a:schemeClr val="lt1"/>
+          </a:lnRef>
+          <a:fillRef idx="1">
+            <a:schemeClr val="accent3"/>
+          </a:fillRef>
+          <a:effectRef idx="1">
+            <a:schemeClr val="accent3"/>
+          </a:effectRef>
+          <a:fontRef idx="minor">
+            <a:schemeClr val="lt1"/>
+          </a:fontRef>
+        </p:style>
+        <p:txBody>
+          <a:bodyPr rtlCol="0" anchor="ctr"/>
+          <a:lstStyle/>
+          <a:p>
+            <a:pPr algn="ctr"/>
+            <a:r>
+              <a:rPr lang="en-US" dirty="0" err="1" smtClean="0"/>
+              <a:t>int</a:t>
+            </a:r>
+            <a:endParaRPr lang="en-US" dirty="0"/>
+          </a:p>
+        </p:txBody>
+      </p:sp>
+      <p:sp>
+        <p:nvSpPr>
+          <p:cNvPr id="8" name="Rounded Rectangle 7"/>
+          <p:cNvSpPr/>
+          <p:nvPr/>
+        </p:nvSpPr>
+        <p:spPr>
+          <a:xfrm>
+            <a:off x="5555962" y="4515774"/>
+            <a:ext cx="2095500" cy="520700"/>
+          </a:xfrm>
+          <a:prstGeom prst="roundRect">
+            <a:avLst/>
+          </a:prstGeom>
+        </p:spPr>
+        <p:style>
+          <a:lnRef idx="1">
+            <a:schemeClr val="accent6"/>
+          </a:lnRef>
+          <a:fillRef idx="2">
+            <a:schemeClr val="accent6"/>
+          </a:fillRef>
+          <a:effectRef idx="1">
+            <a:schemeClr val="accent6"/>
+          </a:effectRef>
+          <a:fontRef idx="minor">
+            <a:schemeClr val="dk1"/>
+          </a:fontRef>
+        </p:style>
+        <p:txBody>
+          <a:bodyPr rtlCol="0" anchor="ctr"/>
+          <a:lstStyle/>
+          <a:p>
+            <a:pPr algn="ctr"/>
+            <a:r>
+              <a:rPr lang="en-US" dirty="0" err="1" smtClean="0"/>
+              <a:t>PathToConstraint</a:t>
+            </a:r>
+            <a:endParaRPr lang="en-US" dirty="0"/>
+          </a:p>
+        </p:txBody>
+      </p:sp>
+      <p:sp>
+        <p:nvSpPr>
+          <p:cNvPr id="9" name="Rounded Rectangle 8"/>
+          <p:cNvSpPr/>
+          <p:nvPr/>
+        </p:nvSpPr>
+        <p:spPr>
+          <a:xfrm>
+            <a:off x="5565487" y="5728624"/>
+            <a:ext cx="2095500" cy="520700"/>
+          </a:xfrm>
+          <a:prstGeom prst="roundRect">
+            <a:avLst/>
+          </a:prstGeom>
+        </p:spPr>
+        <p:style>
+          <a:lnRef idx="1">
+            <a:schemeClr val="accent6"/>
+          </a:lnRef>
+          <a:fillRef idx="2">
+            <a:schemeClr val="accent6"/>
+          </a:fillRef>
+          <a:effectRef idx="1">
+            <a:schemeClr val="accent6"/>
+          </a:effectRef>
+          <a:fontRef idx="minor">
+            <a:schemeClr val="dk1"/>
+          </a:fontRef>
+        </p:style>
+        <p:txBody>
+          <a:bodyPr rtlCol="0" anchor="ctr"/>
+          <a:lstStyle/>
+          <a:p>
+            <a:pPr algn="ctr"/>
+            <a:r>
+              <a:rPr lang="en-US" dirty="0" smtClean="0"/>
+              <a:t>Constraint</a:t>
+            </a:r>
+            <a:endParaRPr lang="en-US" dirty="0"/>
+          </a:p>
+        </p:txBody>
+      </p:sp>
+      <p:sp>
+        <p:nvSpPr>
+          <p:cNvPr id="10" name="Rounded Rectangle 9"/>
+          <p:cNvSpPr/>
+          <p:nvPr/>
+        </p:nvSpPr>
+        <p:spPr>
+          <a:xfrm>
+            <a:off x="2536537" y="4522124"/>
+            <a:ext cx="2095500" cy="520700"/>
+          </a:xfrm>
+          <a:prstGeom prst="roundRect">
+            <a:avLst/>
+          </a:prstGeom>
+        </p:spPr>
+        <p:style>
+          <a:lnRef idx="2">
+            <a:schemeClr val="accent2">
+              <a:shade val="50000"/>
+            </a:schemeClr>
+          </a:lnRef>
+          <a:fillRef idx="1">
+            <a:schemeClr val="accent2"/>
+          </a:fillRef>
+          <a:effectRef idx="0">
+            <a:schemeClr val="accent2"/>
+          </a:effectRef>
+          <a:fontRef idx="minor">
+            <a:schemeClr val="lt1"/>
+          </a:fontRef>
+        </p:style>
+        <p:txBody>
+          <a:bodyPr rtlCol="0" anchor="ctr"/>
+          <a:lstStyle/>
+          <a:p>
+            <a:pPr algn="ctr"/>
+            <a:r>
+              <a:rPr lang="en-US" dirty="0" smtClean="0"/>
+              <a:t>Z3Wrapper</a:t>
+            </a:r>
+            <a:endParaRPr lang="en-US" dirty="0"/>
+          </a:p>
+        </p:txBody>
+      </p:sp>
+      <p:sp>
+        <p:nvSpPr>
+          <p:cNvPr id="11" name="Rounded Rectangle 10"/>
+          <p:cNvSpPr/>
+          <p:nvPr/>
+        </p:nvSpPr>
+        <p:spPr>
+          <a:xfrm>
+            <a:off x="9451687" y="5728624"/>
+            <a:ext cx="2095500" cy="520700"/>
+          </a:xfrm>
+          <a:prstGeom prst="roundRect">
+            <a:avLst/>
+          </a:prstGeom>
+        </p:spPr>
+        <p:style>
+          <a:lnRef idx="1">
+            <a:schemeClr val="accent6"/>
+          </a:lnRef>
+          <a:fillRef idx="2">
+            <a:schemeClr val="accent6"/>
+          </a:fillRef>
+          <a:effectRef idx="1">
+            <a:schemeClr val="accent6"/>
+          </a:effectRef>
+          <a:fontRef idx="minor">
+            <a:schemeClr val="dk1"/>
+          </a:fontRef>
+        </p:style>
+        <p:txBody>
+          <a:bodyPr rtlCol="0" anchor="ctr"/>
+          <a:lstStyle/>
+          <a:p>
+            <a:pPr algn="ctr"/>
+            <a:r>
+              <a:rPr lang="en-US" dirty="0" smtClean="0"/>
+              <a:t>Predicate</a:t>
+            </a:r>
+            <a:endParaRPr lang="en-US" dirty="0"/>
+          </a:p>
+        </p:txBody>
+      </p:sp>
+      <p:cxnSp>
+        <p:nvCxnSpPr>
+          <p:cNvPr id="13" name="Straight Arrow Connector 12"/>
+          <p:cNvCxnSpPr>
+            <a:stCxn id="5" idx="0"/>
+            <a:endCxn id="7" idx="2"/>
+          </p:cNvCxnSpPr>
+          <p:nvPr/>
+        </p:nvCxnSpPr>
+        <p:spPr>
+          <a:xfrm flipH="1" flipV="1">
+            <a:off x="7605423" y="1123684"/>
+            <a:ext cx="1290638" cy="528240"/>
+          </a:xfrm>
+          <a:prstGeom prst="straightConnector1">
+            <a:avLst/>
+          </a:prstGeom>
+          <a:ln>
+            <a:headEnd w="lg" len="lg"/>
+            <a:tailEnd type="triangle" w="lg" len="lg"/>
+          </a:ln>
+        </p:spPr>
+        <p:style>
+          <a:lnRef idx="1">
+            <a:schemeClr val="accent4"/>
+          </a:lnRef>
+          <a:fillRef idx="2">
+            <a:schemeClr val="accent4"/>
+          </a:fillRef>
+          <a:effectRef idx="1">
+            <a:schemeClr val="accent4"/>
+          </a:effectRef>
+          <a:fontRef idx="minor">
+            <a:schemeClr val="dk1"/>
+          </a:fontRef>
+        </p:style>
+      </p:cxnSp>
+      <p:cxnSp>
+        <p:nvCxnSpPr>
+          <p:cNvPr id="14" name="Straight Arrow Connector 13"/>
+          <p:cNvCxnSpPr>
+            <a:stCxn id="5" idx="0"/>
+            <a:endCxn id="6" idx="2"/>
+          </p:cNvCxnSpPr>
+          <p:nvPr/>
+        </p:nvCxnSpPr>
+        <p:spPr>
+          <a:xfrm flipV="1">
+            <a:off x="8896061" y="1123684"/>
+            <a:ext cx="1603376" cy="528240"/>
+          </a:xfrm>
+          <a:prstGeom prst="straightConnector1">
+            <a:avLst/>
+          </a:prstGeom>
+          <a:ln>
+            <a:headEnd w="lg" len="lg"/>
+            <a:tailEnd type="triangle" w="lg" len="lg"/>
+          </a:ln>
+        </p:spPr>
+        <p:style>
+          <a:lnRef idx="1">
+            <a:schemeClr val="accent4"/>
+          </a:lnRef>
+          <a:fillRef idx="2">
+            <a:schemeClr val="accent4"/>
+          </a:fillRef>
+          <a:effectRef idx="1">
+            <a:schemeClr val="accent4"/>
+          </a:effectRef>
+          <a:fontRef idx="minor">
+            <a:schemeClr val="dk1"/>
+          </a:fontRef>
+        </p:style>
+      </p:cxnSp>
+      <p:sp>
+        <p:nvSpPr>
+          <p:cNvPr id="25" name="Flowchart: Magnetic Disk 24"/>
+          <p:cNvSpPr/>
+          <p:nvPr/>
+        </p:nvSpPr>
+        <p:spPr>
+          <a:xfrm>
+            <a:off x="806162" y="82284"/>
+            <a:ext cx="1536700" cy="1041400"/>
+          </a:xfrm>
+          <a:prstGeom prst="flowChartMagneticDisk">
+            <a:avLst/>
+          </a:prstGeom>
+        </p:spPr>
+        <p:style>
+          <a:lnRef idx="2">
+            <a:schemeClr val="accent5">
+              <a:shade val="50000"/>
+            </a:schemeClr>
+          </a:lnRef>
+          <a:fillRef idx="1">
+            <a:schemeClr val="accent5"/>
+          </a:fillRef>
+          <a:effectRef idx="0">
+            <a:schemeClr val="accent5"/>
+          </a:effectRef>
+          <a:fontRef idx="minor">
+            <a:schemeClr val="lt1"/>
+          </a:fontRef>
+        </p:style>
+        <p:txBody>
+          <a:bodyPr rtlCol="0" anchor="ctr"/>
+          <a:lstStyle/>
+          <a:p>
+            <a:pPr algn="ctr"/>
+            <a:r>
+              <a:rPr lang="en-US" dirty="0" smtClean="0"/>
+              <a:t>Python</a:t>
+            </a:r>
+          </a:p>
+          <a:p>
+            <a:pPr algn="ctr"/>
+            <a:r>
+              <a:rPr lang="en-US" dirty="0" smtClean="0"/>
+              <a:t>Program</a:t>
+            </a:r>
+            <a:endParaRPr lang="en-US" dirty="0"/>
+          </a:p>
+        </p:txBody>
+      </p:sp>
+      <p:cxnSp>
+        <p:nvCxnSpPr>
+          <p:cNvPr id="26" name="Straight Arrow Connector 25"/>
+          <p:cNvCxnSpPr>
+            <a:stCxn id="25" idx="3"/>
+            <a:endCxn id="3" idx="0"/>
+          </p:cNvCxnSpPr>
+          <p:nvPr/>
+        </p:nvCxnSpPr>
+        <p:spPr>
+          <a:xfrm flipH="1">
+            <a:off x="1571337" y="1123684"/>
+            <a:ext cx="3175" cy="528240"/>
+          </a:xfrm>
+          <a:prstGeom prst="straightConnector1">
+            <a:avLst/>
+          </a:prstGeom>
+          <a:ln>
+            <a:headEnd w="lg" len="lg"/>
+            <a:tailEnd type="triangle" w="lg" len="lg"/>
+          </a:ln>
+        </p:spPr>
+        <p:style>
+          <a:lnRef idx="3">
+            <a:schemeClr val="accent2"/>
+          </a:lnRef>
+          <a:fillRef idx="0">
+            <a:schemeClr val="accent2"/>
+          </a:fillRef>
+          <a:effectRef idx="2">
+            <a:schemeClr val="accent2"/>
+          </a:effectRef>
+          <a:fontRef idx="minor">
+            <a:schemeClr val="tx1"/>
+          </a:fontRef>
+        </p:style>
+      </p:cxnSp>
+      <p:cxnSp>
+        <p:nvCxnSpPr>
+          <p:cNvPr id="29" name="Straight Arrow Connector 28"/>
+          <p:cNvCxnSpPr>
+            <a:stCxn id="4" idx="3"/>
+            <a:endCxn id="5" idx="1"/>
+          </p:cNvCxnSpPr>
+          <p:nvPr/>
+        </p:nvCxnSpPr>
+        <p:spPr>
+          <a:xfrm>
+            <a:off x="6251287" y="1912274"/>
+            <a:ext cx="1717674" cy="0"/>
+          </a:xfrm>
+          <a:prstGeom prst="straightConnector1">
+            <a:avLst/>
+          </a:prstGeom>
+          <a:ln>
+            <a:prstDash val="dash"/>
+            <a:headEnd w="lg" len="lg"/>
+            <a:tailEnd type="oval" w="lg" len="lg"/>
+          </a:ln>
+        </p:spPr>
+        <p:style>
+          <a:lnRef idx="3">
+            <a:schemeClr val="accent1"/>
+          </a:lnRef>
+          <a:fillRef idx="0">
+            <a:schemeClr val="accent1"/>
+          </a:fillRef>
+          <a:effectRef idx="2">
+            <a:schemeClr val="accent1"/>
+          </a:effectRef>
+          <a:fontRef idx="minor">
+            <a:schemeClr val="tx1"/>
+          </a:fontRef>
+        </p:style>
+      </p:cxnSp>
+      <p:cxnSp>
+        <p:nvCxnSpPr>
+          <p:cNvPr id="35" name="Straight Arrow Connector 34"/>
+          <p:cNvCxnSpPr>
+            <a:stCxn id="2" idx="0"/>
+            <a:endCxn id="4" idx="2"/>
+          </p:cNvCxnSpPr>
+          <p:nvPr/>
+        </p:nvCxnSpPr>
+        <p:spPr>
+          <a:xfrm flipH="1" flipV="1">
+            <a:off x="5146387" y="2172624"/>
+            <a:ext cx="5446" cy="809642"/>
+          </a:xfrm>
+          <a:prstGeom prst="straightConnector1">
+            <a:avLst/>
+          </a:prstGeom>
+          <a:ln>
+            <a:prstDash val="dash"/>
+            <a:headEnd w="lg" len="lg"/>
+            <a:tailEnd type="triangle" w="lg" len="lg"/>
+          </a:ln>
+        </p:spPr>
+        <p:style>
+          <a:lnRef idx="3">
+            <a:schemeClr val="accent1"/>
+          </a:lnRef>
+          <a:fillRef idx="0">
+            <a:schemeClr val="accent1"/>
+          </a:fillRef>
+          <a:effectRef idx="2">
+            <a:schemeClr val="accent1"/>
+          </a:effectRef>
+          <a:fontRef idx="minor">
+            <a:schemeClr val="tx1"/>
+          </a:fontRef>
+        </p:style>
+      </p:cxnSp>
+      <p:cxnSp>
+        <p:nvCxnSpPr>
+          <p:cNvPr id="38" name="Straight Arrow Connector 37"/>
+          <p:cNvCxnSpPr>
+            <a:stCxn id="2" idx="2"/>
+            <a:endCxn id="8" idx="0"/>
+          </p:cNvCxnSpPr>
+          <p:nvPr/>
+        </p:nvCxnSpPr>
+        <p:spPr>
+          <a:xfrm>
+            <a:off x="5151833" y="3502966"/>
+            <a:ext cx="1451879" cy="1012808"/>
+          </a:xfrm>
+          <a:prstGeom prst="straightConnector1">
+            <a:avLst/>
+          </a:prstGeom>
+          <a:ln>
+            <a:prstDash val="dash"/>
+            <a:headEnd type="triangle" w="lg" len="lg"/>
+            <a:tailEnd type="triangle" w="lg" len="lg"/>
+          </a:ln>
+        </p:spPr>
+        <p:style>
+          <a:lnRef idx="3">
+            <a:schemeClr val="accent1"/>
+          </a:lnRef>
+          <a:fillRef idx="0">
+            <a:schemeClr val="accent1"/>
+          </a:fillRef>
+          <a:effectRef idx="2">
+            <a:schemeClr val="accent1"/>
+          </a:effectRef>
+          <a:fontRef idx="minor">
+            <a:schemeClr val="tx1"/>
+          </a:fontRef>
+        </p:style>
+      </p:cxnSp>
+      <p:cxnSp>
+        <p:nvCxnSpPr>
+          <p:cNvPr id="43" name="Straight Arrow Connector 42"/>
+          <p:cNvCxnSpPr>
+            <a:stCxn id="2" idx="2"/>
+            <a:endCxn id="10" idx="0"/>
+          </p:cNvCxnSpPr>
+          <p:nvPr/>
+        </p:nvCxnSpPr>
+        <p:spPr>
+          <a:xfrm flipH="1">
+            <a:off x="3584287" y="3502966"/>
+            <a:ext cx="1567546" cy="1019158"/>
+          </a:xfrm>
+          <a:prstGeom prst="straightConnector1">
+            <a:avLst/>
+          </a:prstGeom>
+          <a:ln>
+            <a:prstDash val="dash"/>
+            <a:headEnd w="lg" len="lg"/>
+            <a:tailEnd type="triangle" w="lg" len="lg"/>
+          </a:ln>
+        </p:spPr>
+        <p:style>
+          <a:lnRef idx="3">
+            <a:schemeClr val="accent1"/>
+          </a:lnRef>
+          <a:fillRef idx="0">
+            <a:schemeClr val="accent1"/>
+          </a:fillRef>
+          <a:effectRef idx="2">
+            <a:schemeClr val="accent1"/>
+          </a:effectRef>
+          <a:fontRef idx="minor">
+            <a:schemeClr val="tx1"/>
+          </a:fontRef>
+        </p:style>
+      </p:cxnSp>
+      <p:cxnSp>
+        <p:nvCxnSpPr>
+          <p:cNvPr id="46" name="Straight Arrow Connector 45"/>
+          <p:cNvCxnSpPr>
+            <a:stCxn id="8" idx="2"/>
+            <a:endCxn id="9" idx="0"/>
+          </p:cNvCxnSpPr>
+          <p:nvPr/>
+        </p:nvCxnSpPr>
+        <p:spPr>
+          <a:xfrm>
+            <a:off x="6603712" y="5036474"/>
+            <a:ext cx="9525" cy="692150"/>
+          </a:xfrm>
+          <a:prstGeom prst="straightConnector1">
+            <a:avLst/>
+          </a:prstGeom>
+          <a:ln>
+            <a:prstDash val="dash"/>
+            <a:headEnd w="lg" len="lg"/>
+            <a:tailEnd type="triangle" w="lg" len="lg"/>
+          </a:ln>
+        </p:spPr>
+        <p:style>
+          <a:lnRef idx="3">
+            <a:schemeClr val="accent1"/>
+          </a:lnRef>
+          <a:fillRef idx="0">
+            <a:schemeClr val="accent1"/>
+          </a:fillRef>
+          <a:effectRef idx="2">
+            <a:schemeClr val="accent1"/>
+          </a:effectRef>
+          <a:fontRef idx="minor">
+            <a:schemeClr val="tx1"/>
+          </a:fontRef>
+        </p:style>
+      </p:cxnSp>
+      <p:cxnSp>
+        <p:nvCxnSpPr>
+          <p:cNvPr id="50" name="Straight Arrow Connector 49"/>
+          <p:cNvCxnSpPr>
+            <a:stCxn id="9" idx="3"/>
+            <a:endCxn id="11" idx="1"/>
+          </p:cNvCxnSpPr>
+          <p:nvPr/>
+        </p:nvCxnSpPr>
+        <p:spPr>
+          <a:xfrm>
+            <a:off x="7660987" y="5988974"/>
+            <a:ext cx="1790700" cy="0"/>
+          </a:xfrm>
+          <a:prstGeom prst="straightConnector1">
+            <a:avLst/>
+          </a:prstGeom>
+          <a:ln>
+            <a:prstDash val="dash"/>
+            <a:headEnd w="lg" len="lg"/>
+            <a:tailEnd type="triangle" w="lg" len="lg"/>
+          </a:ln>
+        </p:spPr>
+        <p:style>
+          <a:lnRef idx="3">
+            <a:schemeClr val="accent1"/>
+          </a:lnRef>
+          <a:fillRef idx="0">
+            <a:schemeClr val="accent1"/>
+          </a:fillRef>
+          <a:effectRef idx="2">
+            <a:schemeClr val="accent1"/>
+          </a:effectRef>
+          <a:fontRef idx="minor">
+            <a:schemeClr val="tx1"/>
+          </a:fontRef>
+        </p:style>
+      </p:cxnSp>
+      <p:cxnSp>
+        <p:nvCxnSpPr>
+          <p:cNvPr id="56" name="Curved Connector 55"/>
+          <p:cNvCxnSpPr>
+            <a:stCxn id="9" idx="2"/>
+            <a:endCxn id="9" idx="1"/>
+          </p:cNvCxnSpPr>
+          <p:nvPr/>
+        </p:nvCxnSpPr>
+        <p:spPr>
+          <a:xfrm rot="5400000" flipH="1">
+            <a:off x="5959187" y="5595274"/>
+            <a:ext cx="260350" cy="1047750"/>
+          </a:xfrm>
+          <a:prstGeom prst="curvedConnector4">
+            <a:avLst>
+              <a:gd name="adj1" fmla="val -97738"/>
+              <a:gd name="adj2" fmla="val 131515"/>
+            </a:avLst>
+          </a:prstGeom>
+          <a:ln>
+            <a:prstDash val="dash"/>
+            <a:tailEnd type="oval" w="lg" len="lg"/>
+          </a:ln>
+        </p:spPr>
+        <p:style>
+          <a:lnRef idx="1">
+            <a:schemeClr val="accent1"/>
+          </a:lnRef>
+          <a:fillRef idx="0">
+            <a:schemeClr val="accent1"/>
+          </a:fillRef>
+          <a:effectRef idx="0">
+            <a:schemeClr val="accent1"/>
+          </a:effectRef>
+          <a:fontRef idx="minor">
+            <a:schemeClr val="tx1"/>
+          </a:fontRef>
+        </p:style>
+      </p:cxnSp>
+      <p:cxnSp>
+        <p:nvCxnSpPr>
+          <p:cNvPr id="23" name="Straight Arrow Connector 22"/>
+          <p:cNvCxnSpPr>
+            <a:stCxn id="11" idx="0"/>
+            <a:endCxn id="6" idx="2"/>
+          </p:cNvCxnSpPr>
+          <p:nvPr/>
+        </p:nvCxnSpPr>
+        <p:spPr>
+          <a:xfrm flipV="1">
+            <a:off x="10499437" y="1123684"/>
+            <a:ext cx="0" cy="4604940"/>
+          </a:xfrm>
+          <a:prstGeom prst="straightConnector1">
+            <a:avLst/>
+          </a:prstGeom>
+          <a:ln>
+            <a:prstDash val="dash"/>
+            <a:headEnd w="lg" len="lg"/>
+            <a:tailEnd type="triangle" w="lg" len="lg"/>
+          </a:ln>
+        </p:spPr>
+        <p:style>
+          <a:lnRef idx="3">
+            <a:schemeClr val="accent1"/>
+          </a:lnRef>
+          <a:fillRef idx="0">
+            <a:schemeClr val="accent1"/>
+          </a:fillRef>
+          <a:effectRef idx="2">
+            <a:schemeClr val="accent1"/>
+          </a:effectRef>
+          <a:fontRef idx="minor">
+            <a:schemeClr val="tx1"/>
+          </a:fontRef>
+        </p:style>
+      </p:cxnSp>
+      <p:cxnSp>
+        <p:nvCxnSpPr>
+          <p:cNvPr id="40" name="Straight Arrow Connector 39"/>
+          <p:cNvCxnSpPr>
+            <a:stCxn id="4" idx="0"/>
+            <a:endCxn id="25" idx="4"/>
+          </p:cNvCxnSpPr>
+          <p:nvPr/>
+        </p:nvCxnSpPr>
+        <p:spPr>
+          <a:xfrm flipH="1" flipV="1">
+            <a:off x="2342862" y="602984"/>
+            <a:ext cx="2803525" cy="1048940"/>
+          </a:xfrm>
+          <a:prstGeom prst="straightConnector1">
+            <a:avLst/>
+          </a:prstGeom>
+          <a:ln>
+            <a:prstDash val="dash"/>
+            <a:headEnd w="lg" len="lg"/>
+            <a:tailEnd type="triangle" w="lg" len="lg"/>
+          </a:ln>
+        </p:spPr>
+        <p:style>
+          <a:lnRef idx="3">
+            <a:schemeClr val="accent1"/>
+          </a:lnRef>
+          <a:fillRef idx="0">
+            <a:schemeClr val="accent1"/>
+          </a:fillRef>
+          <a:effectRef idx="2">
+            <a:schemeClr val="accent1"/>
+          </a:effectRef>
+          <a:fontRef idx="minor">
+            <a:schemeClr val="tx1"/>
+          </a:fontRef>
+        </p:style>
+      </p:cxnSp>
+      <p:cxnSp>
+        <p:nvCxnSpPr>
+          <p:cNvPr id="41" name="Curved Connector 40"/>
+          <p:cNvCxnSpPr>
+            <a:stCxn id="6" idx="3"/>
+            <a:endCxn id="8" idx="3"/>
+          </p:cNvCxnSpPr>
+          <p:nvPr/>
+        </p:nvCxnSpPr>
+        <p:spPr>
+          <a:xfrm flipH="1">
+            <a:off x="7651462" y="863334"/>
+            <a:ext cx="3679825" cy="3912790"/>
+          </a:xfrm>
+          <a:prstGeom prst="curvedConnector3">
+            <a:avLst>
+              <a:gd name="adj1" fmla="val -6212"/>
+            </a:avLst>
+          </a:prstGeom>
+          <a:ln>
+            <a:solidFill>
+              <a:srgbClr val="92D050"/>
+            </a:solidFill>
+            <a:prstDash val="dash"/>
+            <a:tailEnd type="triangle" w="lg" len="lg"/>
+          </a:ln>
+        </p:spPr>
+        <p:style>
+          <a:lnRef idx="1">
+            <a:schemeClr val="accent1"/>
+          </a:lnRef>
+          <a:fillRef idx="0">
+            <a:schemeClr val="accent1"/>
+          </a:fillRef>
+          <a:effectRef idx="0">
+            <a:schemeClr val="accent1"/>
+          </a:effectRef>
+          <a:fontRef idx="minor">
+            <a:schemeClr val="tx1"/>
+          </a:fontRef>
+        </p:style>
+      </p:cxnSp>
+      <p:sp>
+        <p:nvSpPr>
+          <p:cNvPr id="34" name="Rounded Rectangle 33"/>
+          <p:cNvSpPr/>
+          <p:nvPr/>
+        </p:nvSpPr>
+        <p:spPr>
+          <a:xfrm>
+            <a:off x="745836" y="5382549"/>
+            <a:ext cx="1758950" cy="520700"/>
+          </a:xfrm>
+          <a:prstGeom prst="roundRect">
+            <a:avLst/>
+          </a:prstGeom>
+        </p:spPr>
+        <p:style>
+          <a:lnRef idx="3">
+            <a:schemeClr val="lt1"/>
+          </a:lnRef>
+          <a:fillRef idx="1">
+            <a:schemeClr val="accent2"/>
+          </a:fillRef>
+          <a:effectRef idx="1">
+            <a:schemeClr val="accent2"/>
+          </a:effectRef>
+          <a:fontRef idx="minor">
+            <a:schemeClr val="lt1"/>
+          </a:fontRef>
+        </p:style>
+        <p:txBody>
+          <a:bodyPr rtlCol="0" anchor="ctr"/>
+          <a:lstStyle/>
+          <a:p>
+            <a:pPr algn="ctr"/>
+            <a:r>
+              <a:rPr lang="en-US" dirty="0" smtClean="0"/>
+              <a:t>Z3.py</a:t>
+            </a:r>
+            <a:endParaRPr lang="en-US" dirty="0"/>
+          </a:p>
+        </p:txBody>
+      </p:sp>
+      <p:cxnSp>
+        <p:nvCxnSpPr>
+          <p:cNvPr id="36" name="Straight Arrow Connector 35"/>
+          <p:cNvCxnSpPr>
+            <a:stCxn id="10" idx="2"/>
+            <a:endCxn id="34" idx="0"/>
+          </p:cNvCxnSpPr>
+          <p:nvPr/>
+        </p:nvCxnSpPr>
+        <p:spPr>
+          <a:xfrm flipH="1">
+            <a:off x="1625311" y="5042824"/>
+            <a:ext cx="1958976" cy="339725"/>
+          </a:xfrm>
+          <a:prstGeom prst="straightConnector1">
+            <a:avLst/>
+          </a:prstGeom>
+          <a:ln>
+            <a:prstDash val="dash"/>
+            <a:headEnd w="lg" len="lg"/>
+            <a:tailEnd type="triangle" w="lg" len="lg"/>
+          </a:ln>
+        </p:spPr>
+        <p:style>
+          <a:lnRef idx="3">
+            <a:schemeClr val="accent1"/>
+          </a:lnRef>
+          <a:fillRef idx="0">
+            <a:schemeClr val="accent1"/>
+          </a:fillRef>
+          <a:effectRef idx="2">
+            <a:schemeClr val="accent1"/>
+          </a:effectRef>
+          <a:fontRef idx="minor">
+            <a:schemeClr val="tx1"/>
+          </a:fontRef>
+        </p:style>
+      </p:cxnSp>
+      <p:cxnSp>
+        <p:nvCxnSpPr>
+          <p:cNvPr id="44" name="Curved Connector 43"/>
+          <p:cNvCxnSpPr>
+            <a:stCxn id="10" idx="2"/>
+            <a:endCxn id="11" idx="2"/>
+          </p:cNvCxnSpPr>
+          <p:nvPr/>
+        </p:nvCxnSpPr>
+        <p:spPr>
+          <a:xfrm rot="16200000" flipH="1">
+            <a:off x="6438612" y="2188499"/>
+            <a:ext cx="1206500" cy="6915150"/>
+          </a:xfrm>
+          <a:prstGeom prst="curvedConnector3">
+            <a:avLst>
+              <a:gd name="adj1" fmla="val 143421"/>
+            </a:avLst>
+          </a:prstGeom>
+          <a:ln>
+            <a:solidFill>
+              <a:srgbClr val="92D050"/>
+            </a:solidFill>
+            <a:prstDash val="dash"/>
+            <a:tailEnd type="triangle" w="lg" len="lg"/>
+          </a:ln>
+        </p:spPr>
+        <p:style>
+          <a:lnRef idx="1">
+            <a:schemeClr val="accent1"/>
+          </a:lnRef>
+          <a:fillRef idx="0">
+            <a:schemeClr val="accent1"/>
+          </a:fillRef>
+          <a:effectRef idx="0">
+            <a:schemeClr val="accent1"/>
+          </a:effectRef>
+          <a:fontRef idx="minor">
+            <a:schemeClr val="tx1"/>
+          </a:fontRef>
+        </p:style>
+      </p:cxnSp>
+      <p:cxnSp>
+        <p:nvCxnSpPr>
+          <p:cNvPr id="37" name="Straight Arrow Connector 36"/>
+          <p:cNvCxnSpPr>
+            <a:stCxn id="4" idx="1"/>
+            <a:endCxn id="3" idx="3"/>
+          </p:cNvCxnSpPr>
+          <p:nvPr/>
+        </p:nvCxnSpPr>
+        <p:spPr>
+          <a:xfrm flipH="1">
+            <a:off x="2676237" y="1912274"/>
+            <a:ext cx="1365250" cy="19050"/>
+          </a:xfrm>
+          <a:prstGeom prst="straightConnector1">
+            <a:avLst/>
+          </a:prstGeom>
+          <a:ln>
+            <a:prstDash val="dash"/>
+            <a:headEnd type="triangle" w="lg" len="lg"/>
+            <a:tailEnd type="none" w="lg" len="lg"/>
+          </a:ln>
+        </p:spPr>
+        <p:style>
+          <a:lnRef idx="3">
+            <a:schemeClr val="accent1"/>
+          </a:lnRef>
+          <a:fillRef idx="0">
+            <a:schemeClr val="accent1"/>
+          </a:fillRef>
+          <a:effectRef idx="2">
+            <a:schemeClr val="accent1"/>
+          </a:effectRef>
+          <a:fontRef idx="minor">
+            <a:schemeClr val="tx1"/>
+          </a:fontRef>
+        </p:style>
+      </p:cxnSp>
+      <p:sp>
+        <p:nvSpPr>
+          <p:cNvPr id="42" name="Flowchart: Magnetic Disk 41"/>
+          <p:cNvSpPr/>
+          <p:nvPr/>
+        </p:nvSpPr>
+        <p:spPr>
+          <a:xfrm>
+            <a:off x="851303" y="6017738"/>
+            <a:ext cx="1536700" cy="716692"/>
+          </a:xfrm>
+          <a:prstGeom prst="flowChartMagneticDisk">
+            <a:avLst/>
+          </a:prstGeom>
+        </p:spPr>
+        <p:style>
+          <a:lnRef idx="0">
+            <a:schemeClr val="accent2"/>
+          </a:lnRef>
+          <a:fillRef idx="3">
+            <a:schemeClr val="accent2"/>
+          </a:fillRef>
+          <a:effectRef idx="3">
+            <a:schemeClr val="accent2"/>
+          </a:effectRef>
+          <a:fontRef idx="minor">
+            <a:schemeClr val="lt1"/>
+          </a:fontRef>
+        </p:style>
+        <p:txBody>
+          <a:bodyPr rtlCol="0" anchor="ctr"/>
+          <a:lstStyle/>
+          <a:p>
+            <a:pPr algn="ctr"/>
+            <a:r>
+              <a:rPr lang="en-US" dirty="0" smtClean="0"/>
+              <a:t>Z3 SMT</a:t>
+            </a:r>
+          </a:p>
+          <a:p>
+            <a:pPr algn="ctr"/>
+            <a:r>
+              <a:rPr lang="en-US" dirty="0" smtClean="0"/>
+              <a:t>Solver</a:t>
+            </a:r>
+          </a:p>
+        </p:txBody>
+      </p:sp>
+      <mc:AlternateContent xmlns:mc="http://schemas.openxmlformats.org/markup-compatibility/2006" xmlns:p14="http://schemas.microsoft.com/office/powerpoint/2010/main">
+        <mc:Choice Requires="p14">
+          <p:contentPart p14:bwMode="auto" r:id="rId2">
+            <p14:nvContentPartPr>
+              <p14:cNvPr id="12" name="Ink 11"/>
+              <p14:cNvContentPartPr/>
+              <p14:nvPr/>
+            </p14:nvContentPartPr>
+            <p14:xfrm>
+              <a:off x="8342239" y="5021257"/>
+              <a:ext cx="134640" cy="24120"/>
+            </p14:xfrm>
+          </p:contentPart>
+        </mc:Choice>
+        <mc:Fallback xmlns="">
+          <p:pic>
+            <p:nvPicPr>
+              <p:cNvPr id="12" name="Ink 11"/>
+              <p:cNvPicPr/>
+              <p:nvPr/>
+            </p:nvPicPr>
+            <p:blipFill>
+              <a:blip r:embed="rId3"/>
+              <a:stretch>
+                <a:fillRect/>
+              </a:stretch>
+            </p:blipFill>
+            <p:spPr>
+              <a:xfrm>
+                <a:off x="8328919" y="5007937"/>
+                <a:ext cx="156600" cy="50760"/>
+              </a:xfrm>
+              <a:prstGeom prst="rect">
+                <a:avLst/>
+              </a:prstGeom>
+            </p:spPr>
+          </p:pic>
+        </mc:Fallback>
+      </mc:AlternateContent>
+      <mc:AlternateContent xmlns:mc="http://schemas.openxmlformats.org/markup-compatibility/2006" xmlns:p14="http://schemas.microsoft.com/office/powerpoint/2010/main">
+        <mc:Choice Requires="p14">
+          <p:contentPart p14:bwMode="auto" r:id="rId4">
+            <p14:nvContentPartPr>
+              <p14:cNvPr id="15" name="Ink 14"/>
+              <p14:cNvContentPartPr/>
+              <p14:nvPr/>
+            </p14:nvContentPartPr>
+            <p14:xfrm>
+              <a:off x="8535559" y="4980937"/>
+              <a:ext cx="108360" cy="34920"/>
+            </p14:xfrm>
+          </p:contentPart>
+        </mc:Choice>
+        <mc:Fallback xmlns="">
+          <p:pic>
+            <p:nvPicPr>
+              <p:cNvPr id="15" name="Ink 14"/>
+              <p:cNvPicPr/>
+              <p:nvPr/>
+            </p:nvPicPr>
+            <p:blipFill>
+              <a:blip r:embed="rId5"/>
+              <a:stretch>
+                <a:fillRect/>
+              </a:stretch>
+            </p:blipFill>
+            <p:spPr>
+              <a:xfrm>
+                <a:off x="8527279" y="4972657"/>
+                <a:ext cx="126000" cy="54720"/>
+              </a:xfrm>
+              <a:prstGeom prst="rect">
+                <a:avLst/>
+              </a:prstGeom>
+            </p:spPr>
+          </p:pic>
+        </mc:Fallback>
+      </mc:AlternateContent>
+      <mc:AlternateContent xmlns:mc="http://schemas.openxmlformats.org/markup-compatibility/2006" xmlns:p14="http://schemas.microsoft.com/office/powerpoint/2010/main">
+        <mc:Choice Requires="p14">
+          <p:contentPart p14:bwMode="auto" r:id="rId6">
+            <p14:nvContentPartPr>
+              <p14:cNvPr id="16" name="Ink 15"/>
+              <p14:cNvContentPartPr/>
+              <p14:nvPr/>
+            </p14:nvContentPartPr>
+            <p14:xfrm>
+              <a:off x="8691799" y="4784737"/>
+              <a:ext cx="218880" cy="173520"/>
+            </p14:xfrm>
+          </p:contentPart>
+        </mc:Choice>
+        <mc:Fallback xmlns="">
+          <p:pic>
+            <p:nvPicPr>
+              <p:cNvPr id="16" name="Ink 15"/>
+              <p:cNvPicPr/>
+              <p:nvPr/>
+            </p:nvPicPr>
+            <p:blipFill>
+              <a:blip r:embed="rId7"/>
+              <a:stretch>
+                <a:fillRect/>
+              </a:stretch>
+            </p:blipFill>
+            <p:spPr>
+              <a:xfrm>
+                <a:off x="8678479" y="4777897"/>
+                <a:ext cx="246600" cy="195120"/>
+              </a:xfrm>
+              <a:prstGeom prst="rect">
+                <a:avLst/>
+              </a:prstGeom>
+            </p:spPr>
+          </p:pic>
+        </mc:Fallback>
+      </mc:AlternateContent>
+      <mc:AlternateContent xmlns:mc="http://schemas.openxmlformats.org/markup-compatibility/2006" xmlns:p14="http://schemas.microsoft.com/office/powerpoint/2010/main">
+        <mc:Choice Requires="p14">
+          <p:contentPart p14:bwMode="auto" r:id="rId8">
+            <p14:nvContentPartPr>
+              <p14:cNvPr id="17" name="Ink 16"/>
+              <p14:cNvContentPartPr/>
+              <p14:nvPr/>
+            </p14:nvContentPartPr>
+            <p14:xfrm>
+              <a:off x="9035239" y="4842337"/>
+              <a:ext cx="110160" cy="110160"/>
+            </p14:xfrm>
+          </p:contentPart>
+        </mc:Choice>
+        <mc:Fallback xmlns="">
+          <p:pic>
+            <p:nvPicPr>
+              <p:cNvPr id="17" name="Ink 16"/>
+              <p:cNvPicPr/>
+              <p:nvPr/>
+            </p:nvPicPr>
+            <p:blipFill>
+              <a:blip r:embed="rId9"/>
+              <a:stretch>
+                <a:fillRect/>
+              </a:stretch>
+            </p:blipFill>
+            <p:spPr>
+              <a:xfrm>
+                <a:off x="9020479" y="4835137"/>
+                <a:ext cx="139320" cy="132120"/>
+              </a:xfrm>
+              <a:prstGeom prst="rect">
+                <a:avLst/>
+              </a:prstGeom>
+            </p:spPr>
+          </p:pic>
+        </mc:Fallback>
+      </mc:AlternateContent>
+      <mc:AlternateContent xmlns:mc="http://schemas.openxmlformats.org/markup-compatibility/2006" xmlns:p14="http://schemas.microsoft.com/office/powerpoint/2010/main">
+        <mc:Choice Requires="p14">
+          <p:contentPart p14:bwMode="auto" r:id="rId10">
+            <p14:nvContentPartPr>
+              <p14:cNvPr id="18" name="Ink 17"/>
+              <p14:cNvContentPartPr/>
+              <p14:nvPr/>
+            </p14:nvContentPartPr>
+            <p14:xfrm>
+              <a:off x="9210199" y="4830817"/>
+              <a:ext cx="107280" cy="81000"/>
+            </p14:xfrm>
+          </p:contentPart>
+        </mc:Choice>
+        <mc:Fallback xmlns="">
+          <p:pic>
+            <p:nvPicPr>
+              <p:cNvPr id="18" name="Ink 17"/>
+              <p:cNvPicPr/>
+              <p:nvPr/>
+            </p:nvPicPr>
+            <p:blipFill>
+              <a:blip r:embed="rId11"/>
+              <a:stretch>
+                <a:fillRect/>
+              </a:stretch>
+            </p:blipFill>
+            <p:spPr>
+              <a:xfrm>
+                <a:off x="9194359" y="4817137"/>
+                <a:ext cx="138600" cy="110520"/>
+              </a:xfrm>
+              <a:prstGeom prst="rect">
+                <a:avLst/>
+              </a:prstGeom>
+            </p:spPr>
+          </p:pic>
+        </mc:Fallback>
+      </mc:AlternateContent>
+      <mc:AlternateContent xmlns:mc="http://schemas.openxmlformats.org/markup-compatibility/2006" xmlns:p14="http://schemas.microsoft.com/office/powerpoint/2010/main">
+        <mc:Choice Requires="p14">
+          <p:contentPart p14:bwMode="auto" r:id="rId12">
+            <p14:nvContentPartPr>
+              <p14:cNvPr id="19" name="Ink 18"/>
+              <p14:cNvContentPartPr/>
+              <p14:nvPr/>
+            </p14:nvContentPartPr>
+            <p14:xfrm>
+              <a:off x="9350959" y="4666297"/>
+              <a:ext cx="90720" cy="193320"/>
+            </p14:xfrm>
+          </p:contentPart>
+        </mc:Choice>
+        <mc:Fallback xmlns="">
+          <p:pic>
+            <p:nvPicPr>
+              <p:cNvPr id="19" name="Ink 18"/>
+              <p:cNvPicPr/>
+              <p:nvPr/>
+            </p:nvPicPr>
+            <p:blipFill>
+              <a:blip r:embed="rId13"/>
+              <a:stretch>
+                <a:fillRect/>
+              </a:stretch>
+            </p:blipFill>
+            <p:spPr>
+              <a:xfrm>
+                <a:off x="9338359" y="4655137"/>
+                <a:ext cx="117000" cy="218160"/>
+              </a:xfrm>
+              <a:prstGeom prst="rect">
+                <a:avLst/>
+              </a:prstGeom>
+            </p:spPr>
+          </p:pic>
+        </mc:Fallback>
+      </mc:AlternateContent>
+      <mc:AlternateContent xmlns:mc="http://schemas.openxmlformats.org/markup-compatibility/2006" xmlns:p14="http://schemas.microsoft.com/office/powerpoint/2010/main">
+        <mc:Choice Requires="p14">
+          <p:contentPart p14:bwMode="auto" r:id="rId14">
+            <p14:nvContentPartPr>
+              <p14:cNvPr id="20" name="Ink 19"/>
+              <p14:cNvContentPartPr/>
+              <p14:nvPr/>
+            </p14:nvContentPartPr>
+            <p14:xfrm>
+              <a:off x="9545719" y="4751617"/>
+              <a:ext cx="117720" cy="45720"/>
+            </p14:xfrm>
+          </p:contentPart>
+        </mc:Choice>
+        <mc:Fallback xmlns="">
+          <p:pic>
+            <p:nvPicPr>
+              <p:cNvPr id="20" name="Ink 19"/>
+              <p:cNvPicPr/>
+              <p:nvPr/>
+            </p:nvPicPr>
+            <p:blipFill>
+              <a:blip r:embed="rId15"/>
+              <a:stretch>
+                <a:fillRect/>
+              </a:stretch>
+            </p:blipFill>
+            <p:spPr>
+              <a:xfrm>
+                <a:off x="9534559" y="4744777"/>
+                <a:ext cx="135720" cy="64440"/>
+              </a:xfrm>
+              <a:prstGeom prst="rect">
+                <a:avLst/>
+              </a:prstGeom>
+            </p:spPr>
+          </p:pic>
+        </mc:Fallback>
+      </mc:AlternateContent>
+      <mc:AlternateContent xmlns:mc="http://schemas.openxmlformats.org/markup-compatibility/2006" xmlns:p14="http://schemas.microsoft.com/office/powerpoint/2010/main">
+        <mc:Choice Requires="p14">
+          <p:contentPart p14:bwMode="auto" r:id="rId16">
+            <p14:nvContentPartPr>
+              <p14:cNvPr id="21" name="Ink 20"/>
+              <p14:cNvContentPartPr/>
+              <p14:nvPr/>
+            </p14:nvContentPartPr>
+            <p14:xfrm>
+              <a:off x="9742639" y="4705177"/>
+              <a:ext cx="109800" cy="50040"/>
+            </p14:xfrm>
+          </p:contentPart>
+        </mc:Choice>
+        <mc:Fallback xmlns="">
+          <p:pic>
+            <p:nvPicPr>
+              <p:cNvPr id="21" name="Ink 20"/>
+              <p:cNvPicPr/>
+              <p:nvPr/>
+            </p:nvPicPr>
+            <p:blipFill>
+              <a:blip r:embed="rId17"/>
+              <a:stretch>
+                <a:fillRect/>
+              </a:stretch>
+            </p:blipFill>
+            <p:spPr>
+              <a:xfrm>
+                <a:off x="9734719" y="4700497"/>
+                <a:ext cx="127080" cy="68400"/>
+              </a:xfrm>
+              <a:prstGeom prst="rect">
+                <a:avLst/>
+              </a:prstGeom>
+            </p:spPr>
+          </p:pic>
+        </mc:Fallback>
+      </mc:AlternateContent>
+      <mc:AlternateContent xmlns:mc="http://schemas.openxmlformats.org/markup-compatibility/2006" xmlns:p14="http://schemas.microsoft.com/office/powerpoint/2010/main">
+        <mc:Choice Requires="p14">
+          <p:contentPart p14:bwMode="auto" r:id="rId18">
+            <p14:nvContentPartPr>
+              <p14:cNvPr id="22" name="Ink 21"/>
+              <p14:cNvContentPartPr/>
+              <p14:nvPr/>
+            </p14:nvContentPartPr>
+            <p14:xfrm>
+              <a:off x="8216599" y="2361217"/>
+              <a:ext cx="214200" cy="213480"/>
+            </p14:xfrm>
+          </p:contentPart>
+        </mc:Choice>
+        <mc:Fallback xmlns="">
+          <p:pic>
+            <p:nvPicPr>
+              <p:cNvPr id="22" name="Ink 21"/>
+              <p:cNvPicPr/>
+              <p:nvPr/>
+            </p:nvPicPr>
+            <p:blipFill>
+              <a:blip r:embed="rId19"/>
+              <a:stretch>
+                <a:fillRect/>
+              </a:stretch>
+            </p:blipFill>
+            <p:spPr>
+              <a:xfrm>
+                <a:off x="8200399" y="2345377"/>
+                <a:ext cx="246960" cy="245520"/>
+              </a:xfrm>
+              <a:prstGeom prst="rect">
+                <a:avLst/>
+              </a:prstGeom>
+            </p:spPr>
+          </p:pic>
+        </mc:Fallback>
+      </mc:AlternateContent>
+      <mc:AlternateContent xmlns:mc="http://schemas.openxmlformats.org/markup-compatibility/2006" xmlns:p14="http://schemas.microsoft.com/office/powerpoint/2010/main">
+        <mc:Choice Requires="p14">
+          <p:contentPart p14:bwMode="auto" r:id="rId20">
+            <p14:nvContentPartPr>
+              <p14:cNvPr id="24" name="Ink 23"/>
+              <p14:cNvContentPartPr/>
+              <p14:nvPr/>
+            </p14:nvContentPartPr>
+            <p14:xfrm>
+              <a:off x="8505319" y="2378857"/>
+              <a:ext cx="165960" cy="180720"/>
+            </p14:xfrm>
+          </p:contentPart>
+        </mc:Choice>
+        <mc:Fallback xmlns="">
+          <p:pic>
+            <p:nvPicPr>
+              <p:cNvPr id="24" name="Ink 23"/>
+              <p:cNvPicPr/>
+              <p:nvPr/>
+            </p:nvPicPr>
+            <p:blipFill>
+              <a:blip r:embed="rId21"/>
+              <a:stretch>
+                <a:fillRect/>
+              </a:stretch>
+            </p:blipFill>
+            <p:spPr>
+              <a:xfrm>
+                <a:off x="8491639" y="2365177"/>
+                <a:ext cx="183960" cy="211680"/>
+              </a:xfrm>
+              <a:prstGeom prst="rect">
+                <a:avLst/>
+              </a:prstGeom>
+            </p:spPr>
+          </p:pic>
+        </mc:Fallback>
+      </mc:AlternateContent>
+      <mc:AlternateContent xmlns:mc="http://schemas.openxmlformats.org/markup-compatibility/2006" xmlns:p14="http://schemas.microsoft.com/office/powerpoint/2010/main">
+        <mc:Choice Requires="p14">
+          <p:contentPart p14:bwMode="auto" r:id="rId22">
+            <p14:nvContentPartPr>
+              <p14:cNvPr id="27" name="Ink 26"/>
+              <p14:cNvContentPartPr/>
+              <p14:nvPr/>
+            </p14:nvContentPartPr>
+            <p14:xfrm>
+              <a:off x="8738959" y="2397937"/>
+              <a:ext cx="178200" cy="146880"/>
+            </p14:xfrm>
+          </p:contentPart>
+        </mc:Choice>
+        <mc:Fallback xmlns="">
+          <p:pic>
+            <p:nvPicPr>
+              <p:cNvPr id="27" name="Ink 26"/>
+              <p:cNvPicPr/>
+              <p:nvPr/>
+            </p:nvPicPr>
+            <p:blipFill>
+              <a:blip r:embed="rId23"/>
+              <a:stretch>
+                <a:fillRect/>
+              </a:stretch>
+            </p:blipFill>
+            <p:spPr>
+              <a:xfrm>
+                <a:off x="8723479" y="2383897"/>
+                <a:ext cx="201600" cy="177120"/>
+              </a:xfrm>
+              <a:prstGeom prst="rect">
+                <a:avLst/>
+              </a:prstGeom>
+            </p:spPr>
+          </p:pic>
+        </mc:Fallback>
+      </mc:AlternateContent>
+      <mc:AlternateContent xmlns:mc="http://schemas.openxmlformats.org/markup-compatibility/2006" xmlns:p14="http://schemas.microsoft.com/office/powerpoint/2010/main">
+        <mc:Choice Requires="p14">
+          <p:contentPart p14:bwMode="auto" r:id="rId24">
+            <p14:nvContentPartPr>
+              <p14:cNvPr id="28" name="Ink 27"/>
+              <p14:cNvContentPartPr/>
+              <p14:nvPr/>
+            </p14:nvContentPartPr>
+            <p14:xfrm>
+              <a:off x="8918959" y="2379577"/>
+              <a:ext cx="178200" cy="151920"/>
+            </p14:xfrm>
+          </p:contentPart>
+        </mc:Choice>
+        <mc:Fallback xmlns="">
+          <p:pic>
+            <p:nvPicPr>
+              <p:cNvPr id="28" name="Ink 27"/>
+              <p:cNvPicPr/>
+              <p:nvPr/>
+            </p:nvPicPr>
+            <p:blipFill>
+              <a:blip r:embed="rId25"/>
+              <a:stretch>
+                <a:fillRect/>
+              </a:stretch>
+            </p:blipFill>
+            <p:spPr>
+              <a:xfrm>
+                <a:off x="8912839" y="2363377"/>
+                <a:ext cx="192600" cy="183600"/>
+              </a:xfrm>
+              <a:prstGeom prst="rect">
+                <a:avLst/>
+              </a:prstGeom>
+            </p:spPr>
+          </p:pic>
+        </mc:Fallback>
+      </mc:AlternateContent>
+      <mc:AlternateContent xmlns:mc="http://schemas.openxmlformats.org/markup-compatibility/2006" xmlns:p14="http://schemas.microsoft.com/office/powerpoint/2010/main">
+        <mc:Choice Requires="p14">
+          <p:contentPart p14:bwMode="auto" r:id="rId26">
+            <p14:nvContentPartPr>
+              <p14:cNvPr id="30" name="Ink 29"/>
+              <p14:cNvContentPartPr/>
+              <p14:nvPr/>
+            </p14:nvContentPartPr>
+            <p14:xfrm>
+              <a:off x="9142159" y="2390377"/>
+              <a:ext cx="151920" cy="159120"/>
+            </p14:xfrm>
+          </p:contentPart>
+        </mc:Choice>
+        <mc:Fallback xmlns="">
+          <p:pic>
+            <p:nvPicPr>
+              <p:cNvPr id="30" name="Ink 29"/>
+              <p:cNvPicPr/>
+              <p:nvPr/>
+            </p:nvPicPr>
+            <p:blipFill>
+              <a:blip r:embed="rId27"/>
+              <a:stretch>
+                <a:fillRect/>
+              </a:stretch>
+            </p:blipFill>
+            <p:spPr>
+              <a:xfrm>
+                <a:off x="9133879" y="2375977"/>
+                <a:ext cx="163800" cy="187920"/>
+              </a:xfrm>
+              <a:prstGeom prst="rect">
+                <a:avLst/>
+              </a:prstGeom>
+            </p:spPr>
+          </p:pic>
+        </mc:Fallback>
+      </mc:AlternateContent>
+      <mc:AlternateContent xmlns:mc="http://schemas.openxmlformats.org/markup-compatibility/2006" xmlns:p14="http://schemas.microsoft.com/office/powerpoint/2010/main">
+        <mc:Choice Requires="p14">
+          <p:contentPart p14:bwMode="auto" r:id="rId28">
+            <p14:nvContentPartPr>
+              <p14:cNvPr id="31" name="Ink 30"/>
+              <p14:cNvContentPartPr/>
+              <p14:nvPr/>
+            </p14:nvContentPartPr>
+            <p14:xfrm>
+              <a:off x="9313519" y="2405497"/>
+              <a:ext cx="66240" cy="155160"/>
+            </p14:xfrm>
+          </p:contentPart>
+        </mc:Choice>
+        <mc:Fallback xmlns="">
+          <p:pic>
+            <p:nvPicPr>
+              <p:cNvPr id="31" name="Ink 30"/>
+              <p:cNvPicPr/>
+              <p:nvPr/>
+            </p:nvPicPr>
+            <p:blipFill>
+              <a:blip r:embed="rId29"/>
+              <a:stretch>
+                <a:fillRect/>
+              </a:stretch>
+            </p:blipFill>
+            <p:spPr>
+              <a:xfrm>
+                <a:off x="9306679" y="2393617"/>
+                <a:ext cx="87120" cy="179280"/>
+              </a:xfrm>
+              <a:prstGeom prst="rect">
+                <a:avLst/>
+              </a:prstGeom>
+            </p:spPr>
+          </p:pic>
+        </mc:Fallback>
+      </mc:AlternateContent>
+      <mc:AlternateContent xmlns:mc="http://schemas.openxmlformats.org/markup-compatibility/2006" xmlns:p14="http://schemas.microsoft.com/office/powerpoint/2010/main">
+        <mc:Choice Requires="p14">
+          <p:contentPart p14:bwMode="auto" r:id="rId30">
+            <p14:nvContentPartPr>
+              <p14:cNvPr id="32" name="Ink 31"/>
+              <p14:cNvContentPartPr/>
+              <p14:nvPr/>
+            </p14:nvContentPartPr>
+            <p14:xfrm>
+              <a:off x="9352399" y="2277337"/>
+              <a:ext cx="55440" cy="81000"/>
+            </p14:xfrm>
+          </p:contentPart>
+        </mc:Choice>
+        <mc:Fallback xmlns="">
+          <p:pic>
+            <p:nvPicPr>
+              <p:cNvPr id="32" name="Ink 31"/>
+              <p:cNvPicPr/>
+              <p:nvPr/>
+            </p:nvPicPr>
+            <p:blipFill>
+              <a:blip r:embed="rId31"/>
+              <a:stretch>
+                <a:fillRect/>
+              </a:stretch>
+            </p:blipFill>
+            <p:spPr>
+              <a:xfrm>
+                <a:off x="9337639" y="2264737"/>
+                <a:ext cx="75600" cy="99000"/>
+              </a:xfrm>
+              <a:prstGeom prst="rect">
+                <a:avLst/>
+              </a:prstGeom>
+            </p:spPr>
+          </p:pic>
+        </mc:Fallback>
+      </mc:AlternateContent>
+      <mc:AlternateContent xmlns:mc="http://schemas.openxmlformats.org/markup-compatibility/2006" xmlns:p14="http://schemas.microsoft.com/office/powerpoint/2010/main">
+        <mc:Choice Requires="p14">
+          <p:contentPart p14:bwMode="auto" r:id="rId32">
+            <p14:nvContentPartPr>
+              <p14:cNvPr id="33" name="Ink 32"/>
+              <p14:cNvContentPartPr/>
+              <p14:nvPr/>
+            </p14:nvContentPartPr>
+            <p14:xfrm>
+              <a:off x="9451759" y="2269777"/>
+              <a:ext cx="351720" cy="305280"/>
+            </p14:xfrm>
+          </p:contentPart>
+        </mc:Choice>
+        <mc:Fallback xmlns="">
+          <p:pic>
+            <p:nvPicPr>
+              <p:cNvPr id="33" name="Ink 32"/>
+              <p:cNvPicPr/>
+              <p:nvPr/>
+            </p:nvPicPr>
+            <p:blipFill>
+              <a:blip r:embed="rId33"/>
+              <a:stretch>
+                <a:fillRect/>
+              </a:stretch>
+            </p:blipFill>
+            <p:spPr>
+              <a:xfrm>
+                <a:off x="9435199" y="2253937"/>
+                <a:ext cx="374400" cy="336240"/>
+              </a:xfrm>
+              <a:prstGeom prst="rect">
+                <a:avLst/>
+              </a:prstGeom>
+            </p:spPr>
+          </p:pic>
+        </mc:Fallback>
+      </mc:AlternateContent>
+      <mc:AlternateContent xmlns:mc="http://schemas.openxmlformats.org/markup-compatibility/2006" xmlns:p14="http://schemas.microsoft.com/office/powerpoint/2010/main">
+        <mc:Choice Requires="p14">
+          <p:contentPart p14:bwMode="auto" r:id="rId34">
+            <p14:nvContentPartPr>
+              <p14:cNvPr id="39" name="Ink 38"/>
+              <p14:cNvContentPartPr/>
+              <p14:nvPr/>
+            </p14:nvContentPartPr>
+            <p14:xfrm>
+              <a:off x="9818599" y="2341777"/>
+              <a:ext cx="104760" cy="219960"/>
+            </p14:xfrm>
+          </p:contentPart>
+        </mc:Choice>
+        <mc:Fallback xmlns="">
+          <p:pic>
+            <p:nvPicPr>
+              <p:cNvPr id="39" name="Ink 38"/>
+              <p:cNvPicPr/>
+              <p:nvPr/>
+            </p:nvPicPr>
+            <p:blipFill>
+              <a:blip r:embed="rId35"/>
+              <a:stretch>
+                <a:fillRect/>
+              </a:stretch>
+            </p:blipFill>
+            <p:spPr>
+              <a:xfrm>
+                <a:off x="9800959" y="2329537"/>
+                <a:ext cx="140040" cy="245520"/>
+              </a:xfrm>
+              <a:prstGeom prst="rect">
+                <a:avLst/>
+              </a:prstGeom>
+            </p:spPr>
+          </p:pic>
+        </mc:Fallback>
+      </mc:AlternateContent>
+      <mc:AlternateContent xmlns:mc="http://schemas.openxmlformats.org/markup-compatibility/2006" xmlns:p14="http://schemas.microsoft.com/office/powerpoint/2010/main">
+        <mc:Choice Requires="p14">
+          <p:contentPart p14:bwMode="auto" r:id="rId36">
+            <p14:nvContentPartPr>
+              <p14:cNvPr id="45" name="Ink 44"/>
+              <p14:cNvContentPartPr/>
+              <p14:nvPr/>
+            </p14:nvContentPartPr>
+            <p14:xfrm>
+              <a:off x="8690359" y="2806177"/>
+              <a:ext cx="34920" cy="165240"/>
+            </p14:xfrm>
+          </p:contentPart>
+        </mc:Choice>
+        <mc:Fallback xmlns="">
+          <p:pic>
+            <p:nvPicPr>
+              <p:cNvPr id="45" name="Ink 44"/>
+              <p:cNvPicPr/>
+              <p:nvPr/>
+            </p:nvPicPr>
+            <p:blipFill>
+              <a:blip r:embed="rId37"/>
+              <a:stretch>
+                <a:fillRect/>
+              </a:stretch>
+            </p:blipFill>
+            <p:spPr>
+              <a:xfrm>
+                <a:off x="8676679" y="2789617"/>
+                <a:ext cx="65520" cy="195120"/>
+              </a:xfrm>
+              <a:prstGeom prst="rect">
+                <a:avLst/>
+              </a:prstGeom>
+            </p:spPr>
+          </p:pic>
+        </mc:Fallback>
+      </mc:AlternateContent>
+      <mc:AlternateContent xmlns:mc="http://schemas.openxmlformats.org/markup-compatibility/2006" xmlns:p14="http://schemas.microsoft.com/office/powerpoint/2010/main">
+        <mc:Choice Requires="p14">
+          <p:contentPart p14:bwMode="auto" r:id="rId38">
+            <p14:nvContentPartPr>
+              <p14:cNvPr id="47" name="Ink 46"/>
+              <p14:cNvContentPartPr/>
+              <p14:nvPr/>
+            </p14:nvContentPartPr>
+            <p14:xfrm>
+              <a:off x="8717719" y="2730217"/>
+              <a:ext cx="15120" cy="33480"/>
+            </p14:xfrm>
+          </p:contentPart>
+        </mc:Choice>
+        <mc:Fallback xmlns="">
+          <p:pic>
+            <p:nvPicPr>
+              <p:cNvPr id="47" name="Ink 46"/>
+              <p:cNvPicPr/>
+              <p:nvPr/>
+            </p:nvPicPr>
+            <p:blipFill>
+              <a:blip r:embed="rId39"/>
+              <a:stretch>
+                <a:fillRect/>
+              </a:stretch>
+            </p:blipFill>
+            <p:spPr>
+              <a:xfrm>
+                <a:off x="8702599" y="2721937"/>
+                <a:ext cx="38520" cy="47520"/>
+              </a:xfrm>
+              <a:prstGeom prst="rect">
+                <a:avLst/>
+              </a:prstGeom>
+            </p:spPr>
+          </p:pic>
+        </mc:Fallback>
+      </mc:AlternateContent>
+      <mc:AlternateContent xmlns:mc="http://schemas.openxmlformats.org/markup-compatibility/2006" xmlns:p14="http://schemas.microsoft.com/office/powerpoint/2010/main">
+        <mc:Choice Requires="p14">
+          <p:contentPart p14:bwMode="auto" r:id="rId40">
+            <p14:nvContentPartPr>
+              <p14:cNvPr id="48" name="Ink 47"/>
+              <p14:cNvContentPartPr/>
+              <p14:nvPr/>
+            </p14:nvContentPartPr>
+            <p14:xfrm>
+              <a:off x="8846599" y="2761537"/>
+              <a:ext cx="284760" cy="215640"/>
+            </p14:xfrm>
+          </p:contentPart>
+        </mc:Choice>
+        <mc:Fallback xmlns="">
+          <p:pic>
+            <p:nvPicPr>
+              <p:cNvPr id="48" name="Ink 47"/>
+              <p:cNvPicPr/>
+              <p:nvPr/>
+            </p:nvPicPr>
+            <p:blipFill>
+              <a:blip r:embed="rId41"/>
+              <a:stretch>
+                <a:fillRect/>
+              </a:stretch>
+            </p:blipFill>
+            <p:spPr>
+              <a:xfrm>
+                <a:off x="8833999" y="2744617"/>
+                <a:ext cx="315000" cy="249480"/>
+              </a:xfrm>
+              <a:prstGeom prst="rect">
+                <a:avLst/>
+              </a:prstGeom>
+            </p:spPr>
+          </p:pic>
+        </mc:Fallback>
+      </mc:AlternateContent>
+      <mc:AlternateContent xmlns:mc="http://schemas.openxmlformats.org/markup-compatibility/2006" xmlns:p14="http://schemas.microsoft.com/office/powerpoint/2010/main">
+        <mc:Choice Requires="p14">
+          <p:contentPart p14:bwMode="auto" r:id="rId42">
+            <p14:nvContentPartPr>
+              <p14:cNvPr id="49" name="Ink 48"/>
+              <p14:cNvContentPartPr/>
+              <p14:nvPr/>
+            </p14:nvContentPartPr>
+            <p14:xfrm>
+              <a:off x="9210919" y="2646697"/>
+              <a:ext cx="58320" cy="316080"/>
+            </p14:xfrm>
+          </p:contentPart>
+        </mc:Choice>
+        <mc:Fallback xmlns="">
+          <p:pic>
+            <p:nvPicPr>
+              <p:cNvPr id="49" name="Ink 48"/>
+              <p:cNvPicPr/>
+              <p:nvPr/>
+            </p:nvPicPr>
+            <p:blipFill>
+              <a:blip r:embed="rId43"/>
+              <a:stretch>
+                <a:fillRect/>
+              </a:stretch>
+            </p:blipFill>
+            <p:spPr>
+              <a:xfrm>
+                <a:off x="9195799" y="2631577"/>
+                <a:ext cx="81720" cy="348120"/>
+              </a:xfrm>
+              <a:prstGeom prst="rect">
+                <a:avLst/>
+              </a:prstGeom>
+            </p:spPr>
+          </p:pic>
+        </mc:Fallback>
+      </mc:AlternateContent>
+      <mc:AlternateContent xmlns:mc="http://schemas.openxmlformats.org/markup-compatibility/2006" xmlns:p14="http://schemas.microsoft.com/office/powerpoint/2010/main">
+        <mc:Choice Requires="p14">
+          <p:contentPart p14:bwMode="auto" r:id="rId44">
+            <p14:nvContentPartPr>
+              <p14:cNvPr id="51" name="Ink 50"/>
+              <p14:cNvContentPartPr/>
+              <p14:nvPr/>
+            </p14:nvContentPartPr>
+            <p14:xfrm>
+              <a:off x="9114079" y="2770897"/>
+              <a:ext cx="240840" cy="60480"/>
+            </p14:xfrm>
+          </p:contentPart>
+        </mc:Choice>
+        <mc:Fallback xmlns="">
+          <p:pic>
+            <p:nvPicPr>
+              <p:cNvPr id="51" name="Ink 50"/>
+              <p:cNvPicPr/>
+              <p:nvPr/>
+            </p:nvPicPr>
+            <p:blipFill>
+              <a:blip r:embed="rId45"/>
+              <a:stretch>
+                <a:fillRect/>
+              </a:stretch>
+            </p:blipFill>
+            <p:spPr>
+              <a:xfrm>
+                <a:off x="9097519" y="2753617"/>
+                <a:ext cx="267480" cy="89280"/>
+              </a:xfrm>
+              <a:prstGeom prst="rect">
+                <a:avLst/>
+              </a:prstGeom>
+            </p:spPr>
+          </p:pic>
+        </mc:Fallback>
+      </mc:AlternateContent>
     </p:spTree>
     <p:extLst>
       <p:ext uri="{BB962C8B-B14F-4D97-AF65-F5344CB8AC3E}">
-        <p14:creationId xmlns:p14="http://schemas.microsoft.com/office/powerpoint/2010/main" val="1276294801"/>
+        <p14:creationId xmlns:p14="http://schemas.microsoft.com/office/powerpoint/2010/main" val="3958873236"/>
       </p:ext>
     </p:extLst>
   </p:cSld>
@@ -11170,9 +13053,1692 @@
   <p:timing>
     <p:tnLst>
       <p:par>
-        <p:cTn id="1" dur="indefinite" restart="never" nodeType="tmRoot"/>
+        <p:cTn id="1" dur="indefinite" restart="never" nodeType="tmRoot">
+          <p:childTnLst>
+            <p:seq concurrent="1" nextAc="seek">
+              <p:cTn id="2" dur="indefinite" nodeType="mainSeq">
+                <p:childTnLst>
+                  <p:par>
+                    <p:cTn id="3" fill="hold">
+                      <p:stCondLst>
+                        <p:cond delay="indefinite"/>
+                      </p:stCondLst>
+                      <p:childTnLst>
+                        <p:par>
+                          <p:cTn id="4" fill="hold">
+                            <p:stCondLst>
+                              <p:cond delay="0"/>
+                            </p:stCondLst>
+                            <p:childTnLst>
+                              <p:par>
+                                <p:cTn id="5" presetID="1" presetClass="entr" presetSubtype="0" fill="hold" grpId="0" nodeType="clickEffect">
+                                  <p:stCondLst>
+                                    <p:cond delay="0"/>
+                                  </p:stCondLst>
+                                  <p:childTnLst>
+                                    <p:set>
+                                      <p:cBhvr>
+                                        <p:cTn id="6" dur="1" fill="hold">
+                                          <p:stCondLst>
+                                            <p:cond delay="0"/>
+                                          </p:stCondLst>
+                                        </p:cTn>
+                                        <p:tgtEl>
+                                          <p:spTgt spid="3"/>
+                                        </p:tgtEl>
+                                        <p:attrNameLst>
+                                          <p:attrName>style.visibility</p:attrName>
+                                        </p:attrNameLst>
+                                      </p:cBhvr>
+                                      <p:to>
+                                        <p:strVal val="visible"/>
+                                      </p:to>
+                                    </p:set>
+                                  </p:childTnLst>
+                                </p:cTn>
+                              </p:par>
+                              <p:par>
+                                <p:cTn id="7" presetID="1" presetClass="entr" presetSubtype="0" fill="hold" grpId="0" nodeType="withEffect">
+                                  <p:stCondLst>
+                                    <p:cond delay="0"/>
+                                  </p:stCondLst>
+                                  <p:childTnLst>
+                                    <p:set>
+                                      <p:cBhvr>
+                                        <p:cTn id="8" dur="1" fill="hold">
+                                          <p:stCondLst>
+                                            <p:cond delay="0"/>
+                                          </p:stCondLst>
+                                        </p:cTn>
+                                        <p:tgtEl>
+                                          <p:spTgt spid="4"/>
+                                        </p:tgtEl>
+                                        <p:attrNameLst>
+                                          <p:attrName>style.visibility</p:attrName>
+                                        </p:attrNameLst>
+                                      </p:cBhvr>
+                                      <p:to>
+                                        <p:strVal val="visible"/>
+                                      </p:to>
+                                    </p:set>
+                                  </p:childTnLst>
+                                </p:cTn>
+                              </p:par>
+                              <p:par>
+                                <p:cTn id="9" presetID="1" presetClass="entr" presetSubtype="0" fill="hold" grpId="0" nodeType="withEffect">
+                                  <p:stCondLst>
+                                    <p:cond delay="0"/>
+                                  </p:stCondLst>
+                                  <p:childTnLst>
+                                    <p:set>
+                                      <p:cBhvr>
+                                        <p:cTn id="10" dur="1" fill="hold">
+                                          <p:stCondLst>
+                                            <p:cond delay="0"/>
+                                          </p:stCondLst>
+                                        </p:cTn>
+                                        <p:tgtEl>
+                                          <p:spTgt spid="25"/>
+                                        </p:tgtEl>
+                                        <p:attrNameLst>
+                                          <p:attrName>style.visibility</p:attrName>
+                                        </p:attrNameLst>
+                                      </p:cBhvr>
+                                      <p:to>
+                                        <p:strVal val="visible"/>
+                                      </p:to>
+                                    </p:set>
+                                  </p:childTnLst>
+                                </p:cTn>
+                              </p:par>
+                              <p:par>
+                                <p:cTn id="11" presetID="1" presetClass="entr" presetSubtype="0" fill="hold" nodeType="withEffect">
+                                  <p:stCondLst>
+                                    <p:cond delay="0"/>
+                                  </p:stCondLst>
+                                  <p:childTnLst>
+                                    <p:set>
+                                      <p:cBhvr>
+                                        <p:cTn id="12" dur="1" fill="hold">
+                                          <p:stCondLst>
+                                            <p:cond delay="0"/>
+                                          </p:stCondLst>
+                                        </p:cTn>
+                                        <p:tgtEl>
+                                          <p:spTgt spid="26"/>
+                                        </p:tgtEl>
+                                        <p:attrNameLst>
+                                          <p:attrName>style.visibility</p:attrName>
+                                        </p:attrNameLst>
+                                      </p:cBhvr>
+                                      <p:to>
+                                        <p:strVal val="visible"/>
+                                      </p:to>
+                                    </p:set>
+                                  </p:childTnLst>
+                                </p:cTn>
+                              </p:par>
+                              <p:par>
+                                <p:cTn id="13" presetID="1" presetClass="entr" presetSubtype="0" fill="hold" nodeType="withEffect">
+                                  <p:stCondLst>
+                                    <p:cond delay="0"/>
+                                  </p:stCondLst>
+                                  <p:childTnLst>
+                                    <p:set>
+                                      <p:cBhvr>
+                                        <p:cTn id="14" dur="1" fill="hold">
+                                          <p:stCondLst>
+                                            <p:cond delay="0"/>
+                                          </p:stCondLst>
+                                        </p:cTn>
+                                        <p:tgtEl>
+                                          <p:spTgt spid="40"/>
+                                        </p:tgtEl>
+                                        <p:attrNameLst>
+                                          <p:attrName>style.visibility</p:attrName>
+                                        </p:attrNameLst>
+                                      </p:cBhvr>
+                                      <p:to>
+                                        <p:strVal val="visible"/>
+                                      </p:to>
+                                    </p:set>
+                                  </p:childTnLst>
+                                </p:cTn>
+                              </p:par>
+                              <p:par>
+                                <p:cTn id="15" presetID="1" presetClass="entr" presetSubtype="0" fill="hold" nodeType="withEffect">
+                                  <p:stCondLst>
+                                    <p:cond delay="0"/>
+                                  </p:stCondLst>
+                                  <p:childTnLst>
+                                    <p:set>
+                                      <p:cBhvr>
+                                        <p:cTn id="16" dur="1" fill="hold">
+                                          <p:stCondLst>
+                                            <p:cond delay="0"/>
+                                          </p:stCondLst>
+                                        </p:cTn>
+                                        <p:tgtEl>
+                                          <p:spTgt spid="37"/>
+                                        </p:tgtEl>
+                                        <p:attrNameLst>
+                                          <p:attrName>style.visibility</p:attrName>
+                                        </p:attrNameLst>
+                                      </p:cBhvr>
+                                      <p:to>
+                                        <p:strVal val="visible"/>
+                                      </p:to>
+                                    </p:set>
+                                  </p:childTnLst>
+                                </p:cTn>
+                              </p:par>
+                            </p:childTnLst>
+                          </p:cTn>
+                        </p:par>
+                      </p:childTnLst>
+                    </p:cTn>
+                  </p:par>
+                  <p:par>
+                    <p:cTn id="17" fill="hold">
+                      <p:stCondLst>
+                        <p:cond delay="indefinite"/>
+                      </p:stCondLst>
+                      <p:childTnLst>
+                        <p:par>
+                          <p:cTn id="18" fill="hold">
+                            <p:stCondLst>
+                              <p:cond delay="0"/>
+                            </p:stCondLst>
+                            <p:childTnLst>
+                              <p:par>
+                                <p:cTn id="19" presetID="10" presetClass="entr" presetSubtype="0" fill="hold" grpId="0" nodeType="clickEffect">
+                                  <p:stCondLst>
+                                    <p:cond delay="0"/>
+                                  </p:stCondLst>
+                                  <p:childTnLst>
+                                    <p:set>
+                                      <p:cBhvr>
+                                        <p:cTn id="20" dur="1" fill="hold">
+                                          <p:stCondLst>
+                                            <p:cond delay="0"/>
+                                          </p:stCondLst>
+                                        </p:cTn>
+                                        <p:tgtEl>
+                                          <p:spTgt spid="5"/>
+                                        </p:tgtEl>
+                                        <p:attrNameLst>
+                                          <p:attrName>style.visibility</p:attrName>
+                                        </p:attrNameLst>
+                                      </p:cBhvr>
+                                      <p:to>
+                                        <p:strVal val="visible"/>
+                                      </p:to>
+                                    </p:set>
+                                    <p:animEffect transition="in" filter="fade">
+                                      <p:cBhvr>
+                                        <p:cTn id="21" dur="500"/>
+                                        <p:tgtEl>
+                                          <p:spTgt spid="5"/>
+                                        </p:tgtEl>
+                                      </p:cBhvr>
+                                    </p:animEffect>
+                                  </p:childTnLst>
+                                </p:cTn>
+                              </p:par>
+                              <p:par>
+                                <p:cTn id="22" presetID="10" presetClass="entr" presetSubtype="0" fill="hold" grpId="0" nodeType="withEffect">
+                                  <p:stCondLst>
+                                    <p:cond delay="0"/>
+                                  </p:stCondLst>
+                                  <p:childTnLst>
+                                    <p:set>
+                                      <p:cBhvr>
+                                        <p:cTn id="23" dur="1" fill="hold">
+                                          <p:stCondLst>
+                                            <p:cond delay="0"/>
+                                          </p:stCondLst>
+                                        </p:cTn>
+                                        <p:tgtEl>
+                                          <p:spTgt spid="6"/>
+                                        </p:tgtEl>
+                                        <p:attrNameLst>
+                                          <p:attrName>style.visibility</p:attrName>
+                                        </p:attrNameLst>
+                                      </p:cBhvr>
+                                      <p:to>
+                                        <p:strVal val="visible"/>
+                                      </p:to>
+                                    </p:set>
+                                    <p:animEffect transition="in" filter="fade">
+                                      <p:cBhvr>
+                                        <p:cTn id="24" dur="500"/>
+                                        <p:tgtEl>
+                                          <p:spTgt spid="6"/>
+                                        </p:tgtEl>
+                                      </p:cBhvr>
+                                    </p:animEffect>
+                                  </p:childTnLst>
+                                </p:cTn>
+                              </p:par>
+                              <p:par>
+                                <p:cTn id="25" presetID="10" presetClass="entr" presetSubtype="0" fill="hold" grpId="0" nodeType="withEffect">
+                                  <p:stCondLst>
+                                    <p:cond delay="0"/>
+                                  </p:stCondLst>
+                                  <p:childTnLst>
+                                    <p:set>
+                                      <p:cBhvr>
+                                        <p:cTn id="26" dur="1" fill="hold">
+                                          <p:stCondLst>
+                                            <p:cond delay="0"/>
+                                          </p:stCondLst>
+                                        </p:cTn>
+                                        <p:tgtEl>
+                                          <p:spTgt spid="7"/>
+                                        </p:tgtEl>
+                                        <p:attrNameLst>
+                                          <p:attrName>style.visibility</p:attrName>
+                                        </p:attrNameLst>
+                                      </p:cBhvr>
+                                      <p:to>
+                                        <p:strVal val="visible"/>
+                                      </p:to>
+                                    </p:set>
+                                    <p:animEffect transition="in" filter="fade">
+                                      <p:cBhvr>
+                                        <p:cTn id="27" dur="500"/>
+                                        <p:tgtEl>
+                                          <p:spTgt spid="7"/>
+                                        </p:tgtEl>
+                                      </p:cBhvr>
+                                    </p:animEffect>
+                                  </p:childTnLst>
+                                </p:cTn>
+                              </p:par>
+                              <p:par>
+                                <p:cTn id="28" presetID="10" presetClass="entr" presetSubtype="0" fill="hold" nodeType="withEffect">
+                                  <p:stCondLst>
+                                    <p:cond delay="0"/>
+                                  </p:stCondLst>
+                                  <p:childTnLst>
+                                    <p:set>
+                                      <p:cBhvr>
+                                        <p:cTn id="29" dur="1" fill="hold">
+                                          <p:stCondLst>
+                                            <p:cond delay="0"/>
+                                          </p:stCondLst>
+                                        </p:cTn>
+                                        <p:tgtEl>
+                                          <p:spTgt spid="13"/>
+                                        </p:tgtEl>
+                                        <p:attrNameLst>
+                                          <p:attrName>style.visibility</p:attrName>
+                                        </p:attrNameLst>
+                                      </p:cBhvr>
+                                      <p:to>
+                                        <p:strVal val="visible"/>
+                                      </p:to>
+                                    </p:set>
+                                    <p:animEffect transition="in" filter="fade">
+                                      <p:cBhvr>
+                                        <p:cTn id="30" dur="500"/>
+                                        <p:tgtEl>
+                                          <p:spTgt spid="13"/>
+                                        </p:tgtEl>
+                                      </p:cBhvr>
+                                    </p:animEffect>
+                                  </p:childTnLst>
+                                </p:cTn>
+                              </p:par>
+                              <p:par>
+                                <p:cTn id="31" presetID="10" presetClass="entr" presetSubtype="0" fill="hold" nodeType="withEffect">
+                                  <p:stCondLst>
+                                    <p:cond delay="0"/>
+                                  </p:stCondLst>
+                                  <p:childTnLst>
+                                    <p:set>
+                                      <p:cBhvr>
+                                        <p:cTn id="32" dur="1" fill="hold">
+                                          <p:stCondLst>
+                                            <p:cond delay="0"/>
+                                          </p:stCondLst>
+                                        </p:cTn>
+                                        <p:tgtEl>
+                                          <p:spTgt spid="14"/>
+                                        </p:tgtEl>
+                                        <p:attrNameLst>
+                                          <p:attrName>style.visibility</p:attrName>
+                                        </p:attrNameLst>
+                                      </p:cBhvr>
+                                      <p:to>
+                                        <p:strVal val="visible"/>
+                                      </p:to>
+                                    </p:set>
+                                    <p:animEffect transition="in" filter="fade">
+                                      <p:cBhvr>
+                                        <p:cTn id="33" dur="500"/>
+                                        <p:tgtEl>
+                                          <p:spTgt spid="14"/>
+                                        </p:tgtEl>
+                                      </p:cBhvr>
+                                    </p:animEffect>
+                                  </p:childTnLst>
+                                </p:cTn>
+                              </p:par>
+                              <p:par>
+                                <p:cTn id="34" presetID="10" presetClass="entr" presetSubtype="0" fill="hold" nodeType="withEffect">
+                                  <p:stCondLst>
+                                    <p:cond delay="0"/>
+                                  </p:stCondLst>
+                                  <p:childTnLst>
+                                    <p:set>
+                                      <p:cBhvr>
+                                        <p:cTn id="35" dur="1" fill="hold">
+                                          <p:stCondLst>
+                                            <p:cond delay="0"/>
+                                          </p:stCondLst>
+                                        </p:cTn>
+                                        <p:tgtEl>
+                                          <p:spTgt spid="29"/>
+                                        </p:tgtEl>
+                                        <p:attrNameLst>
+                                          <p:attrName>style.visibility</p:attrName>
+                                        </p:attrNameLst>
+                                      </p:cBhvr>
+                                      <p:to>
+                                        <p:strVal val="visible"/>
+                                      </p:to>
+                                    </p:set>
+                                    <p:animEffect transition="in" filter="fade">
+                                      <p:cBhvr>
+                                        <p:cTn id="36" dur="500"/>
+                                        <p:tgtEl>
+                                          <p:spTgt spid="29"/>
+                                        </p:tgtEl>
+                                      </p:cBhvr>
+                                    </p:animEffect>
+                                  </p:childTnLst>
+                                </p:cTn>
+                              </p:par>
+                              <p:par>
+                                <p:cTn id="37" presetID="10" presetClass="entr" presetSubtype="0" fill="hold" nodeType="withEffect">
+                                  <p:stCondLst>
+                                    <p:cond delay="0"/>
+                                  </p:stCondLst>
+                                  <p:childTnLst>
+                                    <p:set>
+                                      <p:cBhvr>
+                                        <p:cTn id="38" dur="1" fill="hold">
+                                          <p:stCondLst>
+                                            <p:cond delay="0"/>
+                                          </p:stCondLst>
+                                        </p:cTn>
+                                        <p:tgtEl>
+                                          <p:spTgt spid="22"/>
+                                        </p:tgtEl>
+                                        <p:attrNameLst>
+                                          <p:attrName>style.visibility</p:attrName>
+                                        </p:attrNameLst>
+                                      </p:cBhvr>
+                                      <p:to>
+                                        <p:strVal val="visible"/>
+                                      </p:to>
+                                    </p:set>
+                                    <p:animEffect transition="in" filter="fade">
+                                      <p:cBhvr>
+                                        <p:cTn id="39" dur="500"/>
+                                        <p:tgtEl>
+                                          <p:spTgt spid="22"/>
+                                        </p:tgtEl>
+                                      </p:cBhvr>
+                                    </p:animEffect>
+                                  </p:childTnLst>
+                                </p:cTn>
+                              </p:par>
+                              <p:par>
+                                <p:cTn id="40" presetID="10" presetClass="entr" presetSubtype="0" fill="hold" nodeType="withEffect">
+                                  <p:stCondLst>
+                                    <p:cond delay="0"/>
+                                  </p:stCondLst>
+                                  <p:childTnLst>
+                                    <p:set>
+                                      <p:cBhvr>
+                                        <p:cTn id="41" dur="1" fill="hold">
+                                          <p:stCondLst>
+                                            <p:cond delay="0"/>
+                                          </p:stCondLst>
+                                        </p:cTn>
+                                        <p:tgtEl>
+                                          <p:spTgt spid="24"/>
+                                        </p:tgtEl>
+                                        <p:attrNameLst>
+                                          <p:attrName>style.visibility</p:attrName>
+                                        </p:attrNameLst>
+                                      </p:cBhvr>
+                                      <p:to>
+                                        <p:strVal val="visible"/>
+                                      </p:to>
+                                    </p:set>
+                                    <p:animEffect transition="in" filter="fade">
+                                      <p:cBhvr>
+                                        <p:cTn id="42" dur="500"/>
+                                        <p:tgtEl>
+                                          <p:spTgt spid="24"/>
+                                        </p:tgtEl>
+                                      </p:cBhvr>
+                                    </p:animEffect>
+                                  </p:childTnLst>
+                                </p:cTn>
+                              </p:par>
+                              <p:par>
+                                <p:cTn id="43" presetID="10" presetClass="entr" presetSubtype="0" fill="hold" nodeType="withEffect">
+                                  <p:stCondLst>
+                                    <p:cond delay="0"/>
+                                  </p:stCondLst>
+                                  <p:childTnLst>
+                                    <p:set>
+                                      <p:cBhvr>
+                                        <p:cTn id="44" dur="1" fill="hold">
+                                          <p:stCondLst>
+                                            <p:cond delay="0"/>
+                                          </p:stCondLst>
+                                        </p:cTn>
+                                        <p:tgtEl>
+                                          <p:spTgt spid="27"/>
+                                        </p:tgtEl>
+                                        <p:attrNameLst>
+                                          <p:attrName>style.visibility</p:attrName>
+                                        </p:attrNameLst>
+                                      </p:cBhvr>
+                                      <p:to>
+                                        <p:strVal val="visible"/>
+                                      </p:to>
+                                    </p:set>
+                                    <p:animEffect transition="in" filter="fade">
+                                      <p:cBhvr>
+                                        <p:cTn id="45" dur="500"/>
+                                        <p:tgtEl>
+                                          <p:spTgt spid="27"/>
+                                        </p:tgtEl>
+                                      </p:cBhvr>
+                                    </p:animEffect>
+                                  </p:childTnLst>
+                                </p:cTn>
+                              </p:par>
+                              <p:par>
+                                <p:cTn id="46" presetID="10" presetClass="entr" presetSubtype="0" fill="hold" nodeType="withEffect">
+                                  <p:stCondLst>
+                                    <p:cond delay="0"/>
+                                  </p:stCondLst>
+                                  <p:childTnLst>
+                                    <p:set>
+                                      <p:cBhvr>
+                                        <p:cTn id="47" dur="1" fill="hold">
+                                          <p:stCondLst>
+                                            <p:cond delay="0"/>
+                                          </p:stCondLst>
+                                        </p:cTn>
+                                        <p:tgtEl>
+                                          <p:spTgt spid="28"/>
+                                        </p:tgtEl>
+                                        <p:attrNameLst>
+                                          <p:attrName>style.visibility</p:attrName>
+                                        </p:attrNameLst>
+                                      </p:cBhvr>
+                                      <p:to>
+                                        <p:strVal val="visible"/>
+                                      </p:to>
+                                    </p:set>
+                                    <p:animEffect transition="in" filter="fade">
+                                      <p:cBhvr>
+                                        <p:cTn id="48" dur="500"/>
+                                        <p:tgtEl>
+                                          <p:spTgt spid="28"/>
+                                        </p:tgtEl>
+                                      </p:cBhvr>
+                                    </p:animEffect>
+                                  </p:childTnLst>
+                                </p:cTn>
+                              </p:par>
+                              <p:par>
+                                <p:cTn id="49" presetID="10" presetClass="entr" presetSubtype="0" fill="hold" nodeType="withEffect">
+                                  <p:stCondLst>
+                                    <p:cond delay="0"/>
+                                  </p:stCondLst>
+                                  <p:childTnLst>
+                                    <p:set>
+                                      <p:cBhvr>
+                                        <p:cTn id="50" dur="1" fill="hold">
+                                          <p:stCondLst>
+                                            <p:cond delay="0"/>
+                                          </p:stCondLst>
+                                        </p:cTn>
+                                        <p:tgtEl>
+                                          <p:spTgt spid="30"/>
+                                        </p:tgtEl>
+                                        <p:attrNameLst>
+                                          <p:attrName>style.visibility</p:attrName>
+                                        </p:attrNameLst>
+                                      </p:cBhvr>
+                                      <p:to>
+                                        <p:strVal val="visible"/>
+                                      </p:to>
+                                    </p:set>
+                                    <p:animEffect transition="in" filter="fade">
+                                      <p:cBhvr>
+                                        <p:cTn id="51" dur="500"/>
+                                        <p:tgtEl>
+                                          <p:spTgt spid="30"/>
+                                        </p:tgtEl>
+                                      </p:cBhvr>
+                                    </p:animEffect>
+                                  </p:childTnLst>
+                                </p:cTn>
+                              </p:par>
+                              <p:par>
+                                <p:cTn id="52" presetID="10" presetClass="entr" presetSubtype="0" fill="hold" nodeType="withEffect">
+                                  <p:stCondLst>
+                                    <p:cond delay="0"/>
+                                  </p:stCondLst>
+                                  <p:childTnLst>
+                                    <p:set>
+                                      <p:cBhvr>
+                                        <p:cTn id="53" dur="1" fill="hold">
+                                          <p:stCondLst>
+                                            <p:cond delay="0"/>
+                                          </p:stCondLst>
+                                        </p:cTn>
+                                        <p:tgtEl>
+                                          <p:spTgt spid="31"/>
+                                        </p:tgtEl>
+                                        <p:attrNameLst>
+                                          <p:attrName>style.visibility</p:attrName>
+                                        </p:attrNameLst>
+                                      </p:cBhvr>
+                                      <p:to>
+                                        <p:strVal val="visible"/>
+                                      </p:to>
+                                    </p:set>
+                                    <p:animEffect transition="in" filter="fade">
+                                      <p:cBhvr>
+                                        <p:cTn id="54" dur="500"/>
+                                        <p:tgtEl>
+                                          <p:spTgt spid="31"/>
+                                        </p:tgtEl>
+                                      </p:cBhvr>
+                                    </p:animEffect>
+                                  </p:childTnLst>
+                                </p:cTn>
+                              </p:par>
+                              <p:par>
+                                <p:cTn id="55" presetID="10" presetClass="entr" presetSubtype="0" fill="hold" nodeType="withEffect">
+                                  <p:stCondLst>
+                                    <p:cond delay="0"/>
+                                  </p:stCondLst>
+                                  <p:childTnLst>
+                                    <p:set>
+                                      <p:cBhvr>
+                                        <p:cTn id="56" dur="1" fill="hold">
+                                          <p:stCondLst>
+                                            <p:cond delay="0"/>
+                                          </p:stCondLst>
+                                        </p:cTn>
+                                        <p:tgtEl>
+                                          <p:spTgt spid="32"/>
+                                        </p:tgtEl>
+                                        <p:attrNameLst>
+                                          <p:attrName>style.visibility</p:attrName>
+                                        </p:attrNameLst>
+                                      </p:cBhvr>
+                                      <p:to>
+                                        <p:strVal val="visible"/>
+                                      </p:to>
+                                    </p:set>
+                                    <p:animEffect transition="in" filter="fade">
+                                      <p:cBhvr>
+                                        <p:cTn id="57" dur="500"/>
+                                        <p:tgtEl>
+                                          <p:spTgt spid="32"/>
+                                        </p:tgtEl>
+                                      </p:cBhvr>
+                                    </p:animEffect>
+                                  </p:childTnLst>
+                                </p:cTn>
+                              </p:par>
+                              <p:par>
+                                <p:cTn id="58" presetID="10" presetClass="entr" presetSubtype="0" fill="hold" nodeType="withEffect">
+                                  <p:stCondLst>
+                                    <p:cond delay="0"/>
+                                  </p:stCondLst>
+                                  <p:childTnLst>
+                                    <p:set>
+                                      <p:cBhvr>
+                                        <p:cTn id="59" dur="1" fill="hold">
+                                          <p:stCondLst>
+                                            <p:cond delay="0"/>
+                                          </p:stCondLst>
+                                        </p:cTn>
+                                        <p:tgtEl>
+                                          <p:spTgt spid="33"/>
+                                        </p:tgtEl>
+                                        <p:attrNameLst>
+                                          <p:attrName>style.visibility</p:attrName>
+                                        </p:attrNameLst>
+                                      </p:cBhvr>
+                                      <p:to>
+                                        <p:strVal val="visible"/>
+                                      </p:to>
+                                    </p:set>
+                                    <p:animEffect transition="in" filter="fade">
+                                      <p:cBhvr>
+                                        <p:cTn id="60" dur="500"/>
+                                        <p:tgtEl>
+                                          <p:spTgt spid="33"/>
+                                        </p:tgtEl>
+                                      </p:cBhvr>
+                                    </p:animEffect>
+                                  </p:childTnLst>
+                                </p:cTn>
+                              </p:par>
+                              <p:par>
+                                <p:cTn id="61" presetID="10" presetClass="entr" presetSubtype="0" fill="hold" nodeType="withEffect">
+                                  <p:stCondLst>
+                                    <p:cond delay="0"/>
+                                  </p:stCondLst>
+                                  <p:childTnLst>
+                                    <p:set>
+                                      <p:cBhvr>
+                                        <p:cTn id="62" dur="1" fill="hold">
+                                          <p:stCondLst>
+                                            <p:cond delay="0"/>
+                                          </p:stCondLst>
+                                        </p:cTn>
+                                        <p:tgtEl>
+                                          <p:spTgt spid="39"/>
+                                        </p:tgtEl>
+                                        <p:attrNameLst>
+                                          <p:attrName>style.visibility</p:attrName>
+                                        </p:attrNameLst>
+                                      </p:cBhvr>
+                                      <p:to>
+                                        <p:strVal val="visible"/>
+                                      </p:to>
+                                    </p:set>
+                                    <p:animEffect transition="in" filter="fade">
+                                      <p:cBhvr>
+                                        <p:cTn id="63" dur="500"/>
+                                        <p:tgtEl>
+                                          <p:spTgt spid="39"/>
+                                        </p:tgtEl>
+                                      </p:cBhvr>
+                                    </p:animEffect>
+                                  </p:childTnLst>
+                                </p:cTn>
+                              </p:par>
+                              <p:par>
+                                <p:cTn id="64" presetID="10" presetClass="entr" presetSubtype="0" fill="hold" nodeType="withEffect">
+                                  <p:stCondLst>
+                                    <p:cond delay="0"/>
+                                  </p:stCondLst>
+                                  <p:childTnLst>
+                                    <p:set>
+                                      <p:cBhvr>
+                                        <p:cTn id="65" dur="1" fill="hold">
+                                          <p:stCondLst>
+                                            <p:cond delay="0"/>
+                                          </p:stCondLst>
+                                        </p:cTn>
+                                        <p:tgtEl>
+                                          <p:spTgt spid="45"/>
+                                        </p:tgtEl>
+                                        <p:attrNameLst>
+                                          <p:attrName>style.visibility</p:attrName>
+                                        </p:attrNameLst>
+                                      </p:cBhvr>
+                                      <p:to>
+                                        <p:strVal val="visible"/>
+                                      </p:to>
+                                    </p:set>
+                                    <p:animEffect transition="in" filter="fade">
+                                      <p:cBhvr>
+                                        <p:cTn id="66" dur="500"/>
+                                        <p:tgtEl>
+                                          <p:spTgt spid="45"/>
+                                        </p:tgtEl>
+                                      </p:cBhvr>
+                                    </p:animEffect>
+                                  </p:childTnLst>
+                                </p:cTn>
+                              </p:par>
+                              <p:par>
+                                <p:cTn id="67" presetID="10" presetClass="entr" presetSubtype="0" fill="hold" nodeType="withEffect">
+                                  <p:stCondLst>
+                                    <p:cond delay="0"/>
+                                  </p:stCondLst>
+                                  <p:childTnLst>
+                                    <p:set>
+                                      <p:cBhvr>
+                                        <p:cTn id="68" dur="1" fill="hold">
+                                          <p:stCondLst>
+                                            <p:cond delay="0"/>
+                                          </p:stCondLst>
+                                        </p:cTn>
+                                        <p:tgtEl>
+                                          <p:spTgt spid="47"/>
+                                        </p:tgtEl>
+                                        <p:attrNameLst>
+                                          <p:attrName>style.visibility</p:attrName>
+                                        </p:attrNameLst>
+                                      </p:cBhvr>
+                                      <p:to>
+                                        <p:strVal val="visible"/>
+                                      </p:to>
+                                    </p:set>
+                                    <p:animEffect transition="in" filter="fade">
+                                      <p:cBhvr>
+                                        <p:cTn id="69" dur="500"/>
+                                        <p:tgtEl>
+                                          <p:spTgt spid="47"/>
+                                        </p:tgtEl>
+                                      </p:cBhvr>
+                                    </p:animEffect>
+                                  </p:childTnLst>
+                                </p:cTn>
+                              </p:par>
+                              <p:par>
+                                <p:cTn id="70" presetID="10" presetClass="entr" presetSubtype="0" fill="hold" nodeType="withEffect">
+                                  <p:stCondLst>
+                                    <p:cond delay="0"/>
+                                  </p:stCondLst>
+                                  <p:childTnLst>
+                                    <p:set>
+                                      <p:cBhvr>
+                                        <p:cTn id="71" dur="1" fill="hold">
+                                          <p:stCondLst>
+                                            <p:cond delay="0"/>
+                                          </p:stCondLst>
+                                        </p:cTn>
+                                        <p:tgtEl>
+                                          <p:spTgt spid="48"/>
+                                        </p:tgtEl>
+                                        <p:attrNameLst>
+                                          <p:attrName>style.visibility</p:attrName>
+                                        </p:attrNameLst>
+                                      </p:cBhvr>
+                                      <p:to>
+                                        <p:strVal val="visible"/>
+                                      </p:to>
+                                    </p:set>
+                                    <p:animEffect transition="in" filter="fade">
+                                      <p:cBhvr>
+                                        <p:cTn id="72" dur="500"/>
+                                        <p:tgtEl>
+                                          <p:spTgt spid="48"/>
+                                        </p:tgtEl>
+                                      </p:cBhvr>
+                                    </p:animEffect>
+                                  </p:childTnLst>
+                                </p:cTn>
+                              </p:par>
+                              <p:par>
+                                <p:cTn id="73" presetID="10" presetClass="entr" presetSubtype="0" fill="hold" nodeType="withEffect">
+                                  <p:stCondLst>
+                                    <p:cond delay="0"/>
+                                  </p:stCondLst>
+                                  <p:childTnLst>
+                                    <p:set>
+                                      <p:cBhvr>
+                                        <p:cTn id="74" dur="1" fill="hold">
+                                          <p:stCondLst>
+                                            <p:cond delay="0"/>
+                                          </p:stCondLst>
+                                        </p:cTn>
+                                        <p:tgtEl>
+                                          <p:spTgt spid="49"/>
+                                        </p:tgtEl>
+                                        <p:attrNameLst>
+                                          <p:attrName>style.visibility</p:attrName>
+                                        </p:attrNameLst>
+                                      </p:cBhvr>
+                                      <p:to>
+                                        <p:strVal val="visible"/>
+                                      </p:to>
+                                    </p:set>
+                                    <p:animEffect transition="in" filter="fade">
+                                      <p:cBhvr>
+                                        <p:cTn id="75" dur="500"/>
+                                        <p:tgtEl>
+                                          <p:spTgt spid="49"/>
+                                        </p:tgtEl>
+                                      </p:cBhvr>
+                                    </p:animEffect>
+                                  </p:childTnLst>
+                                </p:cTn>
+                              </p:par>
+                              <p:par>
+                                <p:cTn id="76" presetID="10" presetClass="entr" presetSubtype="0" fill="hold" nodeType="withEffect">
+                                  <p:stCondLst>
+                                    <p:cond delay="0"/>
+                                  </p:stCondLst>
+                                  <p:childTnLst>
+                                    <p:set>
+                                      <p:cBhvr>
+                                        <p:cTn id="77" dur="1" fill="hold">
+                                          <p:stCondLst>
+                                            <p:cond delay="0"/>
+                                          </p:stCondLst>
+                                        </p:cTn>
+                                        <p:tgtEl>
+                                          <p:spTgt spid="51"/>
+                                        </p:tgtEl>
+                                        <p:attrNameLst>
+                                          <p:attrName>style.visibility</p:attrName>
+                                        </p:attrNameLst>
+                                      </p:cBhvr>
+                                      <p:to>
+                                        <p:strVal val="visible"/>
+                                      </p:to>
+                                    </p:set>
+                                    <p:animEffect transition="in" filter="fade">
+                                      <p:cBhvr>
+                                        <p:cTn id="78" dur="500"/>
+                                        <p:tgtEl>
+                                          <p:spTgt spid="51"/>
+                                        </p:tgtEl>
+                                      </p:cBhvr>
+                                    </p:animEffect>
+                                  </p:childTnLst>
+                                </p:cTn>
+                              </p:par>
+                            </p:childTnLst>
+                          </p:cTn>
+                        </p:par>
+                      </p:childTnLst>
+                    </p:cTn>
+                  </p:par>
+                  <p:par>
+                    <p:cTn id="79" fill="hold">
+                      <p:stCondLst>
+                        <p:cond delay="indefinite"/>
+                      </p:stCondLst>
+                      <p:childTnLst>
+                        <p:par>
+                          <p:cTn id="80" fill="hold">
+                            <p:stCondLst>
+                              <p:cond delay="0"/>
+                            </p:stCondLst>
+                            <p:childTnLst>
+                              <p:par>
+                                <p:cTn id="81" presetID="1" presetClass="entr" presetSubtype="0" fill="hold" grpId="0" nodeType="clickEffect">
+                                  <p:stCondLst>
+                                    <p:cond delay="0"/>
+                                  </p:stCondLst>
+                                  <p:childTnLst>
+                                    <p:set>
+                                      <p:cBhvr>
+                                        <p:cTn id="82" dur="1" fill="hold">
+                                          <p:stCondLst>
+                                            <p:cond delay="0"/>
+                                          </p:stCondLst>
+                                        </p:cTn>
+                                        <p:tgtEl>
+                                          <p:spTgt spid="2"/>
+                                        </p:tgtEl>
+                                        <p:attrNameLst>
+                                          <p:attrName>style.visibility</p:attrName>
+                                        </p:attrNameLst>
+                                      </p:cBhvr>
+                                      <p:to>
+                                        <p:strVal val="visible"/>
+                                      </p:to>
+                                    </p:set>
+                                  </p:childTnLst>
+                                </p:cTn>
+                              </p:par>
+                              <p:par>
+                                <p:cTn id="83" presetID="1" presetClass="entr" presetSubtype="0" fill="hold" nodeType="withEffect">
+                                  <p:stCondLst>
+                                    <p:cond delay="0"/>
+                                  </p:stCondLst>
+                                  <p:childTnLst>
+                                    <p:set>
+                                      <p:cBhvr>
+                                        <p:cTn id="84" dur="1" fill="hold">
+                                          <p:stCondLst>
+                                            <p:cond delay="0"/>
+                                          </p:stCondLst>
+                                        </p:cTn>
+                                        <p:tgtEl>
+                                          <p:spTgt spid="35"/>
+                                        </p:tgtEl>
+                                        <p:attrNameLst>
+                                          <p:attrName>style.visibility</p:attrName>
+                                        </p:attrNameLst>
+                                      </p:cBhvr>
+                                      <p:to>
+                                        <p:strVal val="visible"/>
+                                      </p:to>
+                                    </p:set>
+                                  </p:childTnLst>
+                                </p:cTn>
+                              </p:par>
+                            </p:childTnLst>
+                          </p:cTn>
+                        </p:par>
+                      </p:childTnLst>
+                    </p:cTn>
+                  </p:par>
+                  <p:par>
+                    <p:cTn id="85" fill="hold">
+                      <p:stCondLst>
+                        <p:cond delay="indefinite"/>
+                      </p:stCondLst>
+                      <p:childTnLst>
+                        <p:par>
+                          <p:cTn id="86" fill="hold">
+                            <p:stCondLst>
+                              <p:cond delay="0"/>
+                            </p:stCondLst>
+                            <p:childTnLst>
+                              <p:par>
+                                <p:cTn id="87" presetID="1" presetClass="entr" presetSubtype="0" fill="hold" grpId="0" nodeType="clickEffect">
+                                  <p:stCondLst>
+                                    <p:cond delay="0"/>
+                                  </p:stCondLst>
+                                  <p:childTnLst>
+                                    <p:set>
+                                      <p:cBhvr>
+                                        <p:cTn id="88" dur="1" fill="hold">
+                                          <p:stCondLst>
+                                            <p:cond delay="0"/>
+                                          </p:stCondLst>
+                                        </p:cTn>
+                                        <p:tgtEl>
+                                          <p:spTgt spid="8"/>
+                                        </p:tgtEl>
+                                        <p:attrNameLst>
+                                          <p:attrName>style.visibility</p:attrName>
+                                        </p:attrNameLst>
+                                      </p:cBhvr>
+                                      <p:to>
+                                        <p:strVal val="visible"/>
+                                      </p:to>
+                                    </p:set>
+                                  </p:childTnLst>
+                                </p:cTn>
+                              </p:par>
+                              <p:par>
+                                <p:cTn id="89" presetID="1" presetClass="entr" presetSubtype="0" fill="hold" grpId="0" nodeType="withEffect">
+                                  <p:stCondLst>
+                                    <p:cond delay="0"/>
+                                  </p:stCondLst>
+                                  <p:childTnLst>
+                                    <p:set>
+                                      <p:cBhvr>
+                                        <p:cTn id="90" dur="1" fill="hold">
+                                          <p:stCondLst>
+                                            <p:cond delay="0"/>
+                                          </p:stCondLst>
+                                        </p:cTn>
+                                        <p:tgtEl>
+                                          <p:spTgt spid="9"/>
+                                        </p:tgtEl>
+                                        <p:attrNameLst>
+                                          <p:attrName>style.visibility</p:attrName>
+                                        </p:attrNameLst>
+                                      </p:cBhvr>
+                                      <p:to>
+                                        <p:strVal val="visible"/>
+                                      </p:to>
+                                    </p:set>
+                                  </p:childTnLst>
+                                </p:cTn>
+                              </p:par>
+                              <p:par>
+                                <p:cTn id="91" presetID="1" presetClass="entr" presetSubtype="0" fill="hold" grpId="0" nodeType="withEffect">
+                                  <p:stCondLst>
+                                    <p:cond delay="0"/>
+                                  </p:stCondLst>
+                                  <p:childTnLst>
+                                    <p:set>
+                                      <p:cBhvr>
+                                        <p:cTn id="92" dur="1" fill="hold">
+                                          <p:stCondLst>
+                                            <p:cond delay="0"/>
+                                          </p:stCondLst>
+                                        </p:cTn>
+                                        <p:tgtEl>
+                                          <p:spTgt spid="11"/>
+                                        </p:tgtEl>
+                                        <p:attrNameLst>
+                                          <p:attrName>style.visibility</p:attrName>
+                                        </p:attrNameLst>
+                                      </p:cBhvr>
+                                      <p:to>
+                                        <p:strVal val="visible"/>
+                                      </p:to>
+                                    </p:set>
+                                  </p:childTnLst>
+                                </p:cTn>
+                              </p:par>
+                              <p:par>
+                                <p:cTn id="93" presetID="1" presetClass="entr" presetSubtype="0" fill="hold" nodeType="withEffect">
+                                  <p:stCondLst>
+                                    <p:cond delay="0"/>
+                                  </p:stCondLst>
+                                  <p:childTnLst>
+                                    <p:set>
+                                      <p:cBhvr>
+                                        <p:cTn id="94" dur="1" fill="hold">
+                                          <p:stCondLst>
+                                            <p:cond delay="0"/>
+                                          </p:stCondLst>
+                                        </p:cTn>
+                                        <p:tgtEl>
+                                          <p:spTgt spid="38"/>
+                                        </p:tgtEl>
+                                        <p:attrNameLst>
+                                          <p:attrName>style.visibility</p:attrName>
+                                        </p:attrNameLst>
+                                      </p:cBhvr>
+                                      <p:to>
+                                        <p:strVal val="visible"/>
+                                      </p:to>
+                                    </p:set>
+                                  </p:childTnLst>
+                                </p:cTn>
+                              </p:par>
+                              <p:par>
+                                <p:cTn id="95" presetID="1" presetClass="entr" presetSubtype="0" fill="hold" nodeType="withEffect">
+                                  <p:stCondLst>
+                                    <p:cond delay="0"/>
+                                  </p:stCondLst>
+                                  <p:childTnLst>
+                                    <p:set>
+                                      <p:cBhvr>
+                                        <p:cTn id="96" dur="1" fill="hold">
+                                          <p:stCondLst>
+                                            <p:cond delay="0"/>
+                                          </p:stCondLst>
+                                        </p:cTn>
+                                        <p:tgtEl>
+                                          <p:spTgt spid="46"/>
+                                        </p:tgtEl>
+                                        <p:attrNameLst>
+                                          <p:attrName>style.visibility</p:attrName>
+                                        </p:attrNameLst>
+                                      </p:cBhvr>
+                                      <p:to>
+                                        <p:strVal val="visible"/>
+                                      </p:to>
+                                    </p:set>
+                                  </p:childTnLst>
+                                </p:cTn>
+                              </p:par>
+                              <p:par>
+                                <p:cTn id="97" presetID="1" presetClass="entr" presetSubtype="0" fill="hold" nodeType="withEffect">
+                                  <p:stCondLst>
+                                    <p:cond delay="0"/>
+                                  </p:stCondLst>
+                                  <p:childTnLst>
+                                    <p:set>
+                                      <p:cBhvr>
+                                        <p:cTn id="98" dur="1" fill="hold">
+                                          <p:stCondLst>
+                                            <p:cond delay="0"/>
+                                          </p:stCondLst>
+                                        </p:cTn>
+                                        <p:tgtEl>
+                                          <p:spTgt spid="50"/>
+                                        </p:tgtEl>
+                                        <p:attrNameLst>
+                                          <p:attrName>style.visibility</p:attrName>
+                                        </p:attrNameLst>
+                                      </p:cBhvr>
+                                      <p:to>
+                                        <p:strVal val="visible"/>
+                                      </p:to>
+                                    </p:set>
+                                  </p:childTnLst>
+                                </p:cTn>
+                              </p:par>
+                              <p:par>
+                                <p:cTn id="99" presetID="1" presetClass="entr" presetSubtype="0" fill="hold" nodeType="withEffect">
+                                  <p:stCondLst>
+                                    <p:cond delay="0"/>
+                                  </p:stCondLst>
+                                  <p:childTnLst>
+                                    <p:set>
+                                      <p:cBhvr>
+                                        <p:cTn id="100" dur="1" fill="hold">
+                                          <p:stCondLst>
+                                            <p:cond delay="0"/>
+                                          </p:stCondLst>
+                                        </p:cTn>
+                                        <p:tgtEl>
+                                          <p:spTgt spid="56"/>
+                                        </p:tgtEl>
+                                        <p:attrNameLst>
+                                          <p:attrName>style.visibility</p:attrName>
+                                        </p:attrNameLst>
+                                      </p:cBhvr>
+                                      <p:to>
+                                        <p:strVal val="visible"/>
+                                      </p:to>
+                                    </p:set>
+                                  </p:childTnLst>
+                                </p:cTn>
+                              </p:par>
+                              <p:par>
+                                <p:cTn id="101" presetID="1" presetClass="entr" presetSubtype="0" fill="hold" nodeType="withEffect">
+                                  <p:stCondLst>
+                                    <p:cond delay="0"/>
+                                  </p:stCondLst>
+                                  <p:childTnLst>
+                                    <p:set>
+                                      <p:cBhvr>
+                                        <p:cTn id="102" dur="1" fill="hold">
+                                          <p:stCondLst>
+                                            <p:cond delay="0"/>
+                                          </p:stCondLst>
+                                        </p:cTn>
+                                        <p:tgtEl>
+                                          <p:spTgt spid="12"/>
+                                        </p:tgtEl>
+                                        <p:attrNameLst>
+                                          <p:attrName>style.visibility</p:attrName>
+                                        </p:attrNameLst>
+                                      </p:cBhvr>
+                                      <p:to>
+                                        <p:strVal val="visible"/>
+                                      </p:to>
+                                    </p:set>
+                                  </p:childTnLst>
+                                </p:cTn>
+                              </p:par>
+                              <p:par>
+                                <p:cTn id="103" presetID="1" presetClass="entr" presetSubtype="0" fill="hold" nodeType="withEffect">
+                                  <p:stCondLst>
+                                    <p:cond delay="0"/>
+                                  </p:stCondLst>
+                                  <p:childTnLst>
+                                    <p:set>
+                                      <p:cBhvr>
+                                        <p:cTn id="104" dur="1" fill="hold">
+                                          <p:stCondLst>
+                                            <p:cond delay="0"/>
+                                          </p:stCondLst>
+                                        </p:cTn>
+                                        <p:tgtEl>
+                                          <p:spTgt spid="15"/>
+                                        </p:tgtEl>
+                                        <p:attrNameLst>
+                                          <p:attrName>style.visibility</p:attrName>
+                                        </p:attrNameLst>
+                                      </p:cBhvr>
+                                      <p:to>
+                                        <p:strVal val="visible"/>
+                                      </p:to>
+                                    </p:set>
+                                  </p:childTnLst>
+                                </p:cTn>
+                              </p:par>
+                              <p:par>
+                                <p:cTn id="105" presetID="1" presetClass="entr" presetSubtype="0" fill="hold" nodeType="withEffect">
+                                  <p:stCondLst>
+                                    <p:cond delay="0"/>
+                                  </p:stCondLst>
+                                  <p:childTnLst>
+                                    <p:set>
+                                      <p:cBhvr>
+                                        <p:cTn id="106" dur="1" fill="hold">
+                                          <p:stCondLst>
+                                            <p:cond delay="0"/>
+                                          </p:stCondLst>
+                                        </p:cTn>
+                                        <p:tgtEl>
+                                          <p:spTgt spid="16"/>
+                                        </p:tgtEl>
+                                        <p:attrNameLst>
+                                          <p:attrName>style.visibility</p:attrName>
+                                        </p:attrNameLst>
+                                      </p:cBhvr>
+                                      <p:to>
+                                        <p:strVal val="visible"/>
+                                      </p:to>
+                                    </p:set>
+                                  </p:childTnLst>
+                                </p:cTn>
+                              </p:par>
+                              <p:par>
+                                <p:cTn id="107" presetID="1" presetClass="entr" presetSubtype="0" fill="hold" nodeType="withEffect">
+                                  <p:stCondLst>
+                                    <p:cond delay="0"/>
+                                  </p:stCondLst>
+                                  <p:childTnLst>
+                                    <p:set>
+                                      <p:cBhvr>
+                                        <p:cTn id="108" dur="1" fill="hold">
+                                          <p:stCondLst>
+                                            <p:cond delay="0"/>
+                                          </p:stCondLst>
+                                        </p:cTn>
+                                        <p:tgtEl>
+                                          <p:spTgt spid="17"/>
+                                        </p:tgtEl>
+                                        <p:attrNameLst>
+                                          <p:attrName>style.visibility</p:attrName>
+                                        </p:attrNameLst>
+                                      </p:cBhvr>
+                                      <p:to>
+                                        <p:strVal val="visible"/>
+                                      </p:to>
+                                    </p:set>
+                                  </p:childTnLst>
+                                </p:cTn>
+                              </p:par>
+                              <p:par>
+                                <p:cTn id="109" presetID="1" presetClass="entr" presetSubtype="0" fill="hold" nodeType="withEffect">
+                                  <p:stCondLst>
+                                    <p:cond delay="0"/>
+                                  </p:stCondLst>
+                                  <p:childTnLst>
+                                    <p:set>
+                                      <p:cBhvr>
+                                        <p:cTn id="110" dur="1" fill="hold">
+                                          <p:stCondLst>
+                                            <p:cond delay="0"/>
+                                          </p:stCondLst>
+                                        </p:cTn>
+                                        <p:tgtEl>
+                                          <p:spTgt spid="18"/>
+                                        </p:tgtEl>
+                                        <p:attrNameLst>
+                                          <p:attrName>style.visibility</p:attrName>
+                                        </p:attrNameLst>
+                                      </p:cBhvr>
+                                      <p:to>
+                                        <p:strVal val="visible"/>
+                                      </p:to>
+                                    </p:set>
+                                  </p:childTnLst>
+                                </p:cTn>
+                              </p:par>
+                              <p:par>
+                                <p:cTn id="111" presetID="1" presetClass="entr" presetSubtype="0" fill="hold" nodeType="withEffect">
+                                  <p:stCondLst>
+                                    <p:cond delay="0"/>
+                                  </p:stCondLst>
+                                  <p:childTnLst>
+                                    <p:set>
+                                      <p:cBhvr>
+                                        <p:cTn id="112" dur="1" fill="hold">
+                                          <p:stCondLst>
+                                            <p:cond delay="0"/>
+                                          </p:stCondLst>
+                                        </p:cTn>
+                                        <p:tgtEl>
+                                          <p:spTgt spid="19"/>
+                                        </p:tgtEl>
+                                        <p:attrNameLst>
+                                          <p:attrName>style.visibility</p:attrName>
+                                        </p:attrNameLst>
+                                      </p:cBhvr>
+                                      <p:to>
+                                        <p:strVal val="visible"/>
+                                      </p:to>
+                                    </p:set>
+                                  </p:childTnLst>
+                                </p:cTn>
+                              </p:par>
+                              <p:par>
+                                <p:cTn id="113" presetID="1" presetClass="entr" presetSubtype="0" fill="hold" nodeType="withEffect">
+                                  <p:stCondLst>
+                                    <p:cond delay="0"/>
+                                  </p:stCondLst>
+                                  <p:childTnLst>
+                                    <p:set>
+                                      <p:cBhvr>
+                                        <p:cTn id="114" dur="1" fill="hold">
+                                          <p:stCondLst>
+                                            <p:cond delay="0"/>
+                                          </p:stCondLst>
+                                        </p:cTn>
+                                        <p:tgtEl>
+                                          <p:spTgt spid="20"/>
+                                        </p:tgtEl>
+                                        <p:attrNameLst>
+                                          <p:attrName>style.visibility</p:attrName>
+                                        </p:attrNameLst>
+                                      </p:cBhvr>
+                                      <p:to>
+                                        <p:strVal val="visible"/>
+                                      </p:to>
+                                    </p:set>
+                                  </p:childTnLst>
+                                </p:cTn>
+                              </p:par>
+                              <p:par>
+                                <p:cTn id="115" presetID="1" presetClass="entr" presetSubtype="0" fill="hold" nodeType="withEffect">
+                                  <p:stCondLst>
+                                    <p:cond delay="0"/>
+                                  </p:stCondLst>
+                                  <p:childTnLst>
+                                    <p:set>
+                                      <p:cBhvr>
+                                        <p:cTn id="116" dur="1" fill="hold">
+                                          <p:stCondLst>
+                                            <p:cond delay="0"/>
+                                          </p:stCondLst>
+                                        </p:cTn>
+                                        <p:tgtEl>
+                                          <p:spTgt spid="21"/>
+                                        </p:tgtEl>
+                                        <p:attrNameLst>
+                                          <p:attrName>style.visibility</p:attrName>
+                                        </p:attrNameLst>
+                                      </p:cBhvr>
+                                      <p:to>
+                                        <p:strVal val="visible"/>
+                                      </p:to>
+                                    </p:set>
+                                  </p:childTnLst>
+                                </p:cTn>
+                              </p:par>
+                              <p:par>
+                                <p:cTn id="117" presetID="1" presetClass="entr" presetSubtype="0" fill="hold" nodeType="withEffect">
+                                  <p:stCondLst>
+                                    <p:cond delay="0"/>
+                                  </p:stCondLst>
+                                  <p:childTnLst>
+                                    <p:set>
+                                      <p:cBhvr>
+                                        <p:cTn id="118" dur="1" fill="hold">
+                                          <p:stCondLst>
+                                            <p:cond delay="0"/>
+                                          </p:stCondLst>
+                                        </p:cTn>
+                                        <p:tgtEl>
+                                          <p:spTgt spid="41"/>
+                                        </p:tgtEl>
+                                        <p:attrNameLst>
+                                          <p:attrName>style.visibility</p:attrName>
+                                        </p:attrNameLst>
+                                      </p:cBhvr>
+                                      <p:to>
+                                        <p:strVal val="visible"/>
+                                      </p:to>
+                                    </p:set>
+                                  </p:childTnLst>
+                                </p:cTn>
+                              </p:par>
+                            </p:childTnLst>
+                          </p:cTn>
+                        </p:par>
+                      </p:childTnLst>
+                    </p:cTn>
+                  </p:par>
+                  <p:par>
+                    <p:cTn id="119" fill="hold">
+                      <p:stCondLst>
+                        <p:cond delay="indefinite"/>
+                      </p:stCondLst>
+                      <p:childTnLst>
+                        <p:par>
+                          <p:cTn id="120" fill="hold">
+                            <p:stCondLst>
+                              <p:cond delay="0"/>
+                            </p:stCondLst>
+                            <p:childTnLst>
+                              <p:par>
+                                <p:cTn id="121" presetID="1" presetClass="entr" presetSubtype="0" fill="hold" nodeType="clickEffect">
+                                  <p:stCondLst>
+                                    <p:cond delay="0"/>
+                                  </p:stCondLst>
+                                  <p:childTnLst>
+                                    <p:set>
+                                      <p:cBhvr>
+                                        <p:cTn id="122" dur="1" fill="hold">
+                                          <p:stCondLst>
+                                            <p:cond delay="0"/>
+                                          </p:stCondLst>
+                                        </p:cTn>
+                                        <p:tgtEl>
+                                          <p:spTgt spid="23"/>
+                                        </p:tgtEl>
+                                        <p:attrNameLst>
+                                          <p:attrName>style.visibility</p:attrName>
+                                        </p:attrNameLst>
+                                      </p:cBhvr>
+                                      <p:to>
+                                        <p:strVal val="visible"/>
+                                      </p:to>
+                                    </p:set>
+                                  </p:childTnLst>
+                                </p:cTn>
+                              </p:par>
+                            </p:childTnLst>
+                          </p:cTn>
+                        </p:par>
+                      </p:childTnLst>
+                    </p:cTn>
+                  </p:par>
+                  <p:par>
+                    <p:cTn id="123" fill="hold">
+                      <p:stCondLst>
+                        <p:cond delay="indefinite"/>
+                      </p:stCondLst>
+                      <p:childTnLst>
+                        <p:par>
+                          <p:cTn id="124" fill="hold">
+                            <p:stCondLst>
+                              <p:cond delay="0"/>
+                            </p:stCondLst>
+                            <p:childTnLst>
+                              <p:par>
+                                <p:cTn id="125" presetID="1" presetClass="entr" presetSubtype="0" fill="hold" grpId="0" nodeType="clickEffect">
+                                  <p:stCondLst>
+                                    <p:cond delay="0"/>
+                                  </p:stCondLst>
+                                  <p:childTnLst>
+                                    <p:set>
+                                      <p:cBhvr>
+                                        <p:cTn id="126" dur="1" fill="hold">
+                                          <p:stCondLst>
+                                            <p:cond delay="0"/>
+                                          </p:stCondLst>
+                                        </p:cTn>
+                                        <p:tgtEl>
+                                          <p:spTgt spid="10"/>
+                                        </p:tgtEl>
+                                        <p:attrNameLst>
+                                          <p:attrName>style.visibility</p:attrName>
+                                        </p:attrNameLst>
+                                      </p:cBhvr>
+                                      <p:to>
+                                        <p:strVal val="visible"/>
+                                      </p:to>
+                                    </p:set>
+                                  </p:childTnLst>
+                                </p:cTn>
+                              </p:par>
+                              <p:par>
+                                <p:cTn id="127" presetID="1" presetClass="entr" presetSubtype="0" fill="hold" nodeType="withEffect">
+                                  <p:stCondLst>
+                                    <p:cond delay="0"/>
+                                  </p:stCondLst>
+                                  <p:childTnLst>
+                                    <p:set>
+                                      <p:cBhvr>
+                                        <p:cTn id="128" dur="1" fill="hold">
+                                          <p:stCondLst>
+                                            <p:cond delay="0"/>
+                                          </p:stCondLst>
+                                        </p:cTn>
+                                        <p:tgtEl>
+                                          <p:spTgt spid="43"/>
+                                        </p:tgtEl>
+                                        <p:attrNameLst>
+                                          <p:attrName>style.visibility</p:attrName>
+                                        </p:attrNameLst>
+                                      </p:cBhvr>
+                                      <p:to>
+                                        <p:strVal val="visible"/>
+                                      </p:to>
+                                    </p:set>
+                                  </p:childTnLst>
+                                </p:cTn>
+                              </p:par>
+                              <p:par>
+                                <p:cTn id="129" presetID="1" presetClass="entr" presetSubtype="0" fill="hold" grpId="0" nodeType="withEffect">
+                                  <p:stCondLst>
+                                    <p:cond delay="0"/>
+                                  </p:stCondLst>
+                                  <p:childTnLst>
+                                    <p:set>
+                                      <p:cBhvr>
+                                        <p:cTn id="130" dur="1" fill="hold">
+                                          <p:stCondLst>
+                                            <p:cond delay="0"/>
+                                          </p:stCondLst>
+                                        </p:cTn>
+                                        <p:tgtEl>
+                                          <p:spTgt spid="34"/>
+                                        </p:tgtEl>
+                                        <p:attrNameLst>
+                                          <p:attrName>style.visibility</p:attrName>
+                                        </p:attrNameLst>
+                                      </p:cBhvr>
+                                      <p:to>
+                                        <p:strVal val="visible"/>
+                                      </p:to>
+                                    </p:set>
+                                  </p:childTnLst>
+                                </p:cTn>
+                              </p:par>
+                              <p:par>
+                                <p:cTn id="131" presetID="1" presetClass="entr" presetSubtype="0" fill="hold" nodeType="withEffect">
+                                  <p:stCondLst>
+                                    <p:cond delay="0"/>
+                                  </p:stCondLst>
+                                  <p:childTnLst>
+                                    <p:set>
+                                      <p:cBhvr>
+                                        <p:cTn id="132" dur="1" fill="hold">
+                                          <p:stCondLst>
+                                            <p:cond delay="0"/>
+                                          </p:stCondLst>
+                                        </p:cTn>
+                                        <p:tgtEl>
+                                          <p:spTgt spid="36"/>
+                                        </p:tgtEl>
+                                        <p:attrNameLst>
+                                          <p:attrName>style.visibility</p:attrName>
+                                        </p:attrNameLst>
+                                      </p:cBhvr>
+                                      <p:to>
+                                        <p:strVal val="visible"/>
+                                      </p:to>
+                                    </p:set>
+                                  </p:childTnLst>
+                                </p:cTn>
+                              </p:par>
+                              <p:par>
+                                <p:cTn id="133" presetID="1" presetClass="entr" presetSubtype="0" fill="hold" grpId="0" nodeType="withEffect">
+                                  <p:stCondLst>
+                                    <p:cond delay="0"/>
+                                  </p:stCondLst>
+                                  <p:childTnLst>
+                                    <p:set>
+                                      <p:cBhvr>
+                                        <p:cTn id="134" dur="1" fill="hold">
+                                          <p:stCondLst>
+                                            <p:cond delay="0"/>
+                                          </p:stCondLst>
+                                        </p:cTn>
+                                        <p:tgtEl>
+                                          <p:spTgt spid="42"/>
+                                        </p:tgtEl>
+                                        <p:attrNameLst>
+                                          <p:attrName>style.visibility</p:attrName>
+                                        </p:attrNameLst>
+                                      </p:cBhvr>
+                                      <p:to>
+                                        <p:strVal val="visible"/>
+                                      </p:to>
+                                    </p:set>
+                                  </p:childTnLst>
+                                </p:cTn>
+                              </p:par>
+                              <p:par>
+                                <p:cTn id="135" presetID="1" presetClass="entr" presetSubtype="0" fill="hold" nodeType="withEffect">
+                                  <p:stCondLst>
+                                    <p:cond delay="0"/>
+                                  </p:stCondLst>
+                                  <p:childTnLst>
+                                    <p:set>
+                                      <p:cBhvr>
+                                        <p:cTn id="136" dur="1" fill="hold">
+                                          <p:stCondLst>
+                                            <p:cond delay="0"/>
+                                          </p:stCondLst>
+                                        </p:cTn>
+                                        <p:tgtEl>
+                                          <p:spTgt spid="44"/>
+                                        </p:tgtEl>
+                                        <p:attrNameLst>
+                                          <p:attrName>style.visibility</p:attrName>
+                                        </p:attrNameLst>
+                                      </p:cBhvr>
+                                      <p:to>
+                                        <p:strVal val="visible"/>
+                                      </p:to>
+                                    </p:set>
+                                  </p:childTnLst>
+                                </p:cTn>
+                              </p:par>
+                            </p:childTnLst>
+                          </p:cTn>
+                        </p:par>
+                      </p:childTnLst>
+                    </p:cTn>
+                  </p:par>
+                </p:childTnLst>
+              </p:cTn>
+              <p:prevCondLst>
+                <p:cond evt="onPrev" delay="0">
+                  <p:tgtEl>
+                    <p:sldTgt/>
+                  </p:tgtEl>
+                </p:cond>
+              </p:prevCondLst>
+              <p:nextCondLst>
+                <p:cond evt="onNext" delay="0">
+                  <p:tgtEl>
+                    <p:sldTgt/>
+                  </p:tgtEl>
+                </p:cond>
+              </p:nextCondLst>
+            </p:seq>
+          </p:childTnLst>
+        </p:cTn>
       </p:par>
     </p:tnLst>
+    <p:bldLst>
+      <p:bldP spid="2" grpId="0" animBg="1"/>
+      <p:bldP spid="3" grpId="0" animBg="1"/>
+      <p:bldP spid="4" grpId="0" animBg="1"/>
+      <p:bldP spid="5" grpId="0" animBg="1"/>
+      <p:bldP spid="6" grpId="0" animBg="1"/>
+      <p:bldP spid="7" grpId="0" animBg="1"/>
+      <p:bldP spid="8" grpId="0" animBg="1"/>
+      <p:bldP spid="9" grpId="0" animBg="1"/>
+      <p:bldP spid="10" grpId="0" animBg="1"/>
+      <p:bldP spid="11" grpId="0" animBg="1"/>
+      <p:bldP spid="25" grpId="0" animBg="1"/>
+      <p:bldP spid="34" grpId="0" animBg="1"/>
+      <p:bldP spid="42" grpId="0" animBg="1"/>
+    </p:bldLst>
   </p:timing>
 </p:sld>
 </file>
@@ -11194,322 +14760,101 @@
           <a:chExt cx="0" cy="0"/>
         </a:xfrm>
       </p:grpSpPr>
-      <mc:AlternateContent xmlns:mc="http://schemas.openxmlformats.org/markup-compatibility/2006" xmlns:p14="http://schemas.microsoft.com/office/powerpoint/2010/main">
-        <mc:Choice Requires="p14">
-          <p:contentPart p14:bwMode="auto" r:id="rId2">
-            <p14:nvContentPartPr>
-              <p14:cNvPr id="38" name="Ink 37"/>
-              <p14:cNvContentPartPr/>
-              <p14:nvPr/>
-            </p14:nvContentPartPr>
-            <p14:xfrm>
-              <a:off x="1353360" y="666045"/>
-              <a:ext cx="5831825" cy="2196720"/>
-            </p14:xfrm>
-          </p:contentPart>
-        </mc:Choice>
-        <mc:Fallback xmlns="">
-          <p:pic>
-            <p:nvPicPr>
-              <p:cNvPr id="38" name="Ink 37"/>
-              <p:cNvPicPr/>
-              <p:nvPr/>
-            </p:nvPicPr>
-            <p:blipFill>
-              <a:blip r:embed="rId3"/>
-              <a:stretch>
-                <a:fillRect/>
-              </a:stretch>
-            </p:blipFill>
-            <p:spPr>
-              <a:xfrm>
-                <a:off x="1344720" y="654165"/>
-                <a:ext cx="5855584" cy="2215080"/>
-              </a:xfrm>
-              <a:prstGeom prst="rect">
-                <a:avLst/>
-              </a:prstGeom>
-            </p:spPr>
-          </p:pic>
-        </mc:Fallback>
-      </mc:AlternateContent>
-      <mc:AlternateContent xmlns:mc="http://schemas.openxmlformats.org/markup-compatibility/2006" xmlns:p14="http://schemas.microsoft.com/office/powerpoint/2010/main">
-        <mc:Choice Requires="p14">
-          <p:contentPart p14:bwMode="auto" r:id="rId4">
-            <p14:nvContentPartPr>
-              <p14:cNvPr id="120" name="Ink 119"/>
-              <p14:cNvContentPartPr/>
-              <p14:nvPr/>
-            </p14:nvContentPartPr>
-            <p14:xfrm>
-              <a:off x="7665065" y="496485"/>
-              <a:ext cx="1754640" cy="4672440"/>
-            </p14:xfrm>
-          </p:contentPart>
-        </mc:Choice>
-        <mc:Fallback xmlns="">
-          <p:pic>
-            <p:nvPicPr>
-              <p:cNvPr id="120" name="Ink 119"/>
-              <p:cNvPicPr/>
-              <p:nvPr/>
-            </p:nvPicPr>
-            <p:blipFill>
-              <a:blip r:embed="rId5"/>
-              <a:stretch>
-                <a:fillRect/>
-              </a:stretch>
-            </p:blipFill>
-            <p:spPr>
-              <a:xfrm>
-                <a:off x="7650665" y="480285"/>
-                <a:ext cx="1775520" cy="4699440"/>
-              </a:xfrm>
-              <a:prstGeom prst="rect">
-                <a:avLst/>
-              </a:prstGeom>
-            </p:spPr>
-          </p:pic>
-        </mc:Fallback>
-      </mc:AlternateContent>
-      <mc:AlternateContent xmlns:mc="http://schemas.openxmlformats.org/markup-compatibility/2006" xmlns:p14="http://schemas.microsoft.com/office/powerpoint/2010/main">
-        <mc:Choice Requires="p14">
-          <p:contentPart p14:bwMode="auto" r:id="rId6">
-            <p14:nvContentPartPr>
-              <p14:cNvPr id="141" name="Ink 140"/>
-              <p14:cNvContentPartPr/>
-              <p14:nvPr/>
-            </p14:nvContentPartPr>
-            <p14:xfrm>
-              <a:off x="6369240" y="3347775"/>
-              <a:ext cx="800825" cy="468000"/>
-            </p14:xfrm>
-          </p:contentPart>
-        </mc:Choice>
-        <mc:Fallback xmlns="">
-          <p:pic>
-            <p:nvPicPr>
-              <p:cNvPr id="141" name="Ink 140"/>
-              <p:cNvPicPr/>
-              <p:nvPr/>
-            </p:nvPicPr>
-            <p:blipFill>
-              <a:blip r:embed="rId7"/>
-              <a:stretch>
-                <a:fillRect/>
-              </a:stretch>
-            </p:blipFill>
-            <p:spPr>
-              <a:xfrm>
-                <a:off x="6355203" y="3343455"/>
-                <a:ext cx="831058" cy="482400"/>
-              </a:xfrm>
-              <a:prstGeom prst="rect">
-                <a:avLst/>
-              </a:prstGeom>
-            </p:spPr>
-          </p:pic>
-        </mc:Fallback>
-      </mc:AlternateContent>
-      <mc:AlternateContent xmlns:mc="http://schemas.openxmlformats.org/markup-compatibility/2006" xmlns:p14="http://schemas.microsoft.com/office/powerpoint/2010/main">
-        <mc:Choice Requires="p14">
-          <p:contentPart p14:bwMode="auto" r:id="rId8">
-            <p14:nvContentPartPr>
-              <p14:cNvPr id="195" name="Ink 194"/>
-              <p14:cNvContentPartPr/>
-              <p14:nvPr/>
-            </p14:nvContentPartPr>
-            <p14:xfrm>
-              <a:off x="6559145" y="599805"/>
-              <a:ext cx="627120" cy="323640"/>
-            </p14:xfrm>
-          </p:contentPart>
-        </mc:Choice>
-        <mc:Fallback xmlns="">
-          <p:pic>
-            <p:nvPicPr>
-              <p:cNvPr id="195" name="Ink 194"/>
-              <p:cNvPicPr/>
-              <p:nvPr/>
-            </p:nvPicPr>
-            <p:blipFill>
-              <a:blip r:embed="rId9"/>
-              <a:stretch>
-                <a:fillRect/>
-              </a:stretch>
-            </p:blipFill>
-            <p:spPr>
-              <a:xfrm>
-                <a:off x="6543305" y="589005"/>
-                <a:ext cx="658800" cy="350280"/>
-              </a:xfrm>
-              <a:prstGeom prst="rect">
-                <a:avLst/>
-              </a:prstGeom>
-            </p:spPr>
-          </p:pic>
-        </mc:Fallback>
-      </mc:AlternateContent>
-      <mc:AlternateContent xmlns:mc="http://schemas.openxmlformats.org/markup-compatibility/2006" xmlns:p14="http://schemas.microsoft.com/office/powerpoint/2010/main">
-        <mc:Choice Requires="p14">
-          <p:contentPart p14:bwMode="auto" r:id="rId10">
-            <p14:nvContentPartPr>
-              <p14:cNvPr id="207" name="Ink 206"/>
-              <p14:cNvContentPartPr/>
-              <p14:nvPr/>
-            </p14:nvContentPartPr>
-            <p14:xfrm>
-              <a:off x="11947625" y="3979935"/>
-              <a:ext cx="360" cy="360"/>
-            </p14:xfrm>
-          </p:contentPart>
-        </mc:Choice>
-        <mc:Fallback xmlns="">
-          <p:pic>
-            <p:nvPicPr>
-              <p:cNvPr id="207" name="Ink 206"/>
-              <p:cNvPicPr/>
-              <p:nvPr/>
-            </p:nvPicPr>
-            <p:blipFill>
-              <a:blip r:embed="rId11"/>
-              <a:stretch>
-                <a:fillRect/>
-              </a:stretch>
-            </p:blipFill>
-            <p:spPr>
-              <a:xfrm>
-                <a:off x="11935025" y="3967335"/>
-                <a:ext cx="25560" cy="25560"/>
-              </a:xfrm>
-              <a:prstGeom prst="rect">
-                <a:avLst/>
-              </a:prstGeom>
-            </p:spPr>
-          </p:pic>
-        </mc:Fallback>
-      </mc:AlternateContent>
-      <mc:AlternateContent xmlns:mc="http://schemas.openxmlformats.org/markup-compatibility/2006" xmlns:p14="http://schemas.microsoft.com/office/powerpoint/2010/main">
-        <mc:Choice Requires="p14">
-          <p:contentPart p14:bwMode="auto" r:id="rId12">
-            <p14:nvContentPartPr>
-              <p14:cNvPr id="229" name="Ink 228"/>
-              <p14:cNvContentPartPr/>
-              <p14:nvPr/>
-            </p14:nvContentPartPr>
-            <p14:xfrm>
-              <a:off x="662345" y="4694535"/>
-              <a:ext cx="460800" cy="616680"/>
-            </p14:xfrm>
-          </p:contentPart>
-        </mc:Choice>
-        <mc:Fallback xmlns="">
-          <p:pic>
-            <p:nvPicPr>
-              <p:cNvPr id="229" name="Ink 228"/>
-              <p:cNvPicPr/>
-              <p:nvPr/>
-            </p:nvPicPr>
-            <p:blipFill>
-              <a:blip r:embed="rId13"/>
-              <a:stretch>
-                <a:fillRect/>
-              </a:stretch>
-            </p:blipFill>
-            <p:spPr>
-              <a:xfrm>
-                <a:off x="648305" y="4677975"/>
-                <a:ext cx="480240" cy="646560"/>
-              </a:xfrm>
-              <a:prstGeom prst="rect">
-                <a:avLst/>
-              </a:prstGeom>
-            </p:spPr>
-          </p:pic>
-        </mc:Fallback>
-      </mc:AlternateContent>
-      <mc:AlternateContent xmlns:mc="http://schemas.openxmlformats.org/markup-compatibility/2006" xmlns:p14="http://schemas.microsoft.com/office/powerpoint/2010/main">
-        <mc:Choice Requires="p14">
-          <p:contentPart p14:bwMode="auto" r:id="rId14">
-            <p14:nvContentPartPr>
-              <p14:cNvPr id="237" name="Ink 236"/>
-              <p14:cNvContentPartPr/>
-              <p14:nvPr/>
-            </p14:nvContentPartPr>
-            <p14:xfrm>
-              <a:off x="5937960" y="5833575"/>
-              <a:ext cx="4301465" cy="861480"/>
-            </p14:xfrm>
-          </p:contentPart>
-        </mc:Choice>
-        <mc:Fallback xmlns="">
-          <p:pic>
-            <p:nvPicPr>
-              <p:cNvPr id="237" name="Ink 236"/>
-              <p:cNvPicPr/>
-              <p:nvPr/>
-            </p:nvPicPr>
-            <p:blipFill>
-              <a:blip r:embed="rId15"/>
-              <a:stretch>
-                <a:fillRect/>
-              </a:stretch>
-            </p:blipFill>
-            <p:spPr>
-              <a:xfrm>
-                <a:off x="5921041" y="5823855"/>
-                <a:ext cx="4324504" cy="887760"/>
-              </a:xfrm>
-              <a:prstGeom prst="rect">
-                <a:avLst/>
-              </a:prstGeom>
-            </p:spPr>
-          </p:pic>
-        </mc:Fallback>
-      </mc:AlternateContent>
-      <mc:AlternateContent xmlns:mc="http://schemas.openxmlformats.org/markup-compatibility/2006" xmlns:p14="http://schemas.microsoft.com/office/powerpoint/2010/main">
-        <mc:Choice Requires="p14">
-          <p:contentPart p14:bwMode="auto" r:id="rId16">
-            <p14:nvContentPartPr>
-              <p14:cNvPr id="248" name="Ink 247"/>
-              <p14:cNvContentPartPr/>
-              <p14:nvPr/>
-            </p14:nvContentPartPr>
-            <p14:xfrm>
-              <a:off x="1357680" y="4926015"/>
-              <a:ext cx="5962505" cy="1229040"/>
-            </p14:xfrm>
-          </p:contentPart>
-        </mc:Choice>
-        <mc:Fallback xmlns="">
-          <p:pic>
-            <p:nvPicPr>
-              <p:cNvPr id="248" name="Ink 247"/>
-              <p:cNvPicPr/>
-              <p:nvPr/>
-            </p:nvPicPr>
-            <p:blipFill>
-              <a:blip r:embed="rId17"/>
-              <a:stretch>
-                <a:fillRect/>
-              </a:stretch>
-            </p:blipFill>
-            <p:spPr>
-              <a:xfrm>
-                <a:off x="1342920" y="4919895"/>
-                <a:ext cx="5993824" cy="1247400"/>
-              </a:xfrm>
-              <a:prstGeom prst="rect">
-                <a:avLst/>
-              </a:prstGeom>
-            </p:spPr>
-          </p:pic>
-        </mc:Fallback>
-      </mc:AlternateContent>
+      <p:sp>
+        <p:nvSpPr>
+          <p:cNvPr id="2" name="Title 1"/>
+          <p:cNvSpPr>
+            <a:spLocks noGrp="1"/>
+          </p:cNvSpPr>
+          <p:nvPr>
+            <p:ph type="title"/>
+          </p:nvPr>
+        </p:nvSpPr>
+        <p:spPr/>
+        <p:txBody>
+          <a:bodyPr/>
+          <a:lstStyle/>
+          <a:p>
+            <a:r>
+              <a:rPr lang="en-US" dirty="0" smtClean="0"/>
+              <a:t>Deficiencies</a:t>
+            </a:r>
+            <a:endParaRPr lang="en-US" dirty="0"/>
+          </a:p>
+        </p:txBody>
+      </p:sp>
+      <p:sp>
+        <p:nvSpPr>
+          <p:cNvPr id="3" name="Content Placeholder 2"/>
+          <p:cNvSpPr>
+            <a:spLocks noGrp="1"/>
+          </p:cNvSpPr>
+          <p:nvPr>
+            <p:ph idx="1"/>
+          </p:nvPr>
+        </p:nvSpPr>
+        <p:spPr/>
+        <p:txBody>
+          <a:bodyPr>
+            <a:normAutofit/>
+          </a:bodyPr>
+          <a:lstStyle/>
+          <a:p>
+            <a:r>
+              <a:rPr lang="en-US" dirty="0" smtClean="0"/>
+              <a:t>One process, many executions</a:t>
+            </a:r>
+          </a:p>
+          <a:p>
+            <a:pPr lvl="1"/>
+            <a:r>
+              <a:rPr lang="en-US" dirty="0" smtClean="0"/>
+              <a:t>Clean restart of state problematic</a:t>
+            </a:r>
+          </a:p>
+          <a:p>
+            <a:pPr lvl="1"/>
+            <a:r>
+              <a:rPr lang="en-US" dirty="0" smtClean="0"/>
+              <a:t>Means we may not be able to control program to go where we want it to…</a:t>
+            </a:r>
+          </a:p>
+          <a:p>
+            <a:pPr lvl="1"/>
+            <a:endParaRPr lang="en-US" dirty="0"/>
+          </a:p>
+          <a:p>
+            <a:r>
+              <a:rPr lang="en-US" dirty="0" smtClean="0"/>
+              <a:t>Path divergence</a:t>
+            </a:r>
+          </a:p>
+          <a:p>
+            <a:endParaRPr lang="en-US" dirty="0" smtClean="0"/>
+          </a:p>
+          <a:p>
+            <a:r>
+              <a:rPr lang="en-US" dirty="0" smtClean="0"/>
+              <a:t>Poor handling of while loops</a:t>
+            </a:r>
+          </a:p>
+          <a:p>
+            <a:pPr lvl="1"/>
+            <a:r>
+              <a:rPr lang="en-US" dirty="0" smtClean="0"/>
+              <a:t>Take whileloop.py and remove “0 &lt; x &lt; 10”</a:t>
+            </a:r>
+            <a:endParaRPr lang="en-US" dirty="0"/>
+          </a:p>
+          <a:p>
+            <a:endParaRPr lang="en-US" dirty="0" smtClean="0"/>
+          </a:p>
+        </p:txBody>
+      </p:sp>
     </p:spTree>
     <p:extLst>
       <p:ext uri="{BB962C8B-B14F-4D97-AF65-F5344CB8AC3E}">
-        <p14:creationId xmlns:p14="http://schemas.microsoft.com/office/powerpoint/2010/main" val="4206709447"/>
+        <p14:creationId xmlns:p14="http://schemas.microsoft.com/office/powerpoint/2010/main" val="1276294801"/>
       </p:ext>
     </p:extLst>
   </p:cSld>
@@ -11579,15 +14924,9 @@
         <p:spPr/>
         <p:txBody>
           <a:bodyPr>
-            <a:normAutofit fontScale="92500" lnSpcReduction="20000"/>
+            <a:normAutofit/>
           </a:bodyPr>
           <a:lstStyle/>
-          <a:p>
-            <a:pPr marL="0" indent="0">
-              <a:buNone/>
-            </a:pPr>
-            <a:endParaRPr lang="en-US" dirty="0"/>
-          </a:p>
           <a:p>
             <a:pPr marL="514350" indent="-514350">
               <a:buFont typeface="+mj-lt"/>
@@ -11595,8 +14934,15 @@
             </a:pPr>
             <a:r>
               <a:rPr lang="en-US" dirty="0" smtClean="0"/>
-              <a:t>All PyExZ3 regression tests should pass</a:t>
-            </a:r>
+              <a:t>Get new PyExZ3 from me or from </a:t>
+            </a:r>
+            <a:r>
+              <a:rPr lang="en-US" dirty="0" smtClean="0">
+                <a:hlinkClick r:id="rId2"/>
+              </a:rPr>
+              <a:t>www.github.com/thomasjball</a:t>
+            </a:r>
+            <a:endParaRPr lang="en-US" dirty="0"/>
           </a:p>
           <a:p>
             <a:pPr marL="514350" indent="-514350">
@@ -11612,44 +14958,8 @@
             </a:pPr>
             <a:r>
               <a:rPr lang="en-US" dirty="0" smtClean="0"/>
-              <a:t>Write and submit new test cases</a:t>
-            </a:r>
-          </a:p>
-          <a:p>
-            <a:pPr lvl="1"/>
-            <a:r>
-              <a:rPr lang="en-US" dirty="0" smtClean="0"/>
-              <a:t>At least one test case that passes</a:t>
-            </a:r>
-          </a:p>
-          <a:p>
-            <a:pPr lvl="1"/>
-            <a:r>
-              <a:rPr lang="en-US" dirty="0" smtClean="0"/>
-              <a:t>At least one that shows off a deficiency in the implementation</a:t>
-            </a:r>
-          </a:p>
-          <a:p>
-            <a:pPr lvl="1"/>
-            <a:r>
-              <a:rPr lang="en-US" dirty="0" smtClean="0"/>
-              <a:t>Send email with new tests to </a:t>
-            </a:r>
-            <a:r>
-              <a:rPr lang="en-US" dirty="0" smtClean="0">
-                <a:hlinkClick r:id="rId2"/>
-              </a:rPr>
-              <a:t>tball@microsoft.com</a:t>
-            </a:r>
-            <a:r>
-              <a:rPr lang="en-US" dirty="0" smtClean="0"/>
-              <a:t> -  I will add to </a:t>
-            </a:r>
-            <a:r>
-              <a:rPr lang="en-US" dirty="0" err="1" smtClean="0"/>
-              <a:t>github</a:t>
-            </a:r>
-            <a:endParaRPr lang="en-US" dirty="0" smtClean="0"/>
+              <a:t>PyExZ3 regression tests should pass</a:t>
+            </a:r>
           </a:p>
           <a:p>
             <a:pPr marL="514350" indent="-514350">
@@ -11665,39 +14975,43 @@
             </a:pPr>
             <a:r>
               <a:rPr lang="en-US" dirty="0" smtClean="0"/>
-              <a:t>For more fun,</a:t>
+              <a:t>Write and submit new test cases</a:t>
             </a:r>
           </a:p>
           <a:p>
             <a:pPr lvl="1"/>
             <a:r>
               <a:rPr lang="en-US" dirty="0" smtClean="0"/>
-              <a:t>Fix up treatment of while loops so that modified whileloop.py doesn’t diverge</a:t>
+              <a:t>At least one test case that passes</a:t>
             </a:r>
           </a:p>
           <a:p>
             <a:pPr lvl="1"/>
             <a:r>
               <a:rPr lang="en-US" dirty="0" smtClean="0"/>
-              <a:t>Implement loop </a:t>
+              <a:t>At least one that shows off a deficiency in the implementation</a:t>
+            </a:r>
+          </a:p>
+          <a:p>
+            <a:pPr lvl="1"/>
+            <a:r>
+              <a:rPr lang="en-US" dirty="0" smtClean="0"/>
+              <a:t>Send email with new tests to </a:t>
+            </a:r>
+            <a:r>
+              <a:rPr lang="en-US" dirty="0" smtClean="0">
+                <a:hlinkClick r:id="rId3"/>
+              </a:rPr>
+              <a:t>tball@microsoft.com</a:t>
+            </a:r>
+            <a:r>
+              <a:rPr lang="en-US" dirty="0" smtClean="0"/>
+              <a:t> -  I will add to </a:t>
             </a:r>
             <a:r>
               <a:rPr lang="en-US" dirty="0" err="1" smtClean="0"/>
-              <a:t>subsumption</a:t>
-            </a:r>
-            <a:endParaRPr lang="en-US" dirty="0" smtClean="0"/>
-          </a:p>
-          <a:p>
-            <a:pPr lvl="1"/>
-            <a:r>
-              <a:rPr lang="en-US" dirty="0" smtClean="0"/>
-              <a:t>Write a function (in)equivalence checker </a:t>
-            </a:r>
-          </a:p>
-          <a:p>
-            <a:pPr marL="0" indent="0">
-              <a:buNone/>
-            </a:pPr>
+              <a:t>github</a:t>
+            </a:r>
             <a:endParaRPr lang="en-US" dirty="0" smtClean="0"/>
           </a:p>
           <a:p>
@@ -15278,12 +18592,6 @@
 </file>
 
 <file path=customXml/item1.xml><?xml version="1.0" encoding="utf-8"?>
-<p:properties xmlns:p="http://schemas.microsoft.com/office/2006/metadata/properties" xmlns:xsi="http://www.w3.org/2001/XMLSchema-instance" xmlns:pc="http://schemas.microsoft.com/office/infopath/2007/PartnerControls">
-  <documentManagement/>
-</p:properties>
-</file>
-
-<file path=customXml/item2.xml><?xml version="1.0" encoding="utf-8"?>
 <ct:contentTypeSchema xmlns:ct="http://schemas.microsoft.com/office/2006/metadata/contentType" xmlns:ma="http://schemas.microsoft.com/office/2006/metadata/properties/metaAttributes" ct:_="" ma:_="" ma:contentTypeName="Document" ma:contentTypeID="0x010100437DDF9C4307334E89ED110A86A7ABC6" ma:contentTypeVersion="1" ma:contentTypeDescription="Create a new document." ma:contentTypeScope="" ma:versionID="b9373c3bbaf6b411fd7f63f021d4d6fc">
   <xsd:schema xmlns:xsd="http://www.w3.org/2001/XMLSchema" xmlns:xs="http://www.w3.org/2001/XMLSchema" xmlns:p="http://schemas.microsoft.com/office/2006/metadata/properties" xmlns:ns3="e38774e6-6428-4dbd-b505-0acc1faa5601" targetNamespace="http://schemas.microsoft.com/office/2006/metadata/properties" ma:root="true" ma:fieldsID="2b233a94cf1960505182d9874862e24f" ns3:_="">
     <xsd:import namespace="e38774e6-6428-4dbd-b505-0acc1faa5601"/>
@@ -15423,6 +18731,12 @@
 </ct:contentTypeSchema>
 </file>
 
+<file path=customXml/item2.xml><?xml version="1.0" encoding="utf-8"?>
+<p:properties xmlns:p="http://schemas.microsoft.com/office/2006/metadata/properties" xmlns:xsi="http://www.w3.org/2001/XMLSchema-instance" xmlns:pc="http://schemas.microsoft.com/office/infopath/2007/PartnerControls">
+  <documentManagement/>
+</p:properties>
+</file>
+
 <file path=customXml/item3.xml><?xml version="1.0" encoding="utf-8"?>
 <?mso-contentType ?>
 <FormTemplates xmlns="http://schemas.microsoft.com/sharepoint/v3/contenttype/forms">
@@ -15433,22 +18747,6 @@
 </file>
 
 <file path=customXml/itemProps1.xml><?xml version="1.0" encoding="utf-8"?>
-<ds:datastoreItem xmlns:ds="http://schemas.openxmlformats.org/officeDocument/2006/customXml" ds:itemID="{FB6BFFDC-454B-4126-B386-28229AA96DAC}">
-  <ds:schemaRefs>
-    <ds:schemaRef ds:uri="http://schemas.microsoft.com/office/2006/documentManagement/types"/>
-    <ds:schemaRef ds:uri="http://schemas.microsoft.com/office/2006/metadata/properties"/>
-    <ds:schemaRef ds:uri="http://purl.org/dc/terms/"/>
-    <ds:schemaRef ds:uri="http://schemas.openxmlformats.org/package/2006/metadata/core-properties"/>
-    <ds:schemaRef ds:uri="http://purl.org/dc/dcmitype/"/>
-    <ds:schemaRef ds:uri="http://schemas.microsoft.com/office/infopath/2007/PartnerControls"/>
-    <ds:schemaRef ds:uri="e38774e6-6428-4dbd-b505-0acc1faa5601"/>
-    <ds:schemaRef ds:uri="http://www.w3.org/XML/1998/namespace"/>
-    <ds:schemaRef ds:uri="http://purl.org/dc/elements/1.1/"/>
-  </ds:schemaRefs>
-</ds:datastoreItem>
-</file>
-
-<file path=customXml/itemProps2.xml><?xml version="1.0" encoding="utf-8"?>
 <ds:datastoreItem xmlns:ds="http://schemas.openxmlformats.org/officeDocument/2006/customXml" ds:itemID="{485104E6-C828-4FC3-A33C-64336A6E8D07}">
   <ds:schemaRefs>
     <ds:schemaRef ds:uri="http://schemas.microsoft.com/office/2006/metadata/contentType"/>
@@ -15466,6 +18764,22 @@
 </ds:datastoreItem>
 </file>
 
+<file path=customXml/itemProps2.xml><?xml version="1.0" encoding="utf-8"?>
+<ds:datastoreItem xmlns:ds="http://schemas.openxmlformats.org/officeDocument/2006/customXml" ds:itemID="{FB6BFFDC-454B-4126-B386-28229AA96DAC}">
+  <ds:schemaRefs>
+    <ds:schemaRef ds:uri="http://purl.org/dc/terms/"/>
+    <ds:schemaRef ds:uri="http://www.w3.org/XML/1998/namespace"/>
+    <ds:schemaRef ds:uri="http://schemas.microsoft.com/office/2006/documentManagement/types"/>
+    <ds:schemaRef ds:uri="e38774e6-6428-4dbd-b505-0acc1faa5601"/>
+    <ds:schemaRef ds:uri="http://purl.org/dc/elements/1.1/"/>
+    <ds:schemaRef ds:uri="http://schemas.microsoft.com/office/infopath/2007/PartnerControls"/>
+    <ds:schemaRef ds:uri="http://schemas.openxmlformats.org/package/2006/metadata/core-properties"/>
+    <ds:schemaRef ds:uri="http://schemas.microsoft.com/office/2006/metadata/properties"/>
+    <ds:schemaRef ds:uri="http://purl.org/dc/dcmitype/"/>
+  </ds:schemaRefs>
+</ds:datastoreItem>
+</file>
+
 <file path=customXml/itemProps3.xml><?xml version="1.0" encoding="utf-8"?>
 <ds:datastoreItem xmlns:ds="http://schemas.openxmlformats.org/officeDocument/2006/customXml" ds:itemID="{30CE9295-D642-4A8B-8E3E-E3ABE16B63E4}">
   <ds:schemaRefs>
